--- a/Beadandó VJ.pptx
+++ b/Beadandó VJ.pptx
@@ -2,29 +2,26 @@
 <file path=ppt/presentation.xml><?xml version="1.0" encoding="utf-8"?>
 <p:presentation xmlns:a="http://schemas.openxmlformats.org/drawingml/2006/main" xmlns:r="http://schemas.openxmlformats.org/officeDocument/2006/relationships" xmlns:p="http://schemas.openxmlformats.org/presentationml/2006/main" saveSubsetFonts="1">
   <p:sldMasterIdLst>
-    <p:sldMasterId id="2147483648" r:id="rId1"/>
+    <p:sldMasterId id="2147484127" r:id="rId4"/>
   </p:sldMasterIdLst>
   <p:sldIdLst>
-    <p:sldId id="256" r:id="rId2"/>
-    <p:sldId id="257" r:id="rId3"/>
-    <p:sldId id="258" r:id="rId4"/>
-    <p:sldId id="259" r:id="rId5"/>
-    <p:sldId id="260" r:id="rId6"/>
-    <p:sldId id="261" r:id="rId7"/>
-    <p:sldId id="262" r:id="rId8"/>
-    <p:sldId id="263" r:id="rId9"/>
-    <p:sldId id="264" r:id="rId10"/>
+    <p:sldId id="256" r:id="rId5"/>
+    <p:sldId id="257" r:id="rId6"/>
+    <p:sldId id="259" r:id="rId7"/>
+    <p:sldId id="258" r:id="rId8"/>
+    <p:sldId id="260" r:id="rId9"/>
+    <p:sldId id="266" r:id="rId10"/>
     <p:sldId id="265" r:id="rId11"/>
-    <p:sldId id="266" r:id="rId12"/>
-    <p:sldId id="267" r:id="rId13"/>
+    <p:sldId id="264" r:id="rId12"/>
+    <p:sldId id="263" r:id="rId13"/>
   </p:sldIdLst>
   <p:sldSz cx="12192000" cy="6858000"/>
   <p:notesSz cx="6858000" cy="9144000"/>
   <p:defaultTextStyle>
     <a:defPPr>
-      <a:defRPr lang="hu-HU"/>
+      <a:defRPr lang="en-US"/>
     </a:defPPr>
-    <a:lvl1pPr marL="0" algn="l" defTabSz="914400" rtl="0" eaLnBrk="1" latinLnBrk="0" hangingPunct="1">
+    <a:lvl1pPr marL="0" algn="l" defTabSz="457200" rtl="0" eaLnBrk="1" latinLnBrk="0" hangingPunct="1">
       <a:defRPr sz="1800" kern="1200">
         <a:solidFill>
           <a:schemeClr val="tx1"/>
@@ -34,7 +31,7 @@
         <a:cs typeface="+mn-cs"/>
       </a:defRPr>
     </a:lvl1pPr>
-    <a:lvl2pPr marL="457200" algn="l" defTabSz="914400" rtl="0" eaLnBrk="1" latinLnBrk="0" hangingPunct="1">
+    <a:lvl2pPr marL="457200" algn="l" defTabSz="457200" rtl="0" eaLnBrk="1" latinLnBrk="0" hangingPunct="1">
       <a:defRPr sz="1800" kern="1200">
         <a:solidFill>
           <a:schemeClr val="tx1"/>
@@ -44,7 +41,7 @@
         <a:cs typeface="+mn-cs"/>
       </a:defRPr>
     </a:lvl2pPr>
-    <a:lvl3pPr marL="914400" algn="l" defTabSz="914400" rtl="0" eaLnBrk="1" latinLnBrk="0" hangingPunct="1">
+    <a:lvl3pPr marL="914400" algn="l" defTabSz="457200" rtl="0" eaLnBrk="1" latinLnBrk="0" hangingPunct="1">
       <a:defRPr sz="1800" kern="1200">
         <a:solidFill>
           <a:schemeClr val="tx1"/>
@@ -54,7 +51,7 @@
         <a:cs typeface="+mn-cs"/>
       </a:defRPr>
     </a:lvl3pPr>
-    <a:lvl4pPr marL="1371600" algn="l" defTabSz="914400" rtl="0" eaLnBrk="1" latinLnBrk="0" hangingPunct="1">
+    <a:lvl4pPr marL="1371600" algn="l" defTabSz="457200" rtl="0" eaLnBrk="1" latinLnBrk="0" hangingPunct="1">
       <a:defRPr sz="1800" kern="1200">
         <a:solidFill>
           <a:schemeClr val="tx1"/>
@@ -64,7 +61,7 @@
         <a:cs typeface="+mn-cs"/>
       </a:defRPr>
     </a:lvl4pPr>
-    <a:lvl5pPr marL="1828800" algn="l" defTabSz="914400" rtl="0" eaLnBrk="1" latinLnBrk="0" hangingPunct="1">
+    <a:lvl5pPr marL="1828800" algn="l" defTabSz="457200" rtl="0" eaLnBrk="1" latinLnBrk="0" hangingPunct="1">
       <a:defRPr sz="1800" kern="1200">
         <a:solidFill>
           <a:schemeClr val="tx1"/>
@@ -74,7 +71,7 @@
         <a:cs typeface="+mn-cs"/>
       </a:defRPr>
     </a:lvl5pPr>
-    <a:lvl6pPr marL="2286000" algn="l" defTabSz="914400" rtl="0" eaLnBrk="1" latinLnBrk="0" hangingPunct="1">
+    <a:lvl6pPr marL="2286000" algn="l" defTabSz="457200" rtl="0" eaLnBrk="1" latinLnBrk="0" hangingPunct="1">
       <a:defRPr sz="1800" kern="1200">
         <a:solidFill>
           <a:schemeClr val="tx1"/>
@@ -84,7 +81,7 @@
         <a:cs typeface="+mn-cs"/>
       </a:defRPr>
     </a:lvl6pPr>
-    <a:lvl7pPr marL="2743200" algn="l" defTabSz="914400" rtl="0" eaLnBrk="1" latinLnBrk="0" hangingPunct="1">
+    <a:lvl7pPr marL="2743200" algn="l" defTabSz="457200" rtl="0" eaLnBrk="1" latinLnBrk="0" hangingPunct="1">
       <a:defRPr sz="1800" kern="1200">
         <a:solidFill>
           <a:schemeClr val="tx1"/>
@@ -94,7 +91,7 @@
         <a:cs typeface="+mn-cs"/>
       </a:defRPr>
     </a:lvl7pPr>
-    <a:lvl8pPr marL="3200400" algn="l" defTabSz="914400" rtl="0" eaLnBrk="1" latinLnBrk="0" hangingPunct="1">
+    <a:lvl8pPr marL="3200400" algn="l" defTabSz="457200" rtl="0" eaLnBrk="1" latinLnBrk="0" hangingPunct="1">
       <a:defRPr sz="1800" kern="1200">
         <a:solidFill>
           <a:schemeClr val="tx1"/>
@@ -104,7 +101,7 @@
         <a:cs typeface="+mn-cs"/>
       </a:defRPr>
     </a:lvl8pPr>
-    <a:lvl9pPr marL="3657600" algn="l" defTabSz="914400" rtl="0" eaLnBrk="1" latinLnBrk="0" hangingPunct="1">
+    <a:lvl9pPr marL="3657600" algn="l" defTabSz="457200" rtl="0" eaLnBrk="1" latinLnBrk="0" hangingPunct="1">
       <a:defRPr sz="1800" kern="1200">
         <a:solidFill>
           <a:schemeClr val="tx1"/>
@@ -115,11 +112,28 @@
       </a:defRPr>
     </a:lvl9pPr>
   </p:defaultTextStyle>
+  <p:extLst>
+    <p:ext uri="{EFAFB233-063F-42B5-8137-9DF3F51BA10A}">
+      <p15:sldGuideLst xmlns:p15="http://schemas.microsoft.com/office/powerpoint/2012/main"/>
+    </p:ext>
+  </p:extLst>
 </p:presentation>
 </file>
 
+<file path=ppt/commentAuthors.xml><?xml version="1.0" encoding="utf-8"?>
+<p:cmAuthorLst xmlns:a="http://schemas.openxmlformats.org/drawingml/2006/main" xmlns:r="http://schemas.openxmlformats.org/officeDocument/2006/relationships" xmlns:p="http://schemas.openxmlformats.org/presentationml/2006/main">
+  <p:cmAuthor id="1" name="Varga János" initials="VJ" lastIdx="2" clrIdx="0">
+    <p:extLst>
+      <p:ext uri="{19B8F6BF-5375-455C-9EA6-DF929625EA0E}">
+        <p15:presenceInfo xmlns:p15="http://schemas.microsoft.com/office/powerpoint/2012/main" userId="Varga János" providerId="None"/>
+      </p:ext>
+    </p:extLst>
+  </p:cmAuthor>
+</p:cmAuthorLst>
+</file>
+
 <file path=ppt/slideLayouts/slideLayout1.xml><?xml version="1.0" encoding="utf-8"?>
-<p:sldLayout xmlns:a="http://schemas.openxmlformats.org/drawingml/2006/main" xmlns:r="http://schemas.openxmlformats.org/officeDocument/2006/relationships" xmlns:p="http://schemas.openxmlformats.org/presentationml/2006/main" type="title" preserve="1">
+<p:sldLayout xmlns:a="http://schemas.openxmlformats.org/drawingml/2006/main" xmlns:r="http://schemas.openxmlformats.org/officeDocument/2006/relationships" xmlns:p="http://schemas.openxmlformats.org/presentationml/2006/main" showMasterSp="0" type="title" preserve="1">
   <p:cSld name="Címdia">
     <p:spTree>
       <p:nvGrpSpPr>
@@ -137,7 +151,83 @@
       </p:grpSpPr>
       <p:sp>
         <p:nvSpPr>
-          <p:cNvPr id="2" name="Cím 1"/>
+          <p:cNvPr id="7" name="Rectangle 6"/>
+          <p:cNvSpPr/>
+          <p:nvPr/>
+        </p:nvSpPr>
+        <p:spPr>
+          <a:xfrm>
+            <a:off x="3175" y="6400800"/>
+            <a:ext cx="12188825" cy="457200"/>
+          </a:xfrm>
+          <a:prstGeom prst="rect">
+            <a:avLst/>
+          </a:prstGeom>
+          <a:solidFill>
+            <a:schemeClr val="accent2"/>
+          </a:solidFill>
+          <a:ln>
+            <a:noFill/>
+          </a:ln>
+        </p:spPr>
+        <p:style>
+          <a:lnRef idx="2">
+            <a:schemeClr val="accent1">
+              <a:shade val="50000"/>
+            </a:schemeClr>
+          </a:lnRef>
+          <a:fillRef idx="1">
+            <a:schemeClr val="accent1"/>
+          </a:fillRef>
+          <a:effectRef idx="0">
+            <a:schemeClr val="accent1"/>
+          </a:effectRef>
+          <a:fontRef idx="minor">
+            <a:schemeClr val="lt1"/>
+          </a:fontRef>
+        </p:style>
+      </p:sp>
+      <p:sp>
+        <p:nvSpPr>
+          <p:cNvPr id="8" name="Rectangle 7"/>
+          <p:cNvSpPr/>
+          <p:nvPr/>
+        </p:nvSpPr>
+        <p:spPr>
+          <a:xfrm>
+            <a:off x="15" y="6334316"/>
+            <a:ext cx="12188825" cy="64008"/>
+          </a:xfrm>
+          <a:prstGeom prst="rect">
+            <a:avLst/>
+          </a:prstGeom>
+          <a:solidFill>
+            <a:schemeClr val="accent1"/>
+          </a:solidFill>
+          <a:ln>
+            <a:noFill/>
+          </a:ln>
+        </p:spPr>
+        <p:style>
+          <a:lnRef idx="2">
+            <a:schemeClr val="accent1">
+              <a:shade val="50000"/>
+            </a:schemeClr>
+          </a:lnRef>
+          <a:fillRef idx="1">
+            <a:schemeClr val="accent1"/>
+          </a:fillRef>
+          <a:effectRef idx="0">
+            <a:schemeClr val="accent1"/>
+          </a:effectRef>
+          <a:fontRef idx="minor">
+            <a:schemeClr val="lt1"/>
+          </a:fontRef>
+        </p:style>
+      </p:sp>
+      <p:sp>
+        <p:nvSpPr>
+          <p:cNvPr id="2" name="Title 1"/>
           <p:cNvSpPr>
             <a:spLocks noGrp="1"/>
           </p:cNvSpPr>
@@ -147,29 +237,41 @@
         </p:nvSpPr>
         <p:spPr>
           <a:xfrm>
-            <a:off x="1524000" y="1122363"/>
-            <a:ext cx="9144000" cy="2387600"/>
-          </a:xfrm>
-        </p:spPr>
-        <p:txBody>
-          <a:bodyPr anchor="b"/>
+            <a:off x="1097280" y="758952"/>
+            <a:ext cx="10058400" cy="3566160"/>
+          </a:xfrm>
+        </p:spPr>
+        <p:txBody>
+          <a:bodyPr anchor="b">
+            <a:normAutofit/>
+          </a:bodyPr>
           <a:lstStyle>
-            <a:lvl1pPr algn="ctr">
-              <a:defRPr sz="6000"/>
+            <a:lvl1pPr algn="l">
+              <a:lnSpc>
+                <a:spcPct val="85000"/>
+              </a:lnSpc>
+              <a:defRPr sz="8000" spc="-50" baseline="0">
+                <a:solidFill>
+                  <a:schemeClr val="tx1">
+                    <a:lumMod val="85000"/>
+                    <a:lumOff val="15000"/>
+                  </a:schemeClr>
+                </a:solidFill>
+              </a:defRPr>
             </a:lvl1pPr>
           </a:lstStyle>
           <a:p>
             <a:r>
-              <a:rPr lang="hu-HU" smtClean="0"/>
+              <a:rPr lang="hu-HU"/>
               <a:t>Mintacím szerkesztése</a:t>
             </a:r>
-            <a:endParaRPr lang="hu-HU"/>
-          </a:p>
-        </p:txBody>
-      </p:sp>
-      <p:sp>
-        <p:nvSpPr>
-          <p:cNvPr id="3" name="Alcím 2"/>
+            <a:endParaRPr lang="en-US" dirty="0"/>
+          </a:p>
+        </p:txBody>
+      </p:sp>
+      <p:sp>
+        <p:nvSpPr>
+          <p:cNvPr id="3" name="Subtitle 2"/>
           <p:cNvSpPr>
             <a:spLocks noGrp="1"/>
           </p:cNvSpPr>
@@ -179,77 +281,84 @@
         </p:nvSpPr>
         <p:spPr>
           <a:xfrm>
-            <a:off x="1524000" y="3602038"/>
-            <a:ext cx="9144000" cy="1655762"/>
-          </a:xfrm>
-        </p:spPr>
-        <p:txBody>
-          <a:bodyPr/>
+            <a:off x="1100051" y="4455620"/>
+            <a:ext cx="10058400" cy="1143000"/>
+          </a:xfrm>
+        </p:spPr>
+        <p:txBody>
+          <a:bodyPr lIns="91440" rIns="91440">
+            <a:normAutofit/>
+          </a:bodyPr>
           <a:lstStyle>
-            <a:lvl1pPr marL="0" indent="0" algn="ctr">
-              <a:buNone/>
-              <a:defRPr sz="2400"/>
+            <a:lvl1pPr marL="0" indent="0" algn="l">
+              <a:buNone/>
+              <a:defRPr sz="2400" cap="all" spc="200" baseline="0">
+                <a:solidFill>
+                  <a:schemeClr val="tx2"/>
+                </a:solidFill>
+                <a:latin typeface="+mj-lt"/>
+              </a:defRPr>
             </a:lvl1pPr>
             <a:lvl2pPr marL="457200" indent="0" algn="ctr">
               <a:buNone/>
-              <a:defRPr sz="2000"/>
+              <a:defRPr sz="2400"/>
             </a:lvl2pPr>
             <a:lvl3pPr marL="914400" indent="0" algn="ctr">
               <a:buNone/>
-              <a:defRPr sz="1800"/>
+              <a:defRPr sz="2400"/>
             </a:lvl3pPr>
             <a:lvl4pPr marL="1371600" indent="0" algn="ctr">
               <a:buNone/>
-              <a:defRPr sz="1600"/>
+              <a:defRPr sz="2000"/>
             </a:lvl4pPr>
             <a:lvl5pPr marL="1828800" indent="0" algn="ctr">
               <a:buNone/>
-              <a:defRPr sz="1600"/>
+              <a:defRPr sz="2000"/>
             </a:lvl5pPr>
             <a:lvl6pPr marL="2286000" indent="0" algn="ctr">
               <a:buNone/>
-              <a:defRPr sz="1600"/>
+              <a:defRPr sz="2000"/>
             </a:lvl6pPr>
             <a:lvl7pPr marL="2743200" indent="0" algn="ctr">
               <a:buNone/>
-              <a:defRPr sz="1600"/>
+              <a:defRPr sz="2000"/>
             </a:lvl7pPr>
             <a:lvl8pPr marL="3200400" indent="0" algn="ctr">
               <a:buNone/>
-              <a:defRPr sz="1600"/>
+              <a:defRPr sz="2000"/>
             </a:lvl8pPr>
             <a:lvl9pPr marL="3657600" indent="0" algn="ctr">
               <a:buNone/>
-              <a:defRPr sz="1600"/>
+              <a:defRPr sz="2000"/>
             </a:lvl9pPr>
           </a:lstStyle>
           <a:p>
             <a:r>
+              <a:rPr lang="hu-HU"/>
+              <a:t>Kattintson ide az alcím mintájának szerkesztéséhez</a:t>
+            </a:r>
+            <a:endParaRPr lang="en-US" dirty="0"/>
+          </a:p>
+        </p:txBody>
+      </p:sp>
+      <p:sp>
+        <p:nvSpPr>
+          <p:cNvPr id="4" name="Date Placeholder 3"/>
+          <p:cNvSpPr>
+            <a:spLocks noGrp="1"/>
+          </p:cNvSpPr>
+          <p:nvPr>
+            <p:ph type="dt" sz="half" idx="10"/>
+          </p:nvPr>
+        </p:nvSpPr>
+        <p:spPr/>
+        <p:txBody>
+          <a:bodyPr/>
+          <a:lstStyle/>
+          <a:p>
+            <a:fld id="{8F5A1913-C1B8-42A7-81A1-2FE1D24E3BD3}" type="datetimeFigureOut">
               <a:rPr lang="hu-HU" smtClean="0"/>
-              <a:t>Kattintson ide az alcím mintájának szerkesztéséhez</a:t>
-            </a:r>
-            <a:endParaRPr lang="hu-HU"/>
-          </a:p>
-        </p:txBody>
-      </p:sp>
-      <p:sp>
-        <p:nvSpPr>
-          <p:cNvPr id="4" name="Dátum helye 3"/>
-          <p:cNvSpPr>
-            <a:spLocks noGrp="1"/>
-          </p:cNvSpPr>
-          <p:nvPr>
-            <p:ph type="dt" sz="half" idx="10"/>
-          </p:nvPr>
-        </p:nvSpPr>
-        <p:spPr/>
-        <p:txBody>
-          <a:bodyPr/>
-          <a:lstStyle/>
-          <a:p>
-            <a:fld id="{4875BA67-BB52-4359-8E86-14F12B2AA875}" type="datetimeFigureOut">
-              <a:rPr lang="hu-HU" smtClean="0"/>
-              <a:t>2022.09.08.</a:t>
+              <a:t>2022. 09. 12.</a:t>
             </a:fld>
             <a:endParaRPr lang="hu-HU"/>
           </a:p>
@@ -257,7 +366,7 @@
       </p:sp>
       <p:sp>
         <p:nvSpPr>
-          <p:cNvPr id="5" name="Élőláb helye 4"/>
+          <p:cNvPr id="5" name="Footer Placeholder 4"/>
           <p:cNvSpPr>
             <a:spLocks noGrp="1"/>
           </p:cNvSpPr>
@@ -276,7 +385,7 @@
       </p:sp>
       <p:sp>
         <p:nvSpPr>
-          <p:cNvPr id="6" name="Dia számának helye 5"/>
+          <p:cNvPr id="6" name="Slide Number Placeholder 5"/>
           <p:cNvSpPr>
             <a:spLocks noGrp="1"/>
           </p:cNvSpPr>
@@ -289,7 +398,7 @@
           <a:bodyPr/>
           <a:lstStyle/>
           <a:p>
-            <a:fld id="{9FD93BDE-30AE-4FFA-8F12-6851F74B3D3F}" type="slidenum">
+            <a:fld id="{A5364E08-5E69-4BBF-A99B-F97109629270}" type="slidenum">
               <a:rPr lang="hu-HU" smtClean="0"/>
               <a:t>‹#›</a:t>
             </a:fld>
@@ -297,10 +406,48 @@
           </a:p>
         </p:txBody>
       </p:sp>
+      <p:cxnSp>
+        <p:nvCxnSpPr>
+          <p:cNvPr id="9" name="Straight Connector 8"/>
+          <p:cNvCxnSpPr/>
+          <p:nvPr/>
+        </p:nvCxnSpPr>
+        <p:spPr>
+          <a:xfrm>
+            <a:off x="1207658" y="4343400"/>
+            <a:ext cx="9875520" cy="0"/>
+          </a:xfrm>
+          <a:prstGeom prst="line">
+            <a:avLst/>
+          </a:prstGeom>
+          <a:ln w="6350">
+            <a:solidFill>
+              <a:schemeClr val="tx1">
+                <a:lumMod val="50000"/>
+                <a:lumOff val="50000"/>
+              </a:schemeClr>
+            </a:solidFill>
+          </a:ln>
+        </p:spPr>
+        <p:style>
+          <a:lnRef idx="1">
+            <a:schemeClr val="accent1"/>
+          </a:lnRef>
+          <a:fillRef idx="0">
+            <a:schemeClr val="accent1"/>
+          </a:fillRef>
+          <a:effectRef idx="0">
+            <a:schemeClr val="accent1"/>
+          </a:effectRef>
+          <a:fontRef idx="minor">
+            <a:schemeClr val="tx1"/>
+          </a:fontRef>
+        </p:style>
+      </p:cxnSp>
     </p:spTree>
     <p:extLst>
       <p:ext uri="{BB962C8B-B14F-4D97-AF65-F5344CB8AC3E}">
-        <p14:creationId xmlns:p14="http://schemas.microsoft.com/office/powerpoint/2010/main" val="353655120"/>
+        <p14:creationId xmlns:p14="http://schemas.microsoft.com/office/powerpoint/2010/main" val="477503147"/>
       </p:ext>
     </p:extLst>
   </p:cSld>
@@ -329,7 +476,7 @@
       </p:grpSpPr>
       <p:sp>
         <p:nvSpPr>
-          <p:cNvPr id="2" name="Cím 1"/>
+          <p:cNvPr id="2" name="Title 1"/>
           <p:cNvSpPr>
             <a:spLocks noGrp="1"/>
           </p:cNvSpPr>
@@ -343,83 +490,83 @@
           <a:lstStyle/>
           <a:p>
             <a:r>
+              <a:rPr lang="hu-HU"/>
+              <a:t>Mintacím szerkesztése</a:t>
+            </a:r>
+            <a:endParaRPr lang="en-US" dirty="0"/>
+          </a:p>
+        </p:txBody>
+      </p:sp>
+      <p:sp>
+        <p:nvSpPr>
+          <p:cNvPr id="3" name="Vertical Text Placeholder 2"/>
+          <p:cNvSpPr>
+            <a:spLocks noGrp="1"/>
+          </p:cNvSpPr>
+          <p:nvPr>
+            <p:ph type="body" orient="vert" idx="1"/>
+          </p:nvPr>
+        </p:nvSpPr>
+        <p:spPr/>
+        <p:txBody>
+          <a:bodyPr vert="eaVert" lIns="45720" tIns="0" rIns="45720" bIns="0"/>
+          <a:lstStyle/>
+          <a:p>
+            <a:pPr lvl="0"/>
+            <a:r>
+              <a:rPr lang="hu-HU"/>
+              <a:t>Mintaszöveg szerkesztése</a:t>
+            </a:r>
+          </a:p>
+          <a:p>
+            <a:pPr lvl="1"/>
+            <a:r>
+              <a:rPr lang="hu-HU"/>
+              <a:t>Második szint</a:t>
+            </a:r>
+          </a:p>
+          <a:p>
+            <a:pPr lvl="2"/>
+            <a:r>
+              <a:rPr lang="hu-HU"/>
+              <a:t>Harmadik szint</a:t>
+            </a:r>
+          </a:p>
+          <a:p>
+            <a:pPr lvl="3"/>
+            <a:r>
+              <a:rPr lang="hu-HU"/>
+              <a:t>Negyedik szint</a:t>
+            </a:r>
+          </a:p>
+          <a:p>
+            <a:pPr lvl="4"/>
+            <a:r>
+              <a:rPr lang="hu-HU"/>
+              <a:t>Ötödik szint</a:t>
+            </a:r>
+            <a:endParaRPr lang="en-US" dirty="0"/>
+          </a:p>
+        </p:txBody>
+      </p:sp>
+      <p:sp>
+        <p:nvSpPr>
+          <p:cNvPr id="4" name="Date Placeholder 3"/>
+          <p:cNvSpPr>
+            <a:spLocks noGrp="1"/>
+          </p:cNvSpPr>
+          <p:nvPr>
+            <p:ph type="dt" sz="half" idx="10"/>
+          </p:nvPr>
+        </p:nvSpPr>
+        <p:spPr/>
+        <p:txBody>
+          <a:bodyPr/>
+          <a:lstStyle/>
+          <a:p>
+            <a:fld id="{8F5A1913-C1B8-42A7-81A1-2FE1D24E3BD3}" type="datetimeFigureOut">
               <a:rPr lang="hu-HU" smtClean="0"/>
-              <a:t>Mintacím szerkesztése</a:t>
-            </a:r>
-            <a:endParaRPr lang="hu-HU"/>
-          </a:p>
-        </p:txBody>
-      </p:sp>
-      <p:sp>
-        <p:nvSpPr>
-          <p:cNvPr id="3" name="Függőleges szöveg helye 2"/>
-          <p:cNvSpPr>
-            <a:spLocks noGrp="1"/>
-          </p:cNvSpPr>
-          <p:nvPr>
-            <p:ph type="body" orient="vert" idx="1"/>
-          </p:nvPr>
-        </p:nvSpPr>
-        <p:spPr/>
-        <p:txBody>
-          <a:bodyPr vert="eaVert"/>
-          <a:lstStyle/>
-          <a:p>
-            <a:pPr lvl="0"/>
-            <a:r>
-              <a:rPr lang="hu-HU" smtClean="0"/>
-              <a:t>Mintaszöveg szerkesztése</a:t>
-            </a:r>
-          </a:p>
-          <a:p>
-            <a:pPr lvl="1"/>
-            <a:r>
-              <a:rPr lang="hu-HU" smtClean="0"/>
-              <a:t>Második szint</a:t>
-            </a:r>
-          </a:p>
-          <a:p>
-            <a:pPr lvl="2"/>
-            <a:r>
-              <a:rPr lang="hu-HU" smtClean="0"/>
-              <a:t>Harmadik szint</a:t>
-            </a:r>
-          </a:p>
-          <a:p>
-            <a:pPr lvl="3"/>
-            <a:r>
-              <a:rPr lang="hu-HU" smtClean="0"/>
-              <a:t>Negyedik szint</a:t>
-            </a:r>
-          </a:p>
-          <a:p>
-            <a:pPr lvl="4"/>
-            <a:r>
-              <a:rPr lang="hu-HU" smtClean="0"/>
-              <a:t>Ötödik szint</a:t>
-            </a:r>
-            <a:endParaRPr lang="hu-HU"/>
-          </a:p>
-        </p:txBody>
-      </p:sp>
-      <p:sp>
-        <p:nvSpPr>
-          <p:cNvPr id="4" name="Dátum helye 3"/>
-          <p:cNvSpPr>
-            <a:spLocks noGrp="1"/>
-          </p:cNvSpPr>
-          <p:nvPr>
-            <p:ph type="dt" sz="half" idx="10"/>
-          </p:nvPr>
-        </p:nvSpPr>
-        <p:spPr/>
-        <p:txBody>
-          <a:bodyPr/>
-          <a:lstStyle/>
-          <a:p>
-            <a:fld id="{4875BA67-BB52-4359-8E86-14F12B2AA875}" type="datetimeFigureOut">
-              <a:rPr lang="hu-HU" smtClean="0"/>
-              <a:t>2022.09.08.</a:t>
+              <a:t>2022. 09. 12.</a:t>
             </a:fld>
             <a:endParaRPr lang="hu-HU"/>
           </a:p>
@@ -427,7 +574,7 @@
       </p:sp>
       <p:sp>
         <p:nvSpPr>
-          <p:cNvPr id="5" name="Élőláb helye 4"/>
+          <p:cNvPr id="5" name="Footer Placeholder 4"/>
           <p:cNvSpPr>
             <a:spLocks noGrp="1"/>
           </p:cNvSpPr>
@@ -446,7 +593,7 @@
       </p:sp>
       <p:sp>
         <p:nvSpPr>
-          <p:cNvPr id="6" name="Dia számának helye 5"/>
+          <p:cNvPr id="6" name="Slide Number Placeholder 5"/>
           <p:cNvSpPr>
             <a:spLocks noGrp="1"/>
           </p:cNvSpPr>
@@ -459,7 +606,7 @@
           <a:bodyPr/>
           <a:lstStyle/>
           <a:p>
-            <a:fld id="{9FD93BDE-30AE-4FFA-8F12-6851F74B3D3F}" type="slidenum">
+            <a:fld id="{A5364E08-5E69-4BBF-A99B-F97109629270}" type="slidenum">
               <a:rPr lang="hu-HU" smtClean="0"/>
               <a:t>‹#›</a:t>
             </a:fld>
@@ -470,7 +617,7 @@
     </p:spTree>
     <p:extLst>
       <p:ext uri="{BB962C8B-B14F-4D97-AF65-F5344CB8AC3E}">
-        <p14:creationId xmlns:p14="http://schemas.microsoft.com/office/powerpoint/2010/main" val="1389943045"/>
+        <p14:creationId xmlns:p14="http://schemas.microsoft.com/office/powerpoint/2010/main" val="6538864"/>
       </p:ext>
     </p:extLst>
   </p:cSld>
@@ -481,7 +628,7 @@
 </file>
 
 <file path=ppt/slideLayouts/slideLayout11.xml><?xml version="1.0" encoding="utf-8"?>
-<p:sldLayout xmlns:a="http://schemas.openxmlformats.org/drawingml/2006/main" xmlns:r="http://schemas.openxmlformats.org/officeDocument/2006/relationships" xmlns:p="http://schemas.openxmlformats.org/presentationml/2006/main" type="vertTitleAndTx" preserve="1">
+<p:sldLayout xmlns:a="http://schemas.openxmlformats.org/drawingml/2006/main" xmlns:r="http://schemas.openxmlformats.org/officeDocument/2006/relationships" xmlns:p="http://schemas.openxmlformats.org/presentationml/2006/main" showMasterSp="0" type="vertTitleAndTx" preserve="1">
   <p:cSld name="Függőleges cím és szöveg">
     <p:spTree>
       <p:nvGrpSpPr>
@@ -499,7 +646,83 @@
       </p:grpSpPr>
       <p:sp>
         <p:nvSpPr>
-          <p:cNvPr id="2" name="Függőleges cím 1"/>
+          <p:cNvPr id="7" name="Rectangle 6"/>
+          <p:cNvSpPr/>
+          <p:nvPr/>
+        </p:nvSpPr>
+        <p:spPr>
+          <a:xfrm>
+            <a:off x="3175" y="6400800"/>
+            <a:ext cx="12188825" cy="457200"/>
+          </a:xfrm>
+          <a:prstGeom prst="rect">
+            <a:avLst/>
+          </a:prstGeom>
+          <a:solidFill>
+            <a:schemeClr val="accent2"/>
+          </a:solidFill>
+          <a:ln>
+            <a:noFill/>
+          </a:ln>
+        </p:spPr>
+        <p:style>
+          <a:lnRef idx="2">
+            <a:schemeClr val="accent1">
+              <a:shade val="50000"/>
+            </a:schemeClr>
+          </a:lnRef>
+          <a:fillRef idx="1">
+            <a:schemeClr val="accent1"/>
+          </a:fillRef>
+          <a:effectRef idx="0">
+            <a:schemeClr val="accent1"/>
+          </a:effectRef>
+          <a:fontRef idx="minor">
+            <a:schemeClr val="lt1"/>
+          </a:fontRef>
+        </p:style>
+      </p:sp>
+      <p:sp>
+        <p:nvSpPr>
+          <p:cNvPr id="8" name="Rectangle 7"/>
+          <p:cNvSpPr/>
+          <p:nvPr/>
+        </p:nvSpPr>
+        <p:spPr>
+          <a:xfrm>
+            <a:off x="15" y="6334316"/>
+            <a:ext cx="12188825" cy="64008"/>
+          </a:xfrm>
+          <a:prstGeom prst="rect">
+            <a:avLst/>
+          </a:prstGeom>
+          <a:solidFill>
+            <a:schemeClr val="accent1"/>
+          </a:solidFill>
+          <a:ln>
+            <a:noFill/>
+          </a:ln>
+        </p:spPr>
+        <p:style>
+          <a:lnRef idx="2">
+            <a:schemeClr val="accent1">
+              <a:shade val="50000"/>
+            </a:schemeClr>
+          </a:lnRef>
+          <a:fillRef idx="1">
+            <a:schemeClr val="accent1"/>
+          </a:fillRef>
+          <a:effectRef idx="0">
+            <a:schemeClr val="accent1"/>
+          </a:effectRef>
+          <a:fontRef idx="minor">
+            <a:schemeClr val="lt1"/>
+          </a:fontRef>
+        </p:style>
+      </p:sp>
+      <p:sp>
+        <p:nvSpPr>
+          <p:cNvPr id="2" name="Vertical Title 1"/>
           <p:cNvSpPr>
             <a:spLocks noGrp="1"/>
           </p:cNvSpPr>
@@ -509,8 +732,8 @@
         </p:nvSpPr>
         <p:spPr>
           <a:xfrm>
-            <a:off x="8724900" y="365125"/>
-            <a:ext cx="2628900" cy="5811838"/>
+            <a:off x="8724900" y="414778"/>
+            <a:ext cx="2628900" cy="5757421"/>
           </a:xfrm>
         </p:spPr>
         <p:txBody>
@@ -518,88 +741,88 @@
           <a:lstStyle/>
           <a:p>
             <a:r>
+              <a:rPr lang="hu-HU"/>
+              <a:t>Mintacím szerkesztése</a:t>
+            </a:r>
+            <a:endParaRPr lang="en-US" dirty="0"/>
+          </a:p>
+        </p:txBody>
+      </p:sp>
+      <p:sp>
+        <p:nvSpPr>
+          <p:cNvPr id="3" name="Vertical Text Placeholder 2"/>
+          <p:cNvSpPr>
+            <a:spLocks noGrp="1"/>
+          </p:cNvSpPr>
+          <p:nvPr>
+            <p:ph type="body" orient="vert" idx="1"/>
+          </p:nvPr>
+        </p:nvSpPr>
+        <p:spPr>
+          <a:xfrm>
+            <a:off x="838200" y="414778"/>
+            <a:ext cx="7734300" cy="5757422"/>
+          </a:xfrm>
+        </p:spPr>
+        <p:txBody>
+          <a:bodyPr vert="eaVert" lIns="45720" tIns="0" rIns="45720" bIns="0"/>
+          <a:lstStyle/>
+          <a:p>
+            <a:pPr lvl="0"/>
+            <a:r>
+              <a:rPr lang="hu-HU"/>
+              <a:t>Mintaszöveg szerkesztése</a:t>
+            </a:r>
+          </a:p>
+          <a:p>
+            <a:pPr lvl="1"/>
+            <a:r>
+              <a:rPr lang="hu-HU"/>
+              <a:t>Második szint</a:t>
+            </a:r>
+          </a:p>
+          <a:p>
+            <a:pPr lvl="2"/>
+            <a:r>
+              <a:rPr lang="hu-HU"/>
+              <a:t>Harmadik szint</a:t>
+            </a:r>
+          </a:p>
+          <a:p>
+            <a:pPr lvl="3"/>
+            <a:r>
+              <a:rPr lang="hu-HU"/>
+              <a:t>Negyedik szint</a:t>
+            </a:r>
+          </a:p>
+          <a:p>
+            <a:pPr lvl="4"/>
+            <a:r>
+              <a:rPr lang="hu-HU"/>
+              <a:t>Ötödik szint</a:t>
+            </a:r>
+            <a:endParaRPr lang="en-US" dirty="0"/>
+          </a:p>
+        </p:txBody>
+      </p:sp>
+      <p:sp>
+        <p:nvSpPr>
+          <p:cNvPr id="4" name="Date Placeholder 3"/>
+          <p:cNvSpPr>
+            <a:spLocks noGrp="1"/>
+          </p:cNvSpPr>
+          <p:nvPr>
+            <p:ph type="dt" sz="half" idx="10"/>
+          </p:nvPr>
+        </p:nvSpPr>
+        <p:spPr/>
+        <p:txBody>
+          <a:bodyPr/>
+          <a:lstStyle/>
+          <a:p>
+            <a:fld id="{8F5A1913-C1B8-42A7-81A1-2FE1D24E3BD3}" type="datetimeFigureOut">
               <a:rPr lang="hu-HU" smtClean="0"/>
-              <a:t>Mintacím szerkesztése</a:t>
-            </a:r>
-            <a:endParaRPr lang="hu-HU"/>
-          </a:p>
-        </p:txBody>
-      </p:sp>
-      <p:sp>
-        <p:nvSpPr>
-          <p:cNvPr id="3" name="Függőleges szöveg helye 2"/>
-          <p:cNvSpPr>
-            <a:spLocks noGrp="1"/>
-          </p:cNvSpPr>
-          <p:nvPr>
-            <p:ph type="body" orient="vert" idx="1"/>
-          </p:nvPr>
-        </p:nvSpPr>
-        <p:spPr>
-          <a:xfrm>
-            <a:off x="838200" y="365125"/>
-            <a:ext cx="7734300" cy="5811838"/>
-          </a:xfrm>
-        </p:spPr>
-        <p:txBody>
-          <a:bodyPr vert="eaVert"/>
-          <a:lstStyle/>
-          <a:p>
-            <a:pPr lvl="0"/>
-            <a:r>
-              <a:rPr lang="hu-HU" smtClean="0"/>
-              <a:t>Mintaszöveg szerkesztése</a:t>
-            </a:r>
-          </a:p>
-          <a:p>
-            <a:pPr lvl="1"/>
-            <a:r>
-              <a:rPr lang="hu-HU" smtClean="0"/>
-              <a:t>Második szint</a:t>
-            </a:r>
-          </a:p>
-          <a:p>
-            <a:pPr lvl="2"/>
-            <a:r>
-              <a:rPr lang="hu-HU" smtClean="0"/>
-              <a:t>Harmadik szint</a:t>
-            </a:r>
-          </a:p>
-          <a:p>
-            <a:pPr lvl="3"/>
-            <a:r>
-              <a:rPr lang="hu-HU" smtClean="0"/>
-              <a:t>Negyedik szint</a:t>
-            </a:r>
-          </a:p>
-          <a:p>
-            <a:pPr lvl="4"/>
-            <a:r>
-              <a:rPr lang="hu-HU" smtClean="0"/>
-              <a:t>Ötödik szint</a:t>
-            </a:r>
-            <a:endParaRPr lang="hu-HU"/>
-          </a:p>
-        </p:txBody>
-      </p:sp>
-      <p:sp>
-        <p:nvSpPr>
-          <p:cNvPr id="4" name="Dátum helye 3"/>
-          <p:cNvSpPr>
-            <a:spLocks noGrp="1"/>
-          </p:cNvSpPr>
-          <p:nvPr>
-            <p:ph type="dt" sz="half" idx="10"/>
-          </p:nvPr>
-        </p:nvSpPr>
-        <p:spPr/>
-        <p:txBody>
-          <a:bodyPr/>
-          <a:lstStyle/>
-          <a:p>
-            <a:fld id="{4875BA67-BB52-4359-8E86-14F12B2AA875}" type="datetimeFigureOut">
-              <a:rPr lang="hu-HU" smtClean="0"/>
-              <a:t>2022.09.08.</a:t>
+              <a:t>2022. 09. 12.</a:t>
             </a:fld>
             <a:endParaRPr lang="hu-HU"/>
           </a:p>
@@ -607,7 +830,7 @@
       </p:sp>
       <p:sp>
         <p:nvSpPr>
-          <p:cNvPr id="5" name="Élőláb helye 4"/>
+          <p:cNvPr id="5" name="Footer Placeholder 4"/>
           <p:cNvSpPr>
             <a:spLocks noGrp="1"/>
           </p:cNvSpPr>
@@ -626,7 +849,7 @@
       </p:sp>
       <p:sp>
         <p:nvSpPr>
-          <p:cNvPr id="6" name="Dia számának helye 5"/>
+          <p:cNvPr id="6" name="Slide Number Placeholder 5"/>
           <p:cNvSpPr>
             <a:spLocks noGrp="1"/>
           </p:cNvSpPr>
@@ -639,7 +862,7 @@
           <a:bodyPr/>
           <a:lstStyle/>
           <a:p>
-            <a:fld id="{9FD93BDE-30AE-4FFA-8F12-6851F74B3D3F}" type="slidenum">
+            <a:fld id="{A5364E08-5E69-4BBF-A99B-F97109629270}" type="slidenum">
               <a:rPr lang="hu-HU" smtClean="0"/>
               <a:t>‹#›</a:t>
             </a:fld>
@@ -650,7 +873,7 @@
     </p:spTree>
     <p:extLst>
       <p:ext uri="{BB962C8B-B14F-4D97-AF65-F5344CB8AC3E}">
-        <p14:creationId xmlns:p14="http://schemas.microsoft.com/office/powerpoint/2010/main" val="3716059884"/>
+        <p14:creationId xmlns:p14="http://schemas.microsoft.com/office/powerpoint/2010/main" val="752473862"/>
       </p:ext>
     </p:extLst>
   </p:cSld>
@@ -679,7 +902,7 @@
       </p:grpSpPr>
       <p:sp>
         <p:nvSpPr>
-          <p:cNvPr id="2" name="Cím 1"/>
+          <p:cNvPr id="2" name="Title 1"/>
           <p:cNvSpPr>
             <a:spLocks noGrp="1"/>
           </p:cNvSpPr>
@@ -690,86 +913,90 @@
         <p:spPr/>
         <p:txBody>
           <a:bodyPr/>
-          <a:lstStyle/>
-          <a:p>
-            <a:r>
+          <a:lstStyle>
+            <a:lvl1pPr marL="0">
+              <a:defRPr/>
+            </a:lvl1pPr>
+          </a:lstStyle>
+          <a:p>
+            <a:r>
+              <a:rPr lang="hu-HU"/>
+              <a:t>Mintacím szerkesztése</a:t>
+            </a:r>
+            <a:endParaRPr lang="en-US" dirty="0"/>
+          </a:p>
+        </p:txBody>
+      </p:sp>
+      <p:sp>
+        <p:nvSpPr>
+          <p:cNvPr id="3" name="Content Placeholder 2"/>
+          <p:cNvSpPr>
+            <a:spLocks noGrp="1"/>
+          </p:cNvSpPr>
+          <p:nvPr>
+            <p:ph idx="1"/>
+          </p:nvPr>
+        </p:nvSpPr>
+        <p:spPr/>
+        <p:txBody>
+          <a:bodyPr/>
+          <a:lstStyle/>
+          <a:p>
+            <a:pPr lvl="0"/>
+            <a:r>
+              <a:rPr lang="hu-HU"/>
+              <a:t>Mintaszöveg szerkesztése</a:t>
+            </a:r>
+          </a:p>
+          <a:p>
+            <a:pPr lvl="1"/>
+            <a:r>
+              <a:rPr lang="hu-HU"/>
+              <a:t>Második szint</a:t>
+            </a:r>
+          </a:p>
+          <a:p>
+            <a:pPr lvl="2"/>
+            <a:r>
+              <a:rPr lang="hu-HU"/>
+              <a:t>Harmadik szint</a:t>
+            </a:r>
+          </a:p>
+          <a:p>
+            <a:pPr lvl="3"/>
+            <a:r>
+              <a:rPr lang="hu-HU"/>
+              <a:t>Negyedik szint</a:t>
+            </a:r>
+          </a:p>
+          <a:p>
+            <a:pPr lvl="4"/>
+            <a:r>
+              <a:rPr lang="hu-HU"/>
+              <a:t>Ötödik szint</a:t>
+            </a:r>
+            <a:endParaRPr lang="en-US" dirty="0"/>
+          </a:p>
+        </p:txBody>
+      </p:sp>
+      <p:sp>
+        <p:nvSpPr>
+          <p:cNvPr id="4" name="Date Placeholder 3"/>
+          <p:cNvSpPr>
+            <a:spLocks noGrp="1"/>
+          </p:cNvSpPr>
+          <p:nvPr>
+            <p:ph type="dt" sz="half" idx="10"/>
+          </p:nvPr>
+        </p:nvSpPr>
+        <p:spPr/>
+        <p:txBody>
+          <a:bodyPr/>
+          <a:lstStyle/>
+          <a:p>
+            <a:fld id="{8F5A1913-C1B8-42A7-81A1-2FE1D24E3BD3}" type="datetimeFigureOut">
               <a:rPr lang="hu-HU" smtClean="0"/>
-              <a:t>Mintacím szerkesztése</a:t>
-            </a:r>
-            <a:endParaRPr lang="hu-HU"/>
-          </a:p>
-        </p:txBody>
-      </p:sp>
-      <p:sp>
-        <p:nvSpPr>
-          <p:cNvPr id="3" name="Tartalom helye 2"/>
-          <p:cNvSpPr>
-            <a:spLocks noGrp="1"/>
-          </p:cNvSpPr>
-          <p:nvPr>
-            <p:ph idx="1"/>
-          </p:nvPr>
-        </p:nvSpPr>
-        <p:spPr/>
-        <p:txBody>
-          <a:bodyPr/>
-          <a:lstStyle/>
-          <a:p>
-            <a:pPr lvl="0"/>
-            <a:r>
-              <a:rPr lang="hu-HU" smtClean="0"/>
-              <a:t>Mintaszöveg szerkesztése</a:t>
-            </a:r>
-          </a:p>
-          <a:p>
-            <a:pPr lvl="1"/>
-            <a:r>
-              <a:rPr lang="hu-HU" smtClean="0"/>
-              <a:t>Második szint</a:t>
-            </a:r>
-          </a:p>
-          <a:p>
-            <a:pPr lvl="2"/>
-            <a:r>
-              <a:rPr lang="hu-HU" smtClean="0"/>
-              <a:t>Harmadik szint</a:t>
-            </a:r>
-          </a:p>
-          <a:p>
-            <a:pPr lvl="3"/>
-            <a:r>
-              <a:rPr lang="hu-HU" smtClean="0"/>
-              <a:t>Negyedik szint</a:t>
-            </a:r>
-          </a:p>
-          <a:p>
-            <a:pPr lvl="4"/>
-            <a:r>
-              <a:rPr lang="hu-HU" smtClean="0"/>
-              <a:t>Ötödik szint</a:t>
-            </a:r>
-            <a:endParaRPr lang="hu-HU"/>
-          </a:p>
-        </p:txBody>
-      </p:sp>
-      <p:sp>
-        <p:nvSpPr>
-          <p:cNvPr id="4" name="Dátum helye 3"/>
-          <p:cNvSpPr>
-            <a:spLocks noGrp="1"/>
-          </p:cNvSpPr>
-          <p:nvPr>
-            <p:ph type="dt" sz="half" idx="10"/>
-          </p:nvPr>
-        </p:nvSpPr>
-        <p:spPr/>
-        <p:txBody>
-          <a:bodyPr/>
-          <a:lstStyle/>
-          <a:p>
-            <a:fld id="{4875BA67-BB52-4359-8E86-14F12B2AA875}" type="datetimeFigureOut">
-              <a:rPr lang="hu-HU" smtClean="0"/>
-              <a:t>2022.09.08.</a:t>
+              <a:t>2022. 09. 12.</a:t>
             </a:fld>
             <a:endParaRPr lang="hu-HU"/>
           </a:p>
@@ -777,7 +1004,7 @@
       </p:sp>
       <p:sp>
         <p:nvSpPr>
-          <p:cNvPr id="5" name="Élőláb helye 4"/>
+          <p:cNvPr id="5" name="Footer Placeholder 4"/>
           <p:cNvSpPr>
             <a:spLocks noGrp="1"/>
           </p:cNvSpPr>
@@ -796,7 +1023,7 @@
       </p:sp>
       <p:sp>
         <p:nvSpPr>
-          <p:cNvPr id="6" name="Dia számának helye 5"/>
+          <p:cNvPr id="6" name="Slide Number Placeholder 5"/>
           <p:cNvSpPr>
             <a:spLocks noGrp="1"/>
           </p:cNvSpPr>
@@ -809,7 +1036,7 @@
           <a:bodyPr/>
           <a:lstStyle/>
           <a:p>
-            <a:fld id="{9FD93BDE-30AE-4FFA-8F12-6851F74B3D3F}" type="slidenum">
+            <a:fld id="{A5364E08-5E69-4BBF-A99B-F97109629270}" type="slidenum">
               <a:rPr lang="hu-HU" smtClean="0"/>
               <a:t>‹#›</a:t>
             </a:fld>
@@ -820,7 +1047,7 @@
     </p:spTree>
     <p:extLst>
       <p:ext uri="{BB962C8B-B14F-4D97-AF65-F5344CB8AC3E}">
-        <p14:creationId xmlns:p14="http://schemas.microsoft.com/office/powerpoint/2010/main" val="1277523270"/>
+        <p14:creationId xmlns:p14="http://schemas.microsoft.com/office/powerpoint/2010/main" val="2722133418"/>
       </p:ext>
     </p:extLst>
   </p:cSld>
@@ -831,8 +1058,16 @@
 </file>
 
 <file path=ppt/slideLayouts/slideLayout3.xml><?xml version="1.0" encoding="utf-8"?>
-<p:sldLayout xmlns:a="http://schemas.openxmlformats.org/drawingml/2006/main" xmlns:r="http://schemas.openxmlformats.org/officeDocument/2006/relationships" xmlns:p="http://schemas.openxmlformats.org/presentationml/2006/main" type="secHead" preserve="1">
+<p:sldLayout xmlns:a="http://schemas.openxmlformats.org/drawingml/2006/main" xmlns:r="http://schemas.openxmlformats.org/officeDocument/2006/relationships" xmlns:p="http://schemas.openxmlformats.org/presentationml/2006/main" showMasterSp="0" type="secHead" preserve="1">
   <p:cSld name="Szakaszfejléc">
+    <p:bg>
+      <p:bgPr>
+        <a:solidFill>
+          <a:schemeClr val="bg1"/>
+        </a:solidFill>
+        <a:effectLst/>
+      </p:bgPr>
+    </p:bg>
     <p:spTree>
       <p:nvGrpSpPr>
         <p:cNvPr id="1" name=""/>
@@ -849,7 +1084,83 @@
       </p:grpSpPr>
       <p:sp>
         <p:nvSpPr>
-          <p:cNvPr id="2" name="Cím 1"/>
+          <p:cNvPr id="7" name="Rectangle 6"/>
+          <p:cNvSpPr/>
+          <p:nvPr/>
+        </p:nvSpPr>
+        <p:spPr>
+          <a:xfrm>
+            <a:off x="3175" y="6400800"/>
+            <a:ext cx="12188825" cy="457200"/>
+          </a:xfrm>
+          <a:prstGeom prst="rect">
+            <a:avLst/>
+          </a:prstGeom>
+          <a:solidFill>
+            <a:schemeClr val="accent2"/>
+          </a:solidFill>
+          <a:ln>
+            <a:noFill/>
+          </a:ln>
+        </p:spPr>
+        <p:style>
+          <a:lnRef idx="2">
+            <a:schemeClr val="accent1">
+              <a:shade val="50000"/>
+            </a:schemeClr>
+          </a:lnRef>
+          <a:fillRef idx="1">
+            <a:schemeClr val="accent1"/>
+          </a:fillRef>
+          <a:effectRef idx="0">
+            <a:schemeClr val="accent1"/>
+          </a:effectRef>
+          <a:fontRef idx="minor">
+            <a:schemeClr val="lt1"/>
+          </a:fontRef>
+        </p:style>
+      </p:sp>
+      <p:sp>
+        <p:nvSpPr>
+          <p:cNvPr id="8" name="Rectangle 7"/>
+          <p:cNvSpPr/>
+          <p:nvPr/>
+        </p:nvSpPr>
+        <p:spPr>
+          <a:xfrm>
+            <a:off x="15" y="6334316"/>
+            <a:ext cx="12188825" cy="64008"/>
+          </a:xfrm>
+          <a:prstGeom prst="rect">
+            <a:avLst/>
+          </a:prstGeom>
+          <a:solidFill>
+            <a:schemeClr val="accent1"/>
+          </a:solidFill>
+          <a:ln>
+            <a:noFill/>
+          </a:ln>
+        </p:spPr>
+        <p:style>
+          <a:lnRef idx="2">
+            <a:schemeClr val="accent1">
+              <a:shade val="50000"/>
+            </a:schemeClr>
+          </a:lnRef>
+          <a:fillRef idx="1">
+            <a:schemeClr val="accent1"/>
+          </a:fillRef>
+          <a:effectRef idx="0">
+            <a:schemeClr val="accent1"/>
+          </a:effectRef>
+          <a:fontRef idx="minor">
+            <a:schemeClr val="lt1"/>
+          </a:fontRef>
+        </p:style>
+      </p:sp>
+      <p:sp>
+        <p:nvSpPr>
+          <p:cNvPr id="2" name="Title 1"/>
           <p:cNvSpPr>
             <a:spLocks noGrp="1"/>
           </p:cNvSpPr>
@@ -859,58 +1170,71 @@
         </p:nvSpPr>
         <p:spPr>
           <a:xfrm>
-            <a:off x="831850" y="1709738"/>
-            <a:ext cx="10515600" cy="2852737"/>
-          </a:xfrm>
-        </p:spPr>
-        <p:txBody>
-          <a:bodyPr anchor="b"/>
+            <a:off x="1097280" y="758952"/>
+            <a:ext cx="10058400" cy="3566160"/>
+          </a:xfrm>
+        </p:spPr>
+        <p:txBody>
+          <a:bodyPr anchor="b" anchorCtr="0">
+            <a:normAutofit/>
+          </a:bodyPr>
           <a:lstStyle>
             <a:lvl1pPr>
-              <a:defRPr sz="6000"/>
-            </a:lvl1pPr>
-          </a:lstStyle>
-          <a:p>
-            <a:r>
-              <a:rPr lang="hu-HU" smtClean="0"/>
-              <a:t>Mintacím szerkesztése</a:t>
-            </a:r>
-            <a:endParaRPr lang="hu-HU"/>
-          </a:p>
-        </p:txBody>
-      </p:sp>
-      <p:sp>
-        <p:nvSpPr>
-          <p:cNvPr id="3" name="Szöveg helye 2"/>
-          <p:cNvSpPr>
-            <a:spLocks noGrp="1"/>
-          </p:cNvSpPr>
-          <p:nvPr>
-            <p:ph type="body" idx="1"/>
-          </p:nvPr>
-        </p:nvSpPr>
-        <p:spPr>
-          <a:xfrm>
-            <a:off x="831850" y="4589463"/>
-            <a:ext cx="10515600" cy="1500187"/>
-          </a:xfrm>
-        </p:spPr>
-        <p:txBody>
-          <a:bodyPr/>
-          <a:lstStyle>
-            <a:lvl1pPr marL="0" indent="0">
-              <a:buNone/>
-              <a:defRPr sz="2400">
+              <a:lnSpc>
+                <a:spcPct val="85000"/>
+              </a:lnSpc>
+              <a:defRPr sz="8000" b="0">
                 <a:solidFill>
                   <a:schemeClr val="tx1">
-                    <a:tint val="75000"/>
+                    <a:lumMod val="85000"/>
+                    <a:lumOff val="15000"/>
                   </a:schemeClr>
                 </a:solidFill>
               </a:defRPr>
             </a:lvl1pPr>
+          </a:lstStyle>
+          <a:p>
+            <a:r>
+              <a:rPr lang="hu-HU"/>
+              <a:t>Mintacím szerkesztése</a:t>
+            </a:r>
+            <a:endParaRPr lang="en-US" dirty="0"/>
+          </a:p>
+        </p:txBody>
+      </p:sp>
+      <p:sp>
+        <p:nvSpPr>
+          <p:cNvPr id="3" name="Text Placeholder 2"/>
+          <p:cNvSpPr>
+            <a:spLocks noGrp="1"/>
+          </p:cNvSpPr>
+          <p:nvPr>
+            <p:ph type="body" idx="1"/>
+          </p:nvPr>
+        </p:nvSpPr>
+        <p:spPr>
+          <a:xfrm>
+            <a:off x="1097280" y="4453128"/>
+            <a:ext cx="10058400" cy="1143000"/>
+          </a:xfrm>
+        </p:spPr>
+        <p:txBody>
+          <a:bodyPr lIns="91440" rIns="91440" anchor="t" anchorCtr="0">
+            <a:normAutofit/>
+          </a:bodyPr>
+          <a:lstStyle>
+            <a:lvl1pPr marL="0" indent="0">
+              <a:buNone/>
+              <a:defRPr sz="2400" cap="all" spc="200" baseline="0">
+                <a:solidFill>
+                  <a:schemeClr val="tx2"/>
+                </a:solidFill>
+                <a:latin typeface="+mj-lt"/>
+              </a:defRPr>
+            </a:lvl1pPr>
             <a:lvl2pPr marL="457200" indent="0">
               <a:buNone/>
-              <a:defRPr sz="2000">
+              <a:defRPr sz="1800">
                 <a:solidFill>
                   <a:schemeClr val="tx1">
                     <a:tint val="75000"/>
@@ -920,7 +1244,7 @@
             </a:lvl2pPr>
             <a:lvl3pPr marL="914400" indent="0">
               <a:buNone/>
-              <a:defRPr sz="1800">
+              <a:defRPr sz="1600">
                 <a:solidFill>
                   <a:schemeClr val="tx1">
                     <a:tint val="75000"/>
@@ -930,7 +1254,7 @@
             </a:lvl3pPr>
             <a:lvl4pPr marL="1371600" indent="0">
               <a:buNone/>
-              <a:defRPr sz="1600">
+              <a:defRPr sz="1400">
                 <a:solidFill>
                   <a:schemeClr val="tx1">
                     <a:tint val="75000"/>
@@ -940,7 +1264,7 @@
             </a:lvl4pPr>
             <a:lvl5pPr marL="1828800" indent="0">
               <a:buNone/>
-              <a:defRPr sz="1600">
+              <a:defRPr sz="1400">
                 <a:solidFill>
                   <a:schemeClr val="tx1">
                     <a:tint val="75000"/>
@@ -950,7 +1274,7 @@
             </a:lvl5pPr>
             <a:lvl6pPr marL="2286000" indent="0">
               <a:buNone/>
-              <a:defRPr sz="1600">
+              <a:defRPr sz="1400">
                 <a:solidFill>
                   <a:schemeClr val="tx1">
                     <a:tint val="75000"/>
@@ -960,7 +1284,7 @@
             </a:lvl6pPr>
             <a:lvl7pPr marL="2743200" indent="0">
               <a:buNone/>
-              <a:defRPr sz="1600">
+              <a:defRPr sz="1400">
                 <a:solidFill>
                   <a:schemeClr val="tx1">
                     <a:tint val="75000"/>
@@ -970,7 +1294,7 @@
             </a:lvl7pPr>
             <a:lvl8pPr marL="3200400" indent="0">
               <a:buNone/>
-              <a:defRPr sz="1600">
+              <a:defRPr sz="1400">
                 <a:solidFill>
                   <a:schemeClr val="tx1">
                     <a:tint val="75000"/>
@@ -980,7 +1304,7 @@
             </a:lvl8pPr>
             <a:lvl9pPr marL="3657600" indent="0">
               <a:buNone/>
-              <a:defRPr sz="1600">
+              <a:defRPr sz="1400">
                 <a:solidFill>
                   <a:schemeClr val="tx1">
                     <a:tint val="75000"/>
@@ -992,30 +1316,30 @@
           <a:p>
             <a:pPr lvl="0"/>
             <a:r>
+              <a:rPr lang="hu-HU"/>
+              <a:t>Mintaszöveg szerkesztése</a:t>
+            </a:r>
+          </a:p>
+        </p:txBody>
+      </p:sp>
+      <p:sp>
+        <p:nvSpPr>
+          <p:cNvPr id="4" name="Date Placeholder 3"/>
+          <p:cNvSpPr>
+            <a:spLocks noGrp="1"/>
+          </p:cNvSpPr>
+          <p:nvPr>
+            <p:ph type="dt" sz="half" idx="10"/>
+          </p:nvPr>
+        </p:nvSpPr>
+        <p:spPr/>
+        <p:txBody>
+          <a:bodyPr/>
+          <a:lstStyle/>
+          <a:p>
+            <a:fld id="{8F5A1913-C1B8-42A7-81A1-2FE1D24E3BD3}" type="datetimeFigureOut">
               <a:rPr lang="hu-HU" smtClean="0"/>
-              <a:t>Mintaszöveg szerkesztése</a:t>
-            </a:r>
-          </a:p>
-        </p:txBody>
-      </p:sp>
-      <p:sp>
-        <p:nvSpPr>
-          <p:cNvPr id="4" name="Dátum helye 3"/>
-          <p:cNvSpPr>
-            <a:spLocks noGrp="1"/>
-          </p:cNvSpPr>
-          <p:nvPr>
-            <p:ph type="dt" sz="half" idx="10"/>
-          </p:nvPr>
-        </p:nvSpPr>
-        <p:spPr/>
-        <p:txBody>
-          <a:bodyPr/>
-          <a:lstStyle/>
-          <a:p>
-            <a:fld id="{4875BA67-BB52-4359-8E86-14F12B2AA875}" type="datetimeFigureOut">
-              <a:rPr lang="hu-HU" smtClean="0"/>
-              <a:t>2022.09.08.</a:t>
+              <a:t>2022. 09. 12.</a:t>
             </a:fld>
             <a:endParaRPr lang="hu-HU"/>
           </a:p>
@@ -1023,7 +1347,7 @@
       </p:sp>
       <p:sp>
         <p:nvSpPr>
-          <p:cNvPr id="5" name="Élőláb helye 4"/>
+          <p:cNvPr id="5" name="Footer Placeholder 4"/>
           <p:cNvSpPr>
             <a:spLocks noGrp="1"/>
           </p:cNvSpPr>
@@ -1042,7 +1366,7 @@
       </p:sp>
       <p:sp>
         <p:nvSpPr>
-          <p:cNvPr id="6" name="Dia számának helye 5"/>
+          <p:cNvPr id="6" name="Slide Number Placeholder 5"/>
           <p:cNvSpPr>
             <a:spLocks noGrp="1"/>
           </p:cNvSpPr>
@@ -1055,7 +1379,7 @@
           <a:bodyPr/>
           <a:lstStyle/>
           <a:p>
-            <a:fld id="{9FD93BDE-30AE-4FFA-8F12-6851F74B3D3F}" type="slidenum">
+            <a:fld id="{A5364E08-5E69-4BBF-A99B-F97109629270}" type="slidenum">
               <a:rPr lang="hu-HU" smtClean="0"/>
               <a:t>‹#›</a:t>
             </a:fld>
@@ -1063,10 +1387,48 @@
           </a:p>
         </p:txBody>
       </p:sp>
+      <p:cxnSp>
+        <p:nvCxnSpPr>
+          <p:cNvPr id="9" name="Straight Connector 8"/>
+          <p:cNvCxnSpPr/>
+          <p:nvPr/>
+        </p:nvCxnSpPr>
+        <p:spPr>
+          <a:xfrm>
+            <a:off x="1207658" y="4343400"/>
+            <a:ext cx="9875520" cy="0"/>
+          </a:xfrm>
+          <a:prstGeom prst="line">
+            <a:avLst/>
+          </a:prstGeom>
+          <a:ln w="6350">
+            <a:solidFill>
+              <a:schemeClr val="tx1">
+                <a:lumMod val="50000"/>
+                <a:lumOff val="50000"/>
+              </a:schemeClr>
+            </a:solidFill>
+          </a:ln>
+        </p:spPr>
+        <p:style>
+          <a:lnRef idx="1">
+            <a:schemeClr val="accent1"/>
+          </a:lnRef>
+          <a:fillRef idx="0">
+            <a:schemeClr val="accent1"/>
+          </a:fillRef>
+          <a:effectRef idx="0">
+            <a:schemeClr val="accent1"/>
+          </a:effectRef>
+          <a:fontRef idx="minor">
+            <a:schemeClr val="tx1"/>
+          </a:fontRef>
+        </p:style>
+      </p:cxnSp>
     </p:spTree>
     <p:extLst>
       <p:ext uri="{BB962C8B-B14F-4D97-AF65-F5344CB8AC3E}">
-        <p14:creationId xmlns:p14="http://schemas.microsoft.com/office/powerpoint/2010/main" val="665974876"/>
+        <p14:creationId xmlns:p14="http://schemas.microsoft.com/office/powerpoint/2010/main" val="3894605585"/>
       </p:ext>
     </p:extLst>
   </p:cSld>
@@ -1095,7 +1457,7 @@
       </p:grpSpPr>
       <p:sp>
         <p:nvSpPr>
-          <p:cNvPr id="2" name="Cím 1"/>
+          <p:cNvPr id="8" name="Title 7"/>
           <p:cNvSpPr>
             <a:spLocks noGrp="1"/>
           </p:cNvSpPr>
@@ -1103,151 +1465,156 @@
             <p:ph type="title"/>
           </p:nvPr>
         </p:nvSpPr>
+        <p:spPr>
+          <a:xfrm>
+            <a:off x="1097280" y="286603"/>
+            <a:ext cx="10058400" cy="1450757"/>
+          </a:xfrm>
+        </p:spPr>
+        <p:txBody>
+          <a:bodyPr/>
+          <a:lstStyle/>
+          <a:p>
+            <a:r>
+              <a:rPr lang="hu-HU"/>
+              <a:t>Mintacím szerkesztése</a:t>
+            </a:r>
+            <a:endParaRPr lang="en-US" dirty="0"/>
+          </a:p>
+        </p:txBody>
+      </p:sp>
+      <p:sp>
+        <p:nvSpPr>
+          <p:cNvPr id="3" name="Content Placeholder 2"/>
+          <p:cNvSpPr>
+            <a:spLocks noGrp="1"/>
+          </p:cNvSpPr>
+          <p:nvPr>
+            <p:ph sz="half" idx="1"/>
+          </p:nvPr>
+        </p:nvSpPr>
+        <p:spPr>
+          <a:xfrm>
+            <a:off x="1097279" y="1845734"/>
+            <a:ext cx="4937760" cy="4023360"/>
+          </a:xfrm>
+        </p:spPr>
+        <p:txBody>
+          <a:bodyPr/>
+          <a:lstStyle/>
+          <a:p>
+            <a:pPr lvl="0"/>
+            <a:r>
+              <a:rPr lang="hu-HU"/>
+              <a:t>Mintaszöveg szerkesztése</a:t>
+            </a:r>
+          </a:p>
+          <a:p>
+            <a:pPr lvl="1"/>
+            <a:r>
+              <a:rPr lang="hu-HU"/>
+              <a:t>Második szint</a:t>
+            </a:r>
+          </a:p>
+          <a:p>
+            <a:pPr lvl="2"/>
+            <a:r>
+              <a:rPr lang="hu-HU"/>
+              <a:t>Harmadik szint</a:t>
+            </a:r>
+          </a:p>
+          <a:p>
+            <a:pPr lvl="3"/>
+            <a:r>
+              <a:rPr lang="hu-HU"/>
+              <a:t>Negyedik szint</a:t>
+            </a:r>
+          </a:p>
+          <a:p>
+            <a:pPr lvl="4"/>
+            <a:r>
+              <a:rPr lang="hu-HU"/>
+              <a:t>Ötödik szint</a:t>
+            </a:r>
+            <a:endParaRPr lang="en-US" dirty="0"/>
+          </a:p>
+        </p:txBody>
+      </p:sp>
+      <p:sp>
+        <p:nvSpPr>
+          <p:cNvPr id="4" name="Content Placeholder 3"/>
+          <p:cNvSpPr>
+            <a:spLocks noGrp="1"/>
+          </p:cNvSpPr>
+          <p:nvPr>
+            <p:ph sz="half" idx="2"/>
+          </p:nvPr>
+        </p:nvSpPr>
+        <p:spPr>
+          <a:xfrm>
+            <a:off x="6217920" y="1845735"/>
+            <a:ext cx="4937760" cy="4023360"/>
+          </a:xfrm>
+        </p:spPr>
+        <p:txBody>
+          <a:bodyPr/>
+          <a:lstStyle/>
+          <a:p>
+            <a:pPr lvl="0"/>
+            <a:r>
+              <a:rPr lang="hu-HU"/>
+              <a:t>Mintaszöveg szerkesztése</a:t>
+            </a:r>
+          </a:p>
+          <a:p>
+            <a:pPr lvl="1"/>
+            <a:r>
+              <a:rPr lang="hu-HU"/>
+              <a:t>Második szint</a:t>
+            </a:r>
+          </a:p>
+          <a:p>
+            <a:pPr lvl="2"/>
+            <a:r>
+              <a:rPr lang="hu-HU"/>
+              <a:t>Harmadik szint</a:t>
+            </a:r>
+          </a:p>
+          <a:p>
+            <a:pPr lvl="3"/>
+            <a:r>
+              <a:rPr lang="hu-HU"/>
+              <a:t>Negyedik szint</a:t>
+            </a:r>
+          </a:p>
+          <a:p>
+            <a:pPr lvl="4"/>
+            <a:r>
+              <a:rPr lang="hu-HU"/>
+              <a:t>Ötödik szint</a:t>
+            </a:r>
+            <a:endParaRPr lang="en-US" dirty="0"/>
+          </a:p>
+        </p:txBody>
+      </p:sp>
+      <p:sp>
+        <p:nvSpPr>
+          <p:cNvPr id="5" name="Date Placeholder 4"/>
+          <p:cNvSpPr>
+            <a:spLocks noGrp="1"/>
+          </p:cNvSpPr>
+          <p:nvPr>
+            <p:ph type="dt" sz="half" idx="10"/>
+          </p:nvPr>
+        </p:nvSpPr>
         <p:spPr/>
         <p:txBody>
           <a:bodyPr/>
           <a:lstStyle/>
           <a:p>
-            <a:r>
+            <a:fld id="{8F5A1913-C1B8-42A7-81A1-2FE1D24E3BD3}" type="datetimeFigureOut">
               <a:rPr lang="hu-HU" smtClean="0"/>
-              <a:t>Mintacím szerkesztése</a:t>
-            </a:r>
-            <a:endParaRPr lang="hu-HU"/>
-          </a:p>
-        </p:txBody>
-      </p:sp>
-      <p:sp>
-        <p:nvSpPr>
-          <p:cNvPr id="3" name="Tartalom helye 2"/>
-          <p:cNvSpPr>
-            <a:spLocks noGrp="1"/>
-          </p:cNvSpPr>
-          <p:nvPr>
-            <p:ph sz="half" idx="1"/>
-          </p:nvPr>
-        </p:nvSpPr>
-        <p:spPr>
-          <a:xfrm>
-            <a:off x="838200" y="1825625"/>
-            <a:ext cx="5181600" cy="4351338"/>
-          </a:xfrm>
-        </p:spPr>
-        <p:txBody>
-          <a:bodyPr/>
-          <a:lstStyle/>
-          <a:p>
-            <a:pPr lvl="0"/>
-            <a:r>
-              <a:rPr lang="hu-HU" smtClean="0"/>
-              <a:t>Mintaszöveg szerkesztése</a:t>
-            </a:r>
-          </a:p>
-          <a:p>
-            <a:pPr lvl="1"/>
-            <a:r>
-              <a:rPr lang="hu-HU" smtClean="0"/>
-              <a:t>Második szint</a:t>
-            </a:r>
-          </a:p>
-          <a:p>
-            <a:pPr lvl="2"/>
-            <a:r>
-              <a:rPr lang="hu-HU" smtClean="0"/>
-              <a:t>Harmadik szint</a:t>
-            </a:r>
-          </a:p>
-          <a:p>
-            <a:pPr lvl="3"/>
-            <a:r>
-              <a:rPr lang="hu-HU" smtClean="0"/>
-              <a:t>Negyedik szint</a:t>
-            </a:r>
-          </a:p>
-          <a:p>
-            <a:pPr lvl="4"/>
-            <a:r>
-              <a:rPr lang="hu-HU" smtClean="0"/>
-              <a:t>Ötödik szint</a:t>
-            </a:r>
-            <a:endParaRPr lang="hu-HU"/>
-          </a:p>
-        </p:txBody>
-      </p:sp>
-      <p:sp>
-        <p:nvSpPr>
-          <p:cNvPr id="4" name="Tartalom helye 3"/>
-          <p:cNvSpPr>
-            <a:spLocks noGrp="1"/>
-          </p:cNvSpPr>
-          <p:nvPr>
-            <p:ph sz="half" idx="2"/>
-          </p:nvPr>
-        </p:nvSpPr>
-        <p:spPr>
-          <a:xfrm>
-            <a:off x="6172200" y="1825625"/>
-            <a:ext cx="5181600" cy="4351338"/>
-          </a:xfrm>
-        </p:spPr>
-        <p:txBody>
-          <a:bodyPr/>
-          <a:lstStyle/>
-          <a:p>
-            <a:pPr lvl="0"/>
-            <a:r>
-              <a:rPr lang="hu-HU" smtClean="0"/>
-              <a:t>Mintaszöveg szerkesztése</a:t>
-            </a:r>
-          </a:p>
-          <a:p>
-            <a:pPr lvl="1"/>
-            <a:r>
-              <a:rPr lang="hu-HU" smtClean="0"/>
-              <a:t>Második szint</a:t>
-            </a:r>
-          </a:p>
-          <a:p>
-            <a:pPr lvl="2"/>
-            <a:r>
-              <a:rPr lang="hu-HU" smtClean="0"/>
-              <a:t>Harmadik szint</a:t>
-            </a:r>
-          </a:p>
-          <a:p>
-            <a:pPr lvl="3"/>
-            <a:r>
-              <a:rPr lang="hu-HU" smtClean="0"/>
-              <a:t>Negyedik szint</a:t>
-            </a:r>
-          </a:p>
-          <a:p>
-            <a:pPr lvl="4"/>
-            <a:r>
-              <a:rPr lang="hu-HU" smtClean="0"/>
-              <a:t>Ötödik szint</a:t>
-            </a:r>
-            <a:endParaRPr lang="hu-HU"/>
-          </a:p>
-        </p:txBody>
-      </p:sp>
-      <p:sp>
-        <p:nvSpPr>
-          <p:cNvPr id="5" name="Dátum helye 4"/>
-          <p:cNvSpPr>
-            <a:spLocks noGrp="1"/>
-          </p:cNvSpPr>
-          <p:nvPr>
-            <p:ph type="dt" sz="half" idx="10"/>
-          </p:nvPr>
-        </p:nvSpPr>
-        <p:spPr/>
-        <p:txBody>
-          <a:bodyPr/>
-          <a:lstStyle/>
-          <a:p>
-            <a:fld id="{4875BA67-BB52-4359-8E86-14F12B2AA875}" type="datetimeFigureOut">
-              <a:rPr lang="hu-HU" smtClean="0"/>
-              <a:t>2022.09.08.</a:t>
+              <a:t>2022. 09. 12.</a:t>
             </a:fld>
             <a:endParaRPr lang="hu-HU"/>
           </a:p>
@@ -1255,7 +1622,7 @@
       </p:sp>
       <p:sp>
         <p:nvSpPr>
-          <p:cNvPr id="6" name="Élőláb helye 5"/>
+          <p:cNvPr id="6" name="Footer Placeholder 5"/>
           <p:cNvSpPr>
             <a:spLocks noGrp="1"/>
           </p:cNvSpPr>
@@ -1274,7 +1641,7 @@
       </p:sp>
       <p:sp>
         <p:nvSpPr>
-          <p:cNvPr id="7" name="Dia számának helye 6"/>
+          <p:cNvPr id="7" name="Slide Number Placeholder 6"/>
           <p:cNvSpPr>
             <a:spLocks noGrp="1"/>
           </p:cNvSpPr>
@@ -1287,7 +1654,7 @@
           <a:bodyPr/>
           <a:lstStyle/>
           <a:p>
-            <a:fld id="{9FD93BDE-30AE-4FFA-8F12-6851F74B3D3F}" type="slidenum">
+            <a:fld id="{A5364E08-5E69-4BBF-A99B-F97109629270}" type="slidenum">
               <a:rPr lang="hu-HU" smtClean="0"/>
               <a:t>‹#›</a:t>
             </a:fld>
@@ -1298,7 +1665,7 @@
     </p:spTree>
     <p:extLst>
       <p:ext uri="{BB962C8B-B14F-4D97-AF65-F5344CB8AC3E}">
-        <p14:creationId xmlns:p14="http://schemas.microsoft.com/office/powerpoint/2010/main" val="4250788910"/>
+        <p14:creationId xmlns:p14="http://schemas.microsoft.com/office/powerpoint/2010/main" val="2435732132"/>
       </p:ext>
     </p:extLst>
   </p:cSld>
@@ -1327,7 +1694,7 @@
       </p:grpSpPr>
       <p:sp>
         <p:nvSpPr>
-          <p:cNvPr id="2" name="Cím 1"/>
+          <p:cNvPr id="10" name="Title 9"/>
           <p:cNvSpPr>
             <a:spLocks noGrp="1"/>
           </p:cNvSpPr>
@@ -1337,8 +1704,8 @@
         </p:nvSpPr>
         <p:spPr>
           <a:xfrm>
-            <a:off x="839788" y="365125"/>
-            <a:ext cx="10515600" cy="1325563"/>
+            <a:off x="1097280" y="286603"/>
+            <a:ext cx="10058400" cy="1450757"/>
           </a:xfrm>
         </p:spPr>
         <p:txBody>
@@ -1346,16 +1713,16 @@
           <a:lstStyle/>
           <a:p>
             <a:r>
-              <a:rPr lang="hu-HU" smtClean="0"/>
+              <a:rPr lang="hu-HU"/>
               <a:t>Mintacím szerkesztése</a:t>
             </a:r>
-            <a:endParaRPr lang="hu-HU"/>
-          </a:p>
-        </p:txBody>
-      </p:sp>
-      <p:sp>
-        <p:nvSpPr>
-          <p:cNvPr id="3" name="Szöveg helye 2"/>
+            <a:endParaRPr lang="en-US" dirty="0"/>
+          </a:p>
+        </p:txBody>
+      </p:sp>
+      <p:sp>
+        <p:nvSpPr>
+          <p:cNvPr id="3" name="Text Placeholder 2"/>
           <p:cNvSpPr>
             <a:spLocks noGrp="1"/>
           </p:cNvSpPr>
@@ -1365,16 +1732,22 @@
         </p:nvSpPr>
         <p:spPr>
           <a:xfrm>
-            <a:off x="839788" y="1681163"/>
-            <a:ext cx="5157787" cy="823912"/>
-          </a:xfrm>
-        </p:spPr>
-        <p:txBody>
-          <a:bodyPr anchor="b"/>
+            <a:off x="1097280" y="1846052"/>
+            <a:ext cx="4937760" cy="736282"/>
+          </a:xfrm>
+        </p:spPr>
+        <p:txBody>
+          <a:bodyPr lIns="91440" rIns="91440" anchor="ctr">
+            <a:normAutofit/>
+          </a:bodyPr>
           <a:lstStyle>
             <a:lvl1pPr marL="0" indent="0">
               <a:buNone/>
-              <a:defRPr sz="2400" b="1"/>
+              <a:defRPr sz="2000" b="0" cap="all" baseline="0">
+                <a:solidFill>
+                  <a:schemeClr val="tx2"/>
+                </a:solidFill>
+              </a:defRPr>
             </a:lvl1pPr>
             <a:lvl2pPr marL="457200" indent="0">
               <a:buNone/>
@@ -1412,7 +1785,7 @@
           <a:p>
             <a:pPr lvl="0"/>
             <a:r>
-              <a:rPr lang="hu-HU" smtClean="0"/>
+              <a:rPr lang="hu-HU"/>
               <a:t>Mintaszöveg szerkesztése</a:t>
             </a:r>
           </a:p>
@@ -1420,7 +1793,7 @@
       </p:sp>
       <p:sp>
         <p:nvSpPr>
-          <p:cNvPr id="4" name="Tartalom helye 3"/>
+          <p:cNvPr id="4" name="Content Placeholder 3"/>
           <p:cNvSpPr>
             <a:spLocks noGrp="1"/>
           </p:cNvSpPr>
@@ -1430,8 +1803,8 @@
         </p:nvSpPr>
         <p:spPr>
           <a:xfrm>
-            <a:off x="839788" y="2505075"/>
-            <a:ext cx="5157787" cy="3684588"/>
+            <a:off x="1097280" y="2582334"/>
+            <a:ext cx="4937760" cy="3378200"/>
           </a:xfrm>
         </p:spPr>
         <p:txBody>
@@ -1440,44 +1813,44 @@
           <a:p>
             <a:pPr lvl="0"/>
             <a:r>
-              <a:rPr lang="hu-HU" smtClean="0"/>
+              <a:rPr lang="hu-HU"/>
               <a:t>Mintaszöveg szerkesztése</a:t>
             </a:r>
           </a:p>
           <a:p>
             <a:pPr lvl="1"/>
             <a:r>
-              <a:rPr lang="hu-HU" smtClean="0"/>
+              <a:rPr lang="hu-HU"/>
               <a:t>Második szint</a:t>
             </a:r>
           </a:p>
           <a:p>
             <a:pPr lvl="2"/>
             <a:r>
-              <a:rPr lang="hu-HU" smtClean="0"/>
+              <a:rPr lang="hu-HU"/>
               <a:t>Harmadik szint</a:t>
             </a:r>
           </a:p>
           <a:p>
             <a:pPr lvl="3"/>
             <a:r>
-              <a:rPr lang="hu-HU" smtClean="0"/>
+              <a:rPr lang="hu-HU"/>
               <a:t>Negyedik szint</a:t>
             </a:r>
           </a:p>
           <a:p>
             <a:pPr lvl="4"/>
             <a:r>
-              <a:rPr lang="hu-HU" smtClean="0"/>
+              <a:rPr lang="hu-HU"/>
               <a:t>Ötödik szint</a:t>
             </a:r>
-            <a:endParaRPr lang="hu-HU"/>
-          </a:p>
-        </p:txBody>
-      </p:sp>
-      <p:sp>
-        <p:nvSpPr>
-          <p:cNvPr id="5" name="Szöveg helye 4"/>
+            <a:endParaRPr lang="en-US" dirty="0"/>
+          </a:p>
+        </p:txBody>
+      </p:sp>
+      <p:sp>
+        <p:nvSpPr>
+          <p:cNvPr id="5" name="Text Placeholder 4"/>
           <p:cNvSpPr>
             <a:spLocks noGrp="1"/>
           </p:cNvSpPr>
@@ -1487,16 +1860,22 @@
         </p:nvSpPr>
         <p:spPr>
           <a:xfrm>
-            <a:off x="6172200" y="1681163"/>
-            <a:ext cx="5183188" cy="823912"/>
-          </a:xfrm>
-        </p:spPr>
-        <p:txBody>
-          <a:bodyPr anchor="b"/>
+            <a:off x="6217920" y="1846052"/>
+            <a:ext cx="4937760" cy="736282"/>
+          </a:xfrm>
+        </p:spPr>
+        <p:txBody>
+          <a:bodyPr lIns="91440" rIns="91440" anchor="ctr">
+            <a:normAutofit/>
+          </a:bodyPr>
           <a:lstStyle>
             <a:lvl1pPr marL="0" indent="0">
               <a:buNone/>
-              <a:defRPr sz="2400" b="1"/>
+              <a:defRPr sz="2000" b="0" cap="all" baseline="0">
+                <a:solidFill>
+                  <a:schemeClr val="tx2"/>
+                </a:solidFill>
+              </a:defRPr>
             </a:lvl1pPr>
             <a:lvl2pPr marL="457200" indent="0">
               <a:buNone/>
@@ -1534,87 +1913,87 @@
           <a:p>
             <a:pPr lvl="0"/>
             <a:r>
+              <a:rPr lang="hu-HU"/>
+              <a:t>Mintaszöveg szerkesztése</a:t>
+            </a:r>
+          </a:p>
+        </p:txBody>
+      </p:sp>
+      <p:sp>
+        <p:nvSpPr>
+          <p:cNvPr id="6" name="Content Placeholder 5"/>
+          <p:cNvSpPr>
+            <a:spLocks noGrp="1"/>
+          </p:cNvSpPr>
+          <p:nvPr>
+            <p:ph sz="quarter" idx="4"/>
+          </p:nvPr>
+        </p:nvSpPr>
+        <p:spPr>
+          <a:xfrm>
+            <a:off x="6217920" y="2582334"/>
+            <a:ext cx="4937760" cy="3378200"/>
+          </a:xfrm>
+        </p:spPr>
+        <p:txBody>
+          <a:bodyPr/>
+          <a:lstStyle/>
+          <a:p>
+            <a:pPr lvl="0"/>
+            <a:r>
+              <a:rPr lang="hu-HU"/>
+              <a:t>Mintaszöveg szerkesztése</a:t>
+            </a:r>
+          </a:p>
+          <a:p>
+            <a:pPr lvl="1"/>
+            <a:r>
+              <a:rPr lang="hu-HU"/>
+              <a:t>Második szint</a:t>
+            </a:r>
+          </a:p>
+          <a:p>
+            <a:pPr lvl="2"/>
+            <a:r>
+              <a:rPr lang="hu-HU"/>
+              <a:t>Harmadik szint</a:t>
+            </a:r>
+          </a:p>
+          <a:p>
+            <a:pPr lvl="3"/>
+            <a:r>
+              <a:rPr lang="hu-HU"/>
+              <a:t>Negyedik szint</a:t>
+            </a:r>
+          </a:p>
+          <a:p>
+            <a:pPr lvl="4"/>
+            <a:r>
+              <a:rPr lang="hu-HU"/>
+              <a:t>Ötödik szint</a:t>
+            </a:r>
+            <a:endParaRPr lang="en-US" dirty="0"/>
+          </a:p>
+        </p:txBody>
+      </p:sp>
+      <p:sp>
+        <p:nvSpPr>
+          <p:cNvPr id="7" name="Date Placeholder 6"/>
+          <p:cNvSpPr>
+            <a:spLocks noGrp="1"/>
+          </p:cNvSpPr>
+          <p:nvPr>
+            <p:ph type="dt" sz="half" idx="10"/>
+          </p:nvPr>
+        </p:nvSpPr>
+        <p:spPr/>
+        <p:txBody>
+          <a:bodyPr/>
+          <a:lstStyle/>
+          <a:p>
+            <a:fld id="{8F5A1913-C1B8-42A7-81A1-2FE1D24E3BD3}" type="datetimeFigureOut">
               <a:rPr lang="hu-HU" smtClean="0"/>
-              <a:t>Mintaszöveg szerkesztése</a:t>
-            </a:r>
-          </a:p>
-        </p:txBody>
-      </p:sp>
-      <p:sp>
-        <p:nvSpPr>
-          <p:cNvPr id="6" name="Tartalom helye 5"/>
-          <p:cNvSpPr>
-            <a:spLocks noGrp="1"/>
-          </p:cNvSpPr>
-          <p:nvPr>
-            <p:ph sz="quarter" idx="4"/>
-          </p:nvPr>
-        </p:nvSpPr>
-        <p:spPr>
-          <a:xfrm>
-            <a:off x="6172200" y="2505075"/>
-            <a:ext cx="5183188" cy="3684588"/>
-          </a:xfrm>
-        </p:spPr>
-        <p:txBody>
-          <a:bodyPr/>
-          <a:lstStyle/>
-          <a:p>
-            <a:pPr lvl="0"/>
-            <a:r>
-              <a:rPr lang="hu-HU" smtClean="0"/>
-              <a:t>Mintaszöveg szerkesztése</a:t>
-            </a:r>
-          </a:p>
-          <a:p>
-            <a:pPr lvl="1"/>
-            <a:r>
-              <a:rPr lang="hu-HU" smtClean="0"/>
-              <a:t>Második szint</a:t>
-            </a:r>
-          </a:p>
-          <a:p>
-            <a:pPr lvl="2"/>
-            <a:r>
-              <a:rPr lang="hu-HU" smtClean="0"/>
-              <a:t>Harmadik szint</a:t>
-            </a:r>
-          </a:p>
-          <a:p>
-            <a:pPr lvl="3"/>
-            <a:r>
-              <a:rPr lang="hu-HU" smtClean="0"/>
-              <a:t>Negyedik szint</a:t>
-            </a:r>
-          </a:p>
-          <a:p>
-            <a:pPr lvl="4"/>
-            <a:r>
-              <a:rPr lang="hu-HU" smtClean="0"/>
-              <a:t>Ötödik szint</a:t>
-            </a:r>
-            <a:endParaRPr lang="hu-HU"/>
-          </a:p>
-        </p:txBody>
-      </p:sp>
-      <p:sp>
-        <p:nvSpPr>
-          <p:cNvPr id="7" name="Dátum helye 6"/>
-          <p:cNvSpPr>
-            <a:spLocks noGrp="1"/>
-          </p:cNvSpPr>
-          <p:nvPr>
-            <p:ph type="dt" sz="half" idx="10"/>
-          </p:nvPr>
-        </p:nvSpPr>
-        <p:spPr/>
-        <p:txBody>
-          <a:bodyPr/>
-          <a:lstStyle/>
-          <a:p>
-            <a:fld id="{4875BA67-BB52-4359-8E86-14F12B2AA875}" type="datetimeFigureOut">
-              <a:rPr lang="hu-HU" smtClean="0"/>
-              <a:t>2022.09.08.</a:t>
+              <a:t>2022. 09. 12.</a:t>
             </a:fld>
             <a:endParaRPr lang="hu-HU"/>
           </a:p>
@@ -1622,7 +2001,7 @@
       </p:sp>
       <p:sp>
         <p:nvSpPr>
-          <p:cNvPr id="8" name="Élőláb helye 7"/>
+          <p:cNvPr id="8" name="Footer Placeholder 7"/>
           <p:cNvSpPr>
             <a:spLocks noGrp="1"/>
           </p:cNvSpPr>
@@ -1641,7 +2020,7 @@
       </p:sp>
       <p:sp>
         <p:nvSpPr>
-          <p:cNvPr id="9" name="Dia számának helye 8"/>
+          <p:cNvPr id="9" name="Slide Number Placeholder 8"/>
           <p:cNvSpPr>
             <a:spLocks noGrp="1"/>
           </p:cNvSpPr>
@@ -1654,7 +2033,7 @@
           <a:bodyPr/>
           <a:lstStyle/>
           <a:p>
-            <a:fld id="{9FD93BDE-30AE-4FFA-8F12-6851F74B3D3F}" type="slidenum">
+            <a:fld id="{A5364E08-5E69-4BBF-A99B-F97109629270}" type="slidenum">
               <a:rPr lang="hu-HU" smtClean="0"/>
               <a:t>‹#›</a:t>
             </a:fld>
@@ -1665,7 +2044,7 @@
     </p:spTree>
     <p:extLst>
       <p:ext uri="{BB962C8B-B14F-4D97-AF65-F5344CB8AC3E}">
-        <p14:creationId xmlns:p14="http://schemas.microsoft.com/office/powerpoint/2010/main" val="3336515537"/>
+        <p14:creationId xmlns:p14="http://schemas.microsoft.com/office/powerpoint/2010/main" val="2477008085"/>
       </p:ext>
     </p:extLst>
   </p:cSld>
@@ -1694,7 +2073,7 @@
       </p:grpSpPr>
       <p:sp>
         <p:nvSpPr>
-          <p:cNvPr id="2" name="Cím 1"/>
+          <p:cNvPr id="2" name="Title 1"/>
           <p:cNvSpPr>
             <a:spLocks noGrp="1"/>
           </p:cNvSpPr>
@@ -1708,31 +2087,31 @@
           <a:lstStyle/>
           <a:p>
             <a:r>
+              <a:rPr lang="hu-HU"/>
+              <a:t>Mintacím szerkesztése</a:t>
+            </a:r>
+            <a:endParaRPr lang="en-US" dirty="0"/>
+          </a:p>
+        </p:txBody>
+      </p:sp>
+      <p:sp>
+        <p:nvSpPr>
+          <p:cNvPr id="3" name="Date Placeholder 2"/>
+          <p:cNvSpPr>
+            <a:spLocks noGrp="1"/>
+          </p:cNvSpPr>
+          <p:nvPr>
+            <p:ph type="dt" sz="half" idx="10"/>
+          </p:nvPr>
+        </p:nvSpPr>
+        <p:spPr/>
+        <p:txBody>
+          <a:bodyPr/>
+          <a:lstStyle/>
+          <a:p>
+            <a:fld id="{8F5A1913-C1B8-42A7-81A1-2FE1D24E3BD3}" type="datetimeFigureOut">
               <a:rPr lang="hu-HU" smtClean="0"/>
-              <a:t>Mintacím szerkesztése</a:t>
-            </a:r>
-            <a:endParaRPr lang="hu-HU"/>
-          </a:p>
-        </p:txBody>
-      </p:sp>
-      <p:sp>
-        <p:nvSpPr>
-          <p:cNvPr id="3" name="Dátum helye 2"/>
-          <p:cNvSpPr>
-            <a:spLocks noGrp="1"/>
-          </p:cNvSpPr>
-          <p:nvPr>
-            <p:ph type="dt" sz="half" idx="10"/>
-          </p:nvPr>
-        </p:nvSpPr>
-        <p:spPr/>
-        <p:txBody>
-          <a:bodyPr/>
-          <a:lstStyle/>
-          <a:p>
-            <a:fld id="{4875BA67-BB52-4359-8E86-14F12B2AA875}" type="datetimeFigureOut">
-              <a:rPr lang="hu-HU" smtClean="0"/>
-              <a:t>2022.09.08.</a:t>
+              <a:t>2022. 09. 12.</a:t>
             </a:fld>
             <a:endParaRPr lang="hu-HU"/>
           </a:p>
@@ -1740,7 +2119,7 @@
       </p:sp>
       <p:sp>
         <p:nvSpPr>
-          <p:cNvPr id="4" name="Élőláb helye 3"/>
+          <p:cNvPr id="4" name="Footer Placeholder 3"/>
           <p:cNvSpPr>
             <a:spLocks noGrp="1"/>
           </p:cNvSpPr>
@@ -1759,7 +2138,7 @@
       </p:sp>
       <p:sp>
         <p:nvSpPr>
-          <p:cNvPr id="5" name="Dia számának helye 4"/>
+          <p:cNvPr id="5" name="Slide Number Placeholder 4"/>
           <p:cNvSpPr>
             <a:spLocks noGrp="1"/>
           </p:cNvSpPr>
@@ -1772,7 +2151,7 @@
           <a:bodyPr/>
           <a:lstStyle/>
           <a:p>
-            <a:fld id="{9FD93BDE-30AE-4FFA-8F12-6851F74B3D3F}" type="slidenum">
+            <a:fld id="{A5364E08-5E69-4BBF-A99B-F97109629270}" type="slidenum">
               <a:rPr lang="hu-HU" smtClean="0"/>
               <a:t>‹#›</a:t>
             </a:fld>
@@ -1783,7 +2162,7 @@
     </p:spTree>
     <p:extLst>
       <p:ext uri="{BB962C8B-B14F-4D97-AF65-F5344CB8AC3E}">
-        <p14:creationId xmlns:p14="http://schemas.microsoft.com/office/powerpoint/2010/main" val="3913433736"/>
+        <p14:creationId xmlns:p14="http://schemas.microsoft.com/office/powerpoint/2010/main" val="2185010750"/>
       </p:ext>
     </p:extLst>
   </p:cSld>
@@ -1794,7 +2173,7 @@
 </file>
 
 <file path=ppt/slideLayouts/slideLayout7.xml><?xml version="1.0" encoding="utf-8"?>
-<p:sldLayout xmlns:a="http://schemas.openxmlformats.org/drawingml/2006/main" xmlns:r="http://schemas.openxmlformats.org/officeDocument/2006/relationships" xmlns:p="http://schemas.openxmlformats.org/presentationml/2006/main" type="blank" preserve="1">
+<p:sldLayout xmlns:a="http://schemas.openxmlformats.org/drawingml/2006/main" xmlns:r="http://schemas.openxmlformats.org/officeDocument/2006/relationships" xmlns:p="http://schemas.openxmlformats.org/presentationml/2006/main" showMasterSp="0" type="blank" preserve="1">
   <p:cSld name="Üres">
     <p:spTree>
       <p:nvGrpSpPr>
@@ -1812,7 +2191,83 @@
       </p:grpSpPr>
       <p:sp>
         <p:nvSpPr>
-          <p:cNvPr id="2" name="Dátum helye 1"/>
+          <p:cNvPr id="5" name="Rectangle 4"/>
+          <p:cNvSpPr/>
+          <p:nvPr/>
+        </p:nvSpPr>
+        <p:spPr>
+          <a:xfrm>
+            <a:off x="3175" y="6400800"/>
+            <a:ext cx="12188825" cy="457200"/>
+          </a:xfrm>
+          <a:prstGeom prst="rect">
+            <a:avLst/>
+          </a:prstGeom>
+          <a:solidFill>
+            <a:schemeClr val="accent2"/>
+          </a:solidFill>
+          <a:ln>
+            <a:noFill/>
+          </a:ln>
+        </p:spPr>
+        <p:style>
+          <a:lnRef idx="2">
+            <a:schemeClr val="accent1">
+              <a:shade val="50000"/>
+            </a:schemeClr>
+          </a:lnRef>
+          <a:fillRef idx="1">
+            <a:schemeClr val="accent1"/>
+          </a:fillRef>
+          <a:effectRef idx="0">
+            <a:schemeClr val="accent1"/>
+          </a:effectRef>
+          <a:fontRef idx="minor">
+            <a:schemeClr val="lt1"/>
+          </a:fontRef>
+        </p:style>
+      </p:sp>
+      <p:sp>
+        <p:nvSpPr>
+          <p:cNvPr id="6" name="Rectangle 5"/>
+          <p:cNvSpPr/>
+          <p:nvPr/>
+        </p:nvSpPr>
+        <p:spPr>
+          <a:xfrm>
+            <a:off x="15" y="6334316"/>
+            <a:ext cx="12188825" cy="64008"/>
+          </a:xfrm>
+          <a:prstGeom prst="rect">
+            <a:avLst/>
+          </a:prstGeom>
+          <a:solidFill>
+            <a:schemeClr val="accent1"/>
+          </a:solidFill>
+          <a:ln>
+            <a:noFill/>
+          </a:ln>
+        </p:spPr>
+        <p:style>
+          <a:lnRef idx="2">
+            <a:schemeClr val="accent1">
+              <a:shade val="50000"/>
+            </a:schemeClr>
+          </a:lnRef>
+          <a:fillRef idx="1">
+            <a:schemeClr val="accent1"/>
+          </a:fillRef>
+          <a:effectRef idx="0">
+            <a:schemeClr val="accent1"/>
+          </a:effectRef>
+          <a:fontRef idx="minor">
+            <a:schemeClr val="lt1"/>
+          </a:fontRef>
+        </p:style>
+      </p:sp>
+      <p:sp>
+        <p:nvSpPr>
+          <p:cNvPr id="7" name="Date Placeholder 6"/>
           <p:cNvSpPr>
             <a:spLocks noGrp="1"/>
           </p:cNvSpPr>
@@ -1825,9 +2280,9 @@
           <a:bodyPr/>
           <a:lstStyle/>
           <a:p>
-            <a:fld id="{4875BA67-BB52-4359-8E86-14F12B2AA875}" type="datetimeFigureOut">
+            <a:fld id="{8F5A1913-C1B8-42A7-81A1-2FE1D24E3BD3}" type="datetimeFigureOut">
               <a:rPr lang="hu-HU" smtClean="0"/>
-              <a:t>2022.09.08.</a:t>
+              <a:t>2022. 09. 12.</a:t>
             </a:fld>
             <a:endParaRPr lang="hu-HU"/>
           </a:p>
@@ -1835,7 +2290,7 @@
       </p:sp>
       <p:sp>
         <p:nvSpPr>
-          <p:cNvPr id="3" name="Élőláb helye 2"/>
+          <p:cNvPr id="8" name="Footer Placeholder 7"/>
           <p:cNvSpPr>
             <a:spLocks noGrp="1"/>
           </p:cNvSpPr>
@@ -1846,7 +2301,15 @@
         <p:spPr/>
         <p:txBody>
           <a:bodyPr/>
-          <a:lstStyle/>
+          <a:lstStyle>
+            <a:lvl1pPr>
+              <a:defRPr>
+                <a:solidFill>
+                  <a:srgbClr val="FFFFFF"/>
+                </a:solidFill>
+              </a:defRPr>
+            </a:lvl1pPr>
+          </a:lstStyle>
           <a:p>
             <a:endParaRPr lang="hu-HU"/>
           </a:p>
@@ -1854,7 +2317,7 @@
       </p:sp>
       <p:sp>
         <p:nvSpPr>
-          <p:cNvPr id="4" name="Dia számának helye 3"/>
+          <p:cNvPr id="9" name="Slide Number Placeholder 8"/>
           <p:cNvSpPr>
             <a:spLocks noGrp="1"/>
           </p:cNvSpPr>
@@ -1867,7 +2330,7 @@
           <a:bodyPr/>
           <a:lstStyle/>
           <a:p>
-            <a:fld id="{9FD93BDE-30AE-4FFA-8F12-6851F74B3D3F}" type="slidenum">
+            <a:fld id="{A5364E08-5E69-4BBF-A99B-F97109629270}" type="slidenum">
               <a:rPr lang="hu-HU" smtClean="0"/>
               <a:t>‹#›</a:t>
             </a:fld>
@@ -1878,7 +2341,7 @@
     </p:spTree>
     <p:extLst>
       <p:ext uri="{BB962C8B-B14F-4D97-AF65-F5344CB8AC3E}">
-        <p14:creationId xmlns:p14="http://schemas.microsoft.com/office/powerpoint/2010/main" val="429139400"/>
+        <p14:creationId xmlns:p14="http://schemas.microsoft.com/office/powerpoint/2010/main" val="2019355833"/>
       </p:ext>
     </p:extLst>
   </p:cSld>
@@ -1889,7 +2352,7 @@
 </file>
 
 <file path=ppt/slideLayouts/slideLayout8.xml><?xml version="1.0" encoding="utf-8"?>
-<p:sldLayout xmlns:a="http://schemas.openxmlformats.org/drawingml/2006/main" xmlns:r="http://schemas.openxmlformats.org/officeDocument/2006/relationships" xmlns:p="http://schemas.openxmlformats.org/presentationml/2006/main" type="objTx" preserve="1">
+<p:sldLayout xmlns:a="http://schemas.openxmlformats.org/drawingml/2006/main" xmlns:r="http://schemas.openxmlformats.org/officeDocument/2006/relationships" xmlns:p="http://schemas.openxmlformats.org/presentationml/2006/main" showMasterSp="0" type="objTx" preserve="1">
   <p:cSld name="Tartalomrész képaláírással">
     <p:spTree>
       <p:nvGrpSpPr>
@@ -1907,7 +2370,83 @@
       </p:grpSpPr>
       <p:sp>
         <p:nvSpPr>
-          <p:cNvPr id="2" name="Cím 1"/>
+          <p:cNvPr id="8" name="Rectangle 7"/>
+          <p:cNvSpPr/>
+          <p:nvPr/>
+        </p:nvSpPr>
+        <p:spPr>
+          <a:xfrm>
+            <a:off x="16" y="0"/>
+            <a:ext cx="4050791" cy="6858000"/>
+          </a:xfrm>
+          <a:prstGeom prst="rect">
+            <a:avLst/>
+          </a:prstGeom>
+          <a:solidFill>
+            <a:schemeClr val="accent2"/>
+          </a:solidFill>
+          <a:ln>
+            <a:noFill/>
+          </a:ln>
+        </p:spPr>
+        <p:style>
+          <a:lnRef idx="2">
+            <a:schemeClr val="accent1">
+              <a:shade val="50000"/>
+            </a:schemeClr>
+          </a:lnRef>
+          <a:fillRef idx="1">
+            <a:schemeClr val="accent1"/>
+          </a:fillRef>
+          <a:effectRef idx="0">
+            <a:schemeClr val="accent1"/>
+          </a:effectRef>
+          <a:fontRef idx="minor">
+            <a:schemeClr val="lt1"/>
+          </a:fontRef>
+        </p:style>
+      </p:sp>
+      <p:sp>
+        <p:nvSpPr>
+          <p:cNvPr id="9" name="Rectangle 8"/>
+          <p:cNvSpPr/>
+          <p:nvPr/>
+        </p:nvSpPr>
+        <p:spPr>
+          <a:xfrm>
+            <a:off x="4040071" y="0"/>
+            <a:ext cx="64008" cy="6858000"/>
+          </a:xfrm>
+          <a:prstGeom prst="rect">
+            <a:avLst/>
+          </a:prstGeom>
+          <a:solidFill>
+            <a:schemeClr val="accent1"/>
+          </a:solidFill>
+          <a:ln>
+            <a:noFill/>
+          </a:ln>
+        </p:spPr>
+        <p:style>
+          <a:lnRef idx="2">
+            <a:schemeClr val="accent1">
+              <a:shade val="50000"/>
+            </a:schemeClr>
+          </a:lnRef>
+          <a:fillRef idx="1">
+            <a:schemeClr val="accent1"/>
+          </a:fillRef>
+          <a:effectRef idx="0">
+            <a:schemeClr val="accent1"/>
+          </a:effectRef>
+          <a:fontRef idx="minor">
+            <a:schemeClr val="lt1"/>
+          </a:fontRef>
+        </p:style>
+      </p:sp>
+      <p:sp>
+        <p:nvSpPr>
+          <p:cNvPr id="2" name="Title 1"/>
           <p:cNvSpPr>
             <a:spLocks noGrp="1"/>
           </p:cNvSpPr>
@@ -1917,234 +2456,248 @@
         </p:nvSpPr>
         <p:spPr>
           <a:xfrm>
-            <a:off x="839788" y="457200"/>
-            <a:ext cx="3932237" cy="1600200"/>
-          </a:xfrm>
-        </p:spPr>
-        <p:txBody>
-          <a:bodyPr anchor="b"/>
+            <a:off x="457200" y="594359"/>
+            <a:ext cx="3200400" cy="2286000"/>
+          </a:xfrm>
+        </p:spPr>
+        <p:txBody>
+          <a:bodyPr anchor="b">
+            <a:normAutofit/>
+          </a:bodyPr>
           <a:lstStyle>
             <a:lvl1pPr>
-              <a:defRPr sz="3200"/>
+              <a:defRPr sz="3600" b="0">
+                <a:solidFill>
+                  <a:srgbClr val="FFFFFF"/>
+                </a:solidFill>
+              </a:defRPr>
             </a:lvl1pPr>
           </a:lstStyle>
           <a:p>
             <a:r>
+              <a:rPr lang="hu-HU"/>
+              <a:t>Mintacím szerkesztése</a:t>
+            </a:r>
+            <a:endParaRPr lang="en-US" dirty="0"/>
+          </a:p>
+        </p:txBody>
+      </p:sp>
+      <p:sp>
+        <p:nvSpPr>
+          <p:cNvPr id="3" name="Content Placeholder 2"/>
+          <p:cNvSpPr>
+            <a:spLocks noGrp="1"/>
+          </p:cNvSpPr>
+          <p:nvPr>
+            <p:ph idx="1"/>
+          </p:nvPr>
+        </p:nvSpPr>
+        <p:spPr>
+          <a:xfrm>
+            <a:off x="4800600" y="731520"/>
+            <a:ext cx="6492240" cy="5257800"/>
+          </a:xfrm>
+        </p:spPr>
+        <p:txBody>
+          <a:bodyPr/>
+          <a:lstStyle/>
+          <a:p>
+            <a:pPr lvl="0"/>
+            <a:r>
+              <a:rPr lang="hu-HU"/>
+              <a:t>Mintaszöveg szerkesztése</a:t>
+            </a:r>
+          </a:p>
+          <a:p>
+            <a:pPr lvl="1"/>
+            <a:r>
+              <a:rPr lang="hu-HU"/>
+              <a:t>Második szint</a:t>
+            </a:r>
+          </a:p>
+          <a:p>
+            <a:pPr lvl="2"/>
+            <a:r>
+              <a:rPr lang="hu-HU"/>
+              <a:t>Harmadik szint</a:t>
+            </a:r>
+          </a:p>
+          <a:p>
+            <a:pPr lvl="3"/>
+            <a:r>
+              <a:rPr lang="hu-HU"/>
+              <a:t>Negyedik szint</a:t>
+            </a:r>
+          </a:p>
+          <a:p>
+            <a:pPr lvl="4"/>
+            <a:r>
+              <a:rPr lang="hu-HU"/>
+              <a:t>Ötödik szint</a:t>
+            </a:r>
+            <a:endParaRPr lang="en-US" dirty="0"/>
+          </a:p>
+        </p:txBody>
+      </p:sp>
+      <p:sp>
+        <p:nvSpPr>
+          <p:cNvPr id="4" name="Text Placeholder 3"/>
+          <p:cNvSpPr>
+            <a:spLocks noGrp="1"/>
+          </p:cNvSpPr>
+          <p:nvPr>
+            <p:ph type="body" sz="half" idx="2"/>
+          </p:nvPr>
+        </p:nvSpPr>
+        <p:spPr>
+          <a:xfrm>
+            <a:off x="457200" y="2926080"/>
+            <a:ext cx="3200400" cy="3379124"/>
+          </a:xfrm>
+        </p:spPr>
+        <p:txBody>
+          <a:bodyPr lIns="91440" rIns="91440">
+            <a:normAutofit/>
+          </a:bodyPr>
+          <a:lstStyle>
+            <a:lvl1pPr marL="0" indent="0">
+              <a:buNone/>
+              <a:defRPr sz="1500">
+                <a:solidFill>
+                  <a:srgbClr val="FFFFFF"/>
+                </a:solidFill>
+              </a:defRPr>
+            </a:lvl1pPr>
+            <a:lvl2pPr marL="457200" indent="0">
+              <a:buNone/>
+              <a:defRPr sz="1200"/>
+            </a:lvl2pPr>
+            <a:lvl3pPr marL="914400" indent="0">
+              <a:buNone/>
+              <a:defRPr sz="1000"/>
+            </a:lvl3pPr>
+            <a:lvl4pPr marL="1371600" indent="0">
+              <a:buNone/>
+              <a:defRPr sz="900"/>
+            </a:lvl4pPr>
+            <a:lvl5pPr marL="1828800" indent="0">
+              <a:buNone/>
+              <a:defRPr sz="900"/>
+            </a:lvl5pPr>
+            <a:lvl6pPr marL="2286000" indent="0">
+              <a:buNone/>
+              <a:defRPr sz="900"/>
+            </a:lvl6pPr>
+            <a:lvl7pPr marL="2743200" indent="0">
+              <a:buNone/>
+              <a:defRPr sz="900"/>
+            </a:lvl7pPr>
+            <a:lvl8pPr marL="3200400" indent="0">
+              <a:buNone/>
+              <a:defRPr sz="900"/>
+            </a:lvl8pPr>
+            <a:lvl9pPr marL="3657600" indent="0">
+              <a:buNone/>
+              <a:defRPr sz="900"/>
+            </a:lvl9pPr>
+          </a:lstStyle>
+          <a:p>
+            <a:pPr lvl="0"/>
+            <a:r>
+              <a:rPr lang="hu-HU"/>
+              <a:t>Mintaszöveg szerkesztése</a:t>
+            </a:r>
+          </a:p>
+        </p:txBody>
+      </p:sp>
+      <p:sp>
+        <p:nvSpPr>
+          <p:cNvPr id="5" name="Date Placeholder 4"/>
+          <p:cNvSpPr>
+            <a:spLocks noGrp="1"/>
+          </p:cNvSpPr>
+          <p:nvPr>
+            <p:ph type="dt" sz="half" idx="10"/>
+          </p:nvPr>
+        </p:nvSpPr>
+        <p:spPr>
+          <a:xfrm>
+            <a:off x="465512" y="6459785"/>
+            <a:ext cx="2618510" cy="365125"/>
+          </a:xfrm>
+        </p:spPr>
+        <p:txBody>
+          <a:bodyPr/>
+          <a:lstStyle>
+            <a:lvl1pPr algn="l">
+              <a:defRPr/>
+            </a:lvl1pPr>
+          </a:lstStyle>
+          <a:p>
+            <a:fld id="{8F5A1913-C1B8-42A7-81A1-2FE1D24E3BD3}" type="datetimeFigureOut">
               <a:rPr lang="hu-HU" smtClean="0"/>
-              <a:t>Mintacím szerkesztése</a:t>
-            </a:r>
+              <a:t>2022. 09. 12.</a:t>
+            </a:fld>
             <a:endParaRPr lang="hu-HU"/>
           </a:p>
         </p:txBody>
       </p:sp>
       <p:sp>
         <p:nvSpPr>
-          <p:cNvPr id="3" name="Tartalom helye 2"/>
-          <p:cNvSpPr>
-            <a:spLocks noGrp="1"/>
-          </p:cNvSpPr>
-          <p:nvPr>
-            <p:ph idx="1"/>
-          </p:nvPr>
-        </p:nvSpPr>
-        <p:spPr>
-          <a:xfrm>
-            <a:off x="5183188" y="987425"/>
-            <a:ext cx="6172200" cy="4873625"/>
-          </a:xfrm>
-        </p:spPr>
+          <p:cNvPr id="6" name="Footer Placeholder 5"/>
+          <p:cNvSpPr>
+            <a:spLocks noGrp="1"/>
+          </p:cNvSpPr>
+          <p:nvPr>
+            <p:ph type="ftr" sz="quarter" idx="11"/>
+          </p:nvPr>
+        </p:nvSpPr>
+        <p:spPr>
+          <a:xfrm>
+            <a:off x="4800600" y="6459785"/>
+            <a:ext cx="4648200" cy="365125"/>
+          </a:xfrm>
+        </p:spPr>
+        <p:txBody>
+          <a:bodyPr/>
+          <a:lstStyle>
+            <a:lvl1pPr algn="l">
+              <a:defRPr>
+                <a:solidFill>
+                  <a:schemeClr val="tx2"/>
+                </a:solidFill>
+              </a:defRPr>
+            </a:lvl1pPr>
+          </a:lstStyle>
+          <a:p>
+            <a:endParaRPr lang="hu-HU"/>
+          </a:p>
+        </p:txBody>
+      </p:sp>
+      <p:sp>
+        <p:nvSpPr>
+          <p:cNvPr id="7" name="Slide Number Placeholder 6"/>
+          <p:cNvSpPr>
+            <a:spLocks noGrp="1"/>
+          </p:cNvSpPr>
+          <p:nvPr>
+            <p:ph type="sldNum" sz="quarter" idx="12"/>
+          </p:nvPr>
+        </p:nvSpPr>
+        <p:spPr/>
         <p:txBody>
           <a:bodyPr/>
           <a:lstStyle>
             <a:lvl1pPr>
-              <a:defRPr sz="3200"/>
+              <a:defRPr>
+                <a:solidFill>
+                  <a:schemeClr val="tx2"/>
+                </a:solidFill>
+              </a:defRPr>
             </a:lvl1pPr>
-            <a:lvl2pPr>
-              <a:defRPr sz="2800"/>
-            </a:lvl2pPr>
-            <a:lvl3pPr>
-              <a:defRPr sz="2400"/>
-            </a:lvl3pPr>
-            <a:lvl4pPr>
-              <a:defRPr sz="2000"/>
-            </a:lvl4pPr>
-            <a:lvl5pPr>
-              <a:defRPr sz="2000"/>
-            </a:lvl5pPr>
-            <a:lvl6pPr>
-              <a:defRPr sz="2000"/>
-            </a:lvl6pPr>
-            <a:lvl7pPr>
-              <a:defRPr sz="2000"/>
-            </a:lvl7pPr>
-            <a:lvl8pPr>
-              <a:defRPr sz="2000"/>
-            </a:lvl8pPr>
-            <a:lvl9pPr>
-              <a:defRPr sz="2000"/>
-            </a:lvl9pPr>
           </a:lstStyle>
           <a:p>
-            <a:pPr lvl="0"/>
-            <a:r>
-              <a:rPr lang="hu-HU" smtClean="0"/>
-              <a:t>Mintaszöveg szerkesztése</a:t>
-            </a:r>
-          </a:p>
-          <a:p>
-            <a:pPr lvl="1"/>
-            <a:r>
-              <a:rPr lang="hu-HU" smtClean="0"/>
-              <a:t>Második szint</a:t>
-            </a:r>
-          </a:p>
-          <a:p>
-            <a:pPr lvl="2"/>
-            <a:r>
-              <a:rPr lang="hu-HU" smtClean="0"/>
-              <a:t>Harmadik szint</a:t>
-            </a:r>
-          </a:p>
-          <a:p>
-            <a:pPr lvl="3"/>
-            <a:r>
-              <a:rPr lang="hu-HU" smtClean="0"/>
-              <a:t>Negyedik szint</a:t>
-            </a:r>
-          </a:p>
-          <a:p>
-            <a:pPr lvl="4"/>
-            <a:r>
-              <a:rPr lang="hu-HU" smtClean="0"/>
-              <a:t>Ötödik szint</a:t>
-            </a:r>
-            <a:endParaRPr lang="hu-HU"/>
-          </a:p>
-        </p:txBody>
-      </p:sp>
-      <p:sp>
-        <p:nvSpPr>
-          <p:cNvPr id="4" name="Szöveg helye 3"/>
-          <p:cNvSpPr>
-            <a:spLocks noGrp="1"/>
-          </p:cNvSpPr>
-          <p:nvPr>
-            <p:ph type="body" sz="half" idx="2"/>
-          </p:nvPr>
-        </p:nvSpPr>
-        <p:spPr>
-          <a:xfrm>
-            <a:off x="839788" y="2057400"/>
-            <a:ext cx="3932237" cy="3811588"/>
-          </a:xfrm>
-        </p:spPr>
-        <p:txBody>
-          <a:bodyPr/>
-          <a:lstStyle>
-            <a:lvl1pPr marL="0" indent="0">
-              <a:buNone/>
-              <a:defRPr sz="1600"/>
-            </a:lvl1pPr>
-            <a:lvl2pPr marL="457200" indent="0">
-              <a:buNone/>
-              <a:defRPr sz="1400"/>
-            </a:lvl2pPr>
-            <a:lvl3pPr marL="914400" indent="0">
-              <a:buNone/>
-              <a:defRPr sz="1200"/>
-            </a:lvl3pPr>
-            <a:lvl4pPr marL="1371600" indent="0">
-              <a:buNone/>
-              <a:defRPr sz="1000"/>
-            </a:lvl4pPr>
-            <a:lvl5pPr marL="1828800" indent="0">
-              <a:buNone/>
-              <a:defRPr sz="1000"/>
-            </a:lvl5pPr>
-            <a:lvl6pPr marL="2286000" indent="0">
-              <a:buNone/>
-              <a:defRPr sz="1000"/>
-            </a:lvl6pPr>
-            <a:lvl7pPr marL="2743200" indent="0">
-              <a:buNone/>
-              <a:defRPr sz="1000"/>
-            </a:lvl7pPr>
-            <a:lvl8pPr marL="3200400" indent="0">
-              <a:buNone/>
-              <a:defRPr sz="1000"/>
-            </a:lvl8pPr>
-            <a:lvl9pPr marL="3657600" indent="0">
-              <a:buNone/>
-              <a:defRPr sz="1000"/>
-            </a:lvl9pPr>
-          </a:lstStyle>
-          <a:p>
-            <a:pPr lvl="0"/>
-            <a:r>
-              <a:rPr lang="hu-HU" smtClean="0"/>
-              <a:t>Mintaszöveg szerkesztése</a:t>
-            </a:r>
-          </a:p>
-        </p:txBody>
-      </p:sp>
-      <p:sp>
-        <p:nvSpPr>
-          <p:cNvPr id="5" name="Dátum helye 4"/>
-          <p:cNvSpPr>
-            <a:spLocks noGrp="1"/>
-          </p:cNvSpPr>
-          <p:nvPr>
-            <p:ph type="dt" sz="half" idx="10"/>
-          </p:nvPr>
-        </p:nvSpPr>
-        <p:spPr/>
-        <p:txBody>
-          <a:bodyPr/>
-          <a:lstStyle/>
-          <a:p>
-            <a:fld id="{4875BA67-BB52-4359-8E86-14F12B2AA875}" type="datetimeFigureOut">
-              <a:rPr lang="hu-HU" smtClean="0"/>
-              <a:t>2022.09.08.</a:t>
-            </a:fld>
-            <a:endParaRPr lang="hu-HU"/>
-          </a:p>
-        </p:txBody>
-      </p:sp>
-      <p:sp>
-        <p:nvSpPr>
-          <p:cNvPr id="6" name="Élőláb helye 5"/>
-          <p:cNvSpPr>
-            <a:spLocks noGrp="1"/>
-          </p:cNvSpPr>
-          <p:nvPr>
-            <p:ph type="ftr" sz="quarter" idx="11"/>
-          </p:nvPr>
-        </p:nvSpPr>
-        <p:spPr/>
-        <p:txBody>
-          <a:bodyPr/>
-          <a:lstStyle/>
-          <a:p>
-            <a:endParaRPr lang="hu-HU"/>
-          </a:p>
-        </p:txBody>
-      </p:sp>
-      <p:sp>
-        <p:nvSpPr>
-          <p:cNvPr id="7" name="Dia számának helye 6"/>
-          <p:cNvSpPr>
-            <a:spLocks noGrp="1"/>
-          </p:cNvSpPr>
-          <p:nvPr>
-            <p:ph type="sldNum" sz="quarter" idx="12"/>
-          </p:nvPr>
-        </p:nvSpPr>
-        <p:spPr/>
-        <p:txBody>
-          <a:bodyPr/>
-          <a:lstStyle/>
-          <a:p>
-            <a:fld id="{9FD93BDE-30AE-4FFA-8F12-6851F74B3D3F}" type="slidenum">
+            <a:fld id="{A5364E08-5E69-4BBF-A99B-F97109629270}" type="slidenum">
               <a:rPr lang="hu-HU" smtClean="0"/>
               <a:t>‹#›</a:t>
             </a:fld>
@@ -2155,7 +2708,7 @@
     </p:spTree>
     <p:extLst>
       <p:ext uri="{BB962C8B-B14F-4D97-AF65-F5344CB8AC3E}">
-        <p14:creationId xmlns:p14="http://schemas.microsoft.com/office/powerpoint/2010/main" val="278131223"/>
+        <p14:creationId xmlns:p14="http://schemas.microsoft.com/office/powerpoint/2010/main" val="3665435154"/>
       </p:ext>
     </p:extLst>
   </p:cSld>
@@ -2166,7 +2719,7 @@
 </file>
 
 <file path=ppt/slideLayouts/slideLayout9.xml><?xml version="1.0" encoding="utf-8"?>
-<p:sldLayout xmlns:a="http://schemas.openxmlformats.org/drawingml/2006/main" xmlns:r="http://schemas.openxmlformats.org/officeDocument/2006/relationships" xmlns:p="http://schemas.openxmlformats.org/presentationml/2006/main" type="picTx" preserve="1">
+<p:sldLayout xmlns:a="http://schemas.openxmlformats.org/drawingml/2006/main" xmlns:r="http://schemas.openxmlformats.org/officeDocument/2006/relationships" xmlns:p="http://schemas.openxmlformats.org/presentationml/2006/main" showMasterSp="0" type="picTx" preserve="1">
   <p:cSld name="Kép képaláírással">
     <p:spTree>
       <p:nvGrpSpPr>
@@ -2184,7 +2737,83 @@
       </p:grpSpPr>
       <p:sp>
         <p:nvSpPr>
-          <p:cNvPr id="2" name="Cím 1"/>
+          <p:cNvPr id="8" name="Rectangle 7"/>
+          <p:cNvSpPr/>
+          <p:nvPr/>
+        </p:nvSpPr>
+        <p:spPr>
+          <a:xfrm>
+            <a:off x="0" y="4953000"/>
+            <a:ext cx="12188825" cy="1905000"/>
+          </a:xfrm>
+          <a:prstGeom prst="rect">
+            <a:avLst/>
+          </a:prstGeom>
+          <a:solidFill>
+            <a:schemeClr val="accent2"/>
+          </a:solidFill>
+          <a:ln>
+            <a:noFill/>
+          </a:ln>
+        </p:spPr>
+        <p:style>
+          <a:lnRef idx="2">
+            <a:schemeClr val="accent1">
+              <a:shade val="50000"/>
+            </a:schemeClr>
+          </a:lnRef>
+          <a:fillRef idx="1">
+            <a:schemeClr val="accent1"/>
+          </a:fillRef>
+          <a:effectRef idx="0">
+            <a:schemeClr val="accent1"/>
+          </a:effectRef>
+          <a:fontRef idx="minor">
+            <a:schemeClr val="lt1"/>
+          </a:fontRef>
+        </p:style>
+      </p:sp>
+      <p:sp>
+        <p:nvSpPr>
+          <p:cNvPr id="9" name="Rectangle 8"/>
+          <p:cNvSpPr/>
+          <p:nvPr/>
+        </p:nvSpPr>
+        <p:spPr>
+          <a:xfrm>
+            <a:off x="15" y="4915076"/>
+            <a:ext cx="12188825" cy="64008"/>
+          </a:xfrm>
+          <a:prstGeom prst="rect">
+            <a:avLst/>
+          </a:prstGeom>
+          <a:solidFill>
+            <a:schemeClr val="accent1"/>
+          </a:solidFill>
+          <a:ln>
+            <a:noFill/>
+          </a:ln>
+        </p:spPr>
+        <p:style>
+          <a:lnRef idx="2">
+            <a:schemeClr val="accent1">
+              <a:shade val="50000"/>
+            </a:schemeClr>
+          </a:lnRef>
+          <a:fillRef idx="1">
+            <a:schemeClr val="accent1"/>
+          </a:fillRef>
+          <a:effectRef idx="0">
+            <a:schemeClr val="accent1"/>
+          </a:effectRef>
+          <a:fontRef idx="minor">
+            <a:schemeClr val="lt1"/>
+          </a:fontRef>
+        </p:style>
+      </p:sp>
+      <p:sp>
+        <p:nvSpPr>
+          <p:cNvPr id="2" name="Title 1"/>
           <p:cNvSpPr>
             <a:spLocks noGrp="1"/>
           </p:cNvSpPr>
@@ -2194,31 +2823,37 @@
         </p:nvSpPr>
         <p:spPr>
           <a:xfrm>
-            <a:off x="839788" y="457200"/>
-            <a:ext cx="3932237" cy="1600200"/>
-          </a:xfrm>
-        </p:spPr>
-        <p:txBody>
-          <a:bodyPr anchor="b"/>
+            <a:off x="1097280" y="5074920"/>
+            <a:ext cx="10113264" cy="822960"/>
+          </a:xfrm>
+        </p:spPr>
+        <p:txBody>
+          <a:bodyPr lIns="91440" tIns="0" rIns="91440" bIns="0" anchor="b">
+            <a:noAutofit/>
+          </a:bodyPr>
           <a:lstStyle>
             <a:lvl1pPr>
-              <a:defRPr sz="3200"/>
+              <a:defRPr sz="3600" b="0">
+                <a:solidFill>
+                  <a:srgbClr val="FFFFFF"/>
+                </a:solidFill>
+              </a:defRPr>
             </a:lvl1pPr>
           </a:lstStyle>
           <a:p>
             <a:r>
-              <a:rPr lang="hu-HU" smtClean="0"/>
+              <a:rPr lang="hu-HU"/>
               <a:t>Mintacím szerkesztése</a:t>
             </a:r>
-            <a:endParaRPr lang="hu-HU"/>
-          </a:p>
-        </p:txBody>
-      </p:sp>
-      <p:sp>
-        <p:nvSpPr>
-          <p:cNvPr id="3" name="Kép helye 2"/>
-          <p:cNvSpPr>
-            <a:spLocks noGrp="1"/>
+            <a:endParaRPr lang="en-US" dirty="0"/>
+          </a:p>
+        </p:txBody>
+      </p:sp>
+      <p:sp>
+        <p:nvSpPr>
+          <p:cNvPr id="3" name="Picture Placeholder 2"/>
+          <p:cNvSpPr>
+            <a:spLocks noGrp="1" noChangeAspect="1"/>
           </p:cNvSpPr>
           <p:nvPr>
             <p:ph type="pic" idx="1"/>
@@ -2226,16 +2861,26 @@
         </p:nvSpPr>
         <p:spPr>
           <a:xfrm>
-            <a:off x="5183188" y="987425"/>
-            <a:ext cx="6172200" cy="4873625"/>
-          </a:xfrm>
-        </p:spPr>
-        <p:txBody>
-          <a:bodyPr/>
+            <a:off x="15" y="0"/>
+            <a:ext cx="12191985" cy="4915076"/>
+          </a:xfrm>
+          <a:blipFill>
+            <a:blip r:embed="rId2"/>
+            <a:stretch>
+              <a:fillRect/>
+            </a:stretch>
+          </a:blipFill>
+        </p:spPr>
+        <p:txBody>
+          <a:bodyPr lIns="457200" tIns="457200" anchor="t"/>
           <a:lstStyle>
             <a:lvl1pPr marL="0" indent="0">
               <a:buNone/>
-              <a:defRPr sz="3200"/>
+              <a:defRPr sz="3200">
+                <a:solidFill>
+                  <a:schemeClr val="bg1"/>
+                </a:solidFill>
+              </a:defRPr>
             </a:lvl1pPr>
             <a:lvl2pPr marL="457200" indent="0">
               <a:buNone/>
@@ -2271,13 +2916,17 @@
             </a:lvl9pPr>
           </a:lstStyle>
           <a:p>
-            <a:endParaRPr lang="hu-HU"/>
-          </a:p>
-        </p:txBody>
-      </p:sp>
-      <p:sp>
-        <p:nvSpPr>
-          <p:cNvPr id="4" name="Szöveg helye 3"/>
+            <a:r>
+              <a:rPr lang="hu-HU"/>
+              <a:t>Kép beszúrásához kattintson az ikonra</a:t>
+            </a:r>
+            <a:endParaRPr lang="en-US" dirty="0"/>
+          </a:p>
+        </p:txBody>
+      </p:sp>
+      <p:sp>
+        <p:nvSpPr>
+          <p:cNvPr id="4" name="Text Placeholder 3"/>
           <p:cNvSpPr>
             <a:spLocks noGrp="1"/>
           </p:cNvSpPr>
@@ -2287,77 +2936,89 @@
         </p:nvSpPr>
         <p:spPr>
           <a:xfrm>
-            <a:off x="839788" y="2057400"/>
-            <a:ext cx="3932237" cy="3811588"/>
-          </a:xfrm>
-        </p:spPr>
-        <p:txBody>
-          <a:bodyPr/>
+            <a:off x="1097280" y="5907023"/>
+            <a:ext cx="10113264" cy="594360"/>
+          </a:xfrm>
+        </p:spPr>
+        <p:txBody>
+          <a:bodyPr lIns="91440" tIns="0" rIns="91440" bIns="0">
+            <a:normAutofit/>
+          </a:bodyPr>
           <a:lstStyle>
             <a:lvl1pPr marL="0" indent="0">
-              <a:buNone/>
-              <a:defRPr sz="1600"/>
+              <a:spcBef>
+                <a:spcPts val="0"/>
+              </a:spcBef>
+              <a:spcAft>
+                <a:spcPts val="600"/>
+              </a:spcAft>
+              <a:buNone/>
+              <a:defRPr sz="1500">
+                <a:solidFill>
+                  <a:srgbClr val="FFFFFF"/>
+                </a:solidFill>
+              </a:defRPr>
             </a:lvl1pPr>
             <a:lvl2pPr marL="457200" indent="0">
               <a:buNone/>
-              <a:defRPr sz="1400"/>
+              <a:defRPr sz="1200"/>
             </a:lvl2pPr>
             <a:lvl3pPr marL="914400" indent="0">
               <a:buNone/>
-              <a:defRPr sz="1200"/>
+              <a:defRPr sz="1000"/>
             </a:lvl3pPr>
             <a:lvl4pPr marL="1371600" indent="0">
               <a:buNone/>
-              <a:defRPr sz="1000"/>
+              <a:defRPr sz="900"/>
             </a:lvl4pPr>
             <a:lvl5pPr marL="1828800" indent="0">
               <a:buNone/>
-              <a:defRPr sz="1000"/>
+              <a:defRPr sz="900"/>
             </a:lvl5pPr>
             <a:lvl6pPr marL="2286000" indent="0">
               <a:buNone/>
-              <a:defRPr sz="1000"/>
+              <a:defRPr sz="900"/>
             </a:lvl6pPr>
             <a:lvl7pPr marL="2743200" indent="0">
               <a:buNone/>
-              <a:defRPr sz="1000"/>
+              <a:defRPr sz="900"/>
             </a:lvl7pPr>
             <a:lvl8pPr marL="3200400" indent="0">
               <a:buNone/>
-              <a:defRPr sz="1000"/>
+              <a:defRPr sz="900"/>
             </a:lvl8pPr>
             <a:lvl9pPr marL="3657600" indent="0">
               <a:buNone/>
-              <a:defRPr sz="1000"/>
+              <a:defRPr sz="900"/>
             </a:lvl9pPr>
           </a:lstStyle>
           <a:p>
             <a:pPr lvl="0"/>
             <a:r>
+              <a:rPr lang="hu-HU"/>
+              <a:t>Mintaszöveg szerkesztése</a:t>
+            </a:r>
+          </a:p>
+        </p:txBody>
+      </p:sp>
+      <p:sp>
+        <p:nvSpPr>
+          <p:cNvPr id="5" name="Date Placeholder 4"/>
+          <p:cNvSpPr>
+            <a:spLocks noGrp="1"/>
+          </p:cNvSpPr>
+          <p:nvPr>
+            <p:ph type="dt" sz="half" idx="10"/>
+          </p:nvPr>
+        </p:nvSpPr>
+        <p:spPr/>
+        <p:txBody>
+          <a:bodyPr/>
+          <a:lstStyle/>
+          <a:p>
+            <a:fld id="{8F5A1913-C1B8-42A7-81A1-2FE1D24E3BD3}" type="datetimeFigureOut">
               <a:rPr lang="hu-HU" smtClean="0"/>
-              <a:t>Mintaszöveg szerkesztése</a:t>
-            </a:r>
-          </a:p>
-        </p:txBody>
-      </p:sp>
-      <p:sp>
-        <p:nvSpPr>
-          <p:cNvPr id="5" name="Dátum helye 4"/>
-          <p:cNvSpPr>
-            <a:spLocks noGrp="1"/>
-          </p:cNvSpPr>
-          <p:nvPr>
-            <p:ph type="dt" sz="half" idx="10"/>
-          </p:nvPr>
-        </p:nvSpPr>
-        <p:spPr/>
-        <p:txBody>
-          <a:bodyPr/>
-          <a:lstStyle/>
-          <a:p>
-            <a:fld id="{4875BA67-BB52-4359-8E86-14F12B2AA875}" type="datetimeFigureOut">
-              <a:rPr lang="hu-HU" smtClean="0"/>
-              <a:t>2022.09.08.</a:t>
+              <a:t>2022. 09. 12.</a:t>
             </a:fld>
             <a:endParaRPr lang="hu-HU"/>
           </a:p>
@@ -2365,7 +3026,7 @@
       </p:sp>
       <p:sp>
         <p:nvSpPr>
-          <p:cNvPr id="6" name="Élőláb helye 5"/>
+          <p:cNvPr id="6" name="Footer Placeholder 5"/>
           <p:cNvSpPr>
             <a:spLocks noGrp="1"/>
           </p:cNvSpPr>
@@ -2384,7 +3045,7 @@
       </p:sp>
       <p:sp>
         <p:nvSpPr>
-          <p:cNvPr id="7" name="Dia számának helye 6"/>
+          <p:cNvPr id="7" name="Slide Number Placeholder 6"/>
           <p:cNvSpPr>
             <a:spLocks noGrp="1"/>
           </p:cNvSpPr>
@@ -2397,7 +3058,7 @@
           <a:bodyPr/>
           <a:lstStyle/>
           <a:p>
-            <a:fld id="{9FD93BDE-30AE-4FFA-8F12-6851F74B3D3F}" type="slidenum">
+            <a:fld id="{A5364E08-5E69-4BBF-A99B-F97109629270}" type="slidenum">
               <a:rPr lang="hu-HU" smtClean="0"/>
               <a:t>‹#›</a:t>
             </a:fld>
@@ -2408,7 +3069,7 @@
     </p:spTree>
     <p:extLst>
       <p:ext uri="{BB962C8B-B14F-4D97-AF65-F5344CB8AC3E}">
-        <p14:creationId xmlns:p14="http://schemas.microsoft.com/office/powerpoint/2010/main" val="584880014"/>
+        <p14:creationId xmlns:p14="http://schemas.microsoft.com/office/powerpoint/2010/main" val="1991596673"/>
       </p:ext>
     </p:extLst>
   </p:cSld>
@@ -2442,135 +3103,209 @@
       </p:grpSpPr>
       <p:sp>
         <p:nvSpPr>
-          <p:cNvPr id="2" name="Cím helye 1"/>
-          <p:cNvSpPr>
-            <a:spLocks noGrp="1"/>
-          </p:cNvSpPr>
-          <p:nvPr>
-            <p:ph type="title"/>
-          </p:nvPr>
-        </p:nvSpPr>
-        <p:spPr>
-          <a:xfrm>
-            <a:off x="838200" y="365125"/>
-            <a:ext cx="10515600" cy="1325563"/>
+          <p:cNvPr id="7" name="Rectangle 6"/>
+          <p:cNvSpPr/>
+          <p:nvPr/>
+        </p:nvSpPr>
+        <p:spPr>
+          <a:xfrm>
+            <a:off x="1" y="6400800"/>
+            <a:ext cx="12192000" cy="457200"/>
           </a:xfrm>
           <a:prstGeom prst="rect">
             <a:avLst/>
           </a:prstGeom>
-        </p:spPr>
-        <p:txBody>
-          <a:bodyPr vert="horz" lIns="91440" tIns="45720" rIns="91440" bIns="45720" rtlCol="0" anchor="ctr">
-            <a:normAutofit/>
-          </a:bodyPr>
-          <a:lstStyle/>
-          <a:p>
-            <a:r>
-              <a:rPr lang="hu-HU" smtClean="0"/>
-              <a:t>Mintacím szerkesztése</a:t>
-            </a:r>
-            <a:endParaRPr lang="hu-HU"/>
-          </a:p>
-        </p:txBody>
-      </p:sp>
-      <p:sp>
-        <p:nvSpPr>
-          <p:cNvPr id="3" name="Szöveg helye 2"/>
-          <p:cNvSpPr>
-            <a:spLocks noGrp="1"/>
-          </p:cNvSpPr>
-          <p:nvPr>
-            <p:ph type="body" idx="1"/>
-          </p:nvPr>
-        </p:nvSpPr>
-        <p:spPr>
-          <a:xfrm>
-            <a:off x="838200" y="1825625"/>
-            <a:ext cx="10515600" cy="4351338"/>
+          <a:solidFill>
+            <a:schemeClr val="accent2"/>
+          </a:solidFill>
+          <a:ln>
+            <a:noFill/>
+          </a:ln>
+        </p:spPr>
+        <p:style>
+          <a:lnRef idx="2">
+            <a:schemeClr val="accent1">
+              <a:shade val="50000"/>
+            </a:schemeClr>
+          </a:lnRef>
+          <a:fillRef idx="1">
+            <a:schemeClr val="accent1"/>
+          </a:fillRef>
+          <a:effectRef idx="0">
+            <a:schemeClr val="accent1"/>
+          </a:effectRef>
+          <a:fontRef idx="minor">
+            <a:schemeClr val="lt1"/>
+          </a:fontRef>
+        </p:style>
+      </p:sp>
+      <p:sp>
+        <p:nvSpPr>
+          <p:cNvPr id="9" name="Rectangle 8"/>
+          <p:cNvSpPr/>
+          <p:nvPr/>
+        </p:nvSpPr>
+        <p:spPr>
+          <a:xfrm>
+            <a:off x="0" y="6334316"/>
+            <a:ext cx="12192001" cy="65998"/>
           </a:xfrm>
           <a:prstGeom prst="rect">
             <a:avLst/>
           </a:prstGeom>
-        </p:spPr>
-        <p:txBody>
-          <a:bodyPr vert="horz" lIns="91440" tIns="45720" rIns="91440" bIns="45720" rtlCol="0">
-            <a:normAutofit/>
-          </a:bodyPr>
-          <a:lstStyle/>
-          <a:p>
-            <a:pPr lvl="0"/>
-            <a:r>
-              <a:rPr lang="hu-HU" smtClean="0"/>
-              <a:t>Mintaszöveg szerkesztése</a:t>
-            </a:r>
-          </a:p>
-          <a:p>
-            <a:pPr lvl="1"/>
-            <a:r>
-              <a:rPr lang="hu-HU" smtClean="0"/>
-              <a:t>Második szint</a:t>
-            </a:r>
-          </a:p>
-          <a:p>
-            <a:pPr lvl="2"/>
-            <a:r>
-              <a:rPr lang="hu-HU" smtClean="0"/>
-              <a:t>Harmadik szint</a:t>
-            </a:r>
-          </a:p>
-          <a:p>
-            <a:pPr lvl="3"/>
-            <a:r>
-              <a:rPr lang="hu-HU" smtClean="0"/>
-              <a:t>Negyedik szint</a:t>
-            </a:r>
-          </a:p>
-          <a:p>
-            <a:pPr lvl="4"/>
-            <a:r>
-              <a:rPr lang="hu-HU" smtClean="0"/>
-              <a:t>Ötödik szint</a:t>
-            </a:r>
-            <a:endParaRPr lang="hu-HU"/>
-          </a:p>
-        </p:txBody>
-      </p:sp>
-      <p:sp>
-        <p:nvSpPr>
-          <p:cNvPr id="4" name="Dátum helye 3"/>
-          <p:cNvSpPr>
-            <a:spLocks noGrp="1"/>
-          </p:cNvSpPr>
-          <p:nvPr>
-            <p:ph type="dt" sz="half" idx="2"/>
-          </p:nvPr>
-        </p:nvSpPr>
-        <p:spPr>
-          <a:xfrm>
-            <a:off x="838200" y="6356350"/>
-            <a:ext cx="2743200" cy="365125"/>
+          <a:solidFill>
+            <a:schemeClr val="accent1"/>
+          </a:solidFill>
+          <a:ln>
+            <a:noFill/>
+          </a:ln>
+        </p:spPr>
+        <p:style>
+          <a:lnRef idx="2">
+            <a:schemeClr val="accent1">
+              <a:shade val="50000"/>
+            </a:schemeClr>
+          </a:lnRef>
+          <a:fillRef idx="1">
+            <a:schemeClr val="accent1"/>
+          </a:fillRef>
+          <a:effectRef idx="0">
+            <a:schemeClr val="accent1"/>
+          </a:effectRef>
+          <a:fontRef idx="minor">
+            <a:schemeClr val="lt1"/>
+          </a:fontRef>
+        </p:style>
+      </p:sp>
+      <p:sp>
+        <p:nvSpPr>
+          <p:cNvPr id="2" name="Title Placeholder 1"/>
+          <p:cNvSpPr>
+            <a:spLocks noGrp="1"/>
+          </p:cNvSpPr>
+          <p:nvPr>
+            <p:ph type="title"/>
+          </p:nvPr>
+        </p:nvSpPr>
+        <p:spPr>
+          <a:xfrm>
+            <a:off x="1097280" y="286603"/>
+            <a:ext cx="10058400" cy="1450757"/>
           </a:xfrm>
           <a:prstGeom prst="rect">
             <a:avLst/>
           </a:prstGeom>
         </p:spPr>
         <p:txBody>
+          <a:bodyPr vert="horz" lIns="91440" tIns="45720" rIns="91440" bIns="45720" rtlCol="0" anchor="b">
+            <a:normAutofit/>
+          </a:bodyPr>
+          <a:lstStyle/>
+          <a:p>
+            <a:r>
+              <a:rPr lang="hu-HU"/>
+              <a:t>Mintacím szerkesztése</a:t>
+            </a:r>
+            <a:endParaRPr lang="en-US" dirty="0"/>
+          </a:p>
+        </p:txBody>
+      </p:sp>
+      <p:sp>
+        <p:nvSpPr>
+          <p:cNvPr id="3" name="Text Placeholder 2"/>
+          <p:cNvSpPr>
+            <a:spLocks noGrp="1"/>
+          </p:cNvSpPr>
+          <p:nvPr>
+            <p:ph type="body" idx="1"/>
+          </p:nvPr>
+        </p:nvSpPr>
+        <p:spPr>
+          <a:xfrm>
+            <a:off x="1097280" y="1845734"/>
+            <a:ext cx="10058400" cy="4023360"/>
+          </a:xfrm>
+          <a:prstGeom prst="rect">
+            <a:avLst/>
+          </a:prstGeom>
+        </p:spPr>
+        <p:txBody>
+          <a:bodyPr vert="horz" lIns="0" tIns="45720" rIns="0" bIns="45720" rtlCol="0">
+            <a:normAutofit/>
+          </a:bodyPr>
+          <a:lstStyle/>
+          <a:p>
+            <a:pPr lvl="0"/>
+            <a:r>
+              <a:rPr lang="hu-HU"/>
+              <a:t>Mintaszöveg szerkesztése</a:t>
+            </a:r>
+          </a:p>
+          <a:p>
+            <a:pPr lvl="1"/>
+            <a:r>
+              <a:rPr lang="hu-HU"/>
+              <a:t>Második szint</a:t>
+            </a:r>
+          </a:p>
+          <a:p>
+            <a:pPr lvl="2"/>
+            <a:r>
+              <a:rPr lang="hu-HU"/>
+              <a:t>Harmadik szint</a:t>
+            </a:r>
+          </a:p>
+          <a:p>
+            <a:pPr lvl="3"/>
+            <a:r>
+              <a:rPr lang="hu-HU"/>
+              <a:t>Negyedik szint</a:t>
+            </a:r>
+          </a:p>
+          <a:p>
+            <a:pPr lvl="4"/>
+            <a:r>
+              <a:rPr lang="hu-HU"/>
+              <a:t>Ötödik szint</a:t>
+            </a:r>
+            <a:endParaRPr lang="en-US" dirty="0"/>
+          </a:p>
+        </p:txBody>
+      </p:sp>
+      <p:sp>
+        <p:nvSpPr>
+          <p:cNvPr id="4" name="Date Placeholder 3"/>
+          <p:cNvSpPr>
+            <a:spLocks noGrp="1"/>
+          </p:cNvSpPr>
+          <p:nvPr>
+            <p:ph type="dt" sz="half" idx="2"/>
+          </p:nvPr>
+        </p:nvSpPr>
+        <p:spPr>
+          <a:xfrm>
+            <a:off x="1097280" y="6459785"/>
+            <a:ext cx="2472271" cy="365125"/>
+          </a:xfrm>
+          <a:prstGeom prst="rect">
+            <a:avLst/>
+          </a:prstGeom>
+        </p:spPr>
+        <p:txBody>
           <a:bodyPr vert="horz" lIns="91440" tIns="45720" rIns="91440" bIns="45720" rtlCol="0" anchor="ctr"/>
           <a:lstStyle>
             <a:lvl1pPr algn="l">
-              <a:defRPr sz="1200">
+              <a:defRPr sz="900">
                 <a:solidFill>
-                  <a:schemeClr val="tx1">
-                    <a:tint val="75000"/>
-                  </a:schemeClr>
+                  <a:srgbClr val="FFFFFF"/>
                 </a:solidFill>
               </a:defRPr>
             </a:lvl1pPr>
           </a:lstStyle>
           <a:p>
-            <a:fld id="{4875BA67-BB52-4359-8E86-14F12B2AA875}" type="datetimeFigureOut">
+            <a:fld id="{8F5A1913-C1B8-42A7-81A1-2FE1D24E3BD3}" type="datetimeFigureOut">
               <a:rPr lang="hu-HU" smtClean="0"/>
-              <a:t>2022.09.08.</a:t>
+              <a:t>2022. 09. 12.</a:t>
             </a:fld>
             <a:endParaRPr lang="hu-HU"/>
           </a:p>
@@ -2578,7 +3313,7 @@
       </p:sp>
       <p:sp>
         <p:nvSpPr>
-          <p:cNvPr id="5" name="Élőláb helye 4"/>
+          <p:cNvPr id="5" name="Footer Placeholder 4"/>
           <p:cNvSpPr>
             <a:spLocks noGrp="1"/>
           </p:cNvSpPr>
@@ -2588,8 +3323,8 @@
         </p:nvSpPr>
         <p:spPr>
           <a:xfrm>
-            <a:off x="4038600" y="6356350"/>
-            <a:ext cx="4114800" cy="365125"/>
+            <a:off x="3686185" y="6459785"/>
+            <a:ext cx="4822804" cy="365125"/>
           </a:xfrm>
           <a:prstGeom prst="rect">
             <a:avLst/>
@@ -2599,11 +3334,9 @@
           <a:bodyPr vert="horz" lIns="91440" tIns="45720" rIns="91440" bIns="45720" rtlCol="0" anchor="ctr"/>
           <a:lstStyle>
             <a:lvl1pPr algn="ctr">
-              <a:defRPr sz="1200">
+              <a:defRPr sz="900" cap="all" baseline="0">
                 <a:solidFill>
-                  <a:schemeClr val="tx1">
-                    <a:tint val="75000"/>
-                  </a:schemeClr>
+                  <a:srgbClr val="FFFFFF"/>
                 </a:solidFill>
               </a:defRPr>
             </a:lvl1pPr>
@@ -2615,7 +3348,7 @@
       </p:sp>
       <p:sp>
         <p:nvSpPr>
-          <p:cNvPr id="6" name="Dia számának helye 5"/>
+          <p:cNvPr id="6" name="Slide Number Placeholder 5"/>
           <p:cNvSpPr>
             <a:spLocks noGrp="1"/>
           </p:cNvSpPr>
@@ -2625,8 +3358,8 @@
         </p:nvSpPr>
         <p:spPr>
           <a:xfrm>
-            <a:off x="8610600" y="6356350"/>
-            <a:ext cx="2743200" cy="365125"/>
+            <a:off x="9900458" y="6459785"/>
+            <a:ext cx="1312025" cy="365125"/>
           </a:xfrm>
           <a:prstGeom prst="rect">
             <a:avLst/>
@@ -2636,17 +3369,15 @@
           <a:bodyPr vert="horz" lIns="91440" tIns="45720" rIns="91440" bIns="45720" rtlCol="0" anchor="ctr"/>
           <a:lstStyle>
             <a:lvl1pPr algn="r">
-              <a:defRPr sz="1200">
+              <a:defRPr sz="1050">
                 <a:solidFill>
-                  <a:schemeClr val="tx1">
-                    <a:tint val="75000"/>
-                  </a:schemeClr>
+                  <a:srgbClr val="FFFFFF"/>
                 </a:solidFill>
               </a:defRPr>
             </a:lvl1pPr>
           </a:lstStyle>
           <a:p>
-            <a:fld id="{9FD93BDE-30AE-4FFA-8F12-6851F74B3D3F}" type="slidenum">
+            <a:fld id="{A5364E08-5E69-4BBF-A99B-F97109629270}" type="slidenum">
               <a:rPr lang="hu-HU" smtClean="0"/>
               <a:t>‹#›</a:t>
             </a:fld>
@@ -2654,40 +3385,81 @@
           </a:p>
         </p:txBody>
       </p:sp>
+      <p:cxnSp>
+        <p:nvCxnSpPr>
+          <p:cNvPr id="10" name="Straight Connector 9"/>
+          <p:cNvCxnSpPr/>
+          <p:nvPr/>
+        </p:nvCxnSpPr>
+        <p:spPr>
+          <a:xfrm>
+            <a:off x="1193532" y="1737845"/>
+            <a:ext cx="9966960" cy="0"/>
+          </a:xfrm>
+          <a:prstGeom prst="line">
+            <a:avLst/>
+          </a:prstGeom>
+          <a:ln w="6350">
+            <a:solidFill>
+              <a:schemeClr val="tx1">
+                <a:lumMod val="50000"/>
+                <a:lumOff val="50000"/>
+              </a:schemeClr>
+            </a:solidFill>
+          </a:ln>
+        </p:spPr>
+        <p:style>
+          <a:lnRef idx="1">
+            <a:schemeClr val="accent1"/>
+          </a:lnRef>
+          <a:fillRef idx="0">
+            <a:schemeClr val="accent1"/>
+          </a:fillRef>
+          <a:effectRef idx="0">
+            <a:schemeClr val="accent1"/>
+          </a:effectRef>
+          <a:fontRef idx="minor">
+            <a:schemeClr val="tx1"/>
+          </a:fontRef>
+        </p:style>
+      </p:cxnSp>
     </p:spTree>
     <p:extLst>
       <p:ext uri="{BB962C8B-B14F-4D97-AF65-F5344CB8AC3E}">
-        <p14:creationId xmlns:p14="http://schemas.microsoft.com/office/powerpoint/2010/main" val="3933246120"/>
+        <p14:creationId xmlns:p14="http://schemas.microsoft.com/office/powerpoint/2010/main" val="4040506662"/>
       </p:ext>
     </p:extLst>
   </p:cSld>
   <p:clrMap bg1="lt1" tx1="dk1" bg2="lt2" tx2="dk2" accent1="accent1" accent2="accent2" accent3="accent3" accent4="accent4" accent5="accent5" accent6="accent6" hlink="hlink" folHlink="folHlink"/>
   <p:sldLayoutIdLst>
-    <p:sldLayoutId id="2147483649" r:id="rId1"/>
-    <p:sldLayoutId id="2147483650" r:id="rId2"/>
-    <p:sldLayoutId id="2147483651" r:id="rId3"/>
-    <p:sldLayoutId id="2147483652" r:id="rId4"/>
-    <p:sldLayoutId id="2147483653" r:id="rId5"/>
-    <p:sldLayoutId id="2147483654" r:id="rId6"/>
-    <p:sldLayoutId id="2147483655" r:id="rId7"/>
-    <p:sldLayoutId id="2147483656" r:id="rId8"/>
-    <p:sldLayoutId id="2147483657" r:id="rId9"/>
-    <p:sldLayoutId id="2147483658" r:id="rId10"/>
-    <p:sldLayoutId id="2147483659" r:id="rId11"/>
+    <p:sldLayoutId id="2147484128" r:id="rId1"/>
+    <p:sldLayoutId id="2147484129" r:id="rId2"/>
+    <p:sldLayoutId id="2147484130" r:id="rId3"/>
+    <p:sldLayoutId id="2147484131" r:id="rId4"/>
+    <p:sldLayoutId id="2147484132" r:id="rId5"/>
+    <p:sldLayoutId id="2147484133" r:id="rId6"/>
+    <p:sldLayoutId id="2147484134" r:id="rId7"/>
+    <p:sldLayoutId id="2147484135" r:id="rId8"/>
+    <p:sldLayoutId id="2147484136" r:id="rId9"/>
+    <p:sldLayoutId id="2147484137" r:id="rId10"/>
+    <p:sldLayoutId id="2147484138" r:id="rId11"/>
   </p:sldLayoutIdLst>
   <p:txStyles>
     <p:titleStyle>
       <a:lvl1pPr algn="l" defTabSz="914400" rtl="0" eaLnBrk="1" latinLnBrk="0" hangingPunct="1">
         <a:lnSpc>
-          <a:spcPct val="90000"/>
+          <a:spcPct val="85000"/>
         </a:lnSpc>
         <a:spcBef>
           <a:spcPct val="0"/>
         </a:spcBef>
         <a:buNone/>
-        <a:defRPr sz="4400" kern="1200">
+        <a:defRPr sz="4800" kern="1200" spc="-50" baseline="0">
           <a:solidFill>
-            <a:schemeClr val="tx1"/>
+            <a:schemeClr val="tx1">
+              <a:lumMod val="75000"/>
+              <a:lumOff val="25000"/>
+            </a:schemeClr>
           </a:solidFill>
           <a:latin typeface="+mj-lt"/>
           <a:ea typeface="+mj-ea"/>
@@ -2696,162 +3468,244 @@
       </a:lvl1pPr>
     </p:titleStyle>
     <p:bodyStyle>
-      <a:lvl1pPr marL="228600" indent="-228600" algn="l" defTabSz="914400" rtl="0" eaLnBrk="1" latinLnBrk="0" hangingPunct="1">
+      <a:lvl1pPr marL="91440" indent="-91440" algn="l" defTabSz="914400" rtl="0" eaLnBrk="1" latinLnBrk="0" hangingPunct="1">
         <a:lnSpc>
           <a:spcPct val="90000"/>
         </a:lnSpc>
         <a:spcBef>
-          <a:spcPts val="1000"/>
+          <a:spcPts val="1200"/>
         </a:spcBef>
-        <a:buFont typeface="Arial" panose="020B0604020202020204" pitchFamily="34" charset="0"/>
-        <a:buChar char="•"/>
-        <a:defRPr sz="2800" kern="1200">
+        <a:spcAft>
+          <a:spcPts val="200"/>
+        </a:spcAft>
+        <a:buClr>
+          <a:schemeClr val="accent1"/>
+        </a:buClr>
+        <a:buSzPct val="100000"/>
+        <a:buFont typeface="Calibri" panose="020F0502020204030204" pitchFamily="34" charset="0"/>
+        <a:buChar char=" "/>
+        <a:defRPr sz="2000" kern="1200">
           <a:solidFill>
-            <a:schemeClr val="tx1"/>
+            <a:schemeClr val="tx1">
+              <a:lumMod val="75000"/>
+              <a:lumOff val="25000"/>
+            </a:schemeClr>
           </a:solidFill>
           <a:latin typeface="+mn-lt"/>
           <a:ea typeface="+mn-ea"/>
           <a:cs typeface="+mn-cs"/>
         </a:defRPr>
       </a:lvl1pPr>
-      <a:lvl2pPr marL="685800" indent="-228600" algn="l" defTabSz="914400" rtl="0" eaLnBrk="1" latinLnBrk="0" hangingPunct="1">
+      <a:lvl2pPr marL="384048" indent="-182880" algn="l" defTabSz="914400" rtl="0" eaLnBrk="1" latinLnBrk="0" hangingPunct="1">
         <a:lnSpc>
           <a:spcPct val="90000"/>
         </a:lnSpc>
         <a:spcBef>
-          <a:spcPts val="500"/>
+          <a:spcPts val="200"/>
         </a:spcBef>
-        <a:buFont typeface="Arial" panose="020B0604020202020204" pitchFamily="34" charset="0"/>
-        <a:buChar char="•"/>
-        <a:defRPr sz="2400" kern="1200">
+        <a:spcAft>
+          <a:spcPts val="400"/>
+        </a:spcAft>
+        <a:buClr>
+          <a:schemeClr val="accent1"/>
+        </a:buClr>
+        <a:buFont typeface="Calibri" pitchFamily="34" charset="0"/>
+        <a:buChar char="◦"/>
+        <a:defRPr sz="1800" kern="1200">
           <a:solidFill>
-            <a:schemeClr val="tx1"/>
+            <a:schemeClr val="tx1">
+              <a:lumMod val="75000"/>
+              <a:lumOff val="25000"/>
+            </a:schemeClr>
           </a:solidFill>
           <a:latin typeface="+mn-lt"/>
           <a:ea typeface="+mn-ea"/>
           <a:cs typeface="+mn-cs"/>
         </a:defRPr>
       </a:lvl2pPr>
-      <a:lvl3pPr marL="1143000" indent="-228600" algn="l" defTabSz="914400" rtl="0" eaLnBrk="1" latinLnBrk="0" hangingPunct="1">
+      <a:lvl3pPr marL="566928" indent="-182880" algn="l" defTabSz="914400" rtl="0" eaLnBrk="1" latinLnBrk="0" hangingPunct="1">
         <a:lnSpc>
           <a:spcPct val="90000"/>
         </a:lnSpc>
         <a:spcBef>
-          <a:spcPts val="500"/>
+          <a:spcPts val="200"/>
         </a:spcBef>
-        <a:buFont typeface="Arial" panose="020B0604020202020204" pitchFamily="34" charset="0"/>
-        <a:buChar char="•"/>
-        <a:defRPr sz="2000" kern="1200">
+        <a:spcAft>
+          <a:spcPts val="400"/>
+        </a:spcAft>
+        <a:buClr>
+          <a:schemeClr val="accent1"/>
+        </a:buClr>
+        <a:buFont typeface="Calibri" pitchFamily="34" charset="0"/>
+        <a:buChar char="◦"/>
+        <a:defRPr sz="1400" kern="1200">
           <a:solidFill>
-            <a:schemeClr val="tx1"/>
+            <a:schemeClr val="tx1">
+              <a:lumMod val="75000"/>
+              <a:lumOff val="25000"/>
+            </a:schemeClr>
           </a:solidFill>
           <a:latin typeface="+mn-lt"/>
           <a:ea typeface="+mn-ea"/>
           <a:cs typeface="+mn-cs"/>
         </a:defRPr>
       </a:lvl3pPr>
-      <a:lvl4pPr marL="1600200" indent="-228600" algn="l" defTabSz="914400" rtl="0" eaLnBrk="1" latinLnBrk="0" hangingPunct="1">
+      <a:lvl4pPr marL="749808" indent="-182880" algn="l" defTabSz="914400" rtl="0" eaLnBrk="1" latinLnBrk="0" hangingPunct="1">
         <a:lnSpc>
           <a:spcPct val="90000"/>
         </a:lnSpc>
         <a:spcBef>
-          <a:spcPts val="500"/>
+          <a:spcPts val="200"/>
         </a:spcBef>
-        <a:buFont typeface="Arial" panose="020B0604020202020204" pitchFamily="34" charset="0"/>
-        <a:buChar char="•"/>
-        <a:defRPr sz="1800" kern="1200">
+        <a:spcAft>
+          <a:spcPts val="400"/>
+        </a:spcAft>
+        <a:buClr>
+          <a:schemeClr val="accent1"/>
+        </a:buClr>
+        <a:buFont typeface="Calibri" pitchFamily="34" charset="0"/>
+        <a:buChar char="◦"/>
+        <a:defRPr sz="1400" kern="1200">
           <a:solidFill>
-            <a:schemeClr val="tx1"/>
+            <a:schemeClr val="tx1">
+              <a:lumMod val="75000"/>
+              <a:lumOff val="25000"/>
+            </a:schemeClr>
           </a:solidFill>
           <a:latin typeface="+mn-lt"/>
           <a:ea typeface="+mn-ea"/>
           <a:cs typeface="+mn-cs"/>
         </a:defRPr>
       </a:lvl4pPr>
-      <a:lvl5pPr marL="2057400" indent="-228600" algn="l" defTabSz="914400" rtl="0" eaLnBrk="1" latinLnBrk="0" hangingPunct="1">
+      <a:lvl5pPr marL="932688" indent="-182880" algn="l" defTabSz="914400" rtl="0" eaLnBrk="1" latinLnBrk="0" hangingPunct="1">
         <a:lnSpc>
           <a:spcPct val="90000"/>
         </a:lnSpc>
         <a:spcBef>
-          <a:spcPts val="500"/>
+          <a:spcPts val="200"/>
         </a:spcBef>
-        <a:buFont typeface="Arial" panose="020B0604020202020204" pitchFamily="34" charset="0"/>
-        <a:buChar char="•"/>
-        <a:defRPr sz="1800" kern="1200">
+        <a:spcAft>
+          <a:spcPts val="400"/>
+        </a:spcAft>
+        <a:buClr>
+          <a:schemeClr val="accent1"/>
+        </a:buClr>
+        <a:buFont typeface="Calibri" pitchFamily="34" charset="0"/>
+        <a:buChar char="◦"/>
+        <a:defRPr sz="1400" kern="1200">
           <a:solidFill>
-            <a:schemeClr val="tx1"/>
+            <a:schemeClr val="tx1">
+              <a:lumMod val="75000"/>
+              <a:lumOff val="25000"/>
+            </a:schemeClr>
           </a:solidFill>
           <a:latin typeface="+mn-lt"/>
           <a:ea typeface="+mn-ea"/>
           <a:cs typeface="+mn-cs"/>
         </a:defRPr>
       </a:lvl5pPr>
-      <a:lvl6pPr marL="2514600" indent="-228600" algn="l" defTabSz="914400" rtl="0" eaLnBrk="1" latinLnBrk="0" hangingPunct="1">
+      <a:lvl6pPr marL="1100000" indent="-228600" algn="l" defTabSz="914400" rtl="0" eaLnBrk="1" latinLnBrk="0" hangingPunct="1">
         <a:lnSpc>
           <a:spcPct val="90000"/>
         </a:lnSpc>
         <a:spcBef>
-          <a:spcPts val="500"/>
+          <a:spcPts val="200"/>
         </a:spcBef>
-        <a:buFont typeface="Arial" panose="020B0604020202020204" pitchFamily="34" charset="0"/>
-        <a:buChar char="•"/>
-        <a:defRPr sz="1800" kern="1200">
+        <a:spcAft>
+          <a:spcPts val="400"/>
+        </a:spcAft>
+        <a:buClr>
+          <a:schemeClr val="accent1"/>
+        </a:buClr>
+        <a:buFont typeface="Calibri" pitchFamily="34" charset="0"/>
+        <a:buChar char="◦"/>
+        <a:defRPr sz="1400" kern="1200">
           <a:solidFill>
-            <a:schemeClr val="tx1"/>
+            <a:schemeClr val="tx1">
+              <a:lumMod val="75000"/>
+              <a:lumOff val="25000"/>
+            </a:schemeClr>
           </a:solidFill>
           <a:latin typeface="+mn-lt"/>
           <a:ea typeface="+mn-ea"/>
           <a:cs typeface="+mn-cs"/>
         </a:defRPr>
       </a:lvl6pPr>
-      <a:lvl7pPr marL="2971800" indent="-228600" algn="l" defTabSz="914400" rtl="0" eaLnBrk="1" latinLnBrk="0" hangingPunct="1">
+      <a:lvl7pPr marL="1300000" indent="-228600" algn="l" defTabSz="914400" rtl="0" eaLnBrk="1" latinLnBrk="0" hangingPunct="1">
         <a:lnSpc>
           <a:spcPct val="90000"/>
         </a:lnSpc>
         <a:spcBef>
-          <a:spcPts val="500"/>
+          <a:spcPts val="200"/>
         </a:spcBef>
-        <a:buFont typeface="Arial" panose="020B0604020202020204" pitchFamily="34" charset="0"/>
-        <a:buChar char="•"/>
-        <a:defRPr sz="1800" kern="1200">
+        <a:spcAft>
+          <a:spcPts val="400"/>
+        </a:spcAft>
+        <a:buClr>
+          <a:schemeClr val="accent1"/>
+        </a:buClr>
+        <a:buFont typeface="Calibri" pitchFamily="34" charset="0"/>
+        <a:buChar char="◦"/>
+        <a:defRPr sz="1400" kern="1200">
           <a:solidFill>
-            <a:schemeClr val="tx1"/>
+            <a:schemeClr val="tx1">
+              <a:lumMod val="75000"/>
+              <a:lumOff val="25000"/>
+            </a:schemeClr>
           </a:solidFill>
           <a:latin typeface="+mn-lt"/>
           <a:ea typeface="+mn-ea"/>
           <a:cs typeface="+mn-cs"/>
         </a:defRPr>
       </a:lvl7pPr>
-      <a:lvl8pPr marL="3429000" indent="-228600" algn="l" defTabSz="914400" rtl="0" eaLnBrk="1" latinLnBrk="0" hangingPunct="1">
+      <a:lvl8pPr marL="1500000" indent="-228600" algn="l" defTabSz="914400" rtl="0" eaLnBrk="1" latinLnBrk="0" hangingPunct="1">
         <a:lnSpc>
           <a:spcPct val="90000"/>
         </a:lnSpc>
         <a:spcBef>
-          <a:spcPts val="500"/>
+          <a:spcPts val="200"/>
         </a:spcBef>
-        <a:buFont typeface="Arial" panose="020B0604020202020204" pitchFamily="34" charset="0"/>
-        <a:buChar char="•"/>
-        <a:defRPr sz="1800" kern="1200">
+        <a:spcAft>
+          <a:spcPts val="400"/>
+        </a:spcAft>
+        <a:buClr>
+          <a:schemeClr val="accent1"/>
+        </a:buClr>
+        <a:buFont typeface="Calibri" pitchFamily="34" charset="0"/>
+        <a:buChar char="◦"/>
+        <a:defRPr sz="1400" kern="1200">
           <a:solidFill>
-            <a:schemeClr val="tx1"/>
+            <a:schemeClr val="tx1">
+              <a:lumMod val="75000"/>
+              <a:lumOff val="25000"/>
+            </a:schemeClr>
           </a:solidFill>
           <a:latin typeface="+mn-lt"/>
           <a:ea typeface="+mn-ea"/>
           <a:cs typeface="+mn-cs"/>
         </a:defRPr>
       </a:lvl8pPr>
-      <a:lvl9pPr marL="3886200" indent="-228600" algn="l" defTabSz="914400" rtl="0" eaLnBrk="1" latinLnBrk="0" hangingPunct="1">
+      <a:lvl9pPr marL="1700000" indent="-228600" algn="l" defTabSz="914400" rtl="0" eaLnBrk="1" latinLnBrk="0" hangingPunct="1">
         <a:lnSpc>
           <a:spcPct val="90000"/>
         </a:lnSpc>
         <a:spcBef>
-          <a:spcPts val="500"/>
+          <a:spcPts val="200"/>
         </a:spcBef>
-        <a:buFont typeface="Arial" panose="020B0604020202020204" pitchFamily="34" charset="0"/>
-        <a:buChar char="•"/>
-        <a:defRPr sz="1800" kern="1200">
+        <a:spcAft>
+          <a:spcPts val="400"/>
+        </a:spcAft>
+        <a:buClr>
+          <a:schemeClr val="accent1"/>
+        </a:buClr>
+        <a:buFont typeface="Calibri" pitchFamily="34" charset="0"/>
+        <a:buChar char="◦"/>
+        <a:defRPr sz="1400" kern="1200">
           <a:solidFill>
-            <a:schemeClr val="tx1"/>
+            <a:schemeClr val="tx1">
+              <a:lumMod val="75000"/>
+              <a:lumOff val="25000"/>
+            </a:schemeClr>
           </a:solidFill>
           <a:latin typeface="+mn-lt"/>
           <a:ea typeface="+mn-ea"/>
@@ -2861,7 +3715,7 @@
     </p:bodyStyle>
     <p:otherStyle>
       <a:defPPr>
-        <a:defRPr lang="hu-HU"/>
+        <a:defRPr lang="en-US"/>
       </a:defPPr>
       <a:lvl1pPr marL="0" algn="l" defTabSz="914400" rtl="0" eaLnBrk="1" latinLnBrk="0" hangingPunct="1">
         <a:defRPr sz="1800" kern="1200">
@@ -2985,12 +3839,23 @@
             <p:ph type="ctrTitle"/>
           </p:nvPr>
         </p:nvSpPr>
-        <p:spPr/>
+        <p:spPr>
+          <a:xfrm>
+            <a:off x="3789680" y="2133600"/>
+            <a:ext cx="4338320" cy="1188212"/>
+          </a:xfrm>
+        </p:spPr>
         <p:txBody>
           <a:bodyPr/>
           <a:lstStyle/>
           <a:p>
-            <a:endParaRPr lang="hu-HU" dirty="0"/>
+            <a:r>
+              <a:rPr lang="hu-HU" dirty="0">
+                <a:latin typeface="Times New Roman" panose="02020603050405020304" pitchFamily="18" charset="0"/>
+                <a:cs typeface="Times New Roman" panose="02020603050405020304" pitchFamily="18" charset="0"/>
+              </a:rPr>
+              <a:t>Hálózatok</a:t>
+            </a:r>
           </a:p>
         </p:txBody>
       </p:sp>
@@ -3004,31 +3869,56 @@
             <p:ph type="subTitle" idx="1"/>
           </p:nvPr>
         </p:nvSpPr>
-        <p:spPr/>
+        <p:spPr>
+          <a:xfrm>
+            <a:off x="3606915" y="4764024"/>
+            <a:ext cx="4703849" cy="421179"/>
+          </a:xfrm>
+        </p:spPr>
         <p:txBody>
           <a:bodyPr>
-            <a:normAutofit/>
+            <a:normAutofit fontScale="92500"/>
           </a:bodyPr>
           <a:lstStyle/>
           <a:p>
             <a:r>
-              <a:rPr lang="hu-HU" dirty="0" smtClean="0">
+              <a:rPr lang="hu-HU" dirty="0">
                 <a:latin typeface="Times New Roman" panose="02020603050405020304" pitchFamily="18" charset="0"/>
                 <a:cs typeface="Times New Roman" panose="02020603050405020304" pitchFamily="18" charset="0"/>
               </a:rPr>
               <a:t>Készítette: Varga János</a:t>
             </a:r>
-            <a:endParaRPr lang="hu-HU" dirty="0">
-              <a:latin typeface="Times New Roman" panose="02020603050405020304" pitchFamily="18" charset="0"/>
-              <a:cs typeface="Times New Roman" panose="02020603050405020304" pitchFamily="18" charset="0"/>
-            </a:endParaRPr>
-          </a:p>
-        </p:txBody>
-      </p:sp>
+          </a:p>
+        </p:txBody>
+      </p:sp>
+      <p:pic>
+        <p:nvPicPr>
+          <p:cNvPr id="4" name="Kép 3"/>
+          <p:cNvPicPr>
+            <a:picLocks noChangeAspect="1"/>
+          </p:cNvPicPr>
+          <p:nvPr/>
+        </p:nvPicPr>
+        <p:blipFill>
+          <a:blip r:embed="rId2"/>
+          <a:stretch>
+            <a:fillRect/>
+          </a:stretch>
+        </p:blipFill>
+        <p:spPr>
+          <a:xfrm>
+            <a:off x="1133856" y="4263346"/>
+            <a:ext cx="10058400" cy="181654"/>
+          </a:xfrm>
+          <a:prstGeom prst="rect">
+            <a:avLst/>
+          </a:prstGeom>
+        </p:spPr>
+      </p:pic>
     </p:spTree>
     <p:extLst>
       <p:ext uri="{BB962C8B-B14F-4D97-AF65-F5344CB8AC3E}">
-        <p14:creationId xmlns:p14="http://schemas.microsoft.com/office/powerpoint/2010/main" val="1043987699"/>
+        <p14:creationId xmlns:p14="http://schemas.microsoft.com/office/powerpoint/2010/main" val="2600034421"/>
       </p:ext>
     </p:extLst>
   </p:cSld>
@@ -3038,9 +3928,17 @@
 </p:sld>
 </file>
 
-<file path=ppt/slides/slide10.xml><?xml version="1.0" encoding="utf-8"?>
+<file path=ppt/slides/slide2.xml><?xml version="1.0" encoding="utf-8"?>
 <p:sld xmlns:a="http://schemas.openxmlformats.org/drawingml/2006/main" xmlns:r="http://schemas.openxmlformats.org/officeDocument/2006/relationships" xmlns:p="http://schemas.openxmlformats.org/presentationml/2006/main">
   <p:cSld>
+    <p:bg>
+      <p:bgPr>
+        <a:solidFill>
+          <a:schemeClr val="bg1"/>
+        </a:solidFill>
+        <a:effectLst/>
+      </p:bgPr>
+    </p:bg>
     <p:spTree>
       <p:nvGrpSpPr>
         <p:cNvPr id="1" name=""/>
@@ -3055,6 +3953,30 @@
           <a:chExt cx="0" cy="0"/>
         </a:xfrm>
       </p:grpSpPr>
+      <p:pic>
+        <p:nvPicPr>
+          <p:cNvPr id="7" name="Kép 6"/>
+          <p:cNvPicPr>
+            <a:picLocks noChangeAspect="1"/>
+          </p:cNvPicPr>
+          <p:nvPr/>
+        </p:nvPicPr>
+        <p:blipFill>
+          <a:blip r:embed="rId2"/>
+          <a:stretch>
+            <a:fillRect/>
+          </a:stretch>
+        </p:blipFill>
+        <p:spPr>
+          <a:xfrm>
+            <a:off x="912685" y="1725726"/>
+            <a:ext cx="10304463" cy="126107"/>
+          </a:xfrm>
+          <a:prstGeom prst="rect">
+            <a:avLst/>
+          </a:prstGeom>
+        </p:spPr>
+      </p:pic>
       <p:sp>
         <p:nvSpPr>
           <p:cNvPr id="2" name="Cím 1"/>
@@ -3065,12 +3987,25 @@
             <p:ph type="title"/>
           </p:nvPr>
         </p:nvSpPr>
-        <p:spPr/>
-        <p:txBody>
-          <a:bodyPr/>
-          <a:lstStyle/>
-          <a:p>
-            <a:endParaRPr lang="hu-HU"/>
+        <p:spPr>
+          <a:xfrm>
+            <a:off x="1300480" y="460862"/>
+            <a:ext cx="3144520" cy="933687"/>
+          </a:xfrm>
+        </p:spPr>
+        <p:txBody>
+          <a:bodyPr>
+            <a:normAutofit fontScale="90000"/>
+          </a:bodyPr>
+          <a:lstStyle/>
+          <a:p>
+            <a:r>
+              <a:rPr lang="hu-HU" dirty="0">
+                <a:latin typeface="Times New Roman" panose="02020603050405020304" pitchFamily="18" charset="0"/>
+                <a:cs typeface="Times New Roman" panose="02020603050405020304" pitchFamily="18" charset="0"/>
+              </a:rPr>
+              <a:t>Mi a hálózat</a:t>
+            </a:r>
           </a:p>
         </p:txBody>
       </p:sp>
@@ -3084,251 +4019,102 @@
             <p:ph idx="1"/>
           </p:nvPr>
         </p:nvSpPr>
-        <p:spPr/>
-        <p:txBody>
-          <a:bodyPr/>
-          <a:lstStyle/>
-          <a:p>
-            <a:endParaRPr lang="hu-HU"/>
+        <p:spPr>
+          <a:xfrm>
+            <a:off x="812800" y="2435225"/>
+            <a:ext cx="2717800" cy="1235075"/>
+          </a:xfrm>
+        </p:spPr>
+        <p:txBody>
+          <a:bodyPr>
+            <a:normAutofit/>
+          </a:bodyPr>
+          <a:lstStyle/>
+          <a:p>
+            <a:r>
+              <a:rPr lang="hu-HU" sz="2400" dirty="0">
+                <a:latin typeface="Times New Roman" panose="02020603050405020304" pitchFamily="18" charset="0"/>
+                <a:cs typeface="Times New Roman" panose="02020603050405020304" pitchFamily="18" charset="0"/>
+              </a:rPr>
+              <a:t>Kettő vagy több összekapcsolt számítógép </a:t>
+            </a:r>
+          </a:p>
+        </p:txBody>
+      </p:sp>
+      <p:pic>
+        <p:nvPicPr>
+          <p:cNvPr id="1028" name="Picture 4" descr="Informatika 8. - I. Az informatikai eszközök használata - 2. Számítógépes  hálózatok"/>
+          <p:cNvPicPr>
+            <a:picLocks noChangeAspect="1" noChangeArrowheads="1"/>
+          </p:cNvPicPr>
+          <p:nvPr/>
+        </p:nvPicPr>
+        <p:blipFill>
+          <a:blip r:embed="rId3">
+            <a:extLst>
+              <a:ext uri="{28A0092B-C50C-407E-A947-70E740481C1C}">
+                <a14:useLocalDpi xmlns:a14="http://schemas.microsoft.com/office/drawing/2010/main" val="0"/>
+              </a:ext>
+            </a:extLst>
+          </a:blip>
+          <a:srcRect/>
+          <a:stretch>
+            <a:fillRect/>
+          </a:stretch>
+        </p:blipFill>
+        <p:spPr bwMode="auto">
+          <a:xfrm>
+            <a:off x="4648200" y="1074282"/>
+            <a:ext cx="6794500" cy="4246563"/>
+          </a:xfrm>
+          <a:prstGeom prst="rect">
+            <a:avLst/>
+          </a:prstGeom>
+          <a:noFill/>
+          <a:extLst>
+            <a:ext uri="{909E8E84-426E-40DD-AFC4-6F175D3DCCD1}">
+              <a14:hiddenFill xmlns:a14="http://schemas.microsoft.com/office/drawing/2010/main">
+                <a:solidFill>
+                  <a:srgbClr val="FFFFFF"/>
+                </a:solidFill>
+              </a14:hiddenFill>
+            </a:ext>
+          </a:extLst>
+        </p:spPr>
+      </p:pic>
+      <p:sp>
+        <p:nvSpPr>
+          <p:cNvPr id="4" name="Szövegdoboz 3"/>
+          <p:cNvSpPr txBox="1"/>
+          <p:nvPr/>
+        </p:nvSpPr>
+        <p:spPr>
+          <a:xfrm>
+            <a:off x="6883401" y="5829300"/>
+            <a:ext cx="1473200" cy="215444"/>
+          </a:xfrm>
+          <a:prstGeom prst="rect">
+            <a:avLst/>
+          </a:prstGeom>
+          <a:noFill/>
+        </p:spPr>
+        <p:txBody>
+          <a:bodyPr wrap="square" rtlCol="0">
+            <a:spAutoFit/>
+          </a:bodyPr>
+          <a:lstStyle/>
+          <a:p>
+            <a:r>
+              <a:rPr lang="hu-HU" sz="800" dirty="0"/>
+              <a:t>https://tinyurl.com/7hj7ht7b</a:t>
+            </a:r>
           </a:p>
         </p:txBody>
       </p:sp>
     </p:spTree>
     <p:extLst>
       <p:ext uri="{BB962C8B-B14F-4D97-AF65-F5344CB8AC3E}">
-        <p14:creationId xmlns:p14="http://schemas.microsoft.com/office/powerpoint/2010/main" val="592913906"/>
-      </p:ext>
-    </p:extLst>
-  </p:cSld>
-  <p:clrMapOvr>
-    <a:masterClrMapping/>
-  </p:clrMapOvr>
-</p:sld>
-</file>
-
-<file path=ppt/slides/slide11.xml><?xml version="1.0" encoding="utf-8"?>
-<p:sld xmlns:a="http://schemas.openxmlformats.org/drawingml/2006/main" xmlns:r="http://schemas.openxmlformats.org/officeDocument/2006/relationships" xmlns:p="http://schemas.openxmlformats.org/presentationml/2006/main">
-  <p:cSld>
-    <p:spTree>
-      <p:nvGrpSpPr>
-        <p:cNvPr id="1" name=""/>
-        <p:cNvGrpSpPr/>
-        <p:nvPr/>
-      </p:nvGrpSpPr>
-      <p:grpSpPr>
-        <a:xfrm>
-          <a:off x="0" y="0"/>
-          <a:ext cx="0" cy="0"/>
-          <a:chOff x="0" y="0"/>
-          <a:chExt cx="0" cy="0"/>
-        </a:xfrm>
-      </p:grpSpPr>
-      <p:sp>
-        <p:nvSpPr>
-          <p:cNvPr id="2" name="Cím 1"/>
-          <p:cNvSpPr>
-            <a:spLocks noGrp="1"/>
-          </p:cNvSpPr>
-          <p:nvPr>
-            <p:ph type="title"/>
-          </p:nvPr>
-        </p:nvSpPr>
-        <p:spPr/>
-        <p:txBody>
-          <a:bodyPr/>
-          <a:lstStyle/>
-          <a:p>
-            <a:endParaRPr lang="hu-HU"/>
-          </a:p>
-        </p:txBody>
-      </p:sp>
-      <p:sp>
-        <p:nvSpPr>
-          <p:cNvPr id="3" name="Tartalom helye 2"/>
-          <p:cNvSpPr>
-            <a:spLocks noGrp="1"/>
-          </p:cNvSpPr>
-          <p:nvPr>
-            <p:ph idx="1"/>
-          </p:nvPr>
-        </p:nvSpPr>
-        <p:spPr/>
-        <p:txBody>
-          <a:bodyPr/>
-          <a:lstStyle/>
-          <a:p>
-            <a:endParaRPr lang="hu-HU"/>
-          </a:p>
-        </p:txBody>
-      </p:sp>
-    </p:spTree>
-    <p:extLst>
-      <p:ext uri="{BB962C8B-B14F-4D97-AF65-F5344CB8AC3E}">
-        <p14:creationId xmlns:p14="http://schemas.microsoft.com/office/powerpoint/2010/main" val="4276950000"/>
-      </p:ext>
-    </p:extLst>
-  </p:cSld>
-  <p:clrMapOvr>
-    <a:masterClrMapping/>
-  </p:clrMapOvr>
-</p:sld>
-</file>
-
-<file path=ppt/slides/slide12.xml><?xml version="1.0" encoding="utf-8"?>
-<p:sld xmlns:a="http://schemas.openxmlformats.org/drawingml/2006/main" xmlns:r="http://schemas.openxmlformats.org/officeDocument/2006/relationships" xmlns:p="http://schemas.openxmlformats.org/presentationml/2006/main">
-  <p:cSld>
-    <p:spTree>
-      <p:nvGrpSpPr>
-        <p:cNvPr id="1" name=""/>
-        <p:cNvGrpSpPr/>
-        <p:nvPr/>
-      </p:nvGrpSpPr>
-      <p:grpSpPr>
-        <a:xfrm>
-          <a:off x="0" y="0"/>
-          <a:ext cx="0" cy="0"/>
-          <a:chOff x="0" y="0"/>
-          <a:chExt cx="0" cy="0"/>
-        </a:xfrm>
-      </p:grpSpPr>
-      <p:sp>
-        <p:nvSpPr>
-          <p:cNvPr id="2" name="Cím 1"/>
-          <p:cNvSpPr>
-            <a:spLocks noGrp="1"/>
-          </p:cNvSpPr>
-          <p:nvPr>
-            <p:ph type="title"/>
-          </p:nvPr>
-        </p:nvSpPr>
-        <p:spPr>
-          <a:xfrm>
-            <a:off x="838200" y="365125"/>
-            <a:ext cx="10515600" cy="1325563"/>
-          </a:xfrm>
-        </p:spPr>
-        <p:txBody>
-          <a:bodyPr>
-            <a:normAutofit/>
-          </a:bodyPr>
-          <a:lstStyle/>
-          <a:p>
-            <a:pPr algn="ctr"/>
-            <a:r>
-              <a:rPr lang="hu-HU" dirty="0" smtClean="0">
-                <a:latin typeface="Times New Roman" panose="02020603050405020304" pitchFamily="18" charset="0"/>
-                <a:cs typeface="Times New Roman" panose="02020603050405020304" pitchFamily="18" charset="0"/>
-              </a:rPr>
-              <a:t>Köszönöm a figyelmet!	</a:t>
-            </a:r>
-            <a:endParaRPr lang="hu-HU" dirty="0">
-              <a:latin typeface="Times New Roman" panose="02020603050405020304" pitchFamily="18" charset="0"/>
-              <a:cs typeface="Times New Roman" panose="02020603050405020304" pitchFamily="18" charset="0"/>
-            </a:endParaRPr>
-          </a:p>
-        </p:txBody>
-      </p:sp>
-      <p:sp>
-        <p:nvSpPr>
-          <p:cNvPr id="3" name="Tartalom helye 2"/>
-          <p:cNvSpPr>
-            <a:spLocks noGrp="1"/>
-          </p:cNvSpPr>
-          <p:nvPr>
-            <p:ph idx="1"/>
-          </p:nvPr>
-        </p:nvSpPr>
-        <p:spPr/>
-        <p:txBody>
-          <a:bodyPr/>
-          <a:lstStyle/>
-          <a:p>
-            <a:r>
-              <a:rPr lang="hu-HU" dirty="0" smtClean="0">
-                <a:latin typeface="Times New Roman" panose="02020603050405020304" pitchFamily="18" charset="0"/>
-                <a:cs typeface="Times New Roman" panose="02020603050405020304" pitchFamily="18" charset="0"/>
-              </a:rPr>
-              <a:t>Forrás:</a:t>
-            </a:r>
-            <a:endParaRPr lang="hu-HU" dirty="0">
-              <a:latin typeface="Times New Roman" panose="02020603050405020304" pitchFamily="18" charset="0"/>
-              <a:cs typeface="Times New Roman" panose="02020603050405020304" pitchFamily="18" charset="0"/>
-            </a:endParaRPr>
-          </a:p>
-        </p:txBody>
-      </p:sp>
-    </p:spTree>
-    <p:extLst>
-      <p:ext uri="{BB962C8B-B14F-4D97-AF65-F5344CB8AC3E}">
-        <p14:creationId xmlns:p14="http://schemas.microsoft.com/office/powerpoint/2010/main" val="2930053279"/>
-      </p:ext>
-    </p:extLst>
-  </p:cSld>
-  <p:clrMapOvr>
-    <a:masterClrMapping/>
-  </p:clrMapOvr>
-</p:sld>
-</file>
-
-<file path=ppt/slides/slide2.xml><?xml version="1.0" encoding="utf-8"?>
-<p:sld xmlns:a="http://schemas.openxmlformats.org/drawingml/2006/main" xmlns:r="http://schemas.openxmlformats.org/officeDocument/2006/relationships" xmlns:p="http://schemas.openxmlformats.org/presentationml/2006/main">
-  <p:cSld>
-    <p:spTree>
-      <p:nvGrpSpPr>
-        <p:cNvPr id="1" name=""/>
-        <p:cNvGrpSpPr/>
-        <p:nvPr/>
-      </p:nvGrpSpPr>
-      <p:grpSpPr>
-        <a:xfrm>
-          <a:off x="0" y="0"/>
-          <a:ext cx="0" cy="0"/>
-          <a:chOff x="0" y="0"/>
-          <a:chExt cx="0" cy="0"/>
-        </a:xfrm>
-      </p:grpSpPr>
-      <p:sp>
-        <p:nvSpPr>
-          <p:cNvPr id="2" name="Cím 1"/>
-          <p:cNvSpPr>
-            <a:spLocks noGrp="1"/>
-          </p:cNvSpPr>
-          <p:nvPr>
-            <p:ph type="title"/>
-          </p:nvPr>
-        </p:nvSpPr>
-        <p:spPr/>
-        <p:txBody>
-          <a:bodyPr/>
-          <a:lstStyle/>
-          <a:p>
-            <a:endParaRPr lang="hu-HU"/>
-          </a:p>
-        </p:txBody>
-      </p:sp>
-      <p:sp>
-        <p:nvSpPr>
-          <p:cNvPr id="3" name="Tartalom helye 2"/>
-          <p:cNvSpPr>
-            <a:spLocks noGrp="1"/>
-          </p:cNvSpPr>
-          <p:nvPr>
-            <p:ph idx="1"/>
-          </p:nvPr>
-        </p:nvSpPr>
-        <p:spPr/>
-        <p:txBody>
-          <a:bodyPr/>
-          <a:lstStyle/>
-          <a:p>
-            <a:endParaRPr lang="hu-HU"/>
-          </a:p>
-        </p:txBody>
-      </p:sp>
-    </p:spTree>
-    <p:extLst>
-      <p:ext uri="{BB962C8B-B14F-4D97-AF65-F5344CB8AC3E}">
-        <p14:creationId xmlns:p14="http://schemas.microsoft.com/office/powerpoint/2010/main" val="2901259484"/>
+        <p14:creationId xmlns:p14="http://schemas.microsoft.com/office/powerpoint/2010/main" val="922682772"/>
       </p:ext>
     </p:extLst>
   </p:cSld>
@@ -3355,6 +4141,30 @@
           <a:chExt cx="0" cy="0"/>
         </a:xfrm>
       </p:grpSpPr>
+      <p:pic>
+        <p:nvPicPr>
+          <p:cNvPr id="3" name="Kép 2"/>
+          <p:cNvPicPr>
+            <a:picLocks noChangeAspect="1"/>
+          </p:cNvPicPr>
+          <p:nvPr/>
+        </p:nvPicPr>
+        <p:blipFill>
+          <a:blip r:embed="rId2"/>
+          <a:stretch>
+            <a:fillRect/>
+          </a:stretch>
+        </p:blipFill>
+        <p:spPr>
+          <a:xfrm>
+            <a:off x="985837" y="1673859"/>
+            <a:ext cx="10304463" cy="126107"/>
+          </a:xfrm>
+          <a:prstGeom prst="rect">
+            <a:avLst/>
+          </a:prstGeom>
+        </p:spPr>
+      </p:pic>
       <p:sp>
         <p:nvSpPr>
           <p:cNvPr id="2" name="Cím 1"/>
@@ -3365,38 +4175,118 @@
             <p:ph type="title"/>
           </p:nvPr>
         </p:nvSpPr>
+        <p:spPr>
+          <a:xfrm>
+            <a:off x="2748280" y="520700"/>
+            <a:ext cx="5367020" cy="838200"/>
+          </a:xfrm>
+        </p:spPr>
+        <p:txBody>
+          <a:bodyPr>
+            <a:normAutofit fontScale="90000"/>
+          </a:bodyPr>
+          <a:lstStyle/>
+          <a:p>
+            <a:r>
+              <a:rPr lang="hu-HU" dirty="0">
+                <a:latin typeface="Times New Roman" panose="02020603050405020304" pitchFamily="18" charset="0"/>
+                <a:cs typeface="Times New Roman" panose="02020603050405020304" pitchFamily="18" charset="0"/>
+              </a:rPr>
+              <a:t>Mi kell egy hálózathoz </a:t>
+            </a:r>
+          </a:p>
+        </p:txBody>
+      </p:sp>
+      <p:sp>
+        <p:nvSpPr>
+          <p:cNvPr id="7" name="Tartalom helye 6">
+            <a:extLst>
+              <a:ext uri="{FF2B5EF4-FFF2-40B4-BE49-F238E27FC236}">
+                <a16:creationId xmlns:a16="http://schemas.microsoft.com/office/drawing/2014/main" id="{23DE0B76-B954-40EB-EAE4-54DA33B2B947}"/>
+              </a:ext>
+            </a:extLst>
+          </p:cNvPr>
+          <p:cNvSpPr>
+            <a:spLocks noGrp="1"/>
+          </p:cNvSpPr>
+          <p:nvPr>
+            <p:ph idx="1"/>
+          </p:nvPr>
+        </p:nvSpPr>
         <p:spPr/>
         <p:txBody>
           <a:bodyPr/>
           <a:lstStyle/>
           <a:p>
-            <a:endParaRPr lang="hu-HU"/>
-          </a:p>
-        </p:txBody>
-      </p:sp>
-      <p:sp>
-        <p:nvSpPr>
-          <p:cNvPr id="3" name="Tartalom helye 2"/>
-          <p:cNvSpPr>
-            <a:spLocks noGrp="1"/>
-          </p:cNvSpPr>
-          <p:nvPr>
-            <p:ph idx="1"/>
-          </p:nvPr>
-        </p:nvSpPr>
-        <p:spPr/>
-        <p:txBody>
-          <a:bodyPr/>
-          <a:lstStyle/>
-          <a:p>
-            <a:endParaRPr lang="hu-HU"/>
+            <a:endParaRPr lang="hu-HU" dirty="0"/>
+          </a:p>
+        </p:txBody>
+      </p:sp>
+      <p:sp>
+        <p:nvSpPr>
+          <p:cNvPr id="4" name="Szövegdoboz 3"/>
+          <p:cNvSpPr txBox="1"/>
+          <p:nvPr/>
+        </p:nvSpPr>
+        <p:spPr>
+          <a:xfrm>
+            <a:off x="10701020" y="5948562"/>
+            <a:ext cx="1374094" cy="215444"/>
+          </a:xfrm>
+          <a:prstGeom prst="rect">
+            <a:avLst/>
+          </a:prstGeom>
+          <a:noFill/>
+        </p:spPr>
+        <p:txBody>
+          <a:bodyPr wrap="none" rtlCol="0">
+            <a:spAutoFit/>
+          </a:bodyPr>
+          <a:lstStyle/>
+          <a:p>
+            <a:r>
+              <a:rPr lang="hu-HU" sz="800" dirty="0"/>
+              <a:t>https://tinyurl.com/46hfejf3</a:t>
+            </a:r>
+          </a:p>
+        </p:txBody>
+      </p:sp>
+      <p:sp>
+        <p:nvSpPr>
+          <p:cNvPr id="5" name="Szövegdoboz 4">
+            <a:extLst>
+              <a:ext uri="{FF2B5EF4-FFF2-40B4-BE49-F238E27FC236}">
+                <a16:creationId xmlns:a16="http://schemas.microsoft.com/office/drawing/2014/main" id="{CD342C70-B76E-CB0D-92F5-6744000A1342}"/>
+              </a:ext>
+            </a:extLst>
+          </p:cNvPr>
+          <p:cNvSpPr txBox="1"/>
+          <p:nvPr/>
+        </p:nvSpPr>
+        <p:spPr>
+          <a:xfrm>
+            <a:off x="1308683" y="1912690"/>
+            <a:ext cx="9392337" cy="4178738"/>
+          </a:xfrm>
+          <a:prstGeom prst="rect">
+            <a:avLst/>
+          </a:prstGeom>
+          <a:noFill/>
+        </p:spPr>
+        <p:txBody>
+          <a:bodyPr wrap="square" rtlCol="0">
+            <a:spAutoFit/>
+          </a:bodyPr>
+          <a:lstStyle/>
+          <a:p>
+            <a:endParaRPr lang="hu-HU" dirty="0"/>
           </a:p>
         </p:txBody>
       </p:sp>
     </p:spTree>
     <p:extLst>
       <p:ext uri="{BB962C8B-B14F-4D97-AF65-F5344CB8AC3E}">
-        <p14:creationId xmlns:p14="http://schemas.microsoft.com/office/powerpoint/2010/main" val="3958404108"/>
+        <p14:creationId xmlns:p14="http://schemas.microsoft.com/office/powerpoint/2010/main" val="2098935388"/>
       </p:ext>
     </p:extLst>
   </p:cSld>
@@ -3423,6 +4313,30 @@
           <a:chExt cx="0" cy="0"/>
         </a:xfrm>
       </p:grpSpPr>
+      <p:pic>
+        <p:nvPicPr>
+          <p:cNvPr id="6" name="Kép 5"/>
+          <p:cNvPicPr>
+            <a:picLocks noChangeAspect="1"/>
+          </p:cNvPicPr>
+          <p:nvPr/>
+        </p:nvPicPr>
+        <p:blipFill>
+          <a:blip r:embed="rId2"/>
+          <a:stretch>
+            <a:fillRect/>
+          </a:stretch>
+        </p:blipFill>
+        <p:spPr>
+          <a:xfrm>
+            <a:off x="1097280" y="1671638"/>
+            <a:ext cx="10058400" cy="133351"/>
+          </a:xfrm>
+          <a:prstGeom prst="rect">
+            <a:avLst/>
+          </a:prstGeom>
+        </p:spPr>
+      </p:pic>
       <p:sp>
         <p:nvSpPr>
           <p:cNvPr id="2" name="Cím 1"/>
@@ -3433,12 +4347,25 @@
             <p:ph type="title"/>
           </p:nvPr>
         </p:nvSpPr>
-        <p:spPr/>
-        <p:txBody>
-          <a:bodyPr/>
-          <a:lstStyle/>
-          <a:p>
-            <a:endParaRPr lang="hu-HU"/>
+        <p:spPr>
+          <a:xfrm>
+            <a:off x="3496917" y="439577"/>
+            <a:ext cx="4414520" cy="813754"/>
+          </a:xfrm>
+        </p:spPr>
+        <p:txBody>
+          <a:bodyPr>
+            <a:normAutofit fontScale="90000"/>
+          </a:bodyPr>
+          <a:lstStyle/>
+          <a:p>
+            <a:r>
+              <a:rPr lang="hu-HU" dirty="0">
+                <a:latin typeface="Times New Roman" panose="02020603050405020304" pitchFamily="18" charset="0"/>
+                <a:cs typeface="Times New Roman" panose="02020603050405020304" pitchFamily="18" charset="0"/>
+              </a:rPr>
+              <a:t>Hálózatok előnyei</a:t>
+            </a:r>
           </a:p>
         </p:txBody>
       </p:sp>
@@ -3452,19 +4379,132 @@
             <p:ph idx="1"/>
           </p:nvPr>
         </p:nvSpPr>
-        <p:spPr/>
-        <p:txBody>
-          <a:bodyPr/>
-          <a:lstStyle/>
-          <a:p>
-            <a:endParaRPr lang="hu-HU"/>
+        <p:spPr>
+          <a:xfrm>
+            <a:off x="292100" y="1806578"/>
+            <a:ext cx="3341116" cy="1692526"/>
+          </a:xfrm>
+        </p:spPr>
+        <p:txBody>
+          <a:bodyPr>
+            <a:normAutofit/>
+          </a:bodyPr>
+          <a:lstStyle/>
+          <a:p>
+            <a:pPr>
+              <a:buFont typeface="Arial" panose="020B0604020202020204" pitchFamily="34" charset="0"/>
+              <a:buChar char="•"/>
+            </a:pPr>
+            <a:r>
+              <a:rPr lang="hu-HU" sz="2400" dirty="0">
+                <a:latin typeface="Times New Roman" panose="02020603050405020304" pitchFamily="18" charset="0"/>
+                <a:cs typeface="Times New Roman" panose="02020603050405020304" pitchFamily="18" charset="0"/>
+              </a:rPr>
+              <a:t> fájlok megosztása.</a:t>
+            </a:r>
+          </a:p>
+          <a:p>
+            <a:pPr>
+              <a:buFont typeface="Arial" panose="020B0604020202020204" pitchFamily="34" charset="0"/>
+              <a:buChar char="•"/>
+            </a:pPr>
+            <a:r>
+              <a:rPr lang="hu-HU" sz="2400" dirty="0">
+                <a:latin typeface="Times New Roman" panose="02020603050405020304" pitchFamily="18" charset="0"/>
+                <a:cs typeface="Times New Roman" panose="02020603050405020304" pitchFamily="18" charset="0"/>
+              </a:rPr>
+              <a:t> perifériák megosztása.</a:t>
+            </a:r>
+          </a:p>
+          <a:p>
+            <a:pPr>
+              <a:buFont typeface="Arial" panose="020B0604020202020204" pitchFamily="34" charset="0"/>
+              <a:buChar char="•"/>
+            </a:pPr>
+            <a:r>
+              <a:rPr lang="hu-HU" sz="2400" dirty="0">
+                <a:latin typeface="Times New Roman" panose="02020603050405020304" pitchFamily="18" charset="0"/>
+                <a:cs typeface="Times New Roman" panose="02020603050405020304" pitchFamily="18" charset="0"/>
+              </a:rPr>
+              <a:t> internet megosztása.</a:t>
+            </a:r>
+          </a:p>
+        </p:txBody>
+      </p:sp>
+      <p:pic>
+        <p:nvPicPr>
+          <p:cNvPr id="2050" name="Picture 2" descr="Nyomtató megosztása Windows 10 rendszerben - Komel Blog"/>
+          <p:cNvPicPr>
+            <a:picLocks noChangeAspect="1" noChangeArrowheads="1"/>
+          </p:cNvPicPr>
+          <p:nvPr/>
+        </p:nvPicPr>
+        <p:blipFill>
+          <a:blip r:embed="rId3">
+            <a:extLst>
+              <a:ext uri="{28A0092B-C50C-407E-A947-70E740481C1C}">
+                <a14:useLocalDpi xmlns:a14="http://schemas.microsoft.com/office/drawing/2010/main" val="0"/>
+              </a:ext>
+            </a:extLst>
+          </a:blip>
+          <a:srcRect/>
+          <a:stretch>
+            <a:fillRect/>
+          </a:stretch>
+        </p:blipFill>
+        <p:spPr bwMode="auto">
+          <a:xfrm>
+            <a:off x="4267200" y="1694498"/>
+            <a:ext cx="7288474" cy="3762058"/>
+          </a:xfrm>
+          <a:prstGeom prst="rect">
+            <a:avLst/>
+          </a:prstGeom>
+          <a:noFill/>
+          <a:extLst>
+            <a:ext uri="{909E8E84-426E-40DD-AFC4-6F175D3DCCD1}">
+              <a14:hiddenFill xmlns:a14="http://schemas.microsoft.com/office/drawing/2010/main">
+                <a:solidFill>
+                  <a:srgbClr val="FFFFFF"/>
+                </a:solidFill>
+              </a14:hiddenFill>
+            </a:ext>
+          </a:extLst>
+        </p:spPr>
+      </p:pic>
+      <p:sp>
+        <p:nvSpPr>
+          <p:cNvPr id="4" name="Szövegdoboz 3"/>
+          <p:cNvSpPr txBox="1"/>
+          <p:nvPr/>
+        </p:nvSpPr>
+        <p:spPr>
+          <a:xfrm>
+            <a:off x="8540041" y="5803900"/>
+            <a:ext cx="1426994" cy="215444"/>
+          </a:xfrm>
+          <a:prstGeom prst="rect">
+            <a:avLst/>
+          </a:prstGeom>
+          <a:noFill/>
+        </p:spPr>
+        <p:txBody>
+          <a:bodyPr wrap="none" rtlCol="0">
+            <a:spAutoFit/>
+          </a:bodyPr>
+          <a:lstStyle/>
+          <a:p>
+            <a:r>
+              <a:rPr lang="hu-HU" sz="800" dirty="0"/>
+              <a:t>https://tinyurl.com/yap955ex</a:t>
+            </a:r>
           </a:p>
         </p:txBody>
       </p:sp>
     </p:spTree>
     <p:extLst>
       <p:ext uri="{BB962C8B-B14F-4D97-AF65-F5344CB8AC3E}">
-        <p14:creationId xmlns:p14="http://schemas.microsoft.com/office/powerpoint/2010/main" val="3640224637"/>
+        <p14:creationId xmlns:p14="http://schemas.microsoft.com/office/powerpoint/2010/main" val="2154744984"/>
       </p:ext>
     </p:extLst>
   </p:cSld>
@@ -3491,6 +4531,30 @@
           <a:chExt cx="0" cy="0"/>
         </a:xfrm>
       </p:grpSpPr>
+      <p:pic>
+        <p:nvPicPr>
+          <p:cNvPr id="7" name="Kép 6"/>
+          <p:cNvPicPr>
+            <a:picLocks noChangeAspect="1"/>
+          </p:cNvPicPr>
+          <p:nvPr/>
+        </p:nvPicPr>
+        <p:blipFill>
+          <a:blip r:embed="rId2"/>
+          <a:stretch>
+            <a:fillRect/>
+          </a:stretch>
+        </p:blipFill>
+        <p:spPr>
+          <a:xfrm>
+            <a:off x="1097280" y="1637295"/>
+            <a:ext cx="10101263" cy="314961"/>
+          </a:xfrm>
+          <a:prstGeom prst="rect">
+            <a:avLst/>
+          </a:prstGeom>
+        </p:spPr>
+      </p:pic>
       <p:sp>
         <p:nvSpPr>
           <p:cNvPr id="2" name="Cím 1"/>
@@ -3501,12 +4565,25 @@
             <p:ph type="title"/>
           </p:nvPr>
         </p:nvSpPr>
-        <p:spPr/>
-        <p:txBody>
-          <a:bodyPr/>
-          <a:lstStyle/>
-          <a:p>
-            <a:endParaRPr lang="hu-HU"/>
+        <p:spPr>
+          <a:xfrm>
+            <a:off x="1097280" y="965200"/>
+            <a:ext cx="4516120" cy="705484"/>
+          </a:xfrm>
+        </p:spPr>
+        <p:txBody>
+          <a:bodyPr>
+            <a:normAutofit fontScale="90000"/>
+          </a:bodyPr>
+          <a:lstStyle/>
+          <a:p>
+            <a:r>
+              <a:rPr lang="hu-HU" dirty="0">
+                <a:latin typeface="Times New Roman" panose="02020603050405020304" pitchFamily="18" charset="0"/>
+                <a:cs typeface="Times New Roman" panose="02020603050405020304" pitchFamily="18" charset="0"/>
+              </a:rPr>
+              <a:t>Hálózatok fajtái</a:t>
+            </a:r>
           </a:p>
         </p:txBody>
       </p:sp>
@@ -3520,19 +4597,159 @@
             <p:ph idx="1"/>
           </p:nvPr>
         </p:nvSpPr>
-        <p:spPr/>
-        <p:txBody>
-          <a:bodyPr/>
-          <a:lstStyle/>
-          <a:p>
-            <a:endParaRPr lang="hu-HU"/>
-          </a:p>
-        </p:txBody>
-      </p:sp>
+        <p:spPr>
+          <a:xfrm>
+            <a:off x="1519514" y="2214193"/>
+            <a:ext cx="1473200" cy="2120951"/>
+          </a:xfrm>
+        </p:spPr>
+        <p:txBody>
+          <a:bodyPr>
+            <a:noAutofit/>
+          </a:bodyPr>
+          <a:lstStyle/>
+          <a:p>
+            <a:r>
+              <a:rPr lang="hu-HU" sz="2400" dirty="0">
+                <a:latin typeface="Times New Roman" panose="02020603050405020304" pitchFamily="18" charset="0"/>
+                <a:cs typeface="Times New Roman" panose="02020603050405020304" pitchFamily="18" charset="0"/>
+              </a:rPr>
+              <a:t>PAN</a:t>
+            </a:r>
+          </a:p>
+          <a:p>
+            <a:r>
+              <a:rPr lang="hu-HU" sz="2400" dirty="0">
+                <a:latin typeface="Times New Roman" panose="02020603050405020304" pitchFamily="18" charset="0"/>
+                <a:cs typeface="Times New Roman" panose="02020603050405020304" pitchFamily="18" charset="0"/>
+              </a:rPr>
+              <a:t>LAN</a:t>
+            </a:r>
+          </a:p>
+          <a:p>
+            <a:r>
+              <a:rPr lang="hu-HU" sz="2400" dirty="0">
+                <a:latin typeface="Times New Roman" panose="02020603050405020304" pitchFamily="18" charset="0"/>
+                <a:cs typeface="Times New Roman" panose="02020603050405020304" pitchFamily="18" charset="0"/>
+              </a:rPr>
+              <a:t>MAN</a:t>
+            </a:r>
+          </a:p>
+          <a:p>
+            <a:r>
+              <a:rPr lang="hu-HU" sz="2400" dirty="0">
+                <a:latin typeface="Times New Roman" panose="02020603050405020304" pitchFamily="18" charset="0"/>
+                <a:cs typeface="Times New Roman" panose="02020603050405020304" pitchFamily="18" charset="0"/>
+              </a:rPr>
+              <a:t>WAN</a:t>
+            </a:r>
+          </a:p>
+          <a:p>
+            <a:endParaRPr lang="hu-HU" sz="2400" dirty="0">
+              <a:latin typeface="Times New Roman" panose="02020603050405020304" pitchFamily="18" charset="0"/>
+              <a:cs typeface="Times New Roman" panose="02020603050405020304" pitchFamily="18" charset="0"/>
+            </a:endParaRPr>
+          </a:p>
+        </p:txBody>
+      </p:sp>
+      <p:pic>
+        <p:nvPicPr>
+          <p:cNvPr id="4098" name="Picture 2" descr="LAN :::::: Powered by: www.webtar.hu ::::::*"/>
+          <p:cNvPicPr>
+            <a:picLocks noChangeAspect="1" noChangeArrowheads="1"/>
+          </p:cNvPicPr>
+          <p:nvPr/>
+        </p:nvPicPr>
+        <p:blipFill>
+          <a:blip r:embed="rId3">
+            <a:extLst>
+              <a:ext uri="{28A0092B-C50C-407E-A947-70E740481C1C}">
+                <a14:useLocalDpi xmlns:a14="http://schemas.microsoft.com/office/drawing/2010/main" val="0"/>
+              </a:ext>
+            </a:extLst>
+          </a:blip>
+          <a:srcRect/>
+          <a:stretch>
+            <a:fillRect/>
+          </a:stretch>
+        </p:blipFill>
+        <p:spPr bwMode="auto">
+          <a:xfrm>
+            <a:off x="5381952" y="1193800"/>
+            <a:ext cx="5667048" cy="4161739"/>
+          </a:xfrm>
+          <a:prstGeom prst="rect">
+            <a:avLst/>
+          </a:prstGeom>
+          <a:noFill/>
+          <a:extLst>
+            <a:ext uri="{909E8E84-426E-40DD-AFC4-6F175D3DCCD1}">
+              <a14:hiddenFill xmlns:a14="http://schemas.microsoft.com/office/drawing/2010/main">
+                <a:solidFill>
+                  <a:srgbClr val="FFFFFF"/>
+                </a:solidFill>
+              </a14:hiddenFill>
+            </a:ext>
+          </a:extLst>
+        </p:spPr>
+      </p:pic>
+      <p:sp>
+        <p:nvSpPr>
+          <p:cNvPr id="4" name="Szövegdoboz 3"/>
+          <p:cNvSpPr txBox="1"/>
+          <p:nvPr/>
+        </p:nvSpPr>
+        <p:spPr>
+          <a:xfrm>
+            <a:off x="9029700" y="5867400"/>
+            <a:ext cx="1383712" cy="215444"/>
+          </a:xfrm>
+          <a:prstGeom prst="rect">
+            <a:avLst/>
+          </a:prstGeom>
+          <a:noFill/>
+        </p:spPr>
+        <p:txBody>
+          <a:bodyPr wrap="none" rtlCol="0">
+            <a:spAutoFit/>
+          </a:bodyPr>
+          <a:lstStyle/>
+          <a:p>
+            <a:r>
+              <a:rPr lang="hu-HU" sz="800" dirty="0"/>
+              <a:t>https://tinyurl.com/vd7xxsfc</a:t>
+            </a:r>
+          </a:p>
+        </p:txBody>
+      </p:sp>
+      <p:pic>
+        <p:nvPicPr>
+          <p:cNvPr id="8" name="Kép 7"/>
+          <p:cNvPicPr>
+            <a:picLocks noChangeAspect="1"/>
+          </p:cNvPicPr>
+          <p:nvPr/>
+        </p:nvPicPr>
+        <p:blipFill>
+          <a:blip r:embed="rId2"/>
+          <a:stretch>
+            <a:fillRect/>
+          </a:stretch>
+        </p:blipFill>
+        <p:spPr>
+          <a:xfrm>
+            <a:off x="7462837" y="1117917"/>
+            <a:ext cx="4276725" cy="133350"/>
+          </a:xfrm>
+          <a:prstGeom prst="rect">
+            <a:avLst/>
+          </a:prstGeom>
+        </p:spPr>
+      </p:pic>
     </p:spTree>
     <p:extLst>
       <p:ext uri="{BB962C8B-B14F-4D97-AF65-F5344CB8AC3E}">
-        <p14:creationId xmlns:p14="http://schemas.microsoft.com/office/powerpoint/2010/main" val="2652316950"/>
+        <p14:creationId xmlns:p14="http://schemas.microsoft.com/office/powerpoint/2010/main" val="690690028"/>
       </p:ext>
     </p:extLst>
   </p:cSld>
@@ -3559,6 +4776,30 @@
           <a:chExt cx="0" cy="0"/>
         </a:xfrm>
       </p:grpSpPr>
+      <p:pic>
+        <p:nvPicPr>
+          <p:cNvPr id="5" name="Kép 4"/>
+          <p:cNvPicPr>
+            <a:picLocks noChangeAspect="1"/>
+          </p:cNvPicPr>
+          <p:nvPr/>
+        </p:nvPicPr>
+        <p:blipFill>
+          <a:blip r:embed="rId2"/>
+          <a:stretch>
+            <a:fillRect/>
+          </a:stretch>
+        </p:blipFill>
+        <p:spPr>
+          <a:xfrm>
+            <a:off x="1045368" y="1557432"/>
+            <a:ext cx="10101263" cy="314961"/>
+          </a:xfrm>
+          <a:prstGeom prst="rect">
+            <a:avLst/>
+          </a:prstGeom>
+        </p:spPr>
+      </p:pic>
       <p:sp>
         <p:nvSpPr>
           <p:cNvPr id="2" name="Cím 1"/>
@@ -3569,12 +4810,25 @@
             <p:ph type="title"/>
           </p:nvPr>
         </p:nvSpPr>
-        <p:spPr/>
-        <p:txBody>
-          <a:bodyPr/>
-          <a:lstStyle/>
-          <a:p>
-            <a:endParaRPr lang="hu-HU"/>
+        <p:spPr>
+          <a:xfrm>
+            <a:off x="460756" y="419100"/>
+            <a:ext cx="5050028" cy="715587"/>
+          </a:xfrm>
+        </p:spPr>
+        <p:txBody>
+          <a:bodyPr>
+            <a:noAutofit/>
+          </a:bodyPr>
+          <a:lstStyle/>
+          <a:p>
+            <a:r>
+              <a:rPr lang="hu-HU" sz="4300" dirty="0">
+                <a:latin typeface="Times New Roman" panose="02020603050405020304" pitchFamily="18" charset="0"/>
+                <a:cs typeface="Times New Roman" panose="02020603050405020304" pitchFamily="18" charset="0"/>
+              </a:rPr>
+              <a:t>Hálózatok topológiája</a:t>
+            </a:r>
           </a:p>
         </p:txBody>
       </p:sp>
@@ -3588,19 +4842,284 @@
             <p:ph idx="1"/>
           </p:nvPr>
         </p:nvSpPr>
-        <p:spPr/>
-        <p:txBody>
-          <a:bodyPr/>
-          <a:lstStyle/>
-          <a:p>
-            <a:endParaRPr lang="hu-HU"/>
+        <p:spPr>
+          <a:xfrm>
+            <a:off x="614680" y="1968500"/>
+            <a:ext cx="2192020" cy="3733800"/>
+          </a:xfrm>
+        </p:spPr>
+        <p:txBody>
+          <a:bodyPr>
+            <a:normAutofit/>
+          </a:bodyPr>
+          <a:lstStyle/>
+          <a:p>
+            <a:r>
+              <a:rPr lang="hu-HU" sz="2400" dirty="0">
+                <a:latin typeface="Times New Roman" panose="02020603050405020304" pitchFamily="18" charset="0"/>
+                <a:cs typeface="Times New Roman" panose="02020603050405020304" pitchFamily="18" charset="0"/>
+              </a:rPr>
+              <a:t>Sín topológia</a:t>
+            </a:r>
+          </a:p>
+          <a:p>
+            <a:endParaRPr lang="hu-HU" sz="2400" dirty="0">
+              <a:latin typeface="Times New Roman" panose="02020603050405020304" pitchFamily="18" charset="0"/>
+              <a:cs typeface="Times New Roman" panose="02020603050405020304" pitchFamily="18" charset="0"/>
+            </a:endParaRPr>
+          </a:p>
+          <a:p>
+            <a:endParaRPr lang="hu-HU" sz="2400" dirty="0">
+              <a:latin typeface="Times New Roman" panose="02020603050405020304" pitchFamily="18" charset="0"/>
+              <a:cs typeface="Times New Roman" panose="02020603050405020304" pitchFamily="18" charset="0"/>
+            </a:endParaRPr>
+          </a:p>
+          <a:p>
+            <a:r>
+              <a:rPr lang="hu-HU" sz="2400" dirty="0">
+                <a:latin typeface="Times New Roman" panose="02020603050405020304" pitchFamily="18" charset="0"/>
+                <a:cs typeface="Times New Roman" panose="02020603050405020304" pitchFamily="18" charset="0"/>
+              </a:rPr>
+              <a:t>Csillag topológia</a:t>
+            </a:r>
+          </a:p>
+          <a:p>
+            <a:endParaRPr lang="hu-HU" sz="2400" dirty="0">
+              <a:latin typeface="Times New Roman" panose="02020603050405020304" pitchFamily="18" charset="0"/>
+              <a:cs typeface="Times New Roman" panose="02020603050405020304" pitchFamily="18" charset="0"/>
+            </a:endParaRPr>
+          </a:p>
+          <a:p>
+            <a:endParaRPr lang="hu-HU" sz="2400" dirty="0">
+              <a:latin typeface="Times New Roman" panose="02020603050405020304" pitchFamily="18" charset="0"/>
+              <a:cs typeface="Times New Roman" panose="02020603050405020304" pitchFamily="18" charset="0"/>
+            </a:endParaRPr>
+          </a:p>
+          <a:p>
+            <a:r>
+              <a:rPr lang="hu-HU" sz="2400" dirty="0">
+                <a:latin typeface="Times New Roman" panose="02020603050405020304" pitchFamily="18" charset="0"/>
+                <a:cs typeface="Times New Roman" panose="02020603050405020304" pitchFamily="18" charset="0"/>
+              </a:rPr>
+              <a:t>Gyűrű topológia</a:t>
+            </a:r>
+          </a:p>
+        </p:txBody>
+      </p:sp>
+      <p:pic>
+        <p:nvPicPr>
+          <p:cNvPr id="2050" name="Picture 2" descr="http://www.agr.unideb.hu/~agocs/informatics/05_h_ecdl/ECDLweb/ecdlweb.uw.hu/m1lan1.gif"/>
+          <p:cNvPicPr>
+            <a:picLocks noChangeAspect="1" noChangeArrowheads="1"/>
+          </p:cNvPicPr>
+          <p:nvPr/>
+        </p:nvPicPr>
+        <p:blipFill>
+          <a:blip r:embed="rId3">
+            <a:extLst>
+              <a:ext uri="{28A0092B-C50C-407E-A947-70E740481C1C}">
+                <a14:useLocalDpi xmlns:a14="http://schemas.microsoft.com/office/drawing/2010/main" val="0"/>
+              </a:ext>
+            </a:extLst>
+          </a:blip>
+          <a:srcRect/>
+          <a:stretch>
+            <a:fillRect/>
+          </a:stretch>
+        </p:blipFill>
+        <p:spPr bwMode="auto">
+          <a:xfrm>
+            <a:off x="3317557" y="1313723"/>
+            <a:ext cx="4255132" cy="1328193"/>
+          </a:xfrm>
+          <a:prstGeom prst="rect">
+            <a:avLst/>
+          </a:prstGeom>
+          <a:noFill/>
+          <a:extLst>
+            <a:ext uri="{909E8E84-426E-40DD-AFC4-6F175D3DCCD1}">
+              <a14:hiddenFill xmlns:a14="http://schemas.microsoft.com/office/drawing/2010/main">
+                <a:solidFill>
+                  <a:srgbClr val="FFFFFF"/>
+                </a:solidFill>
+              </a14:hiddenFill>
+            </a:ext>
+          </a:extLst>
+        </p:spPr>
+      </p:pic>
+      <p:pic>
+        <p:nvPicPr>
+          <p:cNvPr id="2052" name="Picture 4" descr="http://www.agr.unideb.hu/~agocs/informatics/05_h_ecdl/ECDLweb/ecdlweb.uw.hu/m1lan2.gif"/>
+          <p:cNvPicPr>
+            <a:picLocks noChangeAspect="1" noChangeArrowheads="1"/>
+          </p:cNvPicPr>
+          <p:nvPr/>
+        </p:nvPicPr>
+        <p:blipFill>
+          <a:blip r:embed="rId4">
+            <a:extLst>
+              <a:ext uri="{28A0092B-C50C-407E-A947-70E740481C1C}">
+                <a14:useLocalDpi xmlns:a14="http://schemas.microsoft.com/office/drawing/2010/main" val="0"/>
+              </a:ext>
+            </a:extLst>
+          </a:blip>
+          <a:srcRect/>
+          <a:stretch>
+            <a:fillRect/>
+          </a:stretch>
+        </p:blipFill>
+        <p:spPr bwMode="auto">
+          <a:xfrm>
+            <a:off x="7912100" y="2147536"/>
+            <a:ext cx="3520119" cy="2569430"/>
+          </a:xfrm>
+          <a:prstGeom prst="rect">
+            <a:avLst/>
+          </a:prstGeom>
+          <a:noFill/>
+          <a:extLst>
+            <a:ext uri="{909E8E84-426E-40DD-AFC4-6F175D3DCCD1}">
+              <a14:hiddenFill xmlns:a14="http://schemas.microsoft.com/office/drawing/2010/main">
+                <a:solidFill>
+                  <a:srgbClr val="FFFFFF"/>
+                </a:solidFill>
+              </a14:hiddenFill>
+            </a:ext>
+          </a:extLst>
+        </p:spPr>
+      </p:pic>
+      <p:pic>
+        <p:nvPicPr>
+          <p:cNvPr id="2054" name="Picture 6" descr="http://www.agr.unideb.hu/~agocs/informatics/05_h_ecdl/ECDLweb/ecdlweb.uw.hu/m1lan3.gif"/>
+          <p:cNvPicPr>
+            <a:picLocks noChangeAspect="1" noChangeArrowheads="1"/>
+          </p:cNvPicPr>
+          <p:nvPr/>
+        </p:nvPicPr>
+        <p:blipFill>
+          <a:blip r:embed="rId5">
+            <a:extLst>
+              <a:ext uri="{28A0092B-C50C-407E-A947-70E740481C1C}">
+                <a14:useLocalDpi xmlns:a14="http://schemas.microsoft.com/office/drawing/2010/main" val="0"/>
+              </a:ext>
+            </a:extLst>
+          </a:blip>
+          <a:srcRect/>
+          <a:stretch>
+            <a:fillRect/>
+          </a:stretch>
+        </p:blipFill>
+        <p:spPr bwMode="auto">
+          <a:xfrm>
+            <a:off x="3587749" y="4134026"/>
+            <a:ext cx="3714747" cy="2012773"/>
+          </a:xfrm>
+          <a:prstGeom prst="rect">
+            <a:avLst/>
+          </a:prstGeom>
+          <a:noFill/>
+          <a:extLst>
+            <a:ext uri="{909E8E84-426E-40DD-AFC4-6F175D3DCCD1}">
+              <a14:hiddenFill xmlns:a14="http://schemas.microsoft.com/office/drawing/2010/main">
+                <a:solidFill>
+                  <a:srgbClr val="FFFFFF"/>
+                </a:solidFill>
+              </a14:hiddenFill>
+            </a:ext>
+          </a:extLst>
+        </p:spPr>
+      </p:pic>
+      <p:sp>
+        <p:nvSpPr>
+          <p:cNvPr id="4" name="Szövegdoboz 3"/>
+          <p:cNvSpPr txBox="1"/>
+          <p:nvPr/>
+        </p:nvSpPr>
+        <p:spPr>
+          <a:xfrm>
+            <a:off x="6197600" y="975816"/>
+            <a:ext cx="1714500" cy="215444"/>
+          </a:xfrm>
+          <a:prstGeom prst="rect">
+            <a:avLst/>
+          </a:prstGeom>
+          <a:noFill/>
+        </p:spPr>
+        <p:txBody>
+          <a:bodyPr wrap="square" rtlCol="0">
+            <a:spAutoFit/>
+          </a:bodyPr>
+          <a:lstStyle/>
+          <a:p>
+            <a:r>
+              <a:rPr lang="hu-HU" sz="800" dirty="0"/>
+              <a:t>https://tinyurl.com/zjsaskd8</a:t>
+            </a:r>
+          </a:p>
+        </p:txBody>
+      </p:sp>
+      <p:sp>
+        <p:nvSpPr>
+          <p:cNvPr id="6" name="Szövegdoboz 5"/>
+          <p:cNvSpPr txBox="1"/>
+          <p:nvPr/>
+        </p:nvSpPr>
+        <p:spPr>
+          <a:xfrm>
+            <a:off x="10026065" y="4909180"/>
+            <a:ext cx="1406154" cy="215444"/>
+          </a:xfrm>
+          <a:prstGeom prst="rect">
+            <a:avLst/>
+          </a:prstGeom>
+          <a:noFill/>
+        </p:spPr>
+        <p:txBody>
+          <a:bodyPr wrap="none" rtlCol="0">
+            <a:spAutoFit/>
+          </a:bodyPr>
+          <a:lstStyle/>
+          <a:p>
+            <a:r>
+              <a:rPr lang="hu-HU" sz="800" dirty="0"/>
+              <a:t>https://tinyurl.com/h4rvkdyx</a:t>
+            </a:r>
+          </a:p>
+        </p:txBody>
+      </p:sp>
+      <p:sp>
+        <p:nvSpPr>
+          <p:cNvPr id="7" name="Szövegdoboz 6"/>
+          <p:cNvSpPr txBox="1"/>
+          <p:nvPr/>
+        </p:nvSpPr>
+        <p:spPr>
+          <a:xfrm>
+            <a:off x="7572689" y="5931355"/>
+            <a:ext cx="1407758" cy="215444"/>
+          </a:xfrm>
+          <a:prstGeom prst="rect">
+            <a:avLst/>
+          </a:prstGeom>
+          <a:noFill/>
+        </p:spPr>
+        <p:txBody>
+          <a:bodyPr wrap="none" rtlCol="0">
+            <a:spAutoFit/>
+          </a:bodyPr>
+          <a:lstStyle/>
+          <a:p>
+            <a:r>
+              <a:rPr lang="hu-HU" sz="800" dirty="0"/>
+              <a:t>https://tinyurl.com/2384yk7f</a:t>
+            </a:r>
           </a:p>
         </p:txBody>
       </p:sp>
     </p:spTree>
     <p:extLst>
       <p:ext uri="{BB962C8B-B14F-4D97-AF65-F5344CB8AC3E}">
-        <p14:creationId xmlns:p14="http://schemas.microsoft.com/office/powerpoint/2010/main" val="266100171"/>
+        <p14:creationId xmlns:p14="http://schemas.microsoft.com/office/powerpoint/2010/main" val="3838305485"/>
       </p:ext>
     </p:extLst>
   </p:cSld>
@@ -3627,6 +5146,30 @@
           <a:chExt cx="0" cy="0"/>
         </a:xfrm>
       </p:grpSpPr>
+      <p:pic>
+        <p:nvPicPr>
+          <p:cNvPr id="5" name="Kép 4"/>
+          <p:cNvPicPr>
+            <a:picLocks noChangeAspect="1"/>
+          </p:cNvPicPr>
+          <p:nvPr/>
+        </p:nvPicPr>
+        <p:blipFill>
+          <a:blip r:embed="rId2"/>
+          <a:stretch>
+            <a:fillRect/>
+          </a:stretch>
+        </p:blipFill>
+        <p:spPr>
+          <a:xfrm>
+            <a:off x="1182686" y="1578889"/>
+            <a:ext cx="10164763" cy="316941"/>
+          </a:xfrm>
+          <a:prstGeom prst="rect">
+            <a:avLst/>
+          </a:prstGeom>
+        </p:spPr>
+      </p:pic>
       <p:sp>
         <p:nvSpPr>
           <p:cNvPr id="2" name="Cím 1"/>
@@ -3637,12 +5180,25 @@
             <p:ph type="title"/>
           </p:nvPr>
         </p:nvSpPr>
-        <p:spPr/>
-        <p:txBody>
-          <a:bodyPr/>
-          <a:lstStyle/>
-          <a:p>
-            <a:endParaRPr lang="hu-HU"/>
+        <p:spPr>
+          <a:xfrm>
+            <a:off x="1182686" y="709585"/>
+            <a:ext cx="4839716" cy="709433"/>
+          </a:xfrm>
+        </p:spPr>
+        <p:txBody>
+          <a:bodyPr>
+            <a:normAutofit/>
+          </a:bodyPr>
+          <a:lstStyle/>
+          <a:p>
+            <a:r>
+              <a:rPr lang="hu-HU" sz="4300" dirty="0">
+                <a:latin typeface="Times New Roman" panose="02020603050405020304" pitchFamily="18" charset="0"/>
+                <a:cs typeface="Times New Roman" panose="02020603050405020304" pitchFamily="18" charset="0"/>
+              </a:rPr>
+              <a:t>Adatátviteli közegek</a:t>
+            </a:r>
           </a:p>
         </p:txBody>
       </p:sp>
@@ -3656,19 +5212,174 @@
             <p:ph idx="1"/>
           </p:nvPr>
         </p:nvSpPr>
-        <p:spPr/>
-        <p:txBody>
-          <a:bodyPr/>
-          <a:lstStyle/>
-          <a:p>
-            <a:endParaRPr lang="hu-HU"/>
-          </a:p>
-        </p:txBody>
-      </p:sp>
+        <p:spPr>
+          <a:xfrm>
+            <a:off x="825500" y="2093136"/>
+            <a:ext cx="2959100" cy="3673475"/>
+          </a:xfrm>
+        </p:spPr>
+        <p:txBody>
+          <a:bodyPr>
+            <a:normAutofit/>
+          </a:bodyPr>
+          <a:lstStyle/>
+          <a:p>
+            <a:pPr marL="0" indent="0">
+              <a:buNone/>
+            </a:pPr>
+            <a:r>
+              <a:rPr lang="hu-HU" sz="2400" b="1" dirty="0">
+                <a:latin typeface="Times New Roman" panose="02020603050405020304" pitchFamily="18" charset="0"/>
+                <a:cs typeface="Times New Roman" panose="02020603050405020304" pitchFamily="18" charset="0"/>
+              </a:rPr>
+              <a:t>Vezetékes:</a:t>
+            </a:r>
+          </a:p>
+          <a:p>
+            <a:r>
+              <a:rPr lang="hu-HU" sz="2400" dirty="0">
+                <a:latin typeface="Times New Roman" panose="02020603050405020304" pitchFamily="18" charset="0"/>
+                <a:cs typeface="Times New Roman" panose="02020603050405020304" pitchFamily="18" charset="0"/>
+              </a:rPr>
+              <a:t>Koaxiális kábel</a:t>
+            </a:r>
+          </a:p>
+          <a:p>
+            <a:r>
+              <a:rPr lang="hu-HU" sz="2400" dirty="0">
+                <a:latin typeface="Times New Roman" panose="02020603050405020304" pitchFamily="18" charset="0"/>
+                <a:cs typeface="Times New Roman" panose="02020603050405020304" pitchFamily="18" charset="0"/>
+              </a:rPr>
+              <a:t>Optikai kábel</a:t>
+            </a:r>
+          </a:p>
+          <a:p>
+            <a:pPr marL="0" indent="0">
+              <a:buNone/>
+            </a:pPr>
+            <a:endParaRPr lang="hu-HU" sz="2400" dirty="0">
+              <a:latin typeface="Times New Roman" panose="02020603050405020304" pitchFamily="18" charset="0"/>
+              <a:cs typeface="Times New Roman" panose="02020603050405020304" pitchFamily="18" charset="0"/>
+            </a:endParaRPr>
+          </a:p>
+          <a:p>
+            <a:pPr marL="0" indent="0">
+              <a:buNone/>
+            </a:pPr>
+            <a:r>
+              <a:rPr lang="hu-HU" sz="2400" b="1" dirty="0">
+                <a:latin typeface="Times New Roman" panose="02020603050405020304" pitchFamily="18" charset="0"/>
+                <a:cs typeface="Times New Roman" panose="02020603050405020304" pitchFamily="18" charset="0"/>
+              </a:rPr>
+              <a:t>Vezeték nélküli:</a:t>
+            </a:r>
+          </a:p>
+          <a:p>
+            <a:r>
+              <a:rPr lang="hu-HU" sz="2400" dirty="0">
+                <a:latin typeface="Times New Roman" panose="02020603050405020304" pitchFamily="18" charset="0"/>
+                <a:cs typeface="Times New Roman" panose="02020603050405020304" pitchFamily="18" charset="0"/>
+              </a:rPr>
+              <a:t>Rádiófrekvenciás</a:t>
+            </a:r>
+          </a:p>
+          <a:p>
+            <a:r>
+              <a:rPr lang="hu-HU" sz="2400" dirty="0">
+                <a:latin typeface="Times New Roman" panose="02020603050405020304" pitchFamily="18" charset="0"/>
+                <a:cs typeface="Times New Roman" panose="02020603050405020304" pitchFamily="18" charset="0"/>
+              </a:rPr>
+              <a:t>Műholdas</a:t>
+            </a:r>
+          </a:p>
+          <a:p>
+            <a:endParaRPr lang="hu-HU" sz="2400" dirty="0">
+              <a:latin typeface="Times New Roman" panose="02020603050405020304" pitchFamily="18" charset="0"/>
+              <a:cs typeface="Times New Roman" panose="02020603050405020304" pitchFamily="18" charset="0"/>
+            </a:endParaRPr>
+          </a:p>
+          <a:p>
+            <a:endParaRPr lang="hu-HU" sz="2400" dirty="0">
+              <a:latin typeface="Times New Roman" panose="02020603050405020304" pitchFamily="18" charset="0"/>
+              <a:cs typeface="Times New Roman" panose="02020603050405020304" pitchFamily="18" charset="0"/>
+            </a:endParaRPr>
+          </a:p>
+        </p:txBody>
+      </p:sp>
+      <p:sp>
+        <p:nvSpPr>
+          <p:cNvPr id="4" name="Szövegdoboz 3"/>
+          <p:cNvSpPr txBox="1"/>
+          <p:nvPr/>
+        </p:nvSpPr>
+        <p:spPr>
+          <a:xfrm>
+            <a:off x="8407400" y="6070600"/>
+            <a:ext cx="1407758" cy="215444"/>
+          </a:xfrm>
+          <a:prstGeom prst="rect">
+            <a:avLst/>
+          </a:prstGeom>
+          <a:noFill/>
+        </p:spPr>
+        <p:txBody>
+          <a:bodyPr wrap="none" rtlCol="0">
+            <a:spAutoFit/>
+          </a:bodyPr>
+          <a:lstStyle/>
+          <a:p>
+            <a:r>
+              <a:rPr lang="hu-HU" sz="800" dirty="0"/>
+              <a:t>https://tinyurl.com/rz85a358</a:t>
+            </a:r>
+          </a:p>
+        </p:txBody>
+      </p:sp>
+      <p:pic>
+        <p:nvPicPr>
+          <p:cNvPr id="1026" name="Picture 2" descr="https://www.kabelfutar.hu/images/stories/virtuemart/product/huzalpancel.png"/>
+          <p:cNvPicPr>
+            <a:picLocks noChangeAspect="1" noChangeArrowheads="1"/>
+          </p:cNvPicPr>
+          <p:nvPr/>
+        </p:nvPicPr>
+        <p:blipFill>
+          <a:blip r:embed="rId3">
+            <a:extLst>
+              <a:ext uri="{28A0092B-C50C-407E-A947-70E740481C1C}">
+                <a14:useLocalDpi xmlns:a14="http://schemas.microsoft.com/office/drawing/2010/main" val="0"/>
+              </a:ext>
+            </a:extLst>
+          </a:blip>
+          <a:srcRect/>
+          <a:stretch>
+            <a:fillRect/>
+          </a:stretch>
+        </p:blipFill>
+        <p:spPr bwMode="auto">
+          <a:xfrm>
+            <a:off x="3784600" y="1737359"/>
+            <a:ext cx="7628889" cy="3660184"/>
+          </a:xfrm>
+          <a:prstGeom prst="rect">
+            <a:avLst/>
+          </a:prstGeom>
+          <a:noFill/>
+          <a:extLst>
+            <a:ext uri="{909E8E84-426E-40DD-AFC4-6F175D3DCCD1}">
+              <a14:hiddenFill xmlns:a14="http://schemas.microsoft.com/office/drawing/2010/main">
+                <a:solidFill>
+                  <a:srgbClr val="FFFFFF"/>
+                </a:solidFill>
+              </a14:hiddenFill>
+            </a:ext>
+          </a:extLst>
+        </p:spPr>
+      </p:pic>
     </p:spTree>
     <p:extLst>
       <p:ext uri="{BB962C8B-B14F-4D97-AF65-F5344CB8AC3E}">
-        <p14:creationId xmlns:p14="http://schemas.microsoft.com/office/powerpoint/2010/main" val="1729856656"/>
+        <p14:creationId xmlns:p14="http://schemas.microsoft.com/office/powerpoint/2010/main" val="1474880856"/>
       </p:ext>
     </p:extLst>
   </p:cSld>
@@ -3705,38 +5416,56 @@
             <p:ph type="title"/>
           </p:nvPr>
         </p:nvSpPr>
-        <p:spPr/>
-        <p:txBody>
-          <a:bodyPr/>
-          <a:lstStyle/>
-          <a:p>
-            <a:endParaRPr lang="hu-HU"/>
-          </a:p>
-        </p:txBody>
-      </p:sp>
-      <p:sp>
-        <p:nvSpPr>
-          <p:cNvPr id="3" name="Tartalom helye 2"/>
-          <p:cNvSpPr>
-            <a:spLocks noGrp="1"/>
-          </p:cNvSpPr>
-          <p:nvPr>
-            <p:ph idx="1"/>
-          </p:nvPr>
-        </p:nvSpPr>
-        <p:spPr/>
-        <p:txBody>
-          <a:bodyPr/>
-          <a:lstStyle/>
-          <a:p>
-            <a:endParaRPr lang="hu-HU"/>
-          </a:p>
-        </p:txBody>
-      </p:sp>
+        <p:spPr>
+          <a:xfrm>
+            <a:off x="3213100" y="2679700"/>
+            <a:ext cx="6134100" cy="723900"/>
+          </a:xfrm>
+        </p:spPr>
+        <p:txBody>
+          <a:bodyPr>
+            <a:noAutofit/>
+          </a:bodyPr>
+          <a:lstStyle/>
+          <a:p>
+            <a:r>
+              <a:rPr lang="hu-HU" dirty="0">
+                <a:latin typeface="Times New Roman" panose="02020603050405020304" pitchFamily="18" charset="0"/>
+                <a:cs typeface="Times New Roman" panose="02020603050405020304" pitchFamily="18" charset="0"/>
+              </a:rPr>
+              <a:t>Köszönöm a figyelmet! </a:t>
+            </a:r>
+          </a:p>
+        </p:txBody>
+      </p:sp>
+      <p:pic>
+        <p:nvPicPr>
+          <p:cNvPr id="3" name="Kép 2"/>
+          <p:cNvPicPr>
+            <a:picLocks noChangeAspect="1"/>
+          </p:cNvPicPr>
+          <p:nvPr/>
+        </p:nvPicPr>
+        <p:blipFill>
+          <a:blip r:embed="rId2"/>
+          <a:stretch>
+            <a:fillRect/>
+          </a:stretch>
+        </p:blipFill>
+        <p:spPr>
+          <a:xfrm>
+            <a:off x="973137" y="1612900"/>
+            <a:ext cx="10177463" cy="219075"/>
+          </a:xfrm>
+          <a:prstGeom prst="rect">
+            <a:avLst/>
+          </a:prstGeom>
+        </p:spPr>
+      </p:pic>
     </p:spTree>
     <p:extLst>
       <p:ext uri="{BB962C8B-B14F-4D97-AF65-F5344CB8AC3E}">
-        <p14:creationId xmlns:p14="http://schemas.microsoft.com/office/powerpoint/2010/main" val="3381379900"/>
+        <p14:creationId xmlns:p14="http://schemas.microsoft.com/office/powerpoint/2010/main" val="127159379"/>
       </p:ext>
     </p:extLst>
   </p:cSld>
@@ -3773,12 +5502,23 @@
             <p:ph type="title"/>
           </p:nvPr>
         </p:nvSpPr>
-        <p:spPr/>
+        <p:spPr>
+          <a:xfrm>
+            <a:off x="1097280" y="286603"/>
+            <a:ext cx="3220720" cy="1465997"/>
+          </a:xfrm>
+        </p:spPr>
         <p:txBody>
           <a:bodyPr/>
           <a:lstStyle/>
           <a:p>
-            <a:endParaRPr lang="hu-HU"/>
+            <a:r>
+              <a:rPr lang="hu-HU" dirty="0">
+                <a:latin typeface="Times New Roman" panose="02020603050405020304" pitchFamily="18" charset="0"/>
+                <a:cs typeface="Times New Roman" panose="02020603050405020304" pitchFamily="18" charset="0"/>
+              </a:rPr>
+              <a:t>Forrás</a:t>
+            </a:r>
           </a:p>
         </p:txBody>
       </p:sp>
@@ -3792,19 +5532,144 @@
             <p:ph idx="1"/>
           </p:nvPr>
         </p:nvSpPr>
-        <p:spPr/>
+        <p:spPr>
+          <a:xfrm>
+            <a:off x="1097280" y="1845734"/>
+            <a:ext cx="3627120" cy="2154766"/>
+          </a:xfrm>
+        </p:spPr>
         <p:txBody>
           <a:bodyPr/>
           <a:lstStyle/>
           <a:p>
-            <a:endParaRPr lang="hu-HU"/>
-          </a:p>
-        </p:txBody>
-      </p:sp>
+            <a:r>
+              <a:rPr lang="hu-HU" dirty="0">
+                <a:solidFill>
+                  <a:schemeClr val="tx1">
+                    <a:lumMod val="95000"/>
+                    <a:lumOff val="5000"/>
+                  </a:schemeClr>
+                </a:solidFill>
+                <a:hlinkClick r:id="rId2"/>
+              </a:rPr>
+              <a:t>https://tinyurl.com/c564n5k2</a:t>
+            </a:r>
+            <a:endParaRPr lang="hu-HU" dirty="0">
+              <a:solidFill>
+                <a:schemeClr val="tx1">
+                  <a:lumMod val="95000"/>
+                  <a:lumOff val="5000"/>
+                </a:schemeClr>
+              </a:solidFill>
+            </a:endParaRPr>
+          </a:p>
+          <a:p>
+            <a:r>
+              <a:rPr lang="hu-HU" dirty="0">
+                <a:solidFill>
+                  <a:schemeClr val="tx1">
+                    <a:lumMod val="95000"/>
+                    <a:lumOff val="5000"/>
+                  </a:schemeClr>
+                </a:solidFill>
+                <a:hlinkClick r:id="rId3"/>
+              </a:rPr>
+              <a:t>https://tinyurl.com/rjnvs4ff</a:t>
+            </a:r>
+            <a:r>
+              <a:rPr lang="hu-HU" dirty="0">
+                <a:solidFill>
+                  <a:schemeClr val="tx1">
+                    <a:lumMod val="95000"/>
+                    <a:lumOff val="5000"/>
+                  </a:schemeClr>
+                </a:solidFill>
+              </a:rPr>
+              <a:t> </a:t>
+            </a:r>
+          </a:p>
+          <a:p>
+            <a:r>
+              <a:rPr lang="hu-HU" dirty="0">
+                <a:solidFill>
+                  <a:schemeClr val="tx1">
+                    <a:lumMod val="95000"/>
+                    <a:lumOff val="5000"/>
+                  </a:schemeClr>
+                </a:solidFill>
+                <a:hlinkClick r:id="rId4"/>
+              </a:rPr>
+              <a:t>https://tinyurl.com/a6btrmyp</a:t>
+            </a:r>
+            <a:endParaRPr lang="hu-HU" dirty="0">
+              <a:solidFill>
+                <a:schemeClr val="tx1">
+                  <a:lumMod val="95000"/>
+                  <a:lumOff val="5000"/>
+                </a:schemeClr>
+              </a:solidFill>
+            </a:endParaRPr>
+          </a:p>
+          <a:p>
+            <a:endParaRPr lang="hu-HU" dirty="0">
+              <a:solidFill>
+                <a:schemeClr val="tx1">
+                  <a:lumMod val="95000"/>
+                  <a:lumOff val="5000"/>
+                </a:schemeClr>
+              </a:solidFill>
+            </a:endParaRPr>
+          </a:p>
+          <a:p>
+            <a:endParaRPr lang="hu-HU" dirty="0">
+              <a:solidFill>
+                <a:schemeClr val="tx1">
+                  <a:lumMod val="95000"/>
+                  <a:lumOff val="5000"/>
+                </a:schemeClr>
+              </a:solidFill>
+            </a:endParaRPr>
+          </a:p>
+          <a:p>
+            <a:endParaRPr lang="hu-HU" dirty="0">
+              <a:solidFill>
+                <a:schemeClr val="tx1">
+                  <a:lumMod val="95000"/>
+                  <a:lumOff val="5000"/>
+                </a:schemeClr>
+              </a:solidFill>
+            </a:endParaRPr>
+          </a:p>
+        </p:txBody>
+      </p:sp>
+      <p:pic>
+        <p:nvPicPr>
+          <p:cNvPr id="4" name="Kép 3"/>
+          <p:cNvPicPr>
+            <a:picLocks noChangeAspect="1"/>
+          </p:cNvPicPr>
+          <p:nvPr/>
+        </p:nvPicPr>
+        <p:blipFill>
+          <a:blip r:embed="rId5"/>
+          <a:stretch>
+            <a:fillRect/>
+          </a:stretch>
+        </p:blipFill>
+        <p:spPr>
+          <a:xfrm>
+            <a:off x="1097280" y="1593689"/>
+            <a:ext cx="10193020" cy="252045"/>
+          </a:xfrm>
+          <a:prstGeom prst="rect">
+            <a:avLst/>
+          </a:prstGeom>
+        </p:spPr>
+      </p:pic>
     </p:spTree>
     <p:extLst>
       <p:ext uri="{BB962C8B-B14F-4D97-AF65-F5344CB8AC3E}">
-        <p14:creationId xmlns:p14="http://schemas.microsoft.com/office/powerpoint/2010/main" val="2853827542"/>
+        <p14:creationId xmlns:p14="http://schemas.microsoft.com/office/powerpoint/2010/main" val="4023112020"/>
       </p:ext>
     </p:extLst>
   </p:cSld>
@@ -3815,54 +5680,54 @@
 </file>
 
 <file path=ppt/theme/theme1.xml><?xml version="1.0" encoding="utf-8"?>
-<a:theme xmlns:a="http://schemas.openxmlformats.org/drawingml/2006/main" name="Office-téma">
+<a:theme xmlns:a="http://schemas.openxmlformats.org/drawingml/2006/main" name="Retrospektív">
   <a:themeElements>
-    <a:clrScheme name="Office">
+    <a:clrScheme name="Retrospektív">
       <a:dk1>
-        <a:sysClr val="windowText" lastClr="000000"/>
+        <a:srgbClr val="000000"/>
       </a:dk1>
       <a:lt1>
         <a:sysClr val="window" lastClr="FFFFFF"/>
       </a:lt1>
       <a:dk2>
-        <a:srgbClr val="44546A"/>
+        <a:srgbClr val="637052"/>
       </a:dk2>
       <a:lt2>
-        <a:srgbClr val="E7E6E6"/>
+        <a:srgbClr val="CCDDEA"/>
       </a:lt2>
       <a:accent1>
-        <a:srgbClr val="5B9BD5"/>
+        <a:srgbClr val="E48312"/>
       </a:accent1>
       <a:accent2>
-        <a:srgbClr val="ED7D31"/>
+        <a:srgbClr val="BD582C"/>
       </a:accent2>
       <a:accent3>
-        <a:srgbClr val="A5A5A5"/>
+        <a:srgbClr val="865640"/>
       </a:accent3>
       <a:accent4>
-        <a:srgbClr val="FFC000"/>
+        <a:srgbClr val="9B8357"/>
       </a:accent4>
       <a:accent5>
-        <a:srgbClr val="4472C4"/>
+        <a:srgbClr val="C2BC80"/>
       </a:accent5>
       <a:accent6>
-        <a:srgbClr val="70AD47"/>
+        <a:srgbClr val="94A088"/>
       </a:accent6>
       <a:hlink>
-        <a:srgbClr val="0563C1"/>
+        <a:srgbClr val="2998E3"/>
       </a:hlink>
       <a:folHlink>
-        <a:srgbClr val="954F72"/>
+        <a:srgbClr val="8C8C8C"/>
       </a:folHlink>
     </a:clrScheme>
-    <a:fontScheme name="Office">
+    <a:fontScheme name="Retrospektív">
       <a:majorFont>
         <a:latin typeface="Calibri Light" panose="020F0302020204030204"/>
         <a:ea typeface=""/>
         <a:cs typeface=""/>
-        <a:font script="Jpan" typeface="游ゴシック Light"/>
+        <a:font script="Jpan" typeface="ＭＳ Ｐゴシック"/>
         <a:font script="Hang" typeface="맑은 고딕"/>
-        <a:font script="Hans" typeface="等线 Light"/>
+        <a:font script="Hans" typeface="宋体"/>
         <a:font script="Hant" typeface="新細明體"/>
         <a:font script="Arab" typeface="Times New Roman"/>
         <a:font script="Hebr" typeface="Times New Roman"/>
@@ -3895,9 +5760,9 @@
         <a:latin typeface="Calibri" panose="020F0502020204030204"/>
         <a:ea typeface=""/>
         <a:cs typeface=""/>
-        <a:font script="Jpan" typeface="游ゴシック"/>
+        <a:font script="Jpan" typeface="ＭＳ Ｐゴシック"/>
         <a:font script="Hang" typeface="맑은 고딕"/>
-        <a:font script="Hans" typeface="等线"/>
+        <a:font script="Hans" typeface="宋体"/>
         <a:font script="Hant" typeface="新細明體"/>
         <a:font script="Arab" typeface="Arial"/>
         <a:font script="Hebr" typeface="Arial"/>
@@ -3927,7 +5792,7 @@
         <a:font script="Geor" typeface="Sylfaen"/>
       </a:minorFont>
     </a:fontScheme>
-    <a:fmtScheme name="Office">
+    <a:fmtScheme name="Retrospektív">
       <a:fillStyleLst>
         <a:solidFill>
           <a:schemeClr val="phClr"/>
@@ -3936,76 +5801,81 @@
           <a:gsLst>
             <a:gs pos="0">
               <a:schemeClr val="phClr">
-                <a:lumMod val="110000"/>
-                <a:satMod val="105000"/>
-                <a:tint val="67000"/>
+                <a:tint val="65000"/>
+                <a:shade val="92000"/>
+                <a:satMod val="130000"/>
               </a:schemeClr>
             </a:gs>
-            <a:gs pos="50000">
+            <a:gs pos="45000">
               <a:schemeClr val="phClr">
-                <a:lumMod val="105000"/>
-                <a:satMod val="103000"/>
-                <a:tint val="73000"/>
+                <a:tint val="60000"/>
+                <a:shade val="99000"/>
+                <a:satMod val="120000"/>
               </a:schemeClr>
             </a:gs>
             <a:gs pos="100000">
               <a:schemeClr val="phClr">
-                <a:lumMod val="105000"/>
-                <a:satMod val="109000"/>
-                <a:tint val="81000"/>
+                <a:tint val="55000"/>
+                <a:satMod val="140000"/>
               </a:schemeClr>
             </a:gs>
           </a:gsLst>
-          <a:lin ang="5400000" scaled="0"/>
+          <a:path path="circle">
+            <a:fillToRect l="100000" t="100000" r="100000" b="100000"/>
+          </a:path>
         </a:gradFill>
         <a:gradFill rotWithShape="1">
           <a:gsLst>
             <a:gs pos="0">
               <a:schemeClr val="phClr">
-                <a:satMod val="103000"/>
-                <a:lumMod val="102000"/>
-                <a:tint val="94000"/>
+                <a:shade val="85000"/>
+                <a:satMod val="130000"/>
               </a:schemeClr>
             </a:gs>
-            <a:gs pos="50000">
+            <a:gs pos="34000">
               <a:schemeClr val="phClr">
-                <a:satMod val="110000"/>
-                <a:lumMod val="100000"/>
-                <a:shade val="100000"/>
+                <a:shade val="87000"/>
+                <a:satMod val="125000"/>
+              </a:schemeClr>
+            </a:gs>
+            <a:gs pos="70000">
+              <a:schemeClr val="phClr">
+                <a:tint val="100000"/>
+                <a:shade val="90000"/>
+                <a:satMod val="130000"/>
               </a:schemeClr>
             </a:gs>
             <a:gs pos="100000">
               <a:schemeClr val="phClr">
-                <a:lumMod val="99000"/>
-                <a:satMod val="120000"/>
-                <a:shade val="78000"/>
+                <a:tint val="100000"/>
+                <a:shade val="100000"/>
+                <a:satMod val="110000"/>
               </a:schemeClr>
             </a:gs>
           </a:gsLst>
-          <a:lin ang="5400000" scaled="0"/>
+          <a:path path="circle">
+            <a:fillToRect l="100000" t="100000" r="100000" b="100000"/>
+          </a:path>
         </a:gradFill>
       </a:fillStyleLst>
       <a:lnStyleLst>
-        <a:ln w="6350" cap="flat" cmpd="sng" algn="ctr">
-          <a:solidFill>
-            <a:schemeClr val="phClr"/>
-          </a:solidFill>
-          <a:prstDash val="solid"/>
-          <a:miter lim="800000"/>
-        </a:ln>
         <a:ln w="12700" cap="flat" cmpd="sng" algn="ctr">
           <a:solidFill>
             <a:schemeClr val="phClr"/>
           </a:solidFill>
           <a:prstDash val="solid"/>
-          <a:miter lim="800000"/>
         </a:ln>
-        <a:ln w="19050" cap="flat" cmpd="sng" algn="ctr">
+        <a:ln w="15875" cap="flat" cmpd="sng" algn="ctr">
           <a:solidFill>
             <a:schemeClr val="phClr"/>
           </a:solidFill>
           <a:prstDash val="solid"/>
-          <a:miter lim="800000"/>
+        </a:ln>
+        <a:ln w="25400" cap="flat" cmpd="sng" algn="ctr">
+          <a:solidFill>
+            <a:schemeClr val="phClr"/>
+          </a:solidFill>
+          <a:prstDash val="solid"/>
         </a:ln>
       </a:lnStyleLst>
       <a:effectStyleLst>
@@ -4013,16 +5883,33 @@
           <a:effectLst/>
         </a:effectStyle>
         <a:effectStyle>
-          <a:effectLst/>
+          <a:effectLst>
+            <a:outerShdw blurRad="38100" dist="25400" dir="2700000" algn="br" rotWithShape="0">
+              <a:srgbClr val="000000">
+                <a:alpha val="60000"/>
+              </a:srgbClr>
+            </a:outerShdw>
+          </a:effectLst>
         </a:effectStyle>
         <a:effectStyle>
           <a:effectLst>
-            <a:outerShdw blurRad="57150" dist="19050" dir="5400000" algn="ctr" rotWithShape="0">
+            <a:outerShdw blurRad="44450" dist="25400" dir="2700000" algn="br" rotWithShape="0">
               <a:srgbClr val="000000">
-                <a:alpha val="63000"/>
+                <a:alpha val="60000"/>
               </a:srgbClr>
             </a:outerShdw>
           </a:effectLst>
+          <a:scene3d>
+            <a:camera prst="orthographicFront">
+              <a:rot lat="0" lon="0" rev="0"/>
+            </a:camera>
+            <a:lightRig rig="threePt" dir="t">
+              <a:rot lat="0" lon="0" rev="19800000"/>
+            </a:lightRig>
+          </a:scene3d>
+          <a:sp3d prstMaterial="flat">
+            <a:bevelT w="25400" h="31750"/>
+          </a:sp3d>
         </a:effectStyle>
       </a:effectStyleLst>
       <a:bgFillStyleLst>
@@ -4031,36 +5918,36 @@
         </a:solidFill>
         <a:solidFill>
           <a:schemeClr val="phClr">
-            <a:tint val="95000"/>
-            <a:satMod val="170000"/>
+            <a:tint val="90000"/>
+            <a:shade val="97000"/>
+            <a:satMod val="130000"/>
           </a:schemeClr>
         </a:solidFill>
         <a:gradFill rotWithShape="1">
           <a:gsLst>
             <a:gs pos="0">
               <a:schemeClr val="phClr">
-                <a:tint val="93000"/>
-                <a:satMod val="150000"/>
-                <a:shade val="98000"/>
-                <a:lumMod val="102000"/>
+                <a:tint val="96000"/>
+                <a:shade val="99000"/>
+                <a:satMod val="140000"/>
               </a:schemeClr>
             </a:gs>
-            <a:gs pos="50000">
+            <a:gs pos="65000">
               <a:schemeClr val="phClr">
-                <a:tint val="98000"/>
+                <a:tint val="100000"/>
+                <a:shade val="80000"/>
                 <a:satMod val="130000"/>
-                <a:shade val="90000"/>
-                <a:lumMod val="103000"/>
               </a:schemeClr>
             </a:gs>
             <a:gs pos="100000">
               <a:schemeClr val="phClr">
-                <a:shade val="63000"/>
+                <a:tint val="100000"/>
+                <a:shade val="48000"/>
                 <a:satMod val="120000"/>
               </a:schemeClr>
             </a:gs>
           </a:gsLst>
-          <a:lin ang="5400000" scaled="0"/>
+          <a:lin ang="16200000" scaled="0"/>
         </a:gradFill>
       </a:bgFillStyleLst>
     </a:fmtScheme>
@@ -4069,8 +5956,199 @@
   <a:extraClrSchemeLst/>
   <a:extLst>
     <a:ext uri="{05A4C25C-085E-4340-85A3-A5531E510DB2}">
-      <thm15:themeFamily xmlns:thm15="http://schemas.microsoft.com/office/thememl/2012/main" name="Office Theme" id="{62F939B6-93AF-4DB8-9C6B-D6C7DFDC589F}" vid="{4A3C46E8-61CC-4603-A589-7422A47A8E4A}"/>
+      <thm15:themeFamily xmlns:thm15="http://schemas.microsoft.com/office/thememl/2012/main" name="Retrospect" id="{5F128B03-DCCA-4EEB-AB3B-CF2899314A46}" vid="{3F1AAB62-24C6-49D2-8E01-B56FAC9A3DCD}"/>
     </a:ext>
   </a:extLst>
 </a:theme>
+</file>
+
+<file path=customXml/item1.xml><?xml version="1.0" encoding="utf-8"?>
+<p:properties xmlns:p="http://schemas.microsoft.com/office/2006/metadata/properties" xmlns:xsi="http://www.w3.org/2001/XMLSchema-instance" xmlns:pc="http://schemas.microsoft.com/office/infopath/2007/PartnerControls">
+  <documentManagement>
+    <ReferenceId xmlns="cda7f449-9791-4026-adf0-6249e0f1a277" xsi:nil="true"/>
+  </documentManagement>
+</p:properties>
+</file>
+
+<file path=customXml/item2.xml><?xml version="1.0" encoding="utf-8"?>
+<?mso-contentType ?>
+<FormTemplates xmlns="http://schemas.microsoft.com/sharepoint/v3/contenttype/forms">
+  <Display>DocumentLibraryForm</Display>
+  <Edit>DocumentLibraryForm</Edit>
+  <New>DocumentLibraryForm</New>
+</FormTemplates>
+</file>
+
+<file path=customXml/item3.xml><?xml version="1.0" encoding="utf-8"?>
+<ct:contentTypeSchema xmlns:ct="http://schemas.microsoft.com/office/2006/metadata/contentType" xmlns:ma="http://schemas.microsoft.com/office/2006/metadata/properties/metaAttributes" ct:_="" ma:_="" ma:contentTypeName="Dokumentum" ma:contentTypeID="0x010100CD77C0BABE2EC74395F8CE7BF47B96A4" ma:contentTypeVersion="3" ma:contentTypeDescription="Új dokumentum létrehozása." ma:contentTypeScope="" ma:versionID="223336d302af066c8bce88bcd733e1b3">
+  <xsd:schema xmlns:xsd="http://www.w3.org/2001/XMLSchema" xmlns:xs="http://www.w3.org/2001/XMLSchema" xmlns:p="http://schemas.microsoft.com/office/2006/metadata/properties" xmlns:ns2="cda7f449-9791-4026-adf0-6249e0f1a277" targetNamespace="http://schemas.microsoft.com/office/2006/metadata/properties" ma:root="true" ma:fieldsID="0df44673f79e6bec3f9c853bca4d137d" ns2:_="">
+    <xsd:import namespace="cda7f449-9791-4026-adf0-6249e0f1a277"/>
+    <xsd:element name="properties">
+      <xsd:complexType>
+        <xsd:sequence>
+          <xsd:element name="documentManagement">
+            <xsd:complexType>
+              <xsd:all>
+                <xsd:element ref="ns2:ReferenceId" minOccurs="0"/>
+                <xsd:element ref="ns2:MediaServiceMetadata" minOccurs="0"/>
+                <xsd:element ref="ns2:MediaServiceFastMetadata" minOccurs="0"/>
+              </xsd:all>
+            </xsd:complexType>
+          </xsd:element>
+        </xsd:sequence>
+      </xsd:complexType>
+    </xsd:element>
+  </xsd:schema>
+  <xsd:schema xmlns:xsd="http://www.w3.org/2001/XMLSchema" xmlns:xs="http://www.w3.org/2001/XMLSchema" xmlns:dms="http://schemas.microsoft.com/office/2006/documentManagement/types" xmlns:pc="http://schemas.microsoft.com/office/infopath/2007/PartnerControls" targetNamespace="cda7f449-9791-4026-adf0-6249e0f1a277" elementFormDefault="qualified">
+    <xsd:import namespace="http://schemas.microsoft.com/office/2006/documentManagement/types"/>
+    <xsd:import namespace="http://schemas.microsoft.com/office/infopath/2007/PartnerControls"/>
+    <xsd:element name="ReferenceId" ma:index="8" nillable="true" ma:displayName="ReferenceId" ma:indexed="true" ma:internalName="ReferenceId">
+      <xsd:simpleType>
+        <xsd:restriction base="dms:Text"/>
+      </xsd:simpleType>
+    </xsd:element>
+    <xsd:element name="MediaServiceMetadata" ma:index="9" nillable="true" ma:displayName="MediaServiceMetadata" ma:hidden="true" ma:internalName="MediaServiceMetadata" ma:readOnly="true">
+      <xsd:simpleType>
+        <xsd:restriction base="dms:Note"/>
+      </xsd:simpleType>
+    </xsd:element>
+    <xsd:element name="MediaServiceFastMetadata" ma:index="10" nillable="true" ma:displayName="MediaServiceFastMetadata" ma:hidden="true" ma:internalName="MediaServiceFastMetadata" ma:readOnly="true">
+      <xsd:simpleType>
+        <xsd:restriction base="dms:Note"/>
+      </xsd:simpleType>
+    </xsd:element>
+  </xsd:schema>
+  <xsd:schema xmlns="http://schemas.openxmlformats.org/package/2006/metadata/core-properties" xmlns:xsd="http://www.w3.org/2001/XMLSchema" xmlns:xsi="http://www.w3.org/2001/XMLSchema-instance" xmlns:dc="http://purl.org/dc/elements/1.1/" xmlns:dcterms="http://purl.org/dc/terms/" xmlns:odoc="http://schemas.microsoft.com/internal/obd" targetNamespace="http://schemas.openxmlformats.org/package/2006/metadata/core-properties" elementFormDefault="qualified" attributeFormDefault="unqualified" blockDefault="#all">
+    <xsd:import namespace="http://purl.org/dc/elements/1.1/" schemaLocation="http://dublincore.org/schemas/xmls/qdc/2003/04/02/dc.xsd"/>
+    <xsd:import namespace="http://purl.org/dc/terms/" schemaLocation="http://dublincore.org/schemas/xmls/qdc/2003/04/02/dcterms.xsd"/>
+    <xsd:element name="coreProperties" type="CT_coreProperties"/>
+    <xsd:complexType name="CT_coreProperties">
+      <xsd:all>
+        <xsd:element ref="dc:creator" minOccurs="0" maxOccurs="1"/>
+        <xsd:element ref="dcterms:created" minOccurs="0" maxOccurs="1"/>
+        <xsd:element ref="dc:identifier" minOccurs="0" maxOccurs="1"/>
+        <xsd:element name="contentType" minOccurs="0" maxOccurs="1" type="xsd:string" ma:index="0" ma:displayName="Tartalomtípus"/>
+        <xsd:element ref="dc:title" minOccurs="0" maxOccurs="1" ma:index="4" ma:displayName="Cím"/>
+        <xsd:element ref="dc:subject" minOccurs="0" maxOccurs="1"/>
+        <xsd:element ref="dc:description" minOccurs="0" maxOccurs="1"/>
+        <xsd:element name="keywords" minOccurs="0" maxOccurs="1" type="xsd:string"/>
+        <xsd:element ref="dc:language" minOccurs="0" maxOccurs="1"/>
+        <xsd:element name="category" minOccurs="0" maxOccurs="1" type="xsd:string"/>
+        <xsd:element name="version" minOccurs="0" maxOccurs="1" type="xsd:string"/>
+        <xsd:element name="revision" minOccurs="0" maxOccurs="1" type="xsd:string">
+          <xsd:annotation>
+            <xsd:documentation>
+                        This value indicates the number of saves or revisions. The application is responsible for updating this value after each revision.
+                    </xsd:documentation>
+          </xsd:annotation>
+        </xsd:element>
+        <xsd:element name="lastModifiedBy" minOccurs="0" maxOccurs="1" type="xsd:string"/>
+        <xsd:element ref="dcterms:modified" minOccurs="0" maxOccurs="1"/>
+        <xsd:element name="contentStatus" minOccurs="0" maxOccurs="1" type="xsd:string"/>
+      </xsd:all>
+    </xsd:complexType>
+  </xsd:schema>
+  <xs:schema xmlns:pc="http://schemas.microsoft.com/office/infopath/2007/PartnerControls" xmlns:xs="http://www.w3.org/2001/XMLSchema" targetNamespace="http://schemas.microsoft.com/office/infopath/2007/PartnerControls" elementFormDefault="qualified" attributeFormDefault="unqualified">
+    <xs:element name="Person">
+      <xs:complexType>
+        <xs:sequence>
+          <xs:element ref="pc:DisplayName" minOccurs="0"/>
+          <xs:element ref="pc:AccountId" minOccurs="0"/>
+          <xs:element ref="pc:AccountType" minOccurs="0"/>
+        </xs:sequence>
+      </xs:complexType>
+    </xs:element>
+    <xs:element name="DisplayName" type="xs:string"/>
+    <xs:element name="AccountId" type="xs:string"/>
+    <xs:element name="AccountType" type="xs:string"/>
+    <xs:element name="BDCAssociatedEntity">
+      <xs:complexType>
+        <xs:sequence>
+          <xs:element ref="pc:BDCEntity" minOccurs="0" maxOccurs="unbounded"/>
+        </xs:sequence>
+        <xs:attribute ref="pc:EntityNamespace"/>
+        <xs:attribute ref="pc:EntityName"/>
+        <xs:attribute ref="pc:SystemInstanceName"/>
+        <xs:attribute ref="pc:AssociationName"/>
+      </xs:complexType>
+    </xs:element>
+    <xs:attribute name="EntityNamespace" type="xs:string"/>
+    <xs:attribute name="EntityName" type="xs:string"/>
+    <xs:attribute name="SystemInstanceName" type="xs:string"/>
+    <xs:attribute name="AssociationName" type="xs:string"/>
+    <xs:element name="BDCEntity">
+      <xs:complexType>
+        <xs:sequence>
+          <xs:element ref="pc:EntityDisplayName" minOccurs="0"/>
+          <xs:element ref="pc:EntityInstanceReference" minOccurs="0"/>
+          <xs:element ref="pc:EntityId1" minOccurs="0"/>
+          <xs:element ref="pc:EntityId2" minOccurs="0"/>
+          <xs:element ref="pc:EntityId3" minOccurs="0"/>
+          <xs:element ref="pc:EntityId4" minOccurs="0"/>
+          <xs:element ref="pc:EntityId5" minOccurs="0"/>
+        </xs:sequence>
+      </xs:complexType>
+    </xs:element>
+    <xs:element name="EntityDisplayName" type="xs:string"/>
+    <xs:element name="EntityInstanceReference" type="xs:string"/>
+    <xs:element name="EntityId1" type="xs:string"/>
+    <xs:element name="EntityId2" type="xs:string"/>
+    <xs:element name="EntityId3" type="xs:string"/>
+    <xs:element name="EntityId4" type="xs:string"/>
+    <xs:element name="EntityId5" type="xs:string"/>
+    <xs:element name="Terms">
+      <xs:complexType>
+        <xs:sequence>
+          <xs:element ref="pc:TermInfo" minOccurs="0" maxOccurs="unbounded"/>
+        </xs:sequence>
+      </xs:complexType>
+    </xs:element>
+    <xs:element name="TermInfo">
+      <xs:complexType>
+        <xs:sequence>
+          <xs:element ref="pc:TermName" minOccurs="0"/>
+          <xs:element ref="pc:TermId" minOccurs="0"/>
+        </xs:sequence>
+      </xs:complexType>
+    </xs:element>
+    <xs:element name="TermName" type="xs:string"/>
+    <xs:element name="TermId" type="xs:string"/>
+  </xs:schema>
+</ct:contentTypeSchema>
+</file>
+
+<file path=customXml/itemProps1.xml><?xml version="1.0" encoding="utf-8"?>
+<ds:datastoreItem xmlns:ds="http://schemas.openxmlformats.org/officeDocument/2006/customXml" ds:itemID="{B47C1B41-847B-4982-A61B-2DE97E148F4F}">
+  <ds:schemaRefs>
+    <ds:schemaRef ds:uri="http://schemas.microsoft.com/office/2006/metadata/properties"/>
+    <ds:schemaRef ds:uri="http://schemas.microsoft.com/office/infopath/2007/PartnerControls"/>
+    <ds:schemaRef ds:uri="cda7f449-9791-4026-adf0-6249e0f1a277"/>
+  </ds:schemaRefs>
+</ds:datastoreItem>
+</file>
+
+<file path=customXml/itemProps2.xml><?xml version="1.0" encoding="utf-8"?>
+<ds:datastoreItem xmlns:ds="http://schemas.openxmlformats.org/officeDocument/2006/customXml" ds:itemID="{B114293F-6EE4-4834-97C1-1E9AD42354D9}">
+  <ds:schemaRefs>
+    <ds:schemaRef ds:uri="http://schemas.microsoft.com/sharepoint/v3/contenttype/forms"/>
+  </ds:schemaRefs>
+</ds:datastoreItem>
+</file>
+
+<file path=customXml/itemProps3.xml><?xml version="1.0" encoding="utf-8"?>
+<ds:datastoreItem xmlns:ds="http://schemas.openxmlformats.org/officeDocument/2006/customXml" ds:itemID="{E3819425-6C3A-4E76-BE76-D4FC8AB59E43}">
+  <ds:schemaRefs>
+    <ds:schemaRef ds:uri="http://schemas.microsoft.com/office/2006/metadata/contentType"/>
+    <ds:schemaRef ds:uri="http://schemas.microsoft.com/office/2006/metadata/properties/metaAttributes"/>
+    <ds:schemaRef ds:uri="http://www.w3.org/2001/XMLSchema"/>
+    <ds:schemaRef ds:uri="http://schemas.microsoft.com/office/2006/metadata/properties"/>
+    <ds:schemaRef ds:uri="cda7f449-9791-4026-adf0-6249e0f1a277"/>
+    <ds:schemaRef ds:uri="http://schemas.microsoft.com/office/2006/documentManagement/types"/>
+    <ds:schemaRef ds:uri="http://schemas.microsoft.com/office/infopath/2007/PartnerControls"/>
+    <ds:schemaRef ds:uri="http://schemas.openxmlformats.org/package/2006/metadata/core-properties"/>
+    <ds:schemaRef ds:uri="http://purl.org/dc/elements/1.1/"/>
+    <ds:schemaRef ds:uri="http://purl.org/dc/terms/"/>
+    <ds:schemaRef ds:uri="http://schemas.microsoft.com/internal/obd"/>
+  </ds:schemaRefs>
+</ds:datastoreItem>
 </file>
--- a/Beadandó VJ.pptx
+++ b/Beadandó VJ.pptx
@@ -10,10 +10,12 @@
     <p:sldId id="259" r:id="rId7"/>
     <p:sldId id="258" r:id="rId8"/>
     <p:sldId id="260" r:id="rId9"/>
-    <p:sldId id="266" r:id="rId10"/>
-    <p:sldId id="265" r:id="rId11"/>
-    <p:sldId id="264" r:id="rId12"/>
-    <p:sldId id="263" r:id="rId13"/>
+    <p:sldId id="267" r:id="rId10"/>
+    <p:sldId id="266" r:id="rId11"/>
+    <p:sldId id="268" r:id="rId12"/>
+    <p:sldId id="265" r:id="rId13"/>
+    <p:sldId id="264" r:id="rId14"/>
+    <p:sldId id="263" r:id="rId15"/>
   </p:sldIdLst>
   <p:sldSz cx="12192000" cy="6858000"/>
   <p:notesSz cx="6858000" cy="9144000"/>
@@ -358,7 +360,7 @@
           <a:p>
             <a:fld id="{8F5A1913-C1B8-42A7-81A1-2FE1D24E3BD3}" type="datetimeFigureOut">
               <a:rPr lang="hu-HU" smtClean="0"/>
-              <a:t>2022. 09. 12.</a:t>
+              <a:t>2022.09.13.</a:t>
             </a:fld>
             <a:endParaRPr lang="hu-HU"/>
           </a:p>
@@ -566,7 +568,7 @@
           <a:p>
             <a:fld id="{8F5A1913-C1B8-42A7-81A1-2FE1D24E3BD3}" type="datetimeFigureOut">
               <a:rPr lang="hu-HU" smtClean="0"/>
-              <a:t>2022. 09. 12.</a:t>
+              <a:t>2022.09.13.</a:t>
             </a:fld>
             <a:endParaRPr lang="hu-HU"/>
           </a:p>
@@ -822,7 +824,7 @@
           <a:p>
             <a:fld id="{8F5A1913-C1B8-42A7-81A1-2FE1D24E3BD3}" type="datetimeFigureOut">
               <a:rPr lang="hu-HU" smtClean="0"/>
-              <a:t>2022. 09. 12.</a:t>
+              <a:t>2022.09.13.</a:t>
             </a:fld>
             <a:endParaRPr lang="hu-HU"/>
           </a:p>
@@ -996,7 +998,7 @@
           <a:p>
             <a:fld id="{8F5A1913-C1B8-42A7-81A1-2FE1D24E3BD3}" type="datetimeFigureOut">
               <a:rPr lang="hu-HU" smtClean="0"/>
-              <a:t>2022. 09. 12.</a:t>
+              <a:t>2022.09.13.</a:t>
             </a:fld>
             <a:endParaRPr lang="hu-HU"/>
           </a:p>
@@ -1339,7 +1341,7 @@
           <a:p>
             <a:fld id="{8F5A1913-C1B8-42A7-81A1-2FE1D24E3BD3}" type="datetimeFigureOut">
               <a:rPr lang="hu-HU" smtClean="0"/>
-              <a:t>2022. 09. 12.</a:t>
+              <a:t>2022.09.13.</a:t>
             </a:fld>
             <a:endParaRPr lang="hu-HU"/>
           </a:p>
@@ -1614,7 +1616,7 @@
           <a:p>
             <a:fld id="{8F5A1913-C1B8-42A7-81A1-2FE1D24E3BD3}" type="datetimeFigureOut">
               <a:rPr lang="hu-HU" smtClean="0"/>
-              <a:t>2022. 09. 12.</a:t>
+              <a:t>2022.09.13.</a:t>
             </a:fld>
             <a:endParaRPr lang="hu-HU"/>
           </a:p>
@@ -1993,7 +1995,7 @@
           <a:p>
             <a:fld id="{8F5A1913-C1B8-42A7-81A1-2FE1D24E3BD3}" type="datetimeFigureOut">
               <a:rPr lang="hu-HU" smtClean="0"/>
-              <a:t>2022. 09. 12.</a:t>
+              <a:t>2022.09.13.</a:t>
             </a:fld>
             <a:endParaRPr lang="hu-HU"/>
           </a:p>
@@ -2111,7 +2113,7 @@
           <a:p>
             <a:fld id="{8F5A1913-C1B8-42A7-81A1-2FE1D24E3BD3}" type="datetimeFigureOut">
               <a:rPr lang="hu-HU" smtClean="0"/>
-              <a:t>2022. 09. 12.</a:t>
+              <a:t>2022.09.13.</a:t>
             </a:fld>
             <a:endParaRPr lang="hu-HU"/>
           </a:p>
@@ -2282,7 +2284,7 @@
           <a:p>
             <a:fld id="{8F5A1913-C1B8-42A7-81A1-2FE1D24E3BD3}" type="datetimeFigureOut">
               <a:rPr lang="hu-HU" smtClean="0"/>
-              <a:t>2022. 09. 12.</a:t>
+              <a:t>2022.09.13.</a:t>
             </a:fld>
             <a:endParaRPr lang="hu-HU"/>
           </a:p>
@@ -2636,7 +2638,7 @@
           <a:p>
             <a:fld id="{8F5A1913-C1B8-42A7-81A1-2FE1D24E3BD3}" type="datetimeFigureOut">
               <a:rPr lang="hu-HU" smtClean="0"/>
-              <a:t>2022. 09. 12.</a:t>
+              <a:t>2022.09.13.</a:t>
             </a:fld>
             <a:endParaRPr lang="hu-HU"/>
           </a:p>
@@ -3018,7 +3020,7 @@
           <a:p>
             <a:fld id="{8F5A1913-C1B8-42A7-81A1-2FE1D24E3BD3}" type="datetimeFigureOut">
               <a:rPr lang="hu-HU" smtClean="0"/>
-              <a:t>2022. 09. 12.</a:t>
+              <a:t>2022.09.13.</a:t>
             </a:fld>
             <a:endParaRPr lang="hu-HU"/>
           </a:p>
@@ -3305,7 +3307,7 @@
           <a:p>
             <a:fld id="{8F5A1913-C1B8-42A7-81A1-2FE1D24E3BD3}" type="datetimeFigureOut">
               <a:rPr lang="hu-HU" smtClean="0"/>
-              <a:t>2022. 09. 12.</a:t>
+              <a:t>2022.09.13.</a:t>
             </a:fld>
             <a:endParaRPr lang="hu-HU"/>
           </a:p>
@@ -3928,6 +3930,340 @@
 </p:sld>
 </file>
 
+<file path=ppt/slides/slide10.xml><?xml version="1.0" encoding="utf-8"?>
+<p:sld xmlns:a="http://schemas.openxmlformats.org/drawingml/2006/main" xmlns:r="http://schemas.openxmlformats.org/officeDocument/2006/relationships" xmlns:p="http://schemas.openxmlformats.org/presentationml/2006/main">
+  <p:cSld>
+    <p:spTree>
+      <p:nvGrpSpPr>
+        <p:cNvPr id="1" name=""/>
+        <p:cNvGrpSpPr/>
+        <p:nvPr/>
+      </p:nvGrpSpPr>
+      <p:grpSpPr>
+        <a:xfrm>
+          <a:off x="0" y="0"/>
+          <a:ext cx="0" cy="0"/>
+          <a:chOff x="0" y="0"/>
+          <a:chExt cx="0" cy="0"/>
+        </a:xfrm>
+      </p:grpSpPr>
+      <p:sp>
+        <p:nvSpPr>
+          <p:cNvPr id="2" name="Cím 1"/>
+          <p:cNvSpPr>
+            <a:spLocks noGrp="1"/>
+          </p:cNvSpPr>
+          <p:nvPr>
+            <p:ph type="title"/>
+          </p:nvPr>
+        </p:nvSpPr>
+        <p:spPr>
+          <a:xfrm>
+            <a:off x="3213100" y="2679700"/>
+            <a:ext cx="6134100" cy="723900"/>
+          </a:xfrm>
+        </p:spPr>
+        <p:txBody>
+          <a:bodyPr>
+            <a:noAutofit/>
+          </a:bodyPr>
+          <a:lstStyle/>
+          <a:p>
+            <a:r>
+              <a:rPr lang="hu-HU" dirty="0">
+                <a:latin typeface="Times New Roman" panose="02020603050405020304" pitchFamily="18" charset="0"/>
+                <a:cs typeface="Times New Roman" panose="02020603050405020304" pitchFamily="18" charset="0"/>
+              </a:rPr>
+              <a:t>Köszönöm a figyelmet! </a:t>
+            </a:r>
+          </a:p>
+        </p:txBody>
+      </p:sp>
+      <p:pic>
+        <p:nvPicPr>
+          <p:cNvPr id="3" name="Kép 2"/>
+          <p:cNvPicPr>
+            <a:picLocks noChangeAspect="1"/>
+          </p:cNvPicPr>
+          <p:nvPr/>
+        </p:nvPicPr>
+        <p:blipFill>
+          <a:blip r:embed="rId2"/>
+          <a:stretch>
+            <a:fillRect/>
+          </a:stretch>
+        </p:blipFill>
+        <p:spPr>
+          <a:xfrm>
+            <a:off x="973137" y="1612900"/>
+            <a:ext cx="10177463" cy="219075"/>
+          </a:xfrm>
+          <a:prstGeom prst="rect">
+            <a:avLst/>
+          </a:prstGeom>
+        </p:spPr>
+      </p:pic>
+    </p:spTree>
+    <p:extLst>
+      <p:ext uri="{BB962C8B-B14F-4D97-AF65-F5344CB8AC3E}">
+        <p14:creationId xmlns:p14="http://schemas.microsoft.com/office/powerpoint/2010/main" val="127159379"/>
+      </p:ext>
+    </p:extLst>
+  </p:cSld>
+  <p:clrMapOvr>
+    <a:masterClrMapping/>
+  </p:clrMapOvr>
+</p:sld>
+</file>
+
+<file path=ppt/slides/slide11.xml><?xml version="1.0" encoding="utf-8"?>
+<p:sld xmlns:a="http://schemas.openxmlformats.org/drawingml/2006/main" xmlns:r="http://schemas.openxmlformats.org/officeDocument/2006/relationships" xmlns:p="http://schemas.openxmlformats.org/presentationml/2006/main">
+  <p:cSld>
+    <p:spTree>
+      <p:nvGrpSpPr>
+        <p:cNvPr id="1" name=""/>
+        <p:cNvGrpSpPr/>
+        <p:nvPr/>
+      </p:nvGrpSpPr>
+      <p:grpSpPr>
+        <a:xfrm>
+          <a:off x="0" y="0"/>
+          <a:ext cx="0" cy="0"/>
+          <a:chOff x="0" y="0"/>
+          <a:chExt cx="0" cy="0"/>
+        </a:xfrm>
+      </p:grpSpPr>
+      <p:sp>
+        <p:nvSpPr>
+          <p:cNvPr id="2" name="Cím 1"/>
+          <p:cNvSpPr>
+            <a:spLocks noGrp="1"/>
+          </p:cNvSpPr>
+          <p:nvPr>
+            <p:ph type="title"/>
+          </p:nvPr>
+        </p:nvSpPr>
+        <p:spPr>
+          <a:xfrm>
+            <a:off x="1097280" y="286603"/>
+            <a:ext cx="3220720" cy="1465997"/>
+          </a:xfrm>
+        </p:spPr>
+        <p:txBody>
+          <a:bodyPr/>
+          <a:lstStyle/>
+          <a:p>
+            <a:r>
+              <a:rPr lang="hu-HU" dirty="0">
+                <a:latin typeface="Times New Roman" panose="02020603050405020304" pitchFamily="18" charset="0"/>
+                <a:cs typeface="Times New Roman" panose="02020603050405020304" pitchFamily="18" charset="0"/>
+              </a:rPr>
+              <a:t>Forrás</a:t>
+            </a:r>
+          </a:p>
+        </p:txBody>
+      </p:sp>
+      <p:sp>
+        <p:nvSpPr>
+          <p:cNvPr id="3" name="Tartalom helye 2"/>
+          <p:cNvSpPr>
+            <a:spLocks noGrp="1"/>
+          </p:cNvSpPr>
+          <p:nvPr>
+            <p:ph idx="1"/>
+          </p:nvPr>
+        </p:nvSpPr>
+        <p:spPr>
+          <a:xfrm>
+            <a:off x="1097280" y="1845734"/>
+            <a:ext cx="3627120" cy="2154766"/>
+          </a:xfrm>
+        </p:spPr>
+        <p:txBody>
+          <a:bodyPr/>
+          <a:lstStyle/>
+          <a:p>
+            <a:r>
+              <a:rPr lang="hu-HU" dirty="0">
+                <a:solidFill>
+                  <a:schemeClr val="tx1">
+                    <a:lumMod val="95000"/>
+                    <a:lumOff val="5000"/>
+                  </a:schemeClr>
+                </a:solidFill>
+                <a:hlinkClick r:id="rId2"/>
+              </a:rPr>
+              <a:t>https://tinyurl.com/c564n5k2</a:t>
+            </a:r>
+            <a:endParaRPr lang="hu-HU" dirty="0">
+              <a:solidFill>
+                <a:schemeClr val="tx1">
+                  <a:lumMod val="95000"/>
+                  <a:lumOff val="5000"/>
+                </a:schemeClr>
+              </a:solidFill>
+            </a:endParaRPr>
+          </a:p>
+          <a:p>
+            <a:r>
+              <a:rPr lang="hu-HU" dirty="0">
+                <a:solidFill>
+                  <a:schemeClr val="tx1">
+                    <a:lumMod val="95000"/>
+                    <a:lumOff val="5000"/>
+                  </a:schemeClr>
+                </a:solidFill>
+                <a:hlinkClick r:id="rId3"/>
+              </a:rPr>
+              <a:t>https://tinyurl.com/rjnvs4ff</a:t>
+            </a:r>
+            <a:r>
+              <a:rPr lang="hu-HU" dirty="0">
+                <a:solidFill>
+                  <a:schemeClr val="tx1">
+                    <a:lumMod val="95000"/>
+                    <a:lumOff val="5000"/>
+                  </a:schemeClr>
+                </a:solidFill>
+              </a:rPr>
+              <a:t> </a:t>
+            </a:r>
+          </a:p>
+          <a:p>
+            <a:r>
+              <a:rPr lang="hu-HU" dirty="0">
+                <a:solidFill>
+                  <a:schemeClr val="tx1">
+                    <a:lumMod val="95000"/>
+                    <a:lumOff val="5000"/>
+                  </a:schemeClr>
+                </a:solidFill>
+                <a:hlinkClick r:id="rId4"/>
+              </a:rPr>
+              <a:t>https://tinyurl.com/a6btrmyp</a:t>
+            </a:r>
+            <a:endParaRPr lang="hu-HU" dirty="0">
+              <a:solidFill>
+                <a:schemeClr val="tx1">
+                  <a:lumMod val="95000"/>
+                  <a:lumOff val="5000"/>
+                </a:schemeClr>
+              </a:solidFill>
+            </a:endParaRPr>
+          </a:p>
+          <a:p>
+            <a:r>
+              <a:rPr lang="hu-HU" dirty="0">
+                <a:solidFill>
+                  <a:schemeClr val="tx1">
+                    <a:lumMod val="95000"/>
+                    <a:lumOff val="5000"/>
+                  </a:schemeClr>
+                </a:solidFill>
+                <a:hlinkClick r:id="rId5"/>
+              </a:rPr>
+              <a:t>https://</a:t>
+            </a:r>
+            <a:r>
+              <a:rPr lang="hu-HU" dirty="0" smtClean="0">
+                <a:solidFill>
+                  <a:schemeClr val="tx1">
+                    <a:lumMod val="95000"/>
+                    <a:lumOff val="5000"/>
+                  </a:schemeClr>
+                </a:solidFill>
+                <a:hlinkClick r:id="rId5"/>
+              </a:rPr>
+              <a:t>tinyurl.com/bdhw4ykw</a:t>
+            </a:r>
+            <a:endParaRPr lang="hu-HU" dirty="0" smtClean="0">
+              <a:solidFill>
+                <a:schemeClr val="tx1">
+                  <a:lumMod val="95000"/>
+                  <a:lumOff val="5000"/>
+                </a:schemeClr>
+              </a:solidFill>
+            </a:endParaRPr>
+          </a:p>
+          <a:p>
+            <a:endParaRPr lang="hu-HU" dirty="0">
+              <a:solidFill>
+                <a:schemeClr val="tx1">
+                  <a:lumMod val="95000"/>
+                  <a:lumOff val="5000"/>
+                </a:schemeClr>
+              </a:solidFill>
+            </a:endParaRPr>
+          </a:p>
+          <a:p>
+            <a:endParaRPr lang="hu-HU" dirty="0" smtClean="0">
+              <a:solidFill>
+                <a:schemeClr val="tx1">
+                  <a:lumMod val="95000"/>
+                  <a:lumOff val="5000"/>
+                </a:schemeClr>
+              </a:solidFill>
+            </a:endParaRPr>
+          </a:p>
+          <a:p>
+            <a:endParaRPr lang="hu-HU" dirty="0">
+              <a:solidFill>
+                <a:schemeClr val="tx1">
+                  <a:lumMod val="95000"/>
+                  <a:lumOff val="5000"/>
+                </a:schemeClr>
+              </a:solidFill>
+            </a:endParaRPr>
+          </a:p>
+          <a:p>
+            <a:endParaRPr lang="hu-HU" dirty="0">
+              <a:solidFill>
+                <a:schemeClr val="tx1">
+                  <a:lumMod val="95000"/>
+                  <a:lumOff val="5000"/>
+                </a:schemeClr>
+              </a:solidFill>
+            </a:endParaRPr>
+          </a:p>
+        </p:txBody>
+      </p:sp>
+      <p:pic>
+        <p:nvPicPr>
+          <p:cNvPr id="4" name="Kép 3"/>
+          <p:cNvPicPr>
+            <a:picLocks noChangeAspect="1"/>
+          </p:cNvPicPr>
+          <p:nvPr/>
+        </p:nvPicPr>
+        <p:blipFill>
+          <a:blip r:embed="rId6"/>
+          <a:stretch>
+            <a:fillRect/>
+          </a:stretch>
+        </p:blipFill>
+        <p:spPr>
+          <a:xfrm>
+            <a:off x="1097280" y="1593689"/>
+            <a:ext cx="10193020" cy="252045"/>
+          </a:xfrm>
+          <a:prstGeom prst="rect">
+            <a:avLst/>
+          </a:prstGeom>
+        </p:spPr>
+      </p:pic>
+    </p:spTree>
+    <p:extLst>
+      <p:ext uri="{BB962C8B-B14F-4D97-AF65-F5344CB8AC3E}">
+        <p14:creationId xmlns:p14="http://schemas.microsoft.com/office/powerpoint/2010/main" val="4023112020"/>
+      </p:ext>
+    </p:extLst>
+  </p:cSld>
+  <p:clrMapOvr>
+    <a:masterClrMapping/>
+  </p:clrMapOvr>
+</p:sld>
+</file>
+
 <file path=ppt/slides/slide2.xml><?xml version="1.0" encoding="utf-8"?>
 <p:sld xmlns:a="http://schemas.openxmlformats.org/drawingml/2006/main" xmlns:r="http://schemas.openxmlformats.org/officeDocument/2006/relationships" xmlns:p="http://schemas.openxmlformats.org/presentationml/2006/main">
   <p:cSld>
@@ -3969,7 +4305,7 @@
         </p:blipFill>
         <p:spPr>
           <a:xfrm>
-            <a:off x="912685" y="1725726"/>
+            <a:off x="812800" y="1655254"/>
             <a:ext cx="10304463" cy="126107"/>
           </a:xfrm>
           <a:prstGeom prst="rect">
@@ -4064,7 +4400,7 @@
         </p:blipFill>
         <p:spPr bwMode="auto">
           <a:xfrm>
-            <a:off x="4648200" y="1074282"/>
+            <a:off x="4816642" y="1158503"/>
             <a:ext cx="6794500" cy="4246563"/>
           </a:xfrm>
           <a:prstGeom prst="rect">
@@ -4218,6 +4554,149 @@
           <a:bodyPr/>
           <a:lstStyle/>
           <a:p>
+            <a:r>
+              <a:rPr lang="hu-HU" sz="2400" dirty="0" smtClean="0">
+                <a:latin typeface="Times New Roman" panose="02020603050405020304" pitchFamily="18" charset="0"/>
+                <a:cs typeface="Times New Roman" panose="02020603050405020304" pitchFamily="18" charset="0"/>
+              </a:rPr>
+              <a:t> </a:t>
+            </a:r>
+            <a:r>
+              <a:rPr lang="hu-HU" sz="2400" dirty="0">
+                <a:latin typeface="Times New Roman" panose="02020603050405020304" pitchFamily="18" charset="0"/>
+                <a:cs typeface="Times New Roman" panose="02020603050405020304" pitchFamily="18" charset="0"/>
+              </a:rPr>
+              <a:t>operációs </a:t>
+            </a:r>
+            <a:r>
+              <a:rPr lang="hu-HU" sz="2400" dirty="0" smtClean="0">
+                <a:latin typeface="Times New Roman" panose="02020603050405020304" pitchFamily="18" charset="0"/>
+                <a:cs typeface="Times New Roman" panose="02020603050405020304" pitchFamily="18" charset="0"/>
+              </a:rPr>
+              <a:t>rendszerre</a:t>
+            </a:r>
+          </a:p>
+          <a:p>
+            <a:r>
+              <a:rPr lang="hu-HU" sz="2400" dirty="0">
+                <a:latin typeface="Times New Roman" panose="02020603050405020304" pitchFamily="18" charset="0"/>
+                <a:cs typeface="Times New Roman" panose="02020603050405020304" pitchFamily="18" charset="0"/>
+              </a:rPr>
+              <a:t/>
+            </a:r>
+            <a:br>
+              <a:rPr lang="hu-HU" sz="2400" dirty="0">
+                <a:latin typeface="Times New Roman" panose="02020603050405020304" pitchFamily="18" charset="0"/>
+                <a:cs typeface="Times New Roman" panose="02020603050405020304" pitchFamily="18" charset="0"/>
+              </a:rPr>
+            </a:br>
+            <a:r>
+              <a:rPr lang="hu-HU" sz="2400" dirty="0" smtClean="0">
+                <a:latin typeface="Times New Roman" panose="02020603050405020304" pitchFamily="18" charset="0"/>
+                <a:cs typeface="Times New Roman" panose="02020603050405020304" pitchFamily="18" charset="0"/>
+              </a:rPr>
+              <a:t> </a:t>
+            </a:r>
+            <a:r>
+              <a:rPr lang="hu-HU" sz="2400" dirty="0">
+                <a:latin typeface="Times New Roman" panose="02020603050405020304" pitchFamily="18" charset="0"/>
+                <a:cs typeface="Times New Roman" panose="02020603050405020304" pitchFamily="18" charset="0"/>
+              </a:rPr>
+              <a:t>hálózati </a:t>
+            </a:r>
+            <a:r>
+              <a:rPr lang="hu-HU" sz="2400" dirty="0" smtClean="0">
+                <a:latin typeface="Times New Roman" panose="02020603050405020304" pitchFamily="18" charset="0"/>
+                <a:cs typeface="Times New Roman" panose="02020603050405020304" pitchFamily="18" charset="0"/>
+              </a:rPr>
+              <a:t>kártyára</a:t>
+            </a:r>
+            <a:r>
+              <a:rPr lang="hu-HU" sz="2400" dirty="0">
+                <a:latin typeface="Times New Roman" panose="02020603050405020304" pitchFamily="18" charset="0"/>
+                <a:cs typeface="Times New Roman" panose="02020603050405020304" pitchFamily="18" charset="0"/>
+              </a:rPr>
+              <a:t/>
+            </a:r>
+            <a:br>
+              <a:rPr lang="hu-HU" sz="2400" dirty="0">
+                <a:latin typeface="Times New Roman" panose="02020603050405020304" pitchFamily="18" charset="0"/>
+                <a:cs typeface="Times New Roman" panose="02020603050405020304" pitchFamily="18" charset="0"/>
+              </a:rPr>
+            </a:br>
+            <a:endParaRPr lang="hu-HU" sz="2400" dirty="0" smtClean="0">
+              <a:latin typeface="Times New Roman" panose="02020603050405020304" pitchFamily="18" charset="0"/>
+              <a:cs typeface="Times New Roman" panose="02020603050405020304" pitchFamily="18" charset="0"/>
+            </a:endParaRPr>
+          </a:p>
+          <a:p>
+            <a:r>
+              <a:rPr lang="hu-HU" sz="2400" dirty="0" smtClean="0">
+                <a:latin typeface="Times New Roman" panose="02020603050405020304" pitchFamily="18" charset="0"/>
+                <a:cs typeface="Times New Roman" panose="02020603050405020304" pitchFamily="18" charset="0"/>
+              </a:rPr>
+              <a:t> </a:t>
+            </a:r>
+            <a:r>
+              <a:rPr lang="hu-HU" sz="2400" dirty="0">
+                <a:latin typeface="Times New Roman" panose="02020603050405020304" pitchFamily="18" charset="0"/>
+                <a:cs typeface="Times New Roman" panose="02020603050405020304" pitchFamily="18" charset="0"/>
+              </a:rPr>
+              <a:t>átviteli </a:t>
+            </a:r>
+            <a:r>
+              <a:rPr lang="hu-HU" sz="2400" dirty="0" smtClean="0">
+                <a:latin typeface="Times New Roman" panose="02020603050405020304" pitchFamily="18" charset="0"/>
+                <a:cs typeface="Times New Roman" panose="02020603050405020304" pitchFamily="18" charset="0"/>
+              </a:rPr>
+              <a:t>közegre</a:t>
+            </a:r>
+            <a:r>
+              <a:rPr lang="hu-HU" sz="2400" dirty="0">
+                <a:latin typeface="Times New Roman" panose="02020603050405020304" pitchFamily="18" charset="0"/>
+                <a:cs typeface="Times New Roman" panose="02020603050405020304" pitchFamily="18" charset="0"/>
+              </a:rPr>
+              <a:t/>
+            </a:r>
+            <a:br>
+              <a:rPr lang="hu-HU" sz="2400" dirty="0">
+                <a:latin typeface="Times New Roman" panose="02020603050405020304" pitchFamily="18" charset="0"/>
+                <a:cs typeface="Times New Roman" panose="02020603050405020304" pitchFamily="18" charset="0"/>
+              </a:rPr>
+            </a:br>
+            <a:endParaRPr lang="hu-HU" sz="2400" dirty="0" smtClean="0">
+              <a:latin typeface="Times New Roman" panose="02020603050405020304" pitchFamily="18" charset="0"/>
+              <a:cs typeface="Times New Roman" panose="02020603050405020304" pitchFamily="18" charset="0"/>
+            </a:endParaRPr>
+          </a:p>
+          <a:p>
+            <a:r>
+              <a:rPr lang="hu-HU" sz="2400" dirty="0" smtClean="0">
+                <a:latin typeface="Times New Roman" panose="02020603050405020304" pitchFamily="18" charset="0"/>
+                <a:cs typeface="Times New Roman" panose="02020603050405020304" pitchFamily="18" charset="0"/>
+              </a:rPr>
+              <a:t> </a:t>
+            </a:r>
+            <a:r>
+              <a:rPr lang="hu-HU" sz="2400" dirty="0">
+                <a:latin typeface="Times New Roman" panose="02020603050405020304" pitchFamily="18" charset="0"/>
+                <a:cs typeface="Times New Roman" panose="02020603050405020304" pitchFamily="18" charset="0"/>
+              </a:rPr>
+              <a:t>kapcsoló </a:t>
+            </a:r>
+            <a:r>
+              <a:rPr lang="hu-HU" sz="2400" dirty="0" smtClean="0">
+                <a:latin typeface="Times New Roman" panose="02020603050405020304" pitchFamily="18" charset="0"/>
+                <a:cs typeface="Times New Roman" panose="02020603050405020304" pitchFamily="18" charset="0"/>
+              </a:rPr>
+              <a:t>elemekre</a:t>
+            </a:r>
+            <a:endParaRPr lang="hu-HU" sz="2400" dirty="0">
+              <a:latin typeface="Times New Roman" panose="02020603050405020304" pitchFamily="18" charset="0"/>
+              <a:cs typeface="Times New Roman" panose="02020603050405020304" pitchFamily="18" charset="0"/>
+            </a:endParaRPr>
+          </a:p>
+          <a:p>
             <a:endParaRPr lang="hu-HU" dirty="0"/>
           </a:p>
         </p:txBody>
@@ -4230,8 +4709,8 @@
         </p:nvSpPr>
         <p:spPr>
           <a:xfrm>
-            <a:off x="10701020" y="5948562"/>
-            <a:ext cx="1374094" cy="215444"/>
+            <a:off x="6715558" y="5626522"/>
+            <a:ext cx="1399742" cy="215444"/>
           </a:xfrm>
           <a:prstGeom prst="rect">
             <a:avLst/>
@@ -4246,43 +4725,53 @@
           <a:p>
             <a:r>
               <a:rPr lang="hu-HU" sz="800" dirty="0"/>
-              <a:t>https://tinyurl.com/46hfejf3</a:t>
-            </a:r>
-          </a:p>
-        </p:txBody>
-      </p:sp>
-      <p:sp>
-        <p:nvSpPr>
-          <p:cNvPr id="5" name="Szövegdoboz 4">
+              <a:t>https://tinyurl.com/5n7yzr2c</a:t>
+            </a:r>
+            <a:endParaRPr lang="hu-HU" sz="800" dirty="0"/>
+          </a:p>
+        </p:txBody>
+      </p:sp>
+      <p:pic>
+        <p:nvPicPr>
+          <p:cNvPr id="3074" name="Picture 2" descr="Hálózat | Hálózati kártya | mysoft.hu"/>
+          <p:cNvPicPr>
+            <a:picLocks noChangeAspect="1" noChangeArrowheads="1"/>
+          </p:cNvPicPr>
+          <p:nvPr/>
+        </p:nvPicPr>
+        <p:blipFill>
+          <a:blip r:embed="rId3">
             <a:extLst>
-              <a:ext uri="{FF2B5EF4-FFF2-40B4-BE49-F238E27FC236}">
-                <a16:creationId xmlns:a16="http://schemas.microsoft.com/office/drawing/2014/main" id="{CD342C70-B76E-CB0D-92F5-6744000A1342}"/>
+              <a:ext uri="{28A0092B-C50C-407E-A947-70E740481C1C}">
+                <a14:useLocalDpi xmlns:a14="http://schemas.microsoft.com/office/drawing/2010/main" val="0"/>
               </a:ext>
             </a:extLst>
-          </p:cNvPr>
-          <p:cNvSpPr txBox="1"/>
-          <p:nvPr/>
-        </p:nvSpPr>
-        <p:spPr>
-          <a:xfrm>
-            <a:off x="1308683" y="1912690"/>
-            <a:ext cx="9392337" cy="4178738"/>
+          </a:blip>
+          <a:srcRect/>
+          <a:stretch>
+            <a:fillRect/>
+          </a:stretch>
+        </p:blipFill>
+        <p:spPr bwMode="auto">
+          <a:xfrm>
+            <a:off x="5257800" y="1464825"/>
+            <a:ext cx="4168107" cy="4168107"/>
           </a:xfrm>
           <a:prstGeom prst="rect">
             <a:avLst/>
           </a:prstGeom>
           <a:noFill/>
-        </p:spPr>
-        <p:txBody>
-          <a:bodyPr wrap="square" rtlCol="0">
-            <a:spAutoFit/>
-          </a:bodyPr>
-          <a:lstStyle/>
-          <a:p>
-            <a:endParaRPr lang="hu-HU" dirty="0"/>
-          </a:p>
-        </p:txBody>
-      </p:sp>
+          <a:extLst>
+            <a:ext uri="{909E8E84-426E-40DD-AFC4-6F175D3DCCD1}">
+              <a14:hiddenFill xmlns:a14="http://schemas.microsoft.com/office/drawing/2010/main">
+                <a:solidFill>
+                  <a:srgbClr val="FFFFFF"/>
+                </a:solidFill>
+              </a14:hiddenFill>
+            </a:ext>
+          </a:extLst>
+        </p:spPr>
+      </p:pic>
     </p:spTree>
     <p:extLst>
       <p:ext uri="{BB962C8B-B14F-4D97-AF65-F5344CB8AC3E}">
@@ -4547,7 +5036,7 @@
         </p:blipFill>
         <p:spPr>
           <a:xfrm>
-            <a:off x="1097280" y="1637295"/>
+            <a:off x="988996" y="1637295"/>
             <a:ext cx="10101263" cy="314961"/>
           </a:xfrm>
           <a:prstGeom prst="rect">
@@ -4610,12 +5099,16 @@
           <a:lstStyle/>
           <a:p>
             <a:r>
-              <a:rPr lang="hu-HU" sz="2400" dirty="0">
+              <a:rPr lang="hu-HU" sz="2400" dirty="0" smtClean="0">
                 <a:latin typeface="Times New Roman" panose="02020603050405020304" pitchFamily="18" charset="0"/>
                 <a:cs typeface="Times New Roman" panose="02020603050405020304" pitchFamily="18" charset="0"/>
               </a:rPr>
               <a:t>PAN</a:t>
             </a:r>
+            <a:endParaRPr lang="hu-HU" sz="2400" dirty="0">
+              <a:latin typeface="Times New Roman" panose="02020603050405020304" pitchFamily="18" charset="0"/>
+              <a:cs typeface="Times New Roman" panose="02020603050405020304" pitchFamily="18" charset="0"/>
+            </a:endParaRPr>
           </a:p>
           <a:p>
             <a:r>
@@ -4675,7 +5168,7 @@
         </p:blipFill>
         <p:spPr bwMode="auto">
           <a:xfrm>
-            <a:off x="5381952" y="1193800"/>
+            <a:off x="5953729" y="1036317"/>
             <a:ext cx="5667048" cy="4161739"/>
           </a:xfrm>
           <a:prstGeom prst="rect">
@@ -4776,9 +5269,145 @@
           <a:chExt cx="0" cy="0"/>
         </a:xfrm>
       </p:grpSpPr>
+      <p:sp>
+        <p:nvSpPr>
+          <p:cNvPr id="2" name="Cím 1"/>
+          <p:cNvSpPr>
+            <a:spLocks noGrp="1"/>
+          </p:cNvSpPr>
+          <p:nvPr>
+            <p:ph type="title"/>
+          </p:nvPr>
+        </p:nvSpPr>
+        <p:spPr>
+          <a:xfrm>
+            <a:off x="3116179" y="186538"/>
+            <a:ext cx="5440680" cy="1450757"/>
+          </a:xfrm>
+        </p:spPr>
+        <p:txBody>
+          <a:bodyPr>
+            <a:normAutofit/>
+          </a:bodyPr>
+          <a:lstStyle/>
+          <a:p>
+            <a:r>
+              <a:rPr lang="hu-HU" sz="4300" dirty="0" smtClean="0">
+                <a:latin typeface="Times New Roman" panose="02020603050405020304" pitchFamily="18" charset="0"/>
+                <a:cs typeface="Times New Roman" panose="02020603050405020304" pitchFamily="18" charset="0"/>
+              </a:rPr>
+              <a:t>Hálózati modellek</a:t>
+            </a:r>
+            <a:endParaRPr lang="hu-HU" sz="4300" dirty="0">
+              <a:latin typeface="Times New Roman" panose="02020603050405020304" pitchFamily="18" charset="0"/>
+              <a:cs typeface="Times New Roman" panose="02020603050405020304" pitchFamily="18" charset="0"/>
+            </a:endParaRPr>
+          </a:p>
+        </p:txBody>
+      </p:sp>
+      <p:sp>
+        <p:nvSpPr>
+          <p:cNvPr id="3" name="Tartalom helye 2"/>
+          <p:cNvSpPr>
+            <a:spLocks noGrp="1"/>
+          </p:cNvSpPr>
+          <p:nvPr>
+            <p:ph idx="1"/>
+          </p:nvPr>
+        </p:nvSpPr>
+        <p:spPr>
+          <a:xfrm>
+            <a:off x="923575" y="1952256"/>
+            <a:ext cx="3342373" cy="3592540"/>
+          </a:xfrm>
+        </p:spPr>
+        <p:txBody>
+          <a:bodyPr>
+            <a:normAutofit/>
+          </a:bodyPr>
+          <a:lstStyle/>
+          <a:p>
+            <a:endParaRPr lang="hu-HU" sz="2400" dirty="0" smtClean="0">
+              <a:latin typeface="Times New Roman" panose="02020603050405020304" pitchFamily="18" charset="0"/>
+              <a:cs typeface="Times New Roman" panose="02020603050405020304" pitchFamily="18" charset="0"/>
+            </a:endParaRPr>
+          </a:p>
+          <a:p>
+            <a:r>
+              <a:rPr lang="hu-HU" sz="2400" dirty="0" smtClean="0">
+                <a:latin typeface="Times New Roman" panose="02020603050405020304" pitchFamily="18" charset="0"/>
+                <a:cs typeface="Times New Roman" panose="02020603050405020304" pitchFamily="18" charset="0"/>
+              </a:rPr>
+              <a:t>Kliens Server Modell</a:t>
+            </a:r>
+          </a:p>
+          <a:p>
+            <a:endParaRPr lang="hu-HU" sz="2400" dirty="0">
+              <a:latin typeface="Times New Roman" panose="02020603050405020304" pitchFamily="18" charset="0"/>
+              <a:cs typeface="Times New Roman" panose="02020603050405020304" pitchFamily="18" charset="0"/>
+            </a:endParaRPr>
+          </a:p>
+          <a:p>
+            <a:r>
+              <a:rPr lang="hu-HU" sz="2400" dirty="0" err="1" smtClean="0">
+                <a:latin typeface="Times New Roman" panose="02020603050405020304" pitchFamily="18" charset="0"/>
+                <a:cs typeface="Times New Roman" panose="02020603050405020304" pitchFamily="18" charset="0"/>
+              </a:rPr>
+              <a:t>Host</a:t>
+            </a:r>
+            <a:r>
+              <a:rPr lang="hu-HU" sz="2400" dirty="0" smtClean="0">
+                <a:latin typeface="Times New Roman" panose="02020603050405020304" pitchFamily="18" charset="0"/>
+                <a:cs typeface="Times New Roman" panose="02020603050405020304" pitchFamily="18" charset="0"/>
+              </a:rPr>
+              <a:t> Terminal Modell</a:t>
+            </a:r>
+          </a:p>
+          <a:p>
+            <a:endParaRPr lang="hu-HU" sz="2400" dirty="0">
+              <a:latin typeface="Times New Roman" panose="02020603050405020304" pitchFamily="18" charset="0"/>
+              <a:cs typeface="Times New Roman" panose="02020603050405020304" pitchFamily="18" charset="0"/>
+            </a:endParaRPr>
+          </a:p>
+          <a:p>
+            <a:r>
+              <a:rPr lang="hu-HU" sz="2400" dirty="0" smtClean="0">
+                <a:latin typeface="Times New Roman" panose="02020603050405020304" pitchFamily="18" charset="0"/>
+                <a:cs typeface="Times New Roman" panose="02020603050405020304" pitchFamily="18" charset="0"/>
+              </a:rPr>
+              <a:t>Peer </a:t>
+            </a:r>
+            <a:r>
+              <a:rPr lang="hu-HU" sz="2400" dirty="0" err="1">
+                <a:latin typeface="Times New Roman" panose="02020603050405020304" pitchFamily="18" charset="0"/>
+                <a:cs typeface="Times New Roman" panose="02020603050405020304" pitchFamily="18" charset="0"/>
+              </a:rPr>
+              <a:t>t</a:t>
+            </a:r>
+            <a:r>
+              <a:rPr lang="hu-HU" sz="2400" dirty="0" err="1" smtClean="0">
+                <a:latin typeface="Times New Roman" panose="02020603050405020304" pitchFamily="18" charset="0"/>
+                <a:cs typeface="Times New Roman" panose="02020603050405020304" pitchFamily="18" charset="0"/>
+              </a:rPr>
+              <a:t>o</a:t>
+            </a:r>
+            <a:r>
+              <a:rPr lang="hu-HU" sz="2400" dirty="0" smtClean="0">
+                <a:latin typeface="Times New Roman" panose="02020603050405020304" pitchFamily="18" charset="0"/>
+                <a:cs typeface="Times New Roman" panose="02020603050405020304" pitchFamily="18" charset="0"/>
+              </a:rPr>
+              <a:t> Peer Modell</a:t>
+            </a:r>
+            <a:endParaRPr lang="hu-HU" sz="2400" dirty="0">
+              <a:latin typeface="Times New Roman" panose="02020603050405020304" pitchFamily="18" charset="0"/>
+              <a:cs typeface="Times New Roman" panose="02020603050405020304" pitchFamily="18" charset="0"/>
+            </a:endParaRPr>
+          </a:p>
+        </p:txBody>
+      </p:sp>
       <p:pic>
         <p:nvPicPr>
-          <p:cNvPr id="5" name="Kép 4"/>
+          <p:cNvPr id="4" name="Kép 3"/>
           <p:cNvPicPr>
             <a:picLocks noChangeAspect="1"/>
           </p:cNvPicPr>
@@ -4792,7 +5421,7 @@
         </p:blipFill>
         <p:spPr>
           <a:xfrm>
-            <a:off x="1045368" y="1557432"/>
+            <a:off x="988996" y="1637295"/>
             <a:ext cx="10101263" cy="314961"/>
           </a:xfrm>
           <a:prstGeom prst="rect">
@@ -4800,122 +5429,16 @@
           </a:prstGeom>
         </p:spPr>
       </p:pic>
-      <p:sp>
-        <p:nvSpPr>
-          <p:cNvPr id="2" name="Cím 1"/>
-          <p:cNvSpPr>
-            <a:spLocks noGrp="1"/>
-          </p:cNvSpPr>
-          <p:nvPr>
-            <p:ph type="title"/>
-          </p:nvPr>
-        </p:nvSpPr>
-        <p:spPr>
-          <a:xfrm>
-            <a:off x="460756" y="419100"/>
-            <a:ext cx="5050028" cy="715587"/>
-          </a:xfrm>
-        </p:spPr>
-        <p:txBody>
-          <a:bodyPr>
-            <a:noAutofit/>
-          </a:bodyPr>
-          <a:lstStyle/>
-          <a:p>
-            <a:r>
-              <a:rPr lang="hu-HU" sz="4300" dirty="0">
-                <a:latin typeface="Times New Roman" panose="02020603050405020304" pitchFamily="18" charset="0"/>
-                <a:cs typeface="Times New Roman" panose="02020603050405020304" pitchFamily="18" charset="0"/>
-              </a:rPr>
-              <a:t>Hálózatok topológiája</a:t>
-            </a:r>
-          </a:p>
-        </p:txBody>
-      </p:sp>
-      <p:sp>
-        <p:nvSpPr>
-          <p:cNvPr id="3" name="Tartalom helye 2"/>
-          <p:cNvSpPr>
-            <a:spLocks noGrp="1"/>
-          </p:cNvSpPr>
-          <p:nvPr>
-            <p:ph idx="1"/>
-          </p:nvPr>
-        </p:nvSpPr>
-        <p:spPr>
-          <a:xfrm>
-            <a:off x="614680" y="1968500"/>
-            <a:ext cx="2192020" cy="3733800"/>
-          </a:xfrm>
-        </p:spPr>
-        <p:txBody>
-          <a:bodyPr>
-            <a:normAutofit/>
-          </a:bodyPr>
-          <a:lstStyle/>
-          <a:p>
-            <a:r>
-              <a:rPr lang="hu-HU" sz="2400" dirty="0">
-                <a:latin typeface="Times New Roman" panose="02020603050405020304" pitchFamily="18" charset="0"/>
-                <a:cs typeface="Times New Roman" panose="02020603050405020304" pitchFamily="18" charset="0"/>
-              </a:rPr>
-              <a:t>Sín topológia</a:t>
-            </a:r>
-          </a:p>
-          <a:p>
-            <a:endParaRPr lang="hu-HU" sz="2400" dirty="0">
-              <a:latin typeface="Times New Roman" panose="02020603050405020304" pitchFamily="18" charset="0"/>
-              <a:cs typeface="Times New Roman" panose="02020603050405020304" pitchFamily="18" charset="0"/>
-            </a:endParaRPr>
-          </a:p>
-          <a:p>
-            <a:endParaRPr lang="hu-HU" sz="2400" dirty="0">
-              <a:latin typeface="Times New Roman" panose="02020603050405020304" pitchFamily="18" charset="0"/>
-              <a:cs typeface="Times New Roman" panose="02020603050405020304" pitchFamily="18" charset="0"/>
-            </a:endParaRPr>
-          </a:p>
-          <a:p>
-            <a:r>
-              <a:rPr lang="hu-HU" sz="2400" dirty="0">
-                <a:latin typeface="Times New Roman" panose="02020603050405020304" pitchFamily="18" charset="0"/>
-                <a:cs typeface="Times New Roman" panose="02020603050405020304" pitchFamily="18" charset="0"/>
-              </a:rPr>
-              <a:t>Csillag topológia</a:t>
-            </a:r>
-          </a:p>
-          <a:p>
-            <a:endParaRPr lang="hu-HU" sz="2400" dirty="0">
-              <a:latin typeface="Times New Roman" panose="02020603050405020304" pitchFamily="18" charset="0"/>
-              <a:cs typeface="Times New Roman" panose="02020603050405020304" pitchFamily="18" charset="0"/>
-            </a:endParaRPr>
-          </a:p>
-          <a:p>
-            <a:endParaRPr lang="hu-HU" sz="2400" dirty="0">
-              <a:latin typeface="Times New Roman" panose="02020603050405020304" pitchFamily="18" charset="0"/>
-              <a:cs typeface="Times New Roman" panose="02020603050405020304" pitchFamily="18" charset="0"/>
-            </a:endParaRPr>
-          </a:p>
-          <a:p>
-            <a:r>
-              <a:rPr lang="hu-HU" sz="2400" dirty="0">
-                <a:latin typeface="Times New Roman" panose="02020603050405020304" pitchFamily="18" charset="0"/>
-                <a:cs typeface="Times New Roman" panose="02020603050405020304" pitchFamily="18" charset="0"/>
-              </a:rPr>
-              <a:t>Gyűrű topológia</a:t>
-            </a:r>
-          </a:p>
-        </p:txBody>
-      </p:sp>
       <p:pic>
         <p:nvPicPr>
-          <p:cNvPr id="2050" name="Picture 2" descr="http://www.agr.unideb.hu/~agocs/informatics/05_h_ecdl/ECDLweb/ecdlweb.uw.hu/m1lan1.gif"/>
+          <p:cNvPr id="2050" name="Picture 2" descr="Peer-to-peer - Wikipedia"/>
           <p:cNvPicPr>
             <a:picLocks noChangeAspect="1" noChangeArrowheads="1"/>
           </p:cNvPicPr>
           <p:nvPr/>
         </p:nvPicPr>
         <p:blipFill>
-          <a:blip r:embed="rId3">
+          <a:blip r:embed="rId3" cstate="print">
             <a:extLst>
               <a:ext uri="{28A0092B-C50C-407E-A947-70E740481C1C}">
                 <a14:useLocalDpi xmlns:a14="http://schemas.microsoft.com/office/drawing/2010/main" val="0"/>
@@ -4929,8 +5452,8 @@
         </p:blipFill>
         <p:spPr bwMode="auto">
           <a:xfrm>
-            <a:off x="3317557" y="1313723"/>
-            <a:ext cx="4255132" cy="1328193"/>
+            <a:off x="5708824" y="1952256"/>
+            <a:ext cx="3938558" cy="3429828"/>
           </a:xfrm>
           <a:prstGeom prst="rect">
             <a:avLst/>
@@ -4947,132 +5470,21 @@
           </a:extLst>
         </p:spPr>
       </p:pic>
-      <p:pic>
-        <p:nvPicPr>
-          <p:cNvPr id="2052" name="Picture 4" descr="http://www.agr.unideb.hu/~agocs/informatics/05_h_ecdl/ECDLweb/ecdlweb.uw.hu/m1lan2.gif"/>
-          <p:cNvPicPr>
-            <a:picLocks noChangeAspect="1" noChangeArrowheads="1"/>
-          </p:cNvPicPr>
+      <p:sp>
+        <p:nvSpPr>
+          <p:cNvPr id="5" name="Szövegdoboz 4"/>
+          <p:cNvSpPr txBox="1"/>
           <p:nvPr/>
-        </p:nvPicPr>
-        <p:blipFill>
-          <a:blip r:embed="rId4">
-            <a:extLst>
-              <a:ext uri="{28A0092B-C50C-407E-A947-70E740481C1C}">
-                <a14:useLocalDpi xmlns:a14="http://schemas.microsoft.com/office/drawing/2010/main" val="0"/>
-              </a:ext>
-            </a:extLst>
-          </a:blip>
-          <a:srcRect/>
-          <a:stretch>
-            <a:fillRect/>
-          </a:stretch>
-        </p:blipFill>
-        <p:spPr bwMode="auto">
-          <a:xfrm>
-            <a:off x="7912100" y="2147536"/>
-            <a:ext cx="3520119" cy="2569430"/>
+        </p:nvSpPr>
+        <p:spPr>
+          <a:xfrm>
+            <a:off x="9962148" y="4090737"/>
+            <a:ext cx="1433406" cy="215444"/>
           </a:xfrm>
           <a:prstGeom prst="rect">
             <a:avLst/>
           </a:prstGeom>
           <a:noFill/>
-          <a:extLst>
-            <a:ext uri="{909E8E84-426E-40DD-AFC4-6F175D3DCCD1}">
-              <a14:hiddenFill xmlns:a14="http://schemas.microsoft.com/office/drawing/2010/main">
-                <a:solidFill>
-                  <a:srgbClr val="FFFFFF"/>
-                </a:solidFill>
-              </a14:hiddenFill>
-            </a:ext>
-          </a:extLst>
-        </p:spPr>
-      </p:pic>
-      <p:pic>
-        <p:nvPicPr>
-          <p:cNvPr id="2054" name="Picture 6" descr="http://www.agr.unideb.hu/~agocs/informatics/05_h_ecdl/ECDLweb/ecdlweb.uw.hu/m1lan3.gif"/>
-          <p:cNvPicPr>
-            <a:picLocks noChangeAspect="1" noChangeArrowheads="1"/>
-          </p:cNvPicPr>
-          <p:nvPr/>
-        </p:nvPicPr>
-        <p:blipFill>
-          <a:blip r:embed="rId5">
-            <a:extLst>
-              <a:ext uri="{28A0092B-C50C-407E-A947-70E740481C1C}">
-                <a14:useLocalDpi xmlns:a14="http://schemas.microsoft.com/office/drawing/2010/main" val="0"/>
-              </a:ext>
-            </a:extLst>
-          </a:blip>
-          <a:srcRect/>
-          <a:stretch>
-            <a:fillRect/>
-          </a:stretch>
-        </p:blipFill>
-        <p:spPr bwMode="auto">
-          <a:xfrm>
-            <a:off x="3587749" y="4134026"/>
-            <a:ext cx="3714747" cy="2012773"/>
-          </a:xfrm>
-          <a:prstGeom prst="rect">
-            <a:avLst/>
-          </a:prstGeom>
-          <a:noFill/>
-          <a:extLst>
-            <a:ext uri="{909E8E84-426E-40DD-AFC4-6F175D3DCCD1}">
-              <a14:hiddenFill xmlns:a14="http://schemas.microsoft.com/office/drawing/2010/main">
-                <a:solidFill>
-                  <a:srgbClr val="FFFFFF"/>
-                </a:solidFill>
-              </a14:hiddenFill>
-            </a:ext>
-          </a:extLst>
-        </p:spPr>
-      </p:pic>
-      <p:sp>
-        <p:nvSpPr>
-          <p:cNvPr id="4" name="Szövegdoboz 3"/>
-          <p:cNvSpPr txBox="1"/>
-          <p:nvPr/>
-        </p:nvSpPr>
-        <p:spPr>
-          <a:xfrm>
-            <a:off x="6197600" y="975816"/>
-            <a:ext cx="1714500" cy="215444"/>
-          </a:xfrm>
-          <a:prstGeom prst="rect">
-            <a:avLst/>
-          </a:prstGeom>
-          <a:noFill/>
-        </p:spPr>
-        <p:txBody>
-          <a:bodyPr wrap="square" rtlCol="0">
-            <a:spAutoFit/>
-          </a:bodyPr>
-          <a:lstStyle/>
-          <a:p>
-            <a:r>
-              <a:rPr lang="hu-HU" sz="800" dirty="0"/>
-              <a:t>https://tinyurl.com/zjsaskd8</a:t>
-            </a:r>
-          </a:p>
-        </p:txBody>
-      </p:sp>
-      <p:sp>
-        <p:nvSpPr>
-          <p:cNvPr id="6" name="Szövegdoboz 5"/>
-          <p:cNvSpPr txBox="1"/>
-          <p:nvPr/>
-        </p:nvSpPr>
-        <p:spPr>
-          <a:xfrm>
-            <a:off x="10026065" y="4909180"/>
-            <a:ext cx="1406154" cy="215444"/>
-          </a:xfrm>
-          <a:prstGeom prst="rect">
-            <a:avLst/>
-          </a:prstGeom>
-          <a:noFill/>
         </p:spPr>
         <p:txBody>
           <a:bodyPr wrap="none" rtlCol="0">
@@ -5082,36 +5494,7 @@
           <a:p>
             <a:r>
               <a:rPr lang="hu-HU" sz="800" dirty="0"/>
-              <a:t>https://tinyurl.com/h4rvkdyx</a:t>
-            </a:r>
-          </a:p>
-        </p:txBody>
-      </p:sp>
-      <p:sp>
-        <p:nvSpPr>
-          <p:cNvPr id="7" name="Szövegdoboz 6"/>
-          <p:cNvSpPr txBox="1"/>
-          <p:nvPr/>
-        </p:nvSpPr>
-        <p:spPr>
-          <a:xfrm>
-            <a:off x="7572689" y="5931355"/>
-            <a:ext cx="1407758" cy="215444"/>
-          </a:xfrm>
-          <a:prstGeom prst="rect">
-            <a:avLst/>
-          </a:prstGeom>
-          <a:noFill/>
-        </p:spPr>
-        <p:txBody>
-          <a:bodyPr wrap="none" rtlCol="0">
-            <a:spAutoFit/>
-          </a:bodyPr>
-          <a:lstStyle/>
-          <a:p>
-            <a:r>
-              <a:rPr lang="hu-HU" sz="800" dirty="0"/>
-              <a:t>https://tinyurl.com/2384yk7f</a:t>
+              <a:t>https://tinyurl.com/hea44ch5</a:t>
             </a:r>
           </a:p>
         </p:txBody>
@@ -5119,7 +5502,7 @@
     </p:spTree>
     <p:extLst>
       <p:ext uri="{BB962C8B-B14F-4D97-AF65-F5344CB8AC3E}">
-        <p14:creationId xmlns:p14="http://schemas.microsoft.com/office/powerpoint/2010/main" val="3838305485"/>
+        <p14:creationId xmlns:p14="http://schemas.microsoft.com/office/powerpoint/2010/main" val="1350070956"/>
       </p:ext>
     </p:extLst>
   </p:cSld>
@@ -5162,8 +5545,8 @@
         </p:blipFill>
         <p:spPr>
           <a:xfrm>
-            <a:off x="1182686" y="1578889"/>
-            <a:ext cx="10164763" cy="316941"/>
+            <a:off x="1033336" y="1521337"/>
+            <a:ext cx="10101263" cy="314961"/>
           </a:xfrm>
           <a:prstGeom prst="rect">
             <a:avLst/>
@@ -5182,13 +5565,13 @@
         </p:nvSpPr>
         <p:spPr>
           <a:xfrm>
-            <a:off x="1182686" y="709585"/>
-            <a:ext cx="4839716" cy="709433"/>
+            <a:off x="460756" y="419100"/>
+            <a:ext cx="5050028" cy="715587"/>
           </a:xfrm>
         </p:spPr>
         <p:txBody>
           <a:bodyPr>
-            <a:normAutofit/>
+            <a:noAutofit/>
           </a:bodyPr>
           <a:lstStyle/>
           <a:p>
@@ -5197,7 +5580,7 @@
                 <a:latin typeface="Times New Roman" panose="02020603050405020304" pitchFamily="18" charset="0"/>
                 <a:cs typeface="Times New Roman" panose="02020603050405020304" pitchFamily="18" charset="0"/>
               </a:rPr>
-              <a:t>Adatátviteli közegek</a:t>
+              <a:t>Hálózatok topológiája</a:t>
             </a:r>
           </a:p>
         </p:txBody>
@@ -5214,8 +5597,8 @@
         </p:nvSpPr>
         <p:spPr>
           <a:xfrm>
-            <a:off x="825500" y="2093136"/>
-            <a:ext cx="2959100" cy="3673475"/>
+            <a:off x="614680" y="1968500"/>
+            <a:ext cx="2192020" cy="3733800"/>
           </a:xfrm>
         </p:spPr>
         <p:txBody>
@@ -5223,26 +5606,26 @@
             <a:normAutofit/>
           </a:bodyPr>
           <a:lstStyle/>
-          <a:p>
-            <a:pPr marL="0" indent="0">
-              <a:buNone/>
-            </a:pPr>
-            <a:r>
-              <a:rPr lang="hu-HU" sz="2400" b="1" dirty="0">
-                <a:latin typeface="Times New Roman" panose="02020603050405020304" pitchFamily="18" charset="0"/>
-                <a:cs typeface="Times New Roman" panose="02020603050405020304" pitchFamily="18" charset="0"/>
-              </a:rPr>
-              <a:t>Vezetékes:</a:t>
-            </a:r>
-          </a:p>
           <a:p>
             <a:r>
               <a:rPr lang="hu-HU" sz="2400" dirty="0">
                 <a:latin typeface="Times New Roman" panose="02020603050405020304" pitchFamily="18" charset="0"/>
                 <a:cs typeface="Times New Roman" panose="02020603050405020304" pitchFamily="18" charset="0"/>
               </a:rPr>
-              <a:t>Koaxiális kábel</a:t>
-            </a:r>
+              <a:t>Sín topológia</a:t>
+            </a:r>
+          </a:p>
+          <a:p>
+            <a:endParaRPr lang="hu-HU" sz="2400" dirty="0">
+              <a:latin typeface="Times New Roman" panose="02020603050405020304" pitchFamily="18" charset="0"/>
+              <a:cs typeface="Times New Roman" panose="02020603050405020304" pitchFamily="18" charset="0"/>
+            </a:endParaRPr>
+          </a:p>
+          <a:p>
+            <a:endParaRPr lang="hu-HU" sz="2400" dirty="0">
+              <a:latin typeface="Times New Roman" panose="02020603050405020304" pitchFamily="18" charset="0"/>
+              <a:cs typeface="Times New Roman" panose="02020603050405020304" pitchFamily="18" charset="0"/>
+            </a:endParaRPr>
           </a:p>
           <a:p>
             <a:r>
@@ -5250,29 +5633,20 @@
                 <a:latin typeface="Times New Roman" panose="02020603050405020304" pitchFamily="18" charset="0"/>
                 <a:cs typeface="Times New Roman" panose="02020603050405020304" pitchFamily="18" charset="0"/>
               </a:rPr>
-              <a:t>Optikai kábel</a:t>
-            </a:r>
-          </a:p>
-          <a:p>
-            <a:pPr marL="0" indent="0">
-              <a:buNone/>
-            </a:pPr>
+              <a:t>Csillag topológia</a:t>
+            </a:r>
+          </a:p>
+          <a:p>
             <a:endParaRPr lang="hu-HU" sz="2400" dirty="0">
               <a:latin typeface="Times New Roman" panose="02020603050405020304" pitchFamily="18" charset="0"/>
               <a:cs typeface="Times New Roman" panose="02020603050405020304" pitchFamily="18" charset="0"/>
             </a:endParaRPr>
           </a:p>
           <a:p>
-            <a:pPr marL="0" indent="0">
-              <a:buNone/>
-            </a:pPr>
-            <a:r>
-              <a:rPr lang="hu-HU" sz="2400" b="1" dirty="0">
-                <a:latin typeface="Times New Roman" panose="02020603050405020304" pitchFamily="18" charset="0"/>
-                <a:cs typeface="Times New Roman" panose="02020603050405020304" pitchFamily="18" charset="0"/>
-              </a:rPr>
-              <a:t>Vezeték nélküli:</a:t>
-            </a:r>
+            <a:endParaRPr lang="hu-HU" sz="2400" dirty="0">
+              <a:latin typeface="Times New Roman" panose="02020603050405020304" pitchFamily="18" charset="0"/>
+              <a:cs typeface="Times New Roman" panose="02020603050405020304" pitchFamily="18" charset="0"/>
+            </a:endParaRPr>
           </a:p>
           <a:p>
             <a:r>
@@ -5280,64 +5654,14 @@
                 <a:latin typeface="Times New Roman" panose="02020603050405020304" pitchFamily="18" charset="0"/>
                 <a:cs typeface="Times New Roman" panose="02020603050405020304" pitchFamily="18" charset="0"/>
               </a:rPr>
-              <a:t>Rádiófrekvenciás</a:t>
-            </a:r>
-          </a:p>
-          <a:p>
-            <a:r>
-              <a:rPr lang="hu-HU" sz="2400" dirty="0">
-                <a:latin typeface="Times New Roman" panose="02020603050405020304" pitchFamily="18" charset="0"/>
-                <a:cs typeface="Times New Roman" panose="02020603050405020304" pitchFamily="18" charset="0"/>
-              </a:rPr>
-              <a:t>Műholdas</a:t>
-            </a:r>
-          </a:p>
-          <a:p>
-            <a:endParaRPr lang="hu-HU" sz="2400" dirty="0">
-              <a:latin typeface="Times New Roman" panose="02020603050405020304" pitchFamily="18" charset="0"/>
-              <a:cs typeface="Times New Roman" panose="02020603050405020304" pitchFamily="18" charset="0"/>
-            </a:endParaRPr>
-          </a:p>
-          <a:p>
-            <a:endParaRPr lang="hu-HU" sz="2400" dirty="0">
-              <a:latin typeface="Times New Roman" panose="02020603050405020304" pitchFamily="18" charset="0"/>
-              <a:cs typeface="Times New Roman" panose="02020603050405020304" pitchFamily="18" charset="0"/>
-            </a:endParaRPr>
-          </a:p>
-        </p:txBody>
-      </p:sp>
-      <p:sp>
-        <p:nvSpPr>
-          <p:cNvPr id="4" name="Szövegdoboz 3"/>
-          <p:cNvSpPr txBox="1"/>
-          <p:nvPr/>
-        </p:nvSpPr>
-        <p:spPr>
-          <a:xfrm>
-            <a:off x="8407400" y="6070600"/>
-            <a:ext cx="1407758" cy="215444"/>
-          </a:xfrm>
-          <a:prstGeom prst="rect">
-            <a:avLst/>
-          </a:prstGeom>
-          <a:noFill/>
-        </p:spPr>
-        <p:txBody>
-          <a:bodyPr wrap="none" rtlCol="0">
-            <a:spAutoFit/>
-          </a:bodyPr>
-          <a:lstStyle/>
-          <a:p>
-            <a:r>
-              <a:rPr lang="hu-HU" sz="800" dirty="0"/>
-              <a:t>https://tinyurl.com/rz85a358</a:t>
+              <a:t>Gyűrű topológia</a:t>
             </a:r>
           </a:p>
         </p:txBody>
       </p:sp>
       <p:pic>
         <p:nvPicPr>
-          <p:cNvPr id="1026" name="Picture 2" descr="https://www.kabelfutar.hu/images/stories/virtuemart/product/huzalpancel.png"/>
+          <p:cNvPr id="2050" name="Picture 2" descr="http://www.agr.unideb.hu/~agocs/informatics/05_h_ecdl/ECDLweb/ecdlweb.uw.hu/m1lan1.gif"/>
           <p:cNvPicPr>
             <a:picLocks noChangeAspect="1" noChangeArrowheads="1"/>
           </p:cNvPicPr>
@@ -5358,8 +5682,8 @@
         </p:blipFill>
         <p:spPr bwMode="auto">
           <a:xfrm>
-            <a:off x="3784600" y="1737359"/>
-            <a:ext cx="7628889" cy="3660184"/>
+            <a:off x="3317557" y="1313723"/>
+            <a:ext cx="4255132" cy="1328193"/>
           </a:xfrm>
           <a:prstGeom prst="rect">
             <a:avLst/>
@@ -5376,10 +5700,179 @@
           </a:extLst>
         </p:spPr>
       </p:pic>
+      <p:pic>
+        <p:nvPicPr>
+          <p:cNvPr id="2052" name="Picture 4" descr="http://www.agr.unideb.hu/~agocs/informatics/05_h_ecdl/ECDLweb/ecdlweb.uw.hu/m1lan2.gif"/>
+          <p:cNvPicPr>
+            <a:picLocks noChangeAspect="1" noChangeArrowheads="1"/>
+          </p:cNvPicPr>
+          <p:nvPr/>
+        </p:nvPicPr>
+        <p:blipFill>
+          <a:blip r:embed="rId4">
+            <a:extLst>
+              <a:ext uri="{28A0092B-C50C-407E-A947-70E740481C1C}">
+                <a14:useLocalDpi xmlns:a14="http://schemas.microsoft.com/office/drawing/2010/main" val="0"/>
+              </a:ext>
+            </a:extLst>
+          </a:blip>
+          <a:srcRect/>
+          <a:stretch>
+            <a:fillRect/>
+          </a:stretch>
+        </p:blipFill>
+        <p:spPr bwMode="auto">
+          <a:xfrm>
+            <a:off x="7912100" y="2147536"/>
+            <a:ext cx="3520119" cy="2569430"/>
+          </a:xfrm>
+          <a:prstGeom prst="rect">
+            <a:avLst/>
+          </a:prstGeom>
+          <a:noFill/>
+          <a:extLst>
+            <a:ext uri="{909E8E84-426E-40DD-AFC4-6F175D3DCCD1}">
+              <a14:hiddenFill xmlns:a14="http://schemas.microsoft.com/office/drawing/2010/main">
+                <a:solidFill>
+                  <a:srgbClr val="FFFFFF"/>
+                </a:solidFill>
+              </a14:hiddenFill>
+            </a:ext>
+          </a:extLst>
+        </p:spPr>
+      </p:pic>
+      <p:pic>
+        <p:nvPicPr>
+          <p:cNvPr id="2054" name="Picture 6" descr="http://www.agr.unideb.hu/~agocs/informatics/05_h_ecdl/ECDLweb/ecdlweb.uw.hu/m1lan3.gif"/>
+          <p:cNvPicPr>
+            <a:picLocks noChangeAspect="1" noChangeArrowheads="1"/>
+          </p:cNvPicPr>
+          <p:nvPr/>
+        </p:nvPicPr>
+        <p:blipFill>
+          <a:blip r:embed="rId5">
+            <a:extLst>
+              <a:ext uri="{28A0092B-C50C-407E-A947-70E740481C1C}">
+                <a14:useLocalDpi xmlns:a14="http://schemas.microsoft.com/office/drawing/2010/main" val="0"/>
+              </a:ext>
+            </a:extLst>
+          </a:blip>
+          <a:srcRect/>
+          <a:stretch>
+            <a:fillRect/>
+          </a:stretch>
+        </p:blipFill>
+        <p:spPr bwMode="auto">
+          <a:xfrm>
+            <a:off x="3587749" y="4134026"/>
+            <a:ext cx="3714747" cy="2012773"/>
+          </a:xfrm>
+          <a:prstGeom prst="rect">
+            <a:avLst/>
+          </a:prstGeom>
+          <a:noFill/>
+          <a:extLst>
+            <a:ext uri="{909E8E84-426E-40DD-AFC4-6F175D3DCCD1}">
+              <a14:hiddenFill xmlns:a14="http://schemas.microsoft.com/office/drawing/2010/main">
+                <a:solidFill>
+                  <a:srgbClr val="FFFFFF"/>
+                </a:solidFill>
+              </a14:hiddenFill>
+            </a:ext>
+          </a:extLst>
+        </p:spPr>
+      </p:pic>
+      <p:sp>
+        <p:nvSpPr>
+          <p:cNvPr id="4" name="Szövegdoboz 3"/>
+          <p:cNvSpPr txBox="1"/>
+          <p:nvPr/>
+        </p:nvSpPr>
+        <p:spPr>
+          <a:xfrm>
+            <a:off x="6197600" y="975816"/>
+            <a:ext cx="1714500" cy="215444"/>
+          </a:xfrm>
+          <a:prstGeom prst="rect">
+            <a:avLst/>
+          </a:prstGeom>
+          <a:noFill/>
+        </p:spPr>
+        <p:txBody>
+          <a:bodyPr wrap="square" rtlCol="0">
+            <a:spAutoFit/>
+          </a:bodyPr>
+          <a:lstStyle/>
+          <a:p>
+            <a:r>
+              <a:rPr lang="hu-HU" sz="800" dirty="0"/>
+              <a:t>https://tinyurl.com/zjsaskd8</a:t>
+            </a:r>
+          </a:p>
+        </p:txBody>
+      </p:sp>
+      <p:sp>
+        <p:nvSpPr>
+          <p:cNvPr id="6" name="Szövegdoboz 5"/>
+          <p:cNvSpPr txBox="1"/>
+          <p:nvPr/>
+        </p:nvSpPr>
+        <p:spPr>
+          <a:xfrm>
+            <a:off x="10026065" y="4909180"/>
+            <a:ext cx="1406154" cy="215444"/>
+          </a:xfrm>
+          <a:prstGeom prst="rect">
+            <a:avLst/>
+          </a:prstGeom>
+          <a:noFill/>
+        </p:spPr>
+        <p:txBody>
+          <a:bodyPr wrap="none" rtlCol="0">
+            <a:spAutoFit/>
+          </a:bodyPr>
+          <a:lstStyle/>
+          <a:p>
+            <a:r>
+              <a:rPr lang="hu-HU" sz="800" dirty="0"/>
+              <a:t>https://tinyurl.com/h4rvkdyx</a:t>
+            </a:r>
+          </a:p>
+        </p:txBody>
+      </p:sp>
+      <p:sp>
+        <p:nvSpPr>
+          <p:cNvPr id="7" name="Szövegdoboz 6"/>
+          <p:cNvSpPr txBox="1"/>
+          <p:nvPr/>
+        </p:nvSpPr>
+        <p:spPr>
+          <a:xfrm>
+            <a:off x="7572689" y="5931355"/>
+            <a:ext cx="1407758" cy="215444"/>
+          </a:xfrm>
+          <a:prstGeom prst="rect">
+            <a:avLst/>
+          </a:prstGeom>
+          <a:noFill/>
+        </p:spPr>
+        <p:txBody>
+          <a:bodyPr wrap="none" rtlCol="0">
+            <a:spAutoFit/>
+          </a:bodyPr>
+          <a:lstStyle/>
+          <a:p>
+            <a:r>
+              <a:rPr lang="hu-HU" sz="800" dirty="0"/>
+              <a:t>https://tinyurl.com/2384yk7f</a:t>
+            </a:r>
+          </a:p>
+        </p:txBody>
+      </p:sp>
     </p:spTree>
     <p:extLst>
       <p:ext uri="{BB962C8B-B14F-4D97-AF65-F5344CB8AC3E}">
-        <p14:creationId xmlns:p14="http://schemas.microsoft.com/office/powerpoint/2010/main" val="1474880856"/>
+        <p14:creationId xmlns:p14="http://schemas.microsoft.com/office/powerpoint/2010/main" val="3838305485"/>
       </p:ext>
     </p:extLst>
   </p:cSld>
@@ -5418,29 +5911,102 @@
         </p:nvSpPr>
         <p:spPr>
           <a:xfrm>
-            <a:off x="3213100" y="2679700"/>
-            <a:ext cx="6134100" cy="723900"/>
+            <a:off x="276727" y="541421"/>
+            <a:ext cx="4803006" cy="907181"/>
           </a:xfrm>
         </p:spPr>
         <p:txBody>
           <a:bodyPr>
-            <a:noAutofit/>
+            <a:normAutofit fontScale="90000"/>
           </a:bodyPr>
           <a:lstStyle/>
           <a:p>
-            <a:r>
-              <a:rPr lang="hu-HU" dirty="0">
+            <a:pPr algn="ctr"/>
+            <a:r>
+              <a:rPr lang="hu-HU" sz="4300" dirty="0">
                 <a:latin typeface="Times New Roman" panose="02020603050405020304" pitchFamily="18" charset="0"/>
                 <a:cs typeface="Times New Roman" panose="02020603050405020304" pitchFamily="18" charset="0"/>
               </a:rPr>
-              <a:t>Köszönöm a figyelmet! </a:t>
-            </a:r>
+              <a:t>Hálózatok topológiája</a:t>
+            </a:r>
+          </a:p>
+        </p:txBody>
+      </p:sp>
+      <p:sp>
+        <p:nvSpPr>
+          <p:cNvPr id="3" name="Tartalom helye 2"/>
+          <p:cNvSpPr>
+            <a:spLocks noGrp="1"/>
+          </p:cNvSpPr>
+          <p:nvPr>
+            <p:ph idx="1"/>
+          </p:nvPr>
+        </p:nvSpPr>
+        <p:spPr>
+          <a:xfrm>
+            <a:off x="1097280" y="1845734"/>
+            <a:ext cx="3366436" cy="3688792"/>
+          </a:xfrm>
+        </p:spPr>
+        <p:txBody>
+          <a:bodyPr>
+            <a:normAutofit/>
+          </a:bodyPr>
+          <a:lstStyle/>
+          <a:p>
+            <a:endParaRPr lang="hu-HU" sz="2400" dirty="0" smtClean="0">
+              <a:latin typeface="Times New Roman" panose="02020603050405020304" pitchFamily="18" charset="0"/>
+              <a:cs typeface="Times New Roman" panose="02020603050405020304" pitchFamily="18" charset="0"/>
+            </a:endParaRPr>
+          </a:p>
+          <a:p>
+            <a:r>
+              <a:rPr lang="hu-HU" sz="2400" dirty="0" smtClean="0">
+                <a:latin typeface="Times New Roman" panose="02020603050405020304" pitchFamily="18" charset="0"/>
+                <a:cs typeface="Times New Roman" panose="02020603050405020304" pitchFamily="18" charset="0"/>
+              </a:rPr>
+              <a:t>Teljes topológia</a:t>
+            </a:r>
+          </a:p>
+          <a:p>
+            <a:endParaRPr lang="hu-HU" sz="2400" dirty="0">
+              <a:latin typeface="Times New Roman" panose="02020603050405020304" pitchFamily="18" charset="0"/>
+              <a:cs typeface="Times New Roman" panose="02020603050405020304" pitchFamily="18" charset="0"/>
+            </a:endParaRPr>
+          </a:p>
+          <a:p>
+            <a:r>
+              <a:rPr lang="hu-HU" sz="2400" dirty="0" smtClean="0">
+                <a:latin typeface="Times New Roman" panose="02020603050405020304" pitchFamily="18" charset="0"/>
+                <a:cs typeface="Times New Roman" panose="02020603050405020304" pitchFamily="18" charset="0"/>
+              </a:rPr>
+              <a:t>Hálós topológia</a:t>
+            </a:r>
+          </a:p>
+          <a:p>
+            <a:endParaRPr lang="hu-HU" sz="2400" dirty="0">
+              <a:latin typeface="Times New Roman" panose="02020603050405020304" pitchFamily="18" charset="0"/>
+              <a:cs typeface="Times New Roman" panose="02020603050405020304" pitchFamily="18" charset="0"/>
+            </a:endParaRPr>
+          </a:p>
+          <a:p>
+            <a:r>
+              <a:rPr lang="hu-HU" sz="2400" dirty="0" smtClean="0">
+                <a:latin typeface="Times New Roman" panose="02020603050405020304" pitchFamily="18" charset="0"/>
+                <a:cs typeface="Times New Roman" panose="02020603050405020304" pitchFamily="18" charset="0"/>
+              </a:rPr>
+              <a:t>Hibrid topológia</a:t>
+            </a:r>
+            <a:endParaRPr lang="hu-HU" sz="2400" dirty="0">
+              <a:latin typeface="Times New Roman" panose="02020603050405020304" pitchFamily="18" charset="0"/>
+              <a:cs typeface="Times New Roman" panose="02020603050405020304" pitchFamily="18" charset="0"/>
+            </a:endParaRPr>
           </a:p>
         </p:txBody>
       </p:sp>
       <p:pic>
         <p:nvPicPr>
-          <p:cNvPr id="3" name="Kép 2"/>
+          <p:cNvPr id="4" name="Kép 3"/>
           <p:cNvPicPr>
             <a:picLocks noChangeAspect="1"/>
           </p:cNvPicPr>
@@ -5454,18 +6020,194 @@
         </p:blipFill>
         <p:spPr>
           <a:xfrm>
-            <a:off x="973137" y="1612900"/>
-            <a:ext cx="10177463" cy="219075"/>
+            <a:off x="1097280" y="1530773"/>
+            <a:ext cx="10101263" cy="314961"/>
           </a:xfrm>
           <a:prstGeom prst="rect">
             <a:avLst/>
           </a:prstGeom>
         </p:spPr>
       </p:pic>
+      <p:pic>
+        <p:nvPicPr>
+          <p:cNvPr id="1026" name="Picture 2" descr="Számítógépes ismeretek | Sulinet Tudásbázis"/>
+          <p:cNvPicPr>
+            <a:picLocks noChangeAspect="1" noChangeArrowheads="1"/>
+          </p:cNvPicPr>
+          <p:nvPr/>
+        </p:nvPicPr>
+        <p:blipFill>
+          <a:blip r:embed="rId3" cstate="print">
+            <a:extLst>
+              <a:ext uri="{28A0092B-C50C-407E-A947-70E740481C1C}">
+                <a14:useLocalDpi xmlns:a14="http://schemas.microsoft.com/office/drawing/2010/main" val="0"/>
+              </a:ext>
+            </a:extLst>
+          </a:blip>
+          <a:srcRect/>
+          <a:stretch>
+            <a:fillRect/>
+          </a:stretch>
+        </p:blipFill>
+        <p:spPr bwMode="auto">
+          <a:xfrm>
+            <a:off x="5064643" y="1297732"/>
+            <a:ext cx="2391023" cy="2395280"/>
+          </a:xfrm>
+          <a:prstGeom prst="rect">
+            <a:avLst/>
+          </a:prstGeom>
+          <a:noFill/>
+          <a:extLst>
+            <a:ext uri="{909E8E84-426E-40DD-AFC4-6F175D3DCCD1}">
+              <a14:hiddenFill xmlns:a14="http://schemas.microsoft.com/office/drawing/2010/main">
+                <a:solidFill>
+                  <a:srgbClr val="FFFFFF"/>
+                </a:solidFill>
+              </a14:hiddenFill>
+            </a:ext>
+          </a:extLst>
+        </p:spPr>
+      </p:pic>
+      <p:pic>
+        <p:nvPicPr>
+          <p:cNvPr id="6" name="Kép 5"/>
+          <p:cNvPicPr>
+            <a:picLocks noChangeAspect="1"/>
+          </p:cNvPicPr>
+          <p:nvPr/>
+        </p:nvPicPr>
+        <p:blipFill>
+          <a:blip r:embed="rId4"/>
+          <a:stretch>
+            <a:fillRect/>
+          </a:stretch>
+        </p:blipFill>
+        <p:spPr>
+          <a:xfrm>
+            <a:off x="3816767" y="4081914"/>
+            <a:ext cx="4029075" cy="1704975"/>
+          </a:xfrm>
+          <a:prstGeom prst="rect">
+            <a:avLst/>
+          </a:prstGeom>
+        </p:spPr>
+      </p:pic>
+      <p:sp>
+        <p:nvSpPr>
+          <p:cNvPr id="7" name="Szövegdoboz 6"/>
+          <p:cNvSpPr txBox="1"/>
+          <p:nvPr/>
+        </p:nvSpPr>
+        <p:spPr>
+          <a:xfrm>
+            <a:off x="5245162" y="5936808"/>
+            <a:ext cx="1425390" cy="215444"/>
+          </a:xfrm>
+          <a:prstGeom prst="rect">
+            <a:avLst/>
+          </a:prstGeom>
+          <a:noFill/>
+        </p:spPr>
+        <p:txBody>
+          <a:bodyPr wrap="none" rtlCol="0">
+            <a:spAutoFit/>
+          </a:bodyPr>
+          <a:lstStyle/>
+          <a:p>
+            <a:r>
+              <a:rPr lang="hu-HU" sz="800" dirty="0"/>
+              <a:t>https://tinyurl.com/328t8hu9</a:t>
+            </a:r>
+          </a:p>
+        </p:txBody>
+      </p:sp>
+      <p:sp>
+        <p:nvSpPr>
+          <p:cNvPr id="8" name="Szövegdoboz 7"/>
+          <p:cNvSpPr txBox="1"/>
+          <p:nvPr/>
+        </p:nvSpPr>
+        <p:spPr>
+          <a:xfrm>
+            <a:off x="5506680" y="1007329"/>
+            <a:ext cx="1382110" cy="215444"/>
+          </a:xfrm>
+          <a:prstGeom prst="rect">
+            <a:avLst/>
+          </a:prstGeom>
+          <a:noFill/>
+        </p:spPr>
+        <p:txBody>
+          <a:bodyPr wrap="none" rtlCol="0">
+            <a:spAutoFit/>
+          </a:bodyPr>
+          <a:lstStyle/>
+          <a:p>
+            <a:r>
+              <a:rPr lang="hu-HU" sz="800" dirty="0"/>
+              <a:t>https://tinyurl.com/yckve8kj</a:t>
+            </a:r>
+          </a:p>
+        </p:txBody>
+      </p:sp>
+      <p:pic>
+        <p:nvPicPr>
+          <p:cNvPr id="9" name="Kép 8"/>
+          <p:cNvPicPr>
+            <a:picLocks noChangeAspect="1"/>
+          </p:cNvPicPr>
+          <p:nvPr/>
+        </p:nvPicPr>
+        <p:blipFill>
+          <a:blip r:embed="rId5"/>
+          <a:stretch>
+            <a:fillRect/>
+          </a:stretch>
+        </p:blipFill>
+        <p:spPr>
+          <a:xfrm>
+            <a:off x="7818120" y="2228694"/>
+            <a:ext cx="2616241" cy="2034854"/>
+          </a:xfrm>
+          <a:prstGeom prst="rect">
+            <a:avLst/>
+          </a:prstGeom>
+        </p:spPr>
+      </p:pic>
+      <p:sp>
+        <p:nvSpPr>
+          <p:cNvPr id="10" name="Szövegdoboz 9"/>
+          <p:cNvSpPr txBox="1"/>
+          <p:nvPr/>
+        </p:nvSpPr>
+        <p:spPr>
+          <a:xfrm>
+            <a:off x="10489054" y="3030677"/>
+            <a:ext cx="1418978" cy="215444"/>
+          </a:xfrm>
+          <a:prstGeom prst="rect">
+            <a:avLst/>
+          </a:prstGeom>
+          <a:noFill/>
+        </p:spPr>
+        <p:txBody>
+          <a:bodyPr wrap="none" rtlCol="0">
+            <a:spAutoFit/>
+          </a:bodyPr>
+          <a:lstStyle/>
+          <a:p>
+            <a:r>
+              <a:rPr lang="hu-HU" sz="800" dirty="0"/>
+              <a:t>https://tinyurl.com/2p8zr6up</a:t>
+            </a:r>
+          </a:p>
+        </p:txBody>
+      </p:sp>
     </p:spTree>
     <p:extLst>
       <p:ext uri="{BB962C8B-B14F-4D97-AF65-F5344CB8AC3E}">
-        <p14:creationId xmlns:p14="http://schemas.microsoft.com/office/powerpoint/2010/main" val="127159379"/>
+        <p14:creationId xmlns:p14="http://schemas.microsoft.com/office/powerpoint/2010/main" val="1502694442"/>
       </p:ext>
     </p:extLst>
   </p:cSld>
@@ -5492,184 +6234,240 @@
           <a:chExt cx="0" cy="0"/>
         </a:xfrm>
       </p:grpSpPr>
-      <p:sp>
-        <p:nvSpPr>
-          <p:cNvPr id="2" name="Cím 1"/>
-          <p:cNvSpPr>
-            <a:spLocks noGrp="1"/>
-          </p:cNvSpPr>
-          <p:nvPr>
-            <p:ph type="title"/>
-          </p:nvPr>
-        </p:nvSpPr>
-        <p:spPr>
-          <a:xfrm>
-            <a:off x="1097280" y="286603"/>
-            <a:ext cx="3220720" cy="1465997"/>
-          </a:xfrm>
-        </p:spPr>
-        <p:txBody>
-          <a:bodyPr/>
-          <a:lstStyle/>
-          <a:p>
-            <a:r>
-              <a:rPr lang="hu-HU" dirty="0">
-                <a:latin typeface="Times New Roman" panose="02020603050405020304" pitchFamily="18" charset="0"/>
-                <a:cs typeface="Times New Roman" panose="02020603050405020304" pitchFamily="18" charset="0"/>
-              </a:rPr>
-              <a:t>Forrás</a:t>
-            </a:r>
-          </a:p>
-        </p:txBody>
-      </p:sp>
-      <p:sp>
-        <p:nvSpPr>
-          <p:cNvPr id="3" name="Tartalom helye 2"/>
-          <p:cNvSpPr>
-            <a:spLocks noGrp="1"/>
-          </p:cNvSpPr>
-          <p:nvPr>
-            <p:ph idx="1"/>
-          </p:nvPr>
-        </p:nvSpPr>
-        <p:spPr>
-          <a:xfrm>
-            <a:off x="1097280" y="1845734"/>
-            <a:ext cx="3627120" cy="2154766"/>
-          </a:xfrm>
-        </p:spPr>
-        <p:txBody>
-          <a:bodyPr/>
-          <a:lstStyle/>
-          <a:p>
-            <a:r>
-              <a:rPr lang="hu-HU" dirty="0">
-                <a:solidFill>
-                  <a:schemeClr val="tx1">
-                    <a:lumMod val="95000"/>
-                    <a:lumOff val="5000"/>
-                  </a:schemeClr>
-                </a:solidFill>
-                <a:hlinkClick r:id="rId2"/>
-              </a:rPr>
-              <a:t>https://tinyurl.com/c564n5k2</a:t>
-            </a:r>
-            <a:endParaRPr lang="hu-HU" dirty="0">
-              <a:solidFill>
-                <a:schemeClr val="tx1">
-                  <a:lumMod val="95000"/>
-                  <a:lumOff val="5000"/>
-                </a:schemeClr>
-              </a:solidFill>
-            </a:endParaRPr>
-          </a:p>
-          <a:p>
-            <a:r>
-              <a:rPr lang="hu-HU" dirty="0">
-                <a:solidFill>
-                  <a:schemeClr val="tx1">
-                    <a:lumMod val="95000"/>
-                    <a:lumOff val="5000"/>
-                  </a:schemeClr>
-                </a:solidFill>
-                <a:hlinkClick r:id="rId3"/>
-              </a:rPr>
-              <a:t>https://tinyurl.com/rjnvs4ff</a:t>
-            </a:r>
-            <a:r>
-              <a:rPr lang="hu-HU" dirty="0">
-                <a:solidFill>
-                  <a:schemeClr val="tx1">
-                    <a:lumMod val="95000"/>
-                    <a:lumOff val="5000"/>
-                  </a:schemeClr>
-                </a:solidFill>
-              </a:rPr>
-              <a:t> </a:t>
-            </a:r>
-          </a:p>
-          <a:p>
-            <a:r>
-              <a:rPr lang="hu-HU" dirty="0">
-                <a:solidFill>
-                  <a:schemeClr val="tx1">
-                    <a:lumMod val="95000"/>
-                    <a:lumOff val="5000"/>
-                  </a:schemeClr>
-                </a:solidFill>
-                <a:hlinkClick r:id="rId4"/>
-              </a:rPr>
-              <a:t>https://tinyurl.com/a6btrmyp</a:t>
-            </a:r>
-            <a:endParaRPr lang="hu-HU" dirty="0">
-              <a:solidFill>
-                <a:schemeClr val="tx1">
-                  <a:lumMod val="95000"/>
-                  <a:lumOff val="5000"/>
-                </a:schemeClr>
-              </a:solidFill>
-            </a:endParaRPr>
-          </a:p>
-          <a:p>
-            <a:endParaRPr lang="hu-HU" dirty="0">
-              <a:solidFill>
-                <a:schemeClr val="tx1">
-                  <a:lumMod val="95000"/>
-                  <a:lumOff val="5000"/>
-                </a:schemeClr>
-              </a:solidFill>
-            </a:endParaRPr>
-          </a:p>
-          <a:p>
-            <a:endParaRPr lang="hu-HU" dirty="0">
-              <a:solidFill>
-                <a:schemeClr val="tx1">
-                  <a:lumMod val="95000"/>
-                  <a:lumOff val="5000"/>
-                </a:schemeClr>
-              </a:solidFill>
-            </a:endParaRPr>
-          </a:p>
-          <a:p>
-            <a:endParaRPr lang="hu-HU" dirty="0">
-              <a:solidFill>
-                <a:schemeClr val="tx1">
-                  <a:lumMod val="95000"/>
-                  <a:lumOff val="5000"/>
-                </a:schemeClr>
-              </a:solidFill>
-            </a:endParaRPr>
-          </a:p>
-        </p:txBody>
-      </p:sp>
       <p:pic>
         <p:nvPicPr>
-          <p:cNvPr id="4" name="Kép 3"/>
+          <p:cNvPr id="5" name="Kép 4"/>
           <p:cNvPicPr>
             <a:picLocks noChangeAspect="1"/>
           </p:cNvPicPr>
           <p:nvPr/>
         </p:nvPicPr>
         <p:blipFill>
-          <a:blip r:embed="rId5"/>
+          <a:blip r:embed="rId2"/>
           <a:stretch>
             <a:fillRect/>
           </a:stretch>
         </p:blipFill>
         <p:spPr>
           <a:xfrm>
-            <a:off x="1097280" y="1593689"/>
-            <a:ext cx="10193020" cy="252045"/>
+            <a:off x="1182686" y="1578889"/>
+            <a:ext cx="10164763" cy="316941"/>
           </a:xfrm>
           <a:prstGeom prst="rect">
             <a:avLst/>
           </a:prstGeom>
+        </p:spPr>
+      </p:pic>
+      <p:sp>
+        <p:nvSpPr>
+          <p:cNvPr id="2" name="Cím 1"/>
+          <p:cNvSpPr>
+            <a:spLocks noGrp="1"/>
+          </p:cNvSpPr>
+          <p:nvPr>
+            <p:ph type="title"/>
+          </p:nvPr>
+        </p:nvSpPr>
+        <p:spPr>
+          <a:xfrm>
+            <a:off x="1182686" y="709585"/>
+            <a:ext cx="4839716" cy="709433"/>
+          </a:xfrm>
+        </p:spPr>
+        <p:txBody>
+          <a:bodyPr>
+            <a:normAutofit/>
+          </a:bodyPr>
+          <a:lstStyle/>
+          <a:p>
+            <a:r>
+              <a:rPr lang="hu-HU" sz="4300" dirty="0">
+                <a:latin typeface="Times New Roman" panose="02020603050405020304" pitchFamily="18" charset="0"/>
+                <a:cs typeface="Times New Roman" panose="02020603050405020304" pitchFamily="18" charset="0"/>
+              </a:rPr>
+              <a:t>Adatátviteli közegek</a:t>
+            </a:r>
+          </a:p>
+        </p:txBody>
+      </p:sp>
+      <p:sp>
+        <p:nvSpPr>
+          <p:cNvPr id="3" name="Tartalom helye 2"/>
+          <p:cNvSpPr>
+            <a:spLocks noGrp="1"/>
+          </p:cNvSpPr>
+          <p:nvPr>
+            <p:ph idx="1"/>
+          </p:nvPr>
+        </p:nvSpPr>
+        <p:spPr>
+          <a:xfrm>
+            <a:off x="825500" y="2093136"/>
+            <a:ext cx="2959100" cy="3673475"/>
+          </a:xfrm>
+        </p:spPr>
+        <p:txBody>
+          <a:bodyPr>
+            <a:normAutofit/>
+          </a:bodyPr>
+          <a:lstStyle/>
+          <a:p>
+            <a:pPr marL="0" indent="0">
+              <a:buNone/>
+            </a:pPr>
+            <a:r>
+              <a:rPr lang="hu-HU" sz="2400" b="1" dirty="0">
+                <a:latin typeface="Times New Roman" panose="02020603050405020304" pitchFamily="18" charset="0"/>
+                <a:cs typeface="Times New Roman" panose="02020603050405020304" pitchFamily="18" charset="0"/>
+              </a:rPr>
+              <a:t>Vezetékes:</a:t>
+            </a:r>
+          </a:p>
+          <a:p>
+            <a:r>
+              <a:rPr lang="hu-HU" sz="2400" dirty="0">
+                <a:latin typeface="Times New Roman" panose="02020603050405020304" pitchFamily="18" charset="0"/>
+                <a:cs typeface="Times New Roman" panose="02020603050405020304" pitchFamily="18" charset="0"/>
+              </a:rPr>
+              <a:t>Koaxiális kábel</a:t>
+            </a:r>
+          </a:p>
+          <a:p>
+            <a:r>
+              <a:rPr lang="hu-HU" sz="2400" dirty="0">
+                <a:latin typeface="Times New Roman" panose="02020603050405020304" pitchFamily="18" charset="0"/>
+                <a:cs typeface="Times New Roman" panose="02020603050405020304" pitchFamily="18" charset="0"/>
+              </a:rPr>
+              <a:t>Optikai kábel</a:t>
+            </a:r>
+          </a:p>
+          <a:p>
+            <a:pPr marL="0" indent="0">
+              <a:buNone/>
+            </a:pPr>
+            <a:endParaRPr lang="hu-HU" sz="2400" dirty="0">
+              <a:latin typeface="Times New Roman" panose="02020603050405020304" pitchFamily="18" charset="0"/>
+              <a:cs typeface="Times New Roman" panose="02020603050405020304" pitchFamily="18" charset="0"/>
+            </a:endParaRPr>
+          </a:p>
+          <a:p>
+            <a:pPr marL="0" indent="0">
+              <a:buNone/>
+            </a:pPr>
+            <a:r>
+              <a:rPr lang="hu-HU" sz="2400" b="1" dirty="0">
+                <a:latin typeface="Times New Roman" panose="02020603050405020304" pitchFamily="18" charset="0"/>
+                <a:cs typeface="Times New Roman" panose="02020603050405020304" pitchFamily="18" charset="0"/>
+              </a:rPr>
+              <a:t>Vezeték nélküli:</a:t>
+            </a:r>
+          </a:p>
+          <a:p>
+            <a:r>
+              <a:rPr lang="hu-HU" sz="2400" dirty="0">
+                <a:latin typeface="Times New Roman" panose="02020603050405020304" pitchFamily="18" charset="0"/>
+                <a:cs typeface="Times New Roman" panose="02020603050405020304" pitchFamily="18" charset="0"/>
+              </a:rPr>
+              <a:t>Rádiófrekvenciás</a:t>
+            </a:r>
+          </a:p>
+          <a:p>
+            <a:r>
+              <a:rPr lang="hu-HU" sz="2400" dirty="0">
+                <a:latin typeface="Times New Roman" panose="02020603050405020304" pitchFamily="18" charset="0"/>
+                <a:cs typeface="Times New Roman" panose="02020603050405020304" pitchFamily="18" charset="0"/>
+              </a:rPr>
+              <a:t>Műholdas</a:t>
+            </a:r>
+          </a:p>
+          <a:p>
+            <a:endParaRPr lang="hu-HU" sz="2400" dirty="0">
+              <a:latin typeface="Times New Roman" panose="02020603050405020304" pitchFamily="18" charset="0"/>
+              <a:cs typeface="Times New Roman" panose="02020603050405020304" pitchFamily="18" charset="0"/>
+            </a:endParaRPr>
+          </a:p>
+          <a:p>
+            <a:endParaRPr lang="hu-HU" sz="2400" dirty="0">
+              <a:latin typeface="Times New Roman" panose="02020603050405020304" pitchFamily="18" charset="0"/>
+              <a:cs typeface="Times New Roman" panose="02020603050405020304" pitchFamily="18" charset="0"/>
+            </a:endParaRPr>
+          </a:p>
+        </p:txBody>
+      </p:sp>
+      <p:sp>
+        <p:nvSpPr>
+          <p:cNvPr id="4" name="Szövegdoboz 3"/>
+          <p:cNvSpPr txBox="1"/>
+          <p:nvPr/>
+        </p:nvSpPr>
+        <p:spPr>
+          <a:xfrm>
+            <a:off x="8407400" y="6070600"/>
+            <a:ext cx="1407758" cy="215444"/>
+          </a:xfrm>
+          <a:prstGeom prst="rect">
+            <a:avLst/>
+          </a:prstGeom>
+          <a:noFill/>
+        </p:spPr>
+        <p:txBody>
+          <a:bodyPr wrap="none" rtlCol="0">
+            <a:spAutoFit/>
+          </a:bodyPr>
+          <a:lstStyle/>
+          <a:p>
+            <a:r>
+              <a:rPr lang="hu-HU" sz="800" dirty="0"/>
+              <a:t>https://tinyurl.com/rz85a358</a:t>
+            </a:r>
+          </a:p>
+        </p:txBody>
+      </p:sp>
+      <p:pic>
+        <p:nvPicPr>
+          <p:cNvPr id="1026" name="Picture 2" descr="https://www.kabelfutar.hu/images/stories/virtuemart/product/huzalpancel.png"/>
+          <p:cNvPicPr>
+            <a:picLocks noChangeAspect="1" noChangeArrowheads="1"/>
+          </p:cNvPicPr>
+          <p:nvPr/>
+        </p:nvPicPr>
+        <p:blipFill>
+          <a:blip r:embed="rId3">
+            <a:extLst>
+              <a:ext uri="{28A0092B-C50C-407E-A947-70E740481C1C}">
+                <a14:useLocalDpi xmlns:a14="http://schemas.microsoft.com/office/drawing/2010/main" val="0"/>
+              </a:ext>
+            </a:extLst>
+          </a:blip>
+          <a:srcRect/>
+          <a:stretch>
+            <a:fillRect/>
+          </a:stretch>
+        </p:blipFill>
+        <p:spPr bwMode="auto">
+          <a:xfrm>
+            <a:off x="3784600" y="1737359"/>
+            <a:ext cx="7628889" cy="3660184"/>
+          </a:xfrm>
+          <a:prstGeom prst="rect">
+            <a:avLst/>
+          </a:prstGeom>
+          <a:noFill/>
+          <a:extLst>
+            <a:ext uri="{909E8E84-426E-40DD-AFC4-6F175D3DCCD1}">
+              <a14:hiddenFill xmlns:a14="http://schemas.microsoft.com/office/drawing/2010/main">
+                <a:solidFill>
+                  <a:srgbClr val="FFFFFF"/>
+                </a:solidFill>
+              </a14:hiddenFill>
+            </a:ext>
+          </a:extLst>
         </p:spPr>
       </p:pic>
     </p:spTree>
     <p:extLst>
       <p:ext uri="{BB962C8B-B14F-4D97-AF65-F5344CB8AC3E}">
-        <p14:creationId xmlns:p14="http://schemas.microsoft.com/office/powerpoint/2010/main" val="4023112020"/>
+        <p14:creationId xmlns:p14="http://schemas.microsoft.com/office/powerpoint/2010/main" val="1474880856"/>
       </p:ext>
     </p:extLst>
   </p:cSld>
@@ -5963,20 +6761,20 @@
 </file>
 
 <file path=customXml/item1.xml><?xml version="1.0" encoding="utf-8"?>
-<p:properties xmlns:p="http://schemas.microsoft.com/office/2006/metadata/properties" xmlns:xsi="http://www.w3.org/2001/XMLSchema-instance" xmlns:pc="http://schemas.microsoft.com/office/infopath/2007/PartnerControls">
-  <documentManagement>
-    <ReferenceId xmlns="cda7f449-9791-4026-adf0-6249e0f1a277" xsi:nil="true"/>
-  </documentManagement>
-</p:properties>
-</file>
-
-<file path=customXml/item2.xml><?xml version="1.0" encoding="utf-8"?>
 <?mso-contentType ?>
 <FormTemplates xmlns="http://schemas.microsoft.com/sharepoint/v3/contenttype/forms">
   <Display>DocumentLibraryForm</Display>
   <Edit>DocumentLibraryForm</Edit>
   <New>DocumentLibraryForm</New>
 </FormTemplates>
+</file>
+
+<file path=customXml/item2.xml><?xml version="1.0" encoding="utf-8"?>
+<p:properties xmlns:p="http://schemas.microsoft.com/office/2006/metadata/properties" xmlns:xsi="http://www.w3.org/2001/XMLSchema-instance" xmlns:pc="http://schemas.microsoft.com/office/infopath/2007/PartnerControls">
+  <documentManagement>
+    <ReferenceId xmlns="cda7f449-9791-4026-adf0-6249e0f1a277" xsi:nil="true"/>
+  </documentManagement>
+</p:properties>
 </file>
 
 <file path=customXml/item3.xml><?xml version="1.0" encoding="utf-8"?>
@@ -6118,19 +6916,19 @@
 </file>
 
 <file path=customXml/itemProps1.xml><?xml version="1.0" encoding="utf-8"?>
+<ds:datastoreItem xmlns:ds="http://schemas.openxmlformats.org/officeDocument/2006/customXml" ds:itemID="{B114293F-6EE4-4834-97C1-1E9AD42354D9}">
+  <ds:schemaRefs>
+    <ds:schemaRef ds:uri="http://schemas.microsoft.com/sharepoint/v3/contenttype/forms"/>
+  </ds:schemaRefs>
+</ds:datastoreItem>
+</file>
+
+<file path=customXml/itemProps2.xml><?xml version="1.0" encoding="utf-8"?>
 <ds:datastoreItem xmlns:ds="http://schemas.openxmlformats.org/officeDocument/2006/customXml" ds:itemID="{B47C1B41-847B-4982-A61B-2DE97E148F4F}">
   <ds:schemaRefs>
     <ds:schemaRef ds:uri="http://schemas.microsoft.com/office/2006/metadata/properties"/>
     <ds:schemaRef ds:uri="http://schemas.microsoft.com/office/infopath/2007/PartnerControls"/>
     <ds:schemaRef ds:uri="cda7f449-9791-4026-adf0-6249e0f1a277"/>
-  </ds:schemaRefs>
-</ds:datastoreItem>
-</file>
-
-<file path=customXml/itemProps2.xml><?xml version="1.0" encoding="utf-8"?>
-<ds:datastoreItem xmlns:ds="http://schemas.openxmlformats.org/officeDocument/2006/customXml" ds:itemID="{B114293F-6EE4-4834-97C1-1E9AD42354D9}">
-  <ds:schemaRefs>
-    <ds:schemaRef ds:uri="http://schemas.microsoft.com/sharepoint/v3/contenttype/forms"/>
   </ds:schemaRefs>
 </ds:datastoreItem>
 </file>

--- a/Beadandó VJ.pptx
+++ b/Beadandó VJ.pptx
@@ -360,7 +360,7 @@
           <a:p>
             <a:fld id="{8F5A1913-C1B8-42A7-81A1-2FE1D24E3BD3}" type="datetimeFigureOut">
               <a:rPr lang="hu-HU" smtClean="0"/>
-              <a:t>2022.09.13.</a:t>
+              <a:t>2022.09.15.</a:t>
             </a:fld>
             <a:endParaRPr lang="hu-HU"/>
           </a:p>
@@ -568,7 +568,7 @@
           <a:p>
             <a:fld id="{8F5A1913-C1B8-42A7-81A1-2FE1D24E3BD3}" type="datetimeFigureOut">
               <a:rPr lang="hu-HU" smtClean="0"/>
-              <a:t>2022.09.13.</a:t>
+              <a:t>2022.09.15.</a:t>
             </a:fld>
             <a:endParaRPr lang="hu-HU"/>
           </a:p>
@@ -824,7 +824,7 @@
           <a:p>
             <a:fld id="{8F5A1913-C1B8-42A7-81A1-2FE1D24E3BD3}" type="datetimeFigureOut">
               <a:rPr lang="hu-HU" smtClean="0"/>
-              <a:t>2022.09.13.</a:t>
+              <a:t>2022.09.15.</a:t>
             </a:fld>
             <a:endParaRPr lang="hu-HU"/>
           </a:p>
@@ -998,7 +998,7 @@
           <a:p>
             <a:fld id="{8F5A1913-C1B8-42A7-81A1-2FE1D24E3BD3}" type="datetimeFigureOut">
               <a:rPr lang="hu-HU" smtClean="0"/>
-              <a:t>2022.09.13.</a:t>
+              <a:t>2022.09.15.</a:t>
             </a:fld>
             <a:endParaRPr lang="hu-HU"/>
           </a:p>
@@ -1341,7 +1341,7 @@
           <a:p>
             <a:fld id="{8F5A1913-C1B8-42A7-81A1-2FE1D24E3BD3}" type="datetimeFigureOut">
               <a:rPr lang="hu-HU" smtClean="0"/>
-              <a:t>2022.09.13.</a:t>
+              <a:t>2022.09.15.</a:t>
             </a:fld>
             <a:endParaRPr lang="hu-HU"/>
           </a:p>
@@ -1616,7 +1616,7 @@
           <a:p>
             <a:fld id="{8F5A1913-C1B8-42A7-81A1-2FE1D24E3BD3}" type="datetimeFigureOut">
               <a:rPr lang="hu-HU" smtClean="0"/>
-              <a:t>2022.09.13.</a:t>
+              <a:t>2022.09.15.</a:t>
             </a:fld>
             <a:endParaRPr lang="hu-HU"/>
           </a:p>
@@ -1995,7 +1995,7 @@
           <a:p>
             <a:fld id="{8F5A1913-C1B8-42A7-81A1-2FE1D24E3BD3}" type="datetimeFigureOut">
               <a:rPr lang="hu-HU" smtClean="0"/>
-              <a:t>2022.09.13.</a:t>
+              <a:t>2022.09.15.</a:t>
             </a:fld>
             <a:endParaRPr lang="hu-HU"/>
           </a:p>
@@ -2113,7 +2113,7 @@
           <a:p>
             <a:fld id="{8F5A1913-C1B8-42A7-81A1-2FE1D24E3BD3}" type="datetimeFigureOut">
               <a:rPr lang="hu-HU" smtClean="0"/>
-              <a:t>2022.09.13.</a:t>
+              <a:t>2022.09.15.</a:t>
             </a:fld>
             <a:endParaRPr lang="hu-HU"/>
           </a:p>
@@ -2284,7 +2284,7 @@
           <a:p>
             <a:fld id="{8F5A1913-C1B8-42A7-81A1-2FE1D24E3BD3}" type="datetimeFigureOut">
               <a:rPr lang="hu-HU" smtClean="0"/>
-              <a:t>2022.09.13.</a:t>
+              <a:t>2022.09.15.</a:t>
             </a:fld>
             <a:endParaRPr lang="hu-HU"/>
           </a:p>
@@ -2638,7 +2638,7 @@
           <a:p>
             <a:fld id="{8F5A1913-C1B8-42A7-81A1-2FE1D24E3BD3}" type="datetimeFigureOut">
               <a:rPr lang="hu-HU" smtClean="0"/>
-              <a:t>2022.09.13.</a:t>
+              <a:t>2022.09.15.</a:t>
             </a:fld>
             <a:endParaRPr lang="hu-HU"/>
           </a:p>
@@ -3020,7 +3020,7 @@
           <a:p>
             <a:fld id="{8F5A1913-C1B8-42A7-81A1-2FE1D24E3BD3}" type="datetimeFigureOut">
               <a:rPr lang="hu-HU" smtClean="0"/>
-              <a:t>2022.09.13.</a:t>
+              <a:t>2022.09.15.</a:t>
             </a:fld>
             <a:endParaRPr lang="hu-HU"/>
           </a:p>
@@ -3307,7 +3307,7 @@
           <a:p>
             <a:fld id="{8F5A1913-C1B8-42A7-81A1-2FE1D24E3BD3}" type="datetimeFigureOut">
               <a:rPr lang="hu-HU" smtClean="0"/>
-              <a:t>2022.09.13.</a:t>
+              <a:t>2022.09.15.</a:t>
             </a:fld>
             <a:endParaRPr lang="hu-HU"/>
           </a:p>
@@ -3843,21 +3843,34 @@
         </p:nvSpPr>
         <p:spPr>
           <a:xfrm>
-            <a:off x="3789680" y="2133600"/>
-            <a:ext cx="4338320" cy="1188212"/>
-          </a:xfrm>
-        </p:spPr>
-        <p:txBody>
-          <a:bodyPr/>
-          <a:lstStyle/>
-          <a:p>
-            <a:r>
-              <a:rPr lang="hu-HU" dirty="0">
+            <a:off x="3606915" y="2001253"/>
+            <a:ext cx="5055822" cy="1042736"/>
+          </a:xfrm>
+        </p:spPr>
+        <p:txBody>
+          <a:bodyPr>
+            <a:noAutofit/>
+          </a:bodyPr>
+          <a:lstStyle/>
+          <a:p>
+            <a:r>
+              <a:rPr lang="hu-HU" sz="4000" dirty="0" smtClean="0">
                 <a:latin typeface="Times New Roman" panose="02020603050405020304" pitchFamily="18" charset="0"/>
                 <a:cs typeface="Times New Roman" panose="02020603050405020304" pitchFamily="18" charset="0"/>
               </a:rPr>
-              <a:t>Hálózatok</a:t>
-            </a:r>
+              <a:t>Operációs </a:t>
+            </a:r>
+            <a:r>
+              <a:rPr lang="hu-HU" sz="4800" dirty="0" smtClean="0">
+                <a:latin typeface="Times New Roman" panose="02020603050405020304" pitchFamily="18" charset="0"/>
+                <a:cs typeface="Times New Roman" panose="02020603050405020304" pitchFamily="18" charset="0"/>
+              </a:rPr>
+              <a:t>rendszer</a:t>
+            </a:r>
+            <a:endParaRPr lang="pt-BR" sz="4800" dirty="0">
+              <a:latin typeface="Times New Roman" panose="02020603050405020304" pitchFamily="18" charset="0"/>
+              <a:cs typeface="Times New Roman" panose="02020603050405020304" pitchFamily="18" charset="0"/>
+            </a:endParaRPr>
           </a:p>
         </p:txBody>
       </p:sp>
@@ -4083,6 +4096,9 @@
           <a:bodyPr/>
           <a:lstStyle/>
           <a:p>
+            <a:pPr marL="0" indent="0">
+              <a:buNone/>
+            </a:pPr>
             <a:r>
               <a:rPr lang="hu-HU" dirty="0">
                 <a:solidFill>
@@ -4093,75 +4109,6 @@
                 </a:solidFill>
                 <a:hlinkClick r:id="rId2"/>
               </a:rPr>
-              <a:t>https://tinyurl.com/c564n5k2</a:t>
-            </a:r>
-            <a:endParaRPr lang="hu-HU" dirty="0">
-              <a:solidFill>
-                <a:schemeClr val="tx1">
-                  <a:lumMod val="95000"/>
-                  <a:lumOff val="5000"/>
-                </a:schemeClr>
-              </a:solidFill>
-            </a:endParaRPr>
-          </a:p>
-          <a:p>
-            <a:r>
-              <a:rPr lang="hu-HU" dirty="0">
-                <a:solidFill>
-                  <a:schemeClr val="tx1">
-                    <a:lumMod val="95000"/>
-                    <a:lumOff val="5000"/>
-                  </a:schemeClr>
-                </a:solidFill>
-                <a:hlinkClick r:id="rId3"/>
-              </a:rPr>
-              <a:t>https://tinyurl.com/rjnvs4ff</a:t>
-            </a:r>
-            <a:r>
-              <a:rPr lang="hu-HU" dirty="0">
-                <a:solidFill>
-                  <a:schemeClr val="tx1">
-                    <a:lumMod val="95000"/>
-                    <a:lumOff val="5000"/>
-                  </a:schemeClr>
-                </a:solidFill>
-              </a:rPr>
-              <a:t> </a:t>
-            </a:r>
-          </a:p>
-          <a:p>
-            <a:r>
-              <a:rPr lang="hu-HU" dirty="0">
-                <a:solidFill>
-                  <a:schemeClr val="tx1">
-                    <a:lumMod val="95000"/>
-                    <a:lumOff val="5000"/>
-                  </a:schemeClr>
-                </a:solidFill>
-                <a:hlinkClick r:id="rId4"/>
-              </a:rPr>
-              <a:t>https://tinyurl.com/a6btrmyp</a:t>
-            </a:r>
-            <a:endParaRPr lang="hu-HU" dirty="0">
-              <a:solidFill>
-                <a:schemeClr val="tx1">
-                  <a:lumMod val="95000"/>
-                  <a:lumOff val="5000"/>
-                </a:schemeClr>
-              </a:solidFill>
-            </a:endParaRPr>
-          </a:p>
-          <a:p>
-            <a:r>
-              <a:rPr lang="hu-HU" dirty="0">
-                <a:solidFill>
-                  <a:schemeClr val="tx1">
-                    <a:lumMod val="95000"/>
-                    <a:lumOff val="5000"/>
-                  </a:schemeClr>
-                </a:solidFill>
-                <a:hlinkClick r:id="rId5"/>
-              </a:rPr>
               <a:t>https://</a:t>
             </a:r>
             <a:r>
@@ -4172,9 +4119,9 @@
                     <a:lumOff val="5000"/>
                   </a:schemeClr>
                 </a:solidFill>
-                <a:hlinkClick r:id="rId5"/>
+                <a:hlinkClick r:id="rId2"/>
               </a:rPr>
-              <a:t>tinyurl.com/bdhw4ykw</a:t>
+              <a:t>tinyurl.com/m248cv5n</a:t>
             </a:r>
             <a:endParaRPr lang="hu-HU" dirty="0" smtClean="0">
               <a:solidFill>
@@ -4186,36 +4133,9 @@
             </a:endParaRPr>
           </a:p>
           <a:p>
-            <a:endParaRPr lang="hu-HU" dirty="0">
-              <a:solidFill>
-                <a:schemeClr val="tx1">
-                  <a:lumMod val="95000"/>
-                  <a:lumOff val="5000"/>
-                </a:schemeClr>
-              </a:solidFill>
-            </a:endParaRPr>
-          </a:p>
-          <a:p>
-            <a:endParaRPr lang="hu-HU" dirty="0" smtClean="0">
-              <a:solidFill>
-                <a:schemeClr val="tx1">
-                  <a:lumMod val="95000"/>
-                  <a:lumOff val="5000"/>
-                </a:schemeClr>
-              </a:solidFill>
-            </a:endParaRPr>
-          </a:p>
-          <a:p>
-            <a:endParaRPr lang="hu-HU" dirty="0">
-              <a:solidFill>
-                <a:schemeClr val="tx1">
-                  <a:lumMod val="95000"/>
-                  <a:lumOff val="5000"/>
-                </a:schemeClr>
-              </a:solidFill>
-            </a:endParaRPr>
-          </a:p>
-          <a:p>
+            <a:pPr marL="0" indent="0">
+              <a:buNone/>
+            </a:pPr>
             <a:endParaRPr lang="hu-HU" dirty="0">
               <a:solidFill>
                 <a:schemeClr val="tx1">
@@ -4236,7 +4156,7 @@
           <p:nvPr/>
         </p:nvPicPr>
         <p:blipFill>
-          <a:blip r:embed="rId6"/>
+          <a:blip r:embed="rId3"/>
           <a:stretch>
             <a:fillRect/>
           </a:stretch>
@@ -4305,8 +4225,8 @@
         </p:blipFill>
         <p:spPr>
           <a:xfrm>
-            <a:off x="812800" y="1655254"/>
-            <a:ext cx="10304463" cy="126107"/>
+            <a:off x="812800" y="1719986"/>
+            <a:ext cx="10773611" cy="131848"/>
           </a:xfrm>
           <a:prstGeom prst="rect">
             <a:avLst/>
@@ -4326,22 +4246,26 @@
         <p:spPr>
           <a:xfrm>
             <a:off x="1300480" y="460862"/>
-            <a:ext cx="3144520" cy="933687"/>
+            <a:ext cx="5148446" cy="1043085"/>
           </a:xfrm>
         </p:spPr>
         <p:txBody>
           <a:bodyPr>
-            <a:normAutofit fontScale="90000"/>
+            <a:normAutofit/>
           </a:bodyPr>
           <a:lstStyle/>
           <a:p>
             <a:r>
-              <a:rPr lang="hu-HU" dirty="0">
+              <a:rPr lang="hu-HU" dirty="0" smtClean="0">
                 <a:latin typeface="Times New Roman" panose="02020603050405020304" pitchFamily="18" charset="0"/>
                 <a:cs typeface="Times New Roman" panose="02020603050405020304" pitchFamily="18" charset="0"/>
               </a:rPr>
-              <a:t>Mi a hálózat</a:t>
-            </a:r>
+              <a:t>Felépítése</a:t>
+            </a:r>
+            <a:endParaRPr lang="hu-HU" dirty="0">
+              <a:latin typeface="Times New Roman" panose="02020603050405020304" pitchFamily="18" charset="0"/>
+              <a:cs typeface="Times New Roman" panose="02020603050405020304" pitchFamily="18" charset="0"/>
+            </a:endParaRPr>
           </a:p>
         </p:txBody>
       </p:sp>
@@ -4357,8 +4281,8 @@
         </p:nvSpPr>
         <p:spPr>
           <a:xfrm>
-            <a:off x="812800" y="2435225"/>
-            <a:ext cx="2717800" cy="1235075"/>
+            <a:off x="812799" y="2435225"/>
+            <a:ext cx="8234948" cy="3183522"/>
           </a:xfrm>
         </p:spPr>
         <p:txBody>
@@ -4368,82 +4292,46 @@
           <a:lstStyle/>
           <a:p>
             <a:r>
-              <a:rPr lang="hu-HU" sz="2400" dirty="0">
+              <a:rPr lang="hu-HU" sz="2400" dirty="0" smtClean="0">
                 <a:latin typeface="Times New Roman" panose="02020603050405020304" pitchFamily="18" charset="0"/>
                 <a:cs typeface="Times New Roman" panose="02020603050405020304" pitchFamily="18" charset="0"/>
               </a:rPr>
-              <a:t>Kettő vagy több összekapcsolt számítógép </a:t>
-            </a:r>
-          </a:p>
-        </p:txBody>
-      </p:sp>
-      <p:pic>
-        <p:nvPicPr>
-          <p:cNvPr id="1028" name="Picture 4" descr="Informatika 8. - I. Az informatikai eszközök használata - 2. Számítógépes  hálózatok"/>
-          <p:cNvPicPr>
-            <a:picLocks noChangeAspect="1" noChangeArrowheads="1"/>
-          </p:cNvPicPr>
-          <p:nvPr/>
-        </p:nvPicPr>
-        <p:blipFill>
-          <a:blip r:embed="rId3">
-            <a:extLst>
-              <a:ext uri="{28A0092B-C50C-407E-A947-70E740481C1C}">
-                <a14:useLocalDpi xmlns:a14="http://schemas.microsoft.com/office/drawing/2010/main" val="0"/>
-              </a:ext>
-            </a:extLst>
-          </a:blip>
-          <a:srcRect/>
-          <a:stretch>
-            <a:fillRect/>
-          </a:stretch>
-        </p:blipFill>
-        <p:spPr bwMode="auto">
-          <a:xfrm>
-            <a:off x="4816642" y="1158503"/>
-            <a:ext cx="6794500" cy="4246563"/>
-          </a:xfrm>
-          <a:prstGeom prst="rect">
-            <a:avLst/>
-          </a:prstGeom>
-          <a:noFill/>
-          <a:extLst>
-            <a:ext uri="{909E8E84-426E-40DD-AFC4-6F175D3DCCD1}">
-              <a14:hiddenFill xmlns:a14="http://schemas.microsoft.com/office/drawing/2010/main">
-                <a:solidFill>
-                  <a:srgbClr val="FFFFFF"/>
-                </a:solidFill>
-              </a14:hiddenFill>
-            </a:ext>
-          </a:extLst>
-        </p:spPr>
-      </p:pic>
-      <p:sp>
-        <p:nvSpPr>
-          <p:cNvPr id="4" name="Szövegdoboz 3"/>
-          <p:cNvSpPr txBox="1"/>
-          <p:nvPr/>
-        </p:nvSpPr>
-        <p:spPr>
-          <a:xfrm>
-            <a:off x="6883401" y="5829300"/>
-            <a:ext cx="1473200" cy="215444"/>
-          </a:xfrm>
-          <a:prstGeom prst="rect">
-            <a:avLst/>
-          </a:prstGeom>
-          <a:noFill/>
-        </p:spPr>
-        <p:txBody>
-          <a:bodyPr wrap="square" rtlCol="0">
-            <a:spAutoFit/>
-          </a:bodyPr>
-          <a:lstStyle/>
-          <a:p>
-            <a:r>
-              <a:rPr lang="hu-HU" sz="800" dirty="0"/>
-              <a:t>https://tinyurl.com/7hj7ht7b</a:t>
-            </a:r>
+              <a:t>Felhasználói felület</a:t>
+            </a:r>
+          </a:p>
+          <a:p>
+            <a:endParaRPr lang="hu-HU" sz="2400" dirty="0">
+              <a:latin typeface="Times New Roman" panose="02020603050405020304" pitchFamily="18" charset="0"/>
+              <a:cs typeface="Times New Roman" panose="02020603050405020304" pitchFamily="18" charset="0"/>
+            </a:endParaRPr>
+          </a:p>
+          <a:p>
+            <a:r>
+              <a:rPr lang="hu-HU" sz="2400" dirty="0" smtClean="0">
+                <a:latin typeface="Times New Roman" panose="02020603050405020304" pitchFamily="18" charset="0"/>
+                <a:cs typeface="Times New Roman" panose="02020603050405020304" pitchFamily="18" charset="0"/>
+              </a:rPr>
+              <a:t>Shell</a:t>
+            </a:r>
+          </a:p>
+          <a:p>
+            <a:endParaRPr lang="hu-HU" sz="2400" dirty="0">
+              <a:latin typeface="Times New Roman" panose="02020603050405020304" pitchFamily="18" charset="0"/>
+              <a:cs typeface="Times New Roman" panose="02020603050405020304" pitchFamily="18" charset="0"/>
+            </a:endParaRPr>
+          </a:p>
+          <a:p>
+            <a:r>
+              <a:rPr lang="hu-HU" sz="2400" dirty="0" smtClean="0">
+                <a:latin typeface="Times New Roman" panose="02020603050405020304" pitchFamily="18" charset="0"/>
+                <a:cs typeface="Times New Roman" panose="02020603050405020304" pitchFamily="18" charset="0"/>
+              </a:rPr>
+              <a:t>Kernel</a:t>
+            </a:r>
+            <a:endParaRPr lang="hu-HU" sz="2400" dirty="0">
+              <a:latin typeface="Times New Roman" panose="02020603050405020304" pitchFamily="18" charset="0"/>
+              <a:cs typeface="Times New Roman" panose="02020603050405020304" pitchFamily="18" charset="0"/>
+            </a:endParaRPr>
           </a:p>
         </p:txBody>
       </p:sp>
@@ -4493,7 +4381,7 @@
         </p:blipFill>
         <p:spPr>
           <a:xfrm>
-            <a:off x="985837" y="1673859"/>
+            <a:off x="974248" y="1676755"/>
             <a:ext cx="10304463" cy="126107"/>
           </a:xfrm>
           <a:prstGeom prst="rect">
@@ -4513,23 +4401,27 @@
         </p:nvSpPr>
         <p:spPr>
           <a:xfrm>
-            <a:off x="2748280" y="520700"/>
+            <a:off x="474311" y="566998"/>
             <a:ext cx="5367020" cy="838200"/>
           </a:xfrm>
         </p:spPr>
         <p:txBody>
           <a:bodyPr>
-            <a:normAutofit fontScale="90000"/>
+            <a:normAutofit/>
           </a:bodyPr>
           <a:lstStyle/>
           <a:p>
             <a:r>
-              <a:rPr lang="hu-HU" dirty="0">
+              <a:rPr lang="hu-HU" dirty="0" smtClean="0">
                 <a:latin typeface="Times New Roman" panose="02020603050405020304" pitchFamily="18" charset="0"/>
                 <a:cs typeface="Times New Roman" panose="02020603050405020304" pitchFamily="18" charset="0"/>
               </a:rPr>
-              <a:t>Mi kell egy hálózathoz </a:t>
-            </a:r>
+              <a:t>Kernel típusok</a:t>
+            </a:r>
+            <a:endParaRPr lang="hu-HU" dirty="0">
+              <a:latin typeface="Times New Roman" panose="02020603050405020304" pitchFamily="18" charset="0"/>
+              <a:cs typeface="Times New Roman" panose="02020603050405020304" pitchFamily="18" charset="0"/>
+            </a:endParaRPr>
           </a:p>
         </p:txBody>
       </p:sp>
@@ -4549,229 +4441,108 @@
             <p:ph idx="1"/>
           </p:nvPr>
         </p:nvSpPr>
-        <p:spPr/>
-        <p:txBody>
-          <a:bodyPr/>
-          <a:lstStyle/>
-          <a:p>
+        <p:spPr>
+          <a:xfrm>
+            <a:off x="974248" y="1802862"/>
+            <a:ext cx="2668604" cy="4061771"/>
+          </a:xfrm>
+        </p:spPr>
+        <p:txBody>
+          <a:bodyPr>
+            <a:normAutofit/>
+          </a:bodyPr>
+          <a:lstStyle/>
+          <a:p>
+            <a:r>
+              <a:rPr lang="hu-HU" sz="2400" dirty="0">
+                <a:latin typeface="Times New Roman" panose="02020603050405020304" pitchFamily="18" charset="0"/>
+                <a:cs typeface="Times New Roman" panose="02020603050405020304" pitchFamily="18" charset="0"/>
+              </a:rPr>
+              <a:t>monolitikus </a:t>
+            </a:r>
             <a:r>
               <a:rPr lang="hu-HU" sz="2400" dirty="0" smtClean="0">
                 <a:latin typeface="Times New Roman" panose="02020603050405020304" pitchFamily="18" charset="0"/>
                 <a:cs typeface="Times New Roman" panose="02020603050405020304" pitchFamily="18" charset="0"/>
               </a:rPr>
-              <a:t> </a:t>
-            </a:r>
+              <a:t>kernel</a:t>
+            </a:r>
+          </a:p>
+          <a:p>
+            <a:endParaRPr lang="hu-HU" sz="2400" dirty="0">
+              <a:latin typeface="Times New Roman" panose="02020603050405020304" pitchFamily="18" charset="0"/>
+              <a:cs typeface="Times New Roman" panose="02020603050405020304" pitchFamily="18" charset="0"/>
+            </a:endParaRPr>
+          </a:p>
+          <a:p>
             <a:r>
               <a:rPr lang="hu-HU" sz="2400" dirty="0">
                 <a:latin typeface="Times New Roman" panose="02020603050405020304" pitchFamily="18" charset="0"/>
                 <a:cs typeface="Times New Roman" panose="02020603050405020304" pitchFamily="18" charset="0"/>
               </a:rPr>
-              <a:t>operációs </a:t>
+              <a:t>hibrid </a:t>
             </a:r>
             <a:r>
               <a:rPr lang="hu-HU" sz="2400" dirty="0" smtClean="0">
                 <a:latin typeface="Times New Roman" panose="02020603050405020304" pitchFamily="18" charset="0"/>
                 <a:cs typeface="Times New Roman" panose="02020603050405020304" pitchFamily="18" charset="0"/>
               </a:rPr>
-              <a:t>rendszerre</a:t>
-            </a:r>
-          </a:p>
-          <a:p>
-            <a:r>
-              <a:rPr lang="hu-HU" sz="2400" dirty="0">
+              <a:t>kernel</a:t>
+            </a:r>
+          </a:p>
+          <a:p>
+            <a:endParaRPr lang="hu-HU" sz="2400" dirty="0">
+              <a:latin typeface="Times New Roman" panose="02020603050405020304" pitchFamily="18" charset="0"/>
+              <a:cs typeface="Times New Roman" panose="02020603050405020304" pitchFamily="18" charset="0"/>
+            </a:endParaRPr>
+          </a:p>
+          <a:p>
+            <a:r>
+              <a:rPr lang="hu-HU" sz="2400" dirty="0" err="1">
                 <a:latin typeface="Times New Roman" panose="02020603050405020304" pitchFamily="18" charset="0"/>
                 <a:cs typeface="Times New Roman" panose="02020603050405020304" pitchFamily="18" charset="0"/>
               </a:rPr>
-              <a:t/>
-            </a:r>
-            <a:br>
-              <a:rPr lang="hu-HU" sz="2400" dirty="0">
+              <a:t>m</a:t>
+            </a:r>
+            <a:r>
+              <a:rPr lang="hu-HU" sz="2400" dirty="0" err="1" smtClean="0">
                 <a:latin typeface="Times New Roman" panose="02020603050405020304" pitchFamily="18" charset="0"/>
                 <a:cs typeface="Times New Roman" panose="02020603050405020304" pitchFamily="18" charset="0"/>
               </a:rPr>
-            </a:br>
-            <a:r>
-              <a:rPr lang="hu-HU" sz="2400" dirty="0" smtClean="0">
-                <a:latin typeface="Times New Roman" panose="02020603050405020304" pitchFamily="18" charset="0"/>
-                <a:cs typeface="Times New Roman" panose="02020603050405020304" pitchFamily="18" charset="0"/>
-              </a:rPr>
-              <a:t> </a:t>
-            </a:r>
-            <a:r>
-              <a:rPr lang="hu-HU" sz="2400" dirty="0">
-                <a:latin typeface="Times New Roman" panose="02020603050405020304" pitchFamily="18" charset="0"/>
-                <a:cs typeface="Times New Roman" panose="02020603050405020304" pitchFamily="18" charset="0"/>
-              </a:rPr>
-              <a:t>hálózati </a:t>
-            </a:r>
-            <a:r>
-              <a:rPr lang="hu-HU" sz="2400" dirty="0" smtClean="0">
-                <a:latin typeface="Times New Roman" panose="02020603050405020304" pitchFamily="18" charset="0"/>
-                <a:cs typeface="Times New Roman" panose="02020603050405020304" pitchFamily="18" charset="0"/>
-              </a:rPr>
-              <a:t>kártyára</a:t>
-            </a:r>
-            <a:r>
-              <a:rPr lang="hu-HU" sz="2400" dirty="0">
-                <a:latin typeface="Times New Roman" panose="02020603050405020304" pitchFamily="18" charset="0"/>
-                <a:cs typeface="Times New Roman" panose="02020603050405020304" pitchFamily="18" charset="0"/>
-              </a:rPr>
-              <a:t/>
-            </a:r>
-            <a:br>
-              <a:rPr lang="hu-HU" sz="2400" dirty="0">
-                <a:latin typeface="Times New Roman" panose="02020603050405020304" pitchFamily="18" charset="0"/>
-                <a:cs typeface="Times New Roman" panose="02020603050405020304" pitchFamily="18" charset="0"/>
-              </a:rPr>
-            </a:br>
+              <a:t>ikrokernel</a:t>
+            </a:r>
             <a:endParaRPr lang="hu-HU" sz="2400" dirty="0" smtClean="0">
               <a:latin typeface="Times New Roman" panose="02020603050405020304" pitchFamily="18" charset="0"/>
               <a:cs typeface="Times New Roman" panose="02020603050405020304" pitchFamily="18" charset="0"/>
             </a:endParaRPr>
           </a:p>
           <a:p>
-            <a:r>
-              <a:rPr lang="hu-HU" sz="2400" dirty="0" smtClean="0">
-                <a:latin typeface="Times New Roman" panose="02020603050405020304" pitchFamily="18" charset="0"/>
-                <a:cs typeface="Times New Roman" panose="02020603050405020304" pitchFamily="18" charset="0"/>
-              </a:rPr>
-              <a:t> </a:t>
-            </a:r>
-            <a:r>
-              <a:rPr lang="hu-HU" sz="2400" dirty="0">
-                <a:latin typeface="Times New Roman" panose="02020603050405020304" pitchFamily="18" charset="0"/>
-                <a:cs typeface="Times New Roman" panose="02020603050405020304" pitchFamily="18" charset="0"/>
-              </a:rPr>
-              <a:t>átviteli </a:t>
-            </a:r>
-            <a:r>
-              <a:rPr lang="hu-HU" sz="2400" dirty="0" smtClean="0">
-                <a:latin typeface="Times New Roman" panose="02020603050405020304" pitchFamily="18" charset="0"/>
-                <a:cs typeface="Times New Roman" panose="02020603050405020304" pitchFamily="18" charset="0"/>
-              </a:rPr>
-              <a:t>közegre</a:t>
-            </a:r>
-            <a:r>
-              <a:rPr lang="hu-HU" sz="2400" dirty="0">
-                <a:latin typeface="Times New Roman" panose="02020603050405020304" pitchFamily="18" charset="0"/>
-                <a:cs typeface="Times New Roman" panose="02020603050405020304" pitchFamily="18" charset="0"/>
-              </a:rPr>
-              <a:t/>
-            </a:r>
-            <a:br>
-              <a:rPr lang="hu-HU" sz="2400" dirty="0">
-                <a:latin typeface="Times New Roman" panose="02020603050405020304" pitchFamily="18" charset="0"/>
-                <a:cs typeface="Times New Roman" panose="02020603050405020304" pitchFamily="18" charset="0"/>
-              </a:rPr>
-            </a:br>
-            <a:endParaRPr lang="hu-HU" sz="2400" dirty="0" smtClean="0">
-              <a:latin typeface="Times New Roman" panose="02020603050405020304" pitchFamily="18" charset="0"/>
-              <a:cs typeface="Times New Roman" panose="02020603050405020304" pitchFamily="18" charset="0"/>
-            </a:endParaRPr>
-          </a:p>
-          <a:p>
-            <a:r>
-              <a:rPr lang="hu-HU" sz="2400" dirty="0" smtClean="0">
-                <a:latin typeface="Times New Roman" panose="02020603050405020304" pitchFamily="18" charset="0"/>
-                <a:cs typeface="Times New Roman" panose="02020603050405020304" pitchFamily="18" charset="0"/>
-              </a:rPr>
-              <a:t> </a:t>
-            </a:r>
-            <a:r>
-              <a:rPr lang="hu-HU" sz="2400" dirty="0">
-                <a:latin typeface="Times New Roman" panose="02020603050405020304" pitchFamily="18" charset="0"/>
-                <a:cs typeface="Times New Roman" panose="02020603050405020304" pitchFamily="18" charset="0"/>
-              </a:rPr>
-              <a:t>kapcsoló </a:t>
-            </a:r>
-            <a:r>
-              <a:rPr lang="hu-HU" sz="2400" dirty="0" smtClean="0">
-                <a:latin typeface="Times New Roman" panose="02020603050405020304" pitchFamily="18" charset="0"/>
-                <a:cs typeface="Times New Roman" panose="02020603050405020304" pitchFamily="18" charset="0"/>
-              </a:rPr>
-              <a:t>elemekre</a:t>
-            </a:r>
             <a:endParaRPr lang="hu-HU" sz="2400" dirty="0">
               <a:latin typeface="Times New Roman" panose="02020603050405020304" pitchFamily="18" charset="0"/>
               <a:cs typeface="Times New Roman" panose="02020603050405020304" pitchFamily="18" charset="0"/>
             </a:endParaRPr>
           </a:p>
           <a:p>
-            <a:endParaRPr lang="hu-HU" dirty="0"/>
-          </a:p>
-        </p:txBody>
-      </p:sp>
-      <p:sp>
-        <p:nvSpPr>
-          <p:cNvPr id="4" name="Szövegdoboz 3"/>
-          <p:cNvSpPr txBox="1"/>
-          <p:nvPr/>
-        </p:nvSpPr>
-        <p:spPr>
-          <a:xfrm>
-            <a:off x="6715558" y="5626522"/>
-            <a:ext cx="1399742" cy="215444"/>
-          </a:xfrm>
-          <a:prstGeom prst="rect">
-            <a:avLst/>
-          </a:prstGeom>
-          <a:noFill/>
-        </p:spPr>
-        <p:txBody>
-          <a:bodyPr wrap="none" rtlCol="0">
-            <a:spAutoFit/>
-          </a:bodyPr>
-          <a:lstStyle/>
-          <a:p>
-            <a:r>
-              <a:rPr lang="hu-HU" sz="800" dirty="0"/>
-              <a:t>https://tinyurl.com/5n7yzr2c</a:t>
-            </a:r>
-            <a:endParaRPr lang="hu-HU" sz="800" dirty="0"/>
-          </a:p>
-        </p:txBody>
-      </p:sp>
-      <p:pic>
-        <p:nvPicPr>
-          <p:cNvPr id="3074" name="Picture 2" descr="Hálózat | Hálózati kártya | mysoft.hu"/>
-          <p:cNvPicPr>
-            <a:picLocks noChangeAspect="1" noChangeArrowheads="1"/>
-          </p:cNvPicPr>
-          <p:nvPr/>
-        </p:nvPicPr>
-        <p:blipFill>
-          <a:blip r:embed="rId3">
-            <a:extLst>
-              <a:ext uri="{28A0092B-C50C-407E-A947-70E740481C1C}">
-                <a14:useLocalDpi xmlns:a14="http://schemas.microsoft.com/office/drawing/2010/main" val="0"/>
-              </a:ext>
-            </a:extLst>
-          </a:blip>
-          <a:srcRect/>
-          <a:stretch>
-            <a:fillRect/>
-          </a:stretch>
-        </p:blipFill>
-        <p:spPr bwMode="auto">
-          <a:xfrm>
-            <a:off x="5257800" y="1464825"/>
-            <a:ext cx="4168107" cy="4168107"/>
-          </a:xfrm>
-          <a:prstGeom prst="rect">
-            <a:avLst/>
-          </a:prstGeom>
-          <a:noFill/>
-          <a:extLst>
-            <a:ext uri="{909E8E84-426E-40DD-AFC4-6F175D3DCCD1}">
-              <a14:hiddenFill xmlns:a14="http://schemas.microsoft.com/office/drawing/2010/main">
-                <a:solidFill>
-                  <a:srgbClr val="FFFFFF"/>
-                </a:solidFill>
-              </a14:hiddenFill>
-            </a:ext>
-          </a:extLst>
-        </p:spPr>
-      </p:pic>
+            <a:r>
+              <a:rPr lang="hu-HU" sz="2400" dirty="0" err="1" smtClean="0">
+                <a:latin typeface="Times New Roman" panose="02020603050405020304" pitchFamily="18" charset="0"/>
+                <a:cs typeface="Times New Roman" panose="02020603050405020304" pitchFamily="18" charset="0"/>
+              </a:rPr>
+              <a:t>exokernel</a:t>
+            </a:r>
+            <a:endParaRPr lang="hu-HU" sz="2400" dirty="0">
+              <a:latin typeface="Times New Roman" panose="02020603050405020304" pitchFamily="18" charset="0"/>
+              <a:cs typeface="Times New Roman" panose="02020603050405020304" pitchFamily="18" charset="0"/>
+            </a:endParaRPr>
+          </a:p>
+          <a:p>
+            <a:endParaRPr lang="hu-HU" sz="2400" dirty="0">
+              <a:latin typeface="Times New Roman" panose="02020603050405020304" pitchFamily="18" charset="0"/>
+              <a:cs typeface="Times New Roman" panose="02020603050405020304" pitchFamily="18" charset="0"/>
+            </a:endParaRPr>
+          </a:p>
+        </p:txBody>
+      </p:sp>
     </p:spTree>
     <p:extLst>
       <p:ext uri="{BB962C8B-B14F-4D97-AF65-F5344CB8AC3E}">
@@ -4818,8 +4589,8 @@
         </p:blipFill>
         <p:spPr>
           <a:xfrm>
-            <a:off x="1097280" y="1671638"/>
-            <a:ext cx="10058400" cy="133351"/>
+            <a:off x="1097278" y="1668953"/>
+            <a:ext cx="10380847" cy="137626"/>
           </a:xfrm>
           <a:prstGeom prst="rect">
             <a:avLst/>
@@ -4838,23 +4609,27 @@
         </p:nvSpPr>
         <p:spPr>
           <a:xfrm>
-            <a:off x="3496917" y="439577"/>
+            <a:off x="585275" y="752398"/>
             <a:ext cx="4414520" cy="813754"/>
           </a:xfrm>
         </p:spPr>
         <p:txBody>
           <a:bodyPr>
-            <a:normAutofit fontScale="90000"/>
+            <a:normAutofit/>
           </a:bodyPr>
           <a:lstStyle/>
           <a:p>
             <a:r>
-              <a:rPr lang="hu-HU" dirty="0">
+              <a:rPr lang="hu-HU" dirty="0" smtClean="0">
                 <a:latin typeface="Times New Roman" panose="02020603050405020304" pitchFamily="18" charset="0"/>
                 <a:cs typeface="Times New Roman" panose="02020603050405020304" pitchFamily="18" charset="0"/>
               </a:rPr>
-              <a:t>Hálózatok előnyei</a:t>
-            </a:r>
+              <a:t>Kernel feladatai</a:t>
+            </a:r>
+            <a:endParaRPr lang="hu-HU" dirty="0">
+              <a:latin typeface="Times New Roman" panose="02020603050405020304" pitchFamily="18" charset="0"/>
+              <a:cs typeface="Times New Roman" panose="02020603050405020304" pitchFamily="18" charset="0"/>
+            </a:endParaRPr>
           </a:p>
         </p:txBody>
       </p:sp>
@@ -4870,8 +4645,8 @@
         </p:nvSpPr>
         <p:spPr>
           <a:xfrm>
-            <a:off x="292100" y="1806578"/>
-            <a:ext cx="3341116" cy="1692526"/>
+            <a:off x="585275" y="1909380"/>
+            <a:ext cx="3878441" cy="3757494"/>
           </a:xfrm>
         </p:spPr>
         <p:txBody>
@@ -4880,113 +4655,67 @@
           </a:bodyPr>
           <a:lstStyle/>
           <a:p>
-            <a:pPr>
-              <a:buFont typeface="Arial" panose="020B0604020202020204" pitchFamily="34" charset="0"/>
-              <a:buChar char="•"/>
+            <a:pPr marL="0" indent="0">
+              <a:buNone/>
             </a:pPr>
             <a:r>
-              <a:rPr lang="hu-HU" sz="2400" dirty="0">
+              <a:rPr lang="hu-HU" sz="2400" dirty="0" smtClean="0">
                 <a:latin typeface="Times New Roman" panose="02020603050405020304" pitchFamily="18" charset="0"/>
                 <a:cs typeface="Times New Roman" panose="02020603050405020304" pitchFamily="18" charset="0"/>
               </a:rPr>
-              <a:t> fájlok megosztása.</a:t>
-            </a:r>
-          </a:p>
-          <a:p>
-            <a:pPr>
-              <a:buFont typeface="Arial" panose="020B0604020202020204" pitchFamily="34" charset="0"/>
-              <a:buChar char="•"/>
+              <a:t>Eszközök kezelése</a:t>
+            </a:r>
+          </a:p>
+          <a:p>
+            <a:pPr marL="0" indent="0">
+              <a:buNone/>
             </a:pPr>
-            <a:r>
-              <a:rPr lang="hu-HU" sz="2400" dirty="0">
+            <a:endParaRPr lang="hu-HU" sz="2400" dirty="0" smtClean="0">
+              <a:latin typeface="Times New Roman" panose="02020603050405020304" pitchFamily="18" charset="0"/>
+              <a:cs typeface="Times New Roman" panose="02020603050405020304" pitchFamily="18" charset="0"/>
+            </a:endParaRPr>
+          </a:p>
+          <a:p>
+            <a:pPr marL="0" indent="0">
+              <a:buNone/>
+            </a:pPr>
+            <a:r>
+              <a:rPr lang="hu-HU" sz="2400" dirty="0" smtClean="0">
                 <a:latin typeface="Times New Roman" panose="02020603050405020304" pitchFamily="18" charset="0"/>
                 <a:cs typeface="Times New Roman" panose="02020603050405020304" pitchFamily="18" charset="0"/>
               </a:rPr>
-              <a:t> perifériák megosztása.</a:t>
-            </a:r>
-          </a:p>
-          <a:p>
-            <a:pPr>
-              <a:buFont typeface="Arial" panose="020B0604020202020204" pitchFamily="34" charset="0"/>
-              <a:buChar char="•"/>
+              <a:t>Programok futásának kezelése</a:t>
+            </a:r>
+          </a:p>
+          <a:p>
+            <a:pPr marL="0" indent="0">
+              <a:buNone/>
             </a:pPr>
-            <a:r>
-              <a:rPr lang="hu-HU" sz="2400" dirty="0">
+            <a:endParaRPr lang="hu-HU" sz="2400" dirty="0" smtClean="0">
+              <a:latin typeface="Times New Roman" panose="02020603050405020304" pitchFamily="18" charset="0"/>
+              <a:cs typeface="Times New Roman" panose="02020603050405020304" pitchFamily="18" charset="0"/>
+            </a:endParaRPr>
+          </a:p>
+          <a:p>
+            <a:pPr marL="0" indent="0">
+              <a:buNone/>
+            </a:pPr>
+            <a:r>
+              <a:rPr lang="hu-HU" sz="2400" dirty="0" smtClean="0">
                 <a:latin typeface="Times New Roman" panose="02020603050405020304" pitchFamily="18" charset="0"/>
                 <a:cs typeface="Times New Roman" panose="02020603050405020304" pitchFamily="18" charset="0"/>
               </a:rPr>
-              <a:t> internet megosztása.</a:t>
-            </a:r>
-          </a:p>
-        </p:txBody>
-      </p:sp>
-      <p:pic>
-        <p:nvPicPr>
-          <p:cNvPr id="2050" name="Picture 2" descr="Nyomtató megosztása Windows 10 rendszerben - Komel Blog"/>
-          <p:cNvPicPr>
-            <a:picLocks noChangeAspect="1" noChangeArrowheads="1"/>
-          </p:cNvPicPr>
-          <p:nvPr/>
-        </p:nvPicPr>
-        <p:blipFill>
-          <a:blip r:embed="rId3">
-            <a:extLst>
-              <a:ext uri="{28A0092B-C50C-407E-A947-70E740481C1C}">
-                <a14:useLocalDpi xmlns:a14="http://schemas.microsoft.com/office/drawing/2010/main" val="0"/>
-              </a:ext>
-            </a:extLst>
-          </a:blip>
-          <a:srcRect/>
-          <a:stretch>
-            <a:fillRect/>
-          </a:stretch>
-        </p:blipFill>
-        <p:spPr bwMode="auto">
-          <a:xfrm>
-            <a:off x="4267200" y="1694498"/>
-            <a:ext cx="7288474" cy="3762058"/>
-          </a:xfrm>
-          <a:prstGeom prst="rect">
-            <a:avLst/>
-          </a:prstGeom>
-          <a:noFill/>
-          <a:extLst>
-            <a:ext uri="{909E8E84-426E-40DD-AFC4-6F175D3DCCD1}">
-              <a14:hiddenFill xmlns:a14="http://schemas.microsoft.com/office/drawing/2010/main">
-                <a:solidFill>
-                  <a:srgbClr val="FFFFFF"/>
-                </a:solidFill>
-              </a14:hiddenFill>
-            </a:ext>
-          </a:extLst>
-        </p:spPr>
-      </p:pic>
-      <p:sp>
-        <p:nvSpPr>
-          <p:cNvPr id="4" name="Szövegdoboz 3"/>
-          <p:cNvSpPr txBox="1"/>
-          <p:nvPr/>
-        </p:nvSpPr>
-        <p:spPr>
-          <a:xfrm>
-            <a:off x="8540041" y="5803900"/>
-            <a:ext cx="1426994" cy="215444"/>
-          </a:xfrm>
-          <a:prstGeom prst="rect">
-            <a:avLst/>
-          </a:prstGeom>
-          <a:noFill/>
-        </p:spPr>
-        <p:txBody>
-          <a:bodyPr wrap="none" rtlCol="0">
-            <a:spAutoFit/>
-          </a:bodyPr>
-          <a:lstStyle/>
-          <a:p>
-            <a:r>
-              <a:rPr lang="hu-HU" sz="800" dirty="0"/>
-              <a:t>https://tinyurl.com/yap955ex</a:t>
-            </a:r>
+              <a:t>Háttértárolók kezelése</a:t>
+            </a:r>
+          </a:p>
+          <a:p>
+            <a:pPr marL="0" indent="0">
+              <a:buNone/>
+            </a:pPr>
+            <a:endParaRPr lang="hu-HU" sz="2400" dirty="0">
+              <a:latin typeface="Times New Roman" panose="02020603050405020304" pitchFamily="18" charset="0"/>
+              <a:cs typeface="Times New Roman" panose="02020603050405020304" pitchFamily="18" charset="0"/>
+            </a:endParaRPr>
           </a:p>
         </p:txBody>
       </p:sp>
@@ -5037,7 +4766,7 @@
         <p:spPr>
           <a:xfrm>
             <a:off x="988996" y="1637295"/>
-            <a:ext cx="10101263" cy="314961"/>
+            <a:ext cx="10609446" cy="314961"/>
           </a:xfrm>
           <a:prstGeom prst="rect">
             <a:avLst/>
@@ -5056,8 +4785,8 @@
         </p:nvSpPr>
         <p:spPr>
           <a:xfrm>
-            <a:off x="1097280" y="965200"/>
-            <a:ext cx="4516120" cy="705484"/>
+            <a:off x="603985" y="664411"/>
+            <a:ext cx="6626994" cy="672095"/>
           </a:xfrm>
         </p:spPr>
         <p:txBody>
@@ -5067,12 +4796,16 @@
           <a:lstStyle/>
           <a:p>
             <a:r>
-              <a:rPr lang="hu-HU" dirty="0">
+              <a:rPr lang="hu-HU" dirty="0" smtClean="0">
                 <a:latin typeface="Times New Roman" panose="02020603050405020304" pitchFamily="18" charset="0"/>
                 <a:cs typeface="Times New Roman" panose="02020603050405020304" pitchFamily="18" charset="0"/>
               </a:rPr>
-              <a:t>Hálózatok fajtái</a:t>
-            </a:r>
+              <a:t>Operációs rendszer feladatai</a:t>
+            </a:r>
+            <a:endParaRPr lang="hu-HU" dirty="0">
+              <a:latin typeface="Times New Roman" panose="02020603050405020304" pitchFamily="18" charset="0"/>
+              <a:cs typeface="Times New Roman" panose="02020603050405020304" pitchFamily="18" charset="0"/>
+            </a:endParaRPr>
           </a:p>
         </p:txBody>
       </p:sp>
@@ -5088,8 +4821,8 @@
         </p:nvSpPr>
         <p:spPr>
           <a:xfrm>
-            <a:off x="1519514" y="2214193"/>
-            <a:ext cx="1473200" cy="2120951"/>
+            <a:off x="261650" y="1637295"/>
+            <a:ext cx="5946646" cy="4583031"/>
           </a:xfrm>
         </p:spPr>
         <p:txBody>
@@ -5098,120 +4831,131 @@
           </a:bodyPr>
           <a:lstStyle/>
           <a:p>
+            <a:pPr marL="0" indent="0">
+              <a:buNone/>
+            </a:pPr>
             <a:r>
               <a:rPr lang="hu-HU" sz="2400" dirty="0" smtClean="0">
                 <a:latin typeface="Times New Roman" panose="02020603050405020304" pitchFamily="18" charset="0"/>
                 <a:cs typeface="Times New Roman" panose="02020603050405020304" pitchFamily="18" charset="0"/>
               </a:rPr>
-              <a:t>PAN</a:t>
-            </a:r>
+              <a:t>Eszközök inicializálása</a:t>
+            </a:r>
+          </a:p>
+          <a:p>
+            <a:pPr marL="0" indent="0">
+              <a:buNone/>
+            </a:pPr>
+            <a:endParaRPr lang="hu-HU" sz="2400" dirty="0" smtClean="0">
+              <a:latin typeface="Times New Roman" panose="02020603050405020304" pitchFamily="18" charset="0"/>
+              <a:cs typeface="Times New Roman" panose="02020603050405020304" pitchFamily="18" charset="0"/>
+            </a:endParaRPr>
+          </a:p>
+          <a:p>
+            <a:pPr marL="0" indent="0">
+              <a:buNone/>
+            </a:pPr>
+            <a:r>
+              <a:rPr lang="hu-HU" sz="2400" dirty="0">
+                <a:latin typeface="Times New Roman" panose="02020603050405020304" pitchFamily="18" charset="0"/>
+                <a:cs typeface="Times New Roman" panose="02020603050405020304" pitchFamily="18" charset="0"/>
+              </a:rPr>
+              <a:t>Szolgáltatások </a:t>
+            </a:r>
+            <a:r>
+              <a:rPr lang="hu-HU" sz="2400" dirty="0" smtClean="0">
+                <a:latin typeface="Times New Roman" panose="02020603050405020304" pitchFamily="18" charset="0"/>
+                <a:cs typeface="Times New Roman" panose="02020603050405020304" pitchFamily="18" charset="0"/>
+              </a:rPr>
+              <a:t>elindítása</a:t>
+            </a:r>
+          </a:p>
+          <a:p>
+            <a:pPr marL="0" indent="0">
+              <a:buNone/>
+            </a:pPr>
             <a:endParaRPr lang="hu-HU" sz="2400" dirty="0">
               <a:latin typeface="Times New Roman" panose="02020603050405020304" pitchFamily="18" charset="0"/>
               <a:cs typeface="Times New Roman" panose="02020603050405020304" pitchFamily="18" charset="0"/>
             </a:endParaRPr>
           </a:p>
           <a:p>
+            <a:pPr marL="0" indent="0">
+              <a:buNone/>
+            </a:pPr>
             <a:r>
               <a:rPr lang="hu-HU" sz="2400" dirty="0">
                 <a:latin typeface="Times New Roman" panose="02020603050405020304" pitchFamily="18" charset="0"/>
                 <a:cs typeface="Times New Roman" panose="02020603050405020304" pitchFamily="18" charset="0"/>
               </a:rPr>
-              <a:t>LAN</a:t>
-            </a:r>
-          </a:p>
-          <a:p>
+              <a:t>Felhasználói interakció </a:t>
+            </a:r>
+            <a:r>
+              <a:rPr lang="hu-HU" sz="2400" dirty="0" smtClean="0">
+                <a:latin typeface="Times New Roman" panose="02020603050405020304" pitchFamily="18" charset="0"/>
+                <a:cs typeface="Times New Roman" panose="02020603050405020304" pitchFamily="18" charset="0"/>
+              </a:rPr>
+              <a:t>megkezdése</a:t>
+            </a:r>
+          </a:p>
+          <a:p>
+            <a:pPr marL="0" indent="0">
+              <a:buNone/>
+            </a:pPr>
+            <a:endParaRPr lang="hu-HU" sz="2400" dirty="0">
+              <a:latin typeface="Times New Roman" panose="02020603050405020304" pitchFamily="18" charset="0"/>
+              <a:cs typeface="Times New Roman" panose="02020603050405020304" pitchFamily="18" charset="0"/>
+            </a:endParaRPr>
+          </a:p>
+          <a:p>
+            <a:pPr marL="0" indent="0">
+              <a:buNone/>
+            </a:pPr>
+            <a:r>
+              <a:rPr lang="hu-HU" sz="2400" dirty="0" smtClean="0">
+                <a:latin typeface="Times New Roman" panose="02020603050405020304" pitchFamily="18" charset="0"/>
+                <a:cs typeface="Times New Roman" panose="02020603050405020304" pitchFamily="18" charset="0"/>
+              </a:rPr>
+              <a:t>Bejelentkeztetés</a:t>
+            </a:r>
+          </a:p>
+          <a:p>
+            <a:pPr marL="0" indent="0">
+              <a:buNone/>
+            </a:pPr>
+            <a:endParaRPr lang="hu-HU" sz="2400" dirty="0">
+              <a:latin typeface="Times New Roman" panose="02020603050405020304" pitchFamily="18" charset="0"/>
+              <a:cs typeface="Times New Roman" panose="02020603050405020304" pitchFamily="18" charset="0"/>
+            </a:endParaRPr>
+          </a:p>
+          <a:p>
+            <a:pPr marL="0" indent="0">
+              <a:buNone/>
+            </a:pPr>
             <a:r>
               <a:rPr lang="hu-HU" sz="2400" dirty="0">
                 <a:latin typeface="Times New Roman" panose="02020603050405020304" pitchFamily="18" charset="0"/>
                 <a:cs typeface="Times New Roman" panose="02020603050405020304" pitchFamily="18" charset="0"/>
               </a:rPr>
-              <a:t>MAN</a:t>
-            </a:r>
-          </a:p>
-          <a:p>
-            <a:r>
-              <a:rPr lang="hu-HU" sz="2400" dirty="0">
+              <a:t>Automatikusan induló programok </a:t>
+            </a:r>
+            <a:r>
+              <a:rPr lang="hu-HU" sz="2400" dirty="0" smtClean="0">
                 <a:latin typeface="Times New Roman" panose="02020603050405020304" pitchFamily="18" charset="0"/>
                 <a:cs typeface="Times New Roman" panose="02020603050405020304" pitchFamily="18" charset="0"/>
               </a:rPr>
-              <a:t>WAN</a:t>
-            </a:r>
-          </a:p>
-          <a:p>
+              <a:t>indítása</a:t>
+            </a:r>
             <a:endParaRPr lang="hu-HU" sz="2400" dirty="0">
               <a:latin typeface="Times New Roman" panose="02020603050405020304" pitchFamily="18" charset="0"/>
               <a:cs typeface="Times New Roman" panose="02020603050405020304" pitchFamily="18" charset="0"/>
             </a:endParaRPr>
           </a:p>
-        </p:txBody>
-      </p:sp>
-      <p:pic>
-        <p:nvPicPr>
-          <p:cNvPr id="4098" name="Picture 2" descr="LAN :::::: Powered by: www.webtar.hu ::::::*"/>
-          <p:cNvPicPr>
-            <a:picLocks noChangeAspect="1" noChangeArrowheads="1"/>
-          </p:cNvPicPr>
-          <p:nvPr/>
-        </p:nvPicPr>
-        <p:blipFill>
-          <a:blip r:embed="rId3">
-            <a:extLst>
-              <a:ext uri="{28A0092B-C50C-407E-A947-70E740481C1C}">
-                <a14:useLocalDpi xmlns:a14="http://schemas.microsoft.com/office/drawing/2010/main" val="0"/>
-              </a:ext>
-            </a:extLst>
-          </a:blip>
-          <a:srcRect/>
-          <a:stretch>
-            <a:fillRect/>
-          </a:stretch>
-        </p:blipFill>
-        <p:spPr bwMode="auto">
-          <a:xfrm>
-            <a:off x="5953729" y="1036317"/>
-            <a:ext cx="5667048" cy="4161739"/>
-          </a:xfrm>
-          <a:prstGeom prst="rect">
-            <a:avLst/>
-          </a:prstGeom>
-          <a:noFill/>
-          <a:extLst>
-            <a:ext uri="{909E8E84-426E-40DD-AFC4-6F175D3DCCD1}">
-              <a14:hiddenFill xmlns:a14="http://schemas.microsoft.com/office/drawing/2010/main">
-                <a:solidFill>
-                  <a:srgbClr val="FFFFFF"/>
-                </a:solidFill>
-              </a14:hiddenFill>
-            </a:ext>
-          </a:extLst>
-        </p:spPr>
-      </p:pic>
-      <p:sp>
-        <p:nvSpPr>
-          <p:cNvPr id="4" name="Szövegdoboz 3"/>
-          <p:cNvSpPr txBox="1"/>
-          <p:nvPr/>
-        </p:nvSpPr>
-        <p:spPr>
-          <a:xfrm>
-            <a:off x="9029700" y="5867400"/>
-            <a:ext cx="1383712" cy="215444"/>
-          </a:xfrm>
-          <a:prstGeom prst="rect">
-            <a:avLst/>
-          </a:prstGeom>
-          <a:noFill/>
-        </p:spPr>
-        <p:txBody>
-          <a:bodyPr wrap="none" rtlCol="0">
-            <a:spAutoFit/>
-          </a:bodyPr>
-          <a:lstStyle/>
-          <a:p>
-            <a:r>
-              <a:rPr lang="hu-HU" sz="800" dirty="0"/>
-              <a:t>https://tinyurl.com/vd7xxsfc</a:t>
-            </a:r>
+          <a:p>
+            <a:endParaRPr lang="hu-HU" sz="2400" dirty="0">
+              <a:latin typeface="Times New Roman" panose="02020603050405020304" pitchFamily="18" charset="0"/>
+              <a:cs typeface="Times New Roman" panose="02020603050405020304" pitchFamily="18" charset="0"/>
+            </a:endParaRPr>
           </a:p>
         </p:txBody>
       </p:sp>
@@ -5281,23 +5025,29 @@
         </p:nvSpPr>
         <p:spPr>
           <a:xfrm>
-            <a:off x="3116179" y="186538"/>
-            <a:ext cx="5440680" cy="1450757"/>
+            <a:off x="2598821" y="186538"/>
+            <a:ext cx="6749716" cy="1765718"/>
           </a:xfrm>
         </p:spPr>
         <p:txBody>
           <a:bodyPr>
-            <a:normAutofit/>
+            <a:normAutofit fontScale="90000"/>
           </a:bodyPr>
           <a:lstStyle/>
           <a:p>
             <a:r>
-              <a:rPr lang="hu-HU" sz="4300" dirty="0" smtClean="0">
+              <a:rPr lang="hu-HU" dirty="0">
                 <a:latin typeface="Times New Roman" panose="02020603050405020304" pitchFamily="18" charset="0"/>
                 <a:cs typeface="Times New Roman" panose="02020603050405020304" pitchFamily="18" charset="0"/>
               </a:rPr>
-              <a:t>Hálózati modellek</a:t>
-            </a:r>
+              <a:t>Operációs rendszer változatok</a:t>
+            </a:r>
+            <a:br>
+              <a:rPr lang="hu-HU" dirty="0">
+                <a:latin typeface="Times New Roman" panose="02020603050405020304" pitchFamily="18" charset="0"/>
+                <a:cs typeface="Times New Roman" panose="02020603050405020304" pitchFamily="18" charset="0"/>
+              </a:rPr>
+            </a:br>
             <a:endParaRPr lang="hu-HU" sz="4300" dirty="0">
               <a:latin typeface="Times New Roman" panose="02020603050405020304" pitchFamily="18" charset="0"/>
               <a:cs typeface="Times New Roman" panose="02020603050405020304" pitchFamily="18" charset="0"/>
@@ -5317,8 +5067,8 @@
         </p:nvSpPr>
         <p:spPr>
           <a:xfrm>
-            <a:off x="923575" y="1952256"/>
-            <a:ext cx="3342373" cy="3592540"/>
+            <a:off x="854242" y="1867035"/>
+            <a:ext cx="2995863" cy="1850723"/>
           </a:xfrm>
         </p:spPr>
         <p:txBody>
@@ -5327,76 +5077,37 @@
           </a:bodyPr>
           <a:lstStyle/>
           <a:p>
-            <a:endParaRPr lang="hu-HU" sz="2400" dirty="0" smtClean="0">
-              <a:latin typeface="Times New Roman" panose="02020603050405020304" pitchFamily="18" charset="0"/>
-              <a:cs typeface="Times New Roman" panose="02020603050405020304" pitchFamily="18" charset="0"/>
-            </a:endParaRPr>
-          </a:p>
-          <a:p>
+            <a:r>
+              <a:rPr lang="hu-HU" sz="2400" dirty="0">
+                <a:latin typeface="Times New Roman" panose="02020603050405020304" pitchFamily="18" charset="0"/>
+                <a:cs typeface="Times New Roman" panose="02020603050405020304" pitchFamily="18" charset="0"/>
+              </a:rPr>
+              <a:t>Microsoft Windows</a:t>
+            </a:r>
+          </a:p>
+          <a:p>
+            <a:r>
+              <a:rPr lang="hu-HU" sz="2400" dirty="0">
+                <a:latin typeface="Times New Roman" panose="02020603050405020304" pitchFamily="18" charset="0"/>
+                <a:cs typeface="Times New Roman" panose="02020603050405020304" pitchFamily="18" charset="0"/>
+              </a:rPr>
+              <a:t>Linux</a:t>
+            </a:r>
+          </a:p>
+          <a:p>
+            <a:r>
+              <a:rPr lang="hu-HU" sz="2400" dirty="0">
+                <a:latin typeface="Times New Roman" panose="02020603050405020304" pitchFamily="18" charset="0"/>
+                <a:cs typeface="Times New Roman" panose="02020603050405020304" pitchFamily="18" charset="0"/>
+              </a:rPr>
+              <a:t>Mac OS </a:t>
+            </a:r>
             <a:r>
               <a:rPr lang="hu-HU" sz="2400" dirty="0" smtClean="0">
                 <a:latin typeface="Times New Roman" panose="02020603050405020304" pitchFamily="18" charset="0"/>
                 <a:cs typeface="Times New Roman" panose="02020603050405020304" pitchFamily="18" charset="0"/>
               </a:rPr>
-              <a:t>Kliens Server Modell</a:t>
-            </a:r>
-          </a:p>
-          <a:p>
-            <a:endParaRPr lang="hu-HU" sz="2400" dirty="0">
-              <a:latin typeface="Times New Roman" panose="02020603050405020304" pitchFamily="18" charset="0"/>
-              <a:cs typeface="Times New Roman" panose="02020603050405020304" pitchFamily="18" charset="0"/>
-            </a:endParaRPr>
-          </a:p>
-          <a:p>
-            <a:r>
-              <a:rPr lang="hu-HU" sz="2400" dirty="0" err="1" smtClean="0">
-                <a:latin typeface="Times New Roman" panose="02020603050405020304" pitchFamily="18" charset="0"/>
-                <a:cs typeface="Times New Roman" panose="02020603050405020304" pitchFamily="18" charset="0"/>
-              </a:rPr>
-              <a:t>Host</a:t>
-            </a:r>
-            <a:r>
-              <a:rPr lang="hu-HU" sz="2400" dirty="0" smtClean="0">
-                <a:latin typeface="Times New Roman" panose="02020603050405020304" pitchFamily="18" charset="0"/>
-                <a:cs typeface="Times New Roman" panose="02020603050405020304" pitchFamily="18" charset="0"/>
-              </a:rPr>
-              <a:t> Terminal Modell</a:t>
-            </a:r>
-          </a:p>
-          <a:p>
-            <a:endParaRPr lang="hu-HU" sz="2400" dirty="0">
-              <a:latin typeface="Times New Roman" panose="02020603050405020304" pitchFamily="18" charset="0"/>
-              <a:cs typeface="Times New Roman" panose="02020603050405020304" pitchFamily="18" charset="0"/>
-            </a:endParaRPr>
-          </a:p>
-          <a:p>
-            <a:r>
-              <a:rPr lang="hu-HU" sz="2400" dirty="0" smtClean="0">
-                <a:latin typeface="Times New Roman" panose="02020603050405020304" pitchFamily="18" charset="0"/>
-                <a:cs typeface="Times New Roman" panose="02020603050405020304" pitchFamily="18" charset="0"/>
-              </a:rPr>
-              <a:t>Peer </a:t>
-            </a:r>
-            <a:r>
-              <a:rPr lang="hu-HU" sz="2400" dirty="0" err="1">
-                <a:latin typeface="Times New Roman" panose="02020603050405020304" pitchFamily="18" charset="0"/>
-                <a:cs typeface="Times New Roman" panose="02020603050405020304" pitchFamily="18" charset="0"/>
-              </a:rPr>
-              <a:t>t</a:t>
-            </a:r>
-            <a:r>
-              <a:rPr lang="hu-HU" sz="2400" dirty="0" err="1" smtClean="0">
-                <a:latin typeface="Times New Roman" panose="02020603050405020304" pitchFamily="18" charset="0"/>
-                <a:cs typeface="Times New Roman" panose="02020603050405020304" pitchFamily="18" charset="0"/>
-              </a:rPr>
-              <a:t>o</a:t>
-            </a:r>
-            <a:r>
-              <a:rPr lang="hu-HU" sz="2400" dirty="0" smtClean="0">
-                <a:latin typeface="Times New Roman" panose="02020603050405020304" pitchFamily="18" charset="0"/>
-                <a:cs typeface="Times New Roman" panose="02020603050405020304" pitchFamily="18" charset="0"/>
-              </a:rPr>
-              <a:t> Peer Modell</a:t>
+              <a:t>X</a:t>
             </a:r>
             <a:endParaRPr lang="hu-HU" sz="2400" dirty="0">
               <a:latin typeface="Times New Roman" panose="02020603050405020304" pitchFamily="18" charset="0"/>
@@ -5421,81 +5132,82 @@
         </p:blipFill>
         <p:spPr>
           <a:xfrm>
-            <a:off x="988996" y="1637295"/>
-            <a:ext cx="10101263" cy="314961"/>
+            <a:off x="1073217" y="1552075"/>
+            <a:ext cx="10513193" cy="314961"/>
           </a:xfrm>
           <a:prstGeom prst="rect">
             <a:avLst/>
           </a:prstGeom>
         </p:spPr>
       </p:pic>
-      <p:pic>
-        <p:nvPicPr>
-          <p:cNvPr id="2050" name="Picture 2" descr="Peer-to-peer - Wikipedia"/>
-          <p:cNvPicPr>
-            <a:picLocks noChangeAspect="1" noChangeArrowheads="1"/>
-          </p:cNvPicPr>
+      <p:sp>
+        <p:nvSpPr>
+          <p:cNvPr id="6" name="Szövegdoboz 5"/>
+          <p:cNvSpPr txBox="1"/>
           <p:nvPr/>
-        </p:nvPicPr>
-        <p:blipFill>
-          <a:blip r:embed="rId3" cstate="print">
-            <a:extLst>
-              <a:ext uri="{28A0092B-C50C-407E-A947-70E740481C1C}">
-                <a14:useLocalDpi xmlns:a14="http://schemas.microsoft.com/office/drawing/2010/main" val="0"/>
-              </a:ext>
-            </a:extLst>
-          </a:blip>
-          <a:srcRect/>
-          <a:stretch>
-            <a:fillRect/>
-          </a:stretch>
-        </p:blipFill>
-        <p:spPr bwMode="auto">
-          <a:xfrm>
-            <a:off x="5708824" y="1952256"/>
-            <a:ext cx="3938558" cy="3429828"/>
+        </p:nvSpPr>
+        <p:spPr>
+          <a:xfrm>
+            <a:off x="7146758" y="1905270"/>
+            <a:ext cx="3705726" cy="1569660"/>
           </a:xfrm>
           <a:prstGeom prst="rect">
             <a:avLst/>
           </a:prstGeom>
           <a:noFill/>
-          <a:extLst>
-            <a:ext uri="{909E8E84-426E-40DD-AFC4-6F175D3DCCD1}">
-              <a14:hiddenFill xmlns:a14="http://schemas.microsoft.com/office/drawing/2010/main">
-                <a:solidFill>
-                  <a:srgbClr val="FFFFFF"/>
-                </a:solidFill>
-              </a14:hiddenFill>
-            </a:ext>
-          </a:extLst>
-        </p:spPr>
-      </p:pic>
-      <p:sp>
-        <p:nvSpPr>
-          <p:cNvPr id="5" name="Szövegdoboz 4"/>
-          <p:cNvSpPr txBox="1"/>
-          <p:nvPr/>
-        </p:nvSpPr>
-        <p:spPr>
-          <a:xfrm>
-            <a:off x="9962148" y="4090737"/>
-            <a:ext cx="1433406" cy="215444"/>
-          </a:xfrm>
-          <a:prstGeom prst="rect">
-            <a:avLst/>
-          </a:prstGeom>
-          <a:noFill/>
-        </p:spPr>
-        <p:txBody>
-          <a:bodyPr wrap="none" rtlCol="0">
+        </p:spPr>
+        <p:txBody>
+          <a:bodyPr wrap="square" rtlCol="0">
             <a:spAutoFit/>
           </a:bodyPr>
           <a:lstStyle/>
           <a:p>
             <a:r>
-              <a:rPr lang="hu-HU" sz="800" dirty="0"/>
-              <a:t>https://tinyurl.com/hea44ch5</a:t>
-            </a:r>
+              <a:rPr lang="hu-HU" sz="2400" dirty="0" err="1">
+                <a:latin typeface="Times New Roman" panose="02020603050405020304" pitchFamily="18" charset="0"/>
+                <a:cs typeface="Times New Roman" panose="02020603050405020304" pitchFamily="18" charset="0"/>
+              </a:rPr>
+              <a:t>Android</a:t>
+            </a:r>
+            <a:endParaRPr lang="hu-HU" sz="2400" dirty="0">
+              <a:latin typeface="Times New Roman" panose="02020603050405020304" pitchFamily="18" charset="0"/>
+              <a:cs typeface="Times New Roman" panose="02020603050405020304" pitchFamily="18" charset="0"/>
+            </a:endParaRPr>
+          </a:p>
+          <a:p>
+            <a:r>
+              <a:rPr lang="hu-HU" sz="2400" dirty="0">
+                <a:latin typeface="Times New Roman" panose="02020603050405020304" pitchFamily="18" charset="0"/>
+                <a:cs typeface="Times New Roman" panose="02020603050405020304" pitchFamily="18" charset="0"/>
+              </a:rPr>
+              <a:t>IOS</a:t>
+            </a:r>
+          </a:p>
+          <a:p>
+            <a:r>
+              <a:rPr lang="hu-HU" sz="2400" dirty="0">
+                <a:latin typeface="Times New Roman" panose="02020603050405020304" pitchFamily="18" charset="0"/>
+                <a:cs typeface="Times New Roman" panose="02020603050405020304" pitchFamily="18" charset="0"/>
+              </a:rPr>
+              <a:t>Windows </a:t>
+            </a:r>
+            <a:r>
+              <a:rPr lang="hu-HU" sz="2400" dirty="0" err="1">
+                <a:latin typeface="Times New Roman" panose="02020603050405020304" pitchFamily="18" charset="0"/>
+                <a:cs typeface="Times New Roman" panose="02020603050405020304" pitchFamily="18" charset="0"/>
+              </a:rPr>
+              <a:t>Phone</a:t>
+            </a:r>
+            <a:endParaRPr lang="hu-HU" sz="2400" dirty="0">
+              <a:latin typeface="Times New Roman" panose="02020603050405020304" pitchFamily="18" charset="0"/>
+              <a:cs typeface="Times New Roman" panose="02020603050405020304" pitchFamily="18" charset="0"/>
+            </a:endParaRPr>
+          </a:p>
+          <a:p>
+            <a:endParaRPr lang="hu-HU" sz="2400" dirty="0">
+              <a:latin typeface="Times New Roman" panose="02020603050405020304" pitchFamily="18" charset="0"/>
+              <a:cs typeface="Times New Roman" panose="02020603050405020304" pitchFamily="18" charset="0"/>
+            </a:endParaRPr>
           </a:p>
         </p:txBody>
       </p:sp>
@@ -5546,7 +5258,7 @@
         <p:spPr>
           <a:xfrm>
             <a:off x="1033336" y="1521337"/>
-            <a:ext cx="10101263" cy="314961"/>
+            <a:ext cx="10661359" cy="314961"/>
           </a:xfrm>
           <a:prstGeom prst="rect">
             <a:avLst/>
@@ -5575,13 +5287,10 @@
           </a:bodyPr>
           <a:lstStyle/>
           <a:p>
-            <a:r>
-              <a:rPr lang="hu-HU" sz="4300" dirty="0">
-                <a:latin typeface="Times New Roman" panose="02020603050405020304" pitchFamily="18" charset="0"/>
-                <a:cs typeface="Times New Roman" panose="02020603050405020304" pitchFamily="18" charset="0"/>
-              </a:rPr>
-              <a:t>Hálózatok topológiája</a:t>
-            </a:r>
+            <a:endParaRPr lang="hu-HU" sz="4300" dirty="0">
+              <a:latin typeface="Times New Roman" panose="02020603050405020304" pitchFamily="18" charset="0"/>
+              <a:cs typeface="Times New Roman" panose="02020603050405020304" pitchFamily="18" charset="0"/>
+            </a:endParaRPr>
           </a:p>
         </p:txBody>
       </p:sp>
@@ -5597,8 +5306,8 @@
         </p:nvSpPr>
         <p:spPr>
           <a:xfrm>
-            <a:off x="614680" y="1968500"/>
-            <a:ext cx="2192020" cy="3733800"/>
+            <a:off x="819216" y="2222948"/>
+            <a:ext cx="4161857" cy="3529932"/>
           </a:xfrm>
         </p:spPr>
         <p:txBody>
@@ -5606,266 +5315,11 @@
             <a:normAutofit/>
           </a:bodyPr>
           <a:lstStyle/>
-          <a:p>
-            <a:r>
-              <a:rPr lang="hu-HU" sz="2400" dirty="0">
-                <a:latin typeface="Times New Roman" panose="02020603050405020304" pitchFamily="18" charset="0"/>
-                <a:cs typeface="Times New Roman" panose="02020603050405020304" pitchFamily="18" charset="0"/>
-              </a:rPr>
-              <a:t>Sín topológia</a:t>
-            </a:r>
-          </a:p>
           <a:p>
             <a:endParaRPr lang="hu-HU" sz="2400" dirty="0">
               <a:latin typeface="Times New Roman" panose="02020603050405020304" pitchFamily="18" charset="0"/>
               <a:cs typeface="Times New Roman" panose="02020603050405020304" pitchFamily="18" charset="0"/>
             </a:endParaRPr>
-          </a:p>
-          <a:p>
-            <a:endParaRPr lang="hu-HU" sz="2400" dirty="0">
-              <a:latin typeface="Times New Roman" panose="02020603050405020304" pitchFamily="18" charset="0"/>
-              <a:cs typeface="Times New Roman" panose="02020603050405020304" pitchFamily="18" charset="0"/>
-            </a:endParaRPr>
-          </a:p>
-          <a:p>
-            <a:r>
-              <a:rPr lang="hu-HU" sz="2400" dirty="0">
-                <a:latin typeface="Times New Roman" panose="02020603050405020304" pitchFamily="18" charset="0"/>
-                <a:cs typeface="Times New Roman" panose="02020603050405020304" pitchFamily="18" charset="0"/>
-              </a:rPr>
-              <a:t>Csillag topológia</a:t>
-            </a:r>
-          </a:p>
-          <a:p>
-            <a:endParaRPr lang="hu-HU" sz="2400" dirty="0">
-              <a:latin typeface="Times New Roman" panose="02020603050405020304" pitchFamily="18" charset="0"/>
-              <a:cs typeface="Times New Roman" panose="02020603050405020304" pitchFamily="18" charset="0"/>
-            </a:endParaRPr>
-          </a:p>
-          <a:p>
-            <a:endParaRPr lang="hu-HU" sz="2400" dirty="0">
-              <a:latin typeface="Times New Roman" panose="02020603050405020304" pitchFamily="18" charset="0"/>
-              <a:cs typeface="Times New Roman" panose="02020603050405020304" pitchFamily="18" charset="0"/>
-            </a:endParaRPr>
-          </a:p>
-          <a:p>
-            <a:r>
-              <a:rPr lang="hu-HU" sz="2400" dirty="0">
-                <a:latin typeface="Times New Roman" panose="02020603050405020304" pitchFamily="18" charset="0"/>
-                <a:cs typeface="Times New Roman" panose="02020603050405020304" pitchFamily="18" charset="0"/>
-              </a:rPr>
-              <a:t>Gyűrű topológia</a:t>
-            </a:r>
-          </a:p>
-        </p:txBody>
-      </p:sp>
-      <p:pic>
-        <p:nvPicPr>
-          <p:cNvPr id="2050" name="Picture 2" descr="http://www.agr.unideb.hu/~agocs/informatics/05_h_ecdl/ECDLweb/ecdlweb.uw.hu/m1lan1.gif"/>
-          <p:cNvPicPr>
-            <a:picLocks noChangeAspect="1" noChangeArrowheads="1"/>
-          </p:cNvPicPr>
-          <p:nvPr/>
-        </p:nvPicPr>
-        <p:blipFill>
-          <a:blip r:embed="rId3">
-            <a:extLst>
-              <a:ext uri="{28A0092B-C50C-407E-A947-70E740481C1C}">
-                <a14:useLocalDpi xmlns:a14="http://schemas.microsoft.com/office/drawing/2010/main" val="0"/>
-              </a:ext>
-            </a:extLst>
-          </a:blip>
-          <a:srcRect/>
-          <a:stretch>
-            <a:fillRect/>
-          </a:stretch>
-        </p:blipFill>
-        <p:spPr bwMode="auto">
-          <a:xfrm>
-            <a:off x="3317557" y="1313723"/>
-            <a:ext cx="4255132" cy="1328193"/>
-          </a:xfrm>
-          <a:prstGeom prst="rect">
-            <a:avLst/>
-          </a:prstGeom>
-          <a:noFill/>
-          <a:extLst>
-            <a:ext uri="{909E8E84-426E-40DD-AFC4-6F175D3DCCD1}">
-              <a14:hiddenFill xmlns:a14="http://schemas.microsoft.com/office/drawing/2010/main">
-                <a:solidFill>
-                  <a:srgbClr val="FFFFFF"/>
-                </a:solidFill>
-              </a14:hiddenFill>
-            </a:ext>
-          </a:extLst>
-        </p:spPr>
-      </p:pic>
-      <p:pic>
-        <p:nvPicPr>
-          <p:cNvPr id="2052" name="Picture 4" descr="http://www.agr.unideb.hu/~agocs/informatics/05_h_ecdl/ECDLweb/ecdlweb.uw.hu/m1lan2.gif"/>
-          <p:cNvPicPr>
-            <a:picLocks noChangeAspect="1" noChangeArrowheads="1"/>
-          </p:cNvPicPr>
-          <p:nvPr/>
-        </p:nvPicPr>
-        <p:blipFill>
-          <a:blip r:embed="rId4">
-            <a:extLst>
-              <a:ext uri="{28A0092B-C50C-407E-A947-70E740481C1C}">
-                <a14:useLocalDpi xmlns:a14="http://schemas.microsoft.com/office/drawing/2010/main" val="0"/>
-              </a:ext>
-            </a:extLst>
-          </a:blip>
-          <a:srcRect/>
-          <a:stretch>
-            <a:fillRect/>
-          </a:stretch>
-        </p:blipFill>
-        <p:spPr bwMode="auto">
-          <a:xfrm>
-            <a:off x="7912100" y="2147536"/>
-            <a:ext cx="3520119" cy="2569430"/>
-          </a:xfrm>
-          <a:prstGeom prst="rect">
-            <a:avLst/>
-          </a:prstGeom>
-          <a:noFill/>
-          <a:extLst>
-            <a:ext uri="{909E8E84-426E-40DD-AFC4-6F175D3DCCD1}">
-              <a14:hiddenFill xmlns:a14="http://schemas.microsoft.com/office/drawing/2010/main">
-                <a:solidFill>
-                  <a:srgbClr val="FFFFFF"/>
-                </a:solidFill>
-              </a14:hiddenFill>
-            </a:ext>
-          </a:extLst>
-        </p:spPr>
-      </p:pic>
-      <p:pic>
-        <p:nvPicPr>
-          <p:cNvPr id="2054" name="Picture 6" descr="http://www.agr.unideb.hu/~agocs/informatics/05_h_ecdl/ECDLweb/ecdlweb.uw.hu/m1lan3.gif"/>
-          <p:cNvPicPr>
-            <a:picLocks noChangeAspect="1" noChangeArrowheads="1"/>
-          </p:cNvPicPr>
-          <p:nvPr/>
-        </p:nvPicPr>
-        <p:blipFill>
-          <a:blip r:embed="rId5">
-            <a:extLst>
-              <a:ext uri="{28A0092B-C50C-407E-A947-70E740481C1C}">
-                <a14:useLocalDpi xmlns:a14="http://schemas.microsoft.com/office/drawing/2010/main" val="0"/>
-              </a:ext>
-            </a:extLst>
-          </a:blip>
-          <a:srcRect/>
-          <a:stretch>
-            <a:fillRect/>
-          </a:stretch>
-        </p:blipFill>
-        <p:spPr bwMode="auto">
-          <a:xfrm>
-            <a:off x="3587749" y="4134026"/>
-            <a:ext cx="3714747" cy="2012773"/>
-          </a:xfrm>
-          <a:prstGeom prst="rect">
-            <a:avLst/>
-          </a:prstGeom>
-          <a:noFill/>
-          <a:extLst>
-            <a:ext uri="{909E8E84-426E-40DD-AFC4-6F175D3DCCD1}">
-              <a14:hiddenFill xmlns:a14="http://schemas.microsoft.com/office/drawing/2010/main">
-                <a:solidFill>
-                  <a:srgbClr val="FFFFFF"/>
-                </a:solidFill>
-              </a14:hiddenFill>
-            </a:ext>
-          </a:extLst>
-        </p:spPr>
-      </p:pic>
-      <p:sp>
-        <p:nvSpPr>
-          <p:cNvPr id="4" name="Szövegdoboz 3"/>
-          <p:cNvSpPr txBox="1"/>
-          <p:nvPr/>
-        </p:nvSpPr>
-        <p:spPr>
-          <a:xfrm>
-            <a:off x="6197600" y="975816"/>
-            <a:ext cx="1714500" cy="215444"/>
-          </a:xfrm>
-          <a:prstGeom prst="rect">
-            <a:avLst/>
-          </a:prstGeom>
-          <a:noFill/>
-        </p:spPr>
-        <p:txBody>
-          <a:bodyPr wrap="square" rtlCol="0">
-            <a:spAutoFit/>
-          </a:bodyPr>
-          <a:lstStyle/>
-          <a:p>
-            <a:r>
-              <a:rPr lang="hu-HU" sz="800" dirty="0"/>
-              <a:t>https://tinyurl.com/zjsaskd8</a:t>
-            </a:r>
-          </a:p>
-        </p:txBody>
-      </p:sp>
-      <p:sp>
-        <p:nvSpPr>
-          <p:cNvPr id="6" name="Szövegdoboz 5"/>
-          <p:cNvSpPr txBox="1"/>
-          <p:nvPr/>
-        </p:nvSpPr>
-        <p:spPr>
-          <a:xfrm>
-            <a:off x="10026065" y="4909180"/>
-            <a:ext cx="1406154" cy="215444"/>
-          </a:xfrm>
-          <a:prstGeom prst="rect">
-            <a:avLst/>
-          </a:prstGeom>
-          <a:noFill/>
-        </p:spPr>
-        <p:txBody>
-          <a:bodyPr wrap="none" rtlCol="0">
-            <a:spAutoFit/>
-          </a:bodyPr>
-          <a:lstStyle/>
-          <a:p>
-            <a:r>
-              <a:rPr lang="hu-HU" sz="800" dirty="0"/>
-              <a:t>https://tinyurl.com/h4rvkdyx</a:t>
-            </a:r>
-          </a:p>
-        </p:txBody>
-      </p:sp>
-      <p:sp>
-        <p:nvSpPr>
-          <p:cNvPr id="7" name="Szövegdoboz 6"/>
-          <p:cNvSpPr txBox="1"/>
-          <p:nvPr/>
-        </p:nvSpPr>
-        <p:spPr>
-          <a:xfrm>
-            <a:off x="7572689" y="5931355"/>
-            <a:ext cx="1407758" cy="215444"/>
-          </a:xfrm>
-          <a:prstGeom prst="rect">
-            <a:avLst/>
-          </a:prstGeom>
-          <a:noFill/>
-        </p:spPr>
-        <p:txBody>
-          <a:bodyPr wrap="none" rtlCol="0">
-            <a:spAutoFit/>
-          </a:bodyPr>
-          <a:lstStyle/>
-          <a:p>
-            <a:r>
-              <a:rPr lang="hu-HU" sz="800" dirty="0"/>
-              <a:t>https://tinyurl.com/2384yk7f</a:t>
-            </a:r>
           </a:p>
         </p:txBody>
       </p:sp>
@@ -5917,18 +5371,15 @@
         </p:spPr>
         <p:txBody>
           <a:bodyPr>
-            <a:normAutofit fontScale="90000"/>
+            <a:normAutofit/>
           </a:bodyPr>
           <a:lstStyle/>
           <a:p>
             <a:pPr algn="ctr"/>
-            <a:r>
-              <a:rPr lang="hu-HU" sz="4300" dirty="0">
-                <a:latin typeface="Times New Roman" panose="02020603050405020304" pitchFamily="18" charset="0"/>
-                <a:cs typeface="Times New Roman" panose="02020603050405020304" pitchFamily="18" charset="0"/>
-              </a:rPr>
-              <a:t>Hálózatok topológiája</a:t>
-            </a:r>
+            <a:endParaRPr lang="hu-HU" sz="4300" dirty="0">
+              <a:latin typeface="Times New Roman" panose="02020603050405020304" pitchFamily="18" charset="0"/>
+              <a:cs typeface="Times New Roman" panose="02020603050405020304" pitchFamily="18" charset="0"/>
+            </a:endParaRPr>
           </a:p>
         </p:txBody>
       </p:sp>
@@ -5954,49 +5405,6 @@
           </a:bodyPr>
           <a:lstStyle/>
           <a:p>
-            <a:endParaRPr lang="hu-HU" sz="2400" dirty="0" smtClean="0">
-              <a:latin typeface="Times New Roman" panose="02020603050405020304" pitchFamily="18" charset="0"/>
-              <a:cs typeface="Times New Roman" panose="02020603050405020304" pitchFamily="18" charset="0"/>
-            </a:endParaRPr>
-          </a:p>
-          <a:p>
-            <a:r>
-              <a:rPr lang="hu-HU" sz="2400" dirty="0" smtClean="0">
-                <a:latin typeface="Times New Roman" panose="02020603050405020304" pitchFamily="18" charset="0"/>
-                <a:cs typeface="Times New Roman" panose="02020603050405020304" pitchFamily="18" charset="0"/>
-              </a:rPr>
-              <a:t>Teljes topológia</a:t>
-            </a:r>
-          </a:p>
-          <a:p>
-            <a:endParaRPr lang="hu-HU" sz="2400" dirty="0">
-              <a:latin typeface="Times New Roman" panose="02020603050405020304" pitchFamily="18" charset="0"/>
-              <a:cs typeface="Times New Roman" panose="02020603050405020304" pitchFamily="18" charset="0"/>
-            </a:endParaRPr>
-          </a:p>
-          <a:p>
-            <a:r>
-              <a:rPr lang="hu-HU" sz="2400" dirty="0" smtClean="0">
-                <a:latin typeface="Times New Roman" panose="02020603050405020304" pitchFamily="18" charset="0"/>
-                <a:cs typeface="Times New Roman" panose="02020603050405020304" pitchFamily="18" charset="0"/>
-              </a:rPr>
-              <a:t>Hálós topológia</a:t>
-            </a:r>
-          </a:p>
-          <a:p>
-            <a:endParaRPr lang="hu-HU" sz="2400" dirty="0">
-              <a:latin typeface="Times New Roman" panose="02020603050405020304" pitchFamily="18" charset="0"/>
-              <a:cs typeface="Times New Roman" panose="02020603050405020304" pitchFamily="18" charset="0"/>
-            </a:endParaRPr>
-          </a:p>
-          <a:p>
-            <a:r>
-              <a:rPr lang="hu-HU" sz="2400" dirty="0" smtClean="0">
-                <a:latin typeface="Times New Roman" panose="02020603050405020304" pitchFamily="18" charset="0"/>
-                <a:cs typeface="Times New Roman" panose="02020603050405020304" pitchFamily="18" charset="0"/>
-              </a:rPr>
-              <a:t>Hibrid topológia</a:t>
-            </a:r>
             <a:endParaRPr lang="hu-HU" sz="2400" dirty="0">
               <a:latin typeface="Times New Roman" panose="02020603050405020304" pitchFamily="18" charset="0"/>
               <a:cs typeface="Times New Roman" panose="02020603050405020304" pitchFamily="18" charset="0"/>
@@ -6028,182 +5436,6 @@
           </a:prstGeom>
         </p:spPr>
       </p:pic>
-      <p:pic>
-        <p:nvPicPr>
-          <p:cNvPr id="1026" name="Picture 2" descr="Számítógépes ismeretek | Sulinet Tudásbázis"/>
-          <p:cNvPicPr>
-            <a:picLocks noChangeAspect="1" noChangeArrowheads="1"/>
-          </p:cNvPicPr>
-          <p:nvPr/>
-        </p:nvPicPr>
-        <p:blipFill>
-          <a:blip r:embed="rId3" cstate="print">
-            <a:extLst>
-              <a:ext uri="{28A0092B-C50C-407E-A947-70E740481C1C}">
-                <a14:useLocalDpi xmlns:a14="http://schemas.microsoft.com/office/drawing/2010/main" val="0"/>
-              </a:ext>
-            </a:extLst>
-          </a:blip>
-          <a:srcRect/>
-          <a:stretch>
-            <a:fillRect/>
-          </a:stretch>
-        </p:blipFill>
-        <p:spPr bwMode="auto">
-          <a:xfrm>
-            <a:off x="5064643" y="1297732"/>
-            <a:ext cx="2391023" cy="2395280"/>
-          </a:xfrm>
-          <a:prstGeom prst="rect">
-            <a:avLst/>
-          </a:prstGeom>
-          <a:noFill/>
-          <a:extLst>
-            <a:ext uri="{909E8E84-426E-40DD-AFC4-6F175D3DCCD1}">
-              <a14:hiddenFill xmlns:a14="http://schemas.microsoft.com/office/drawing/2010/main">
-                <a:solidFill>
-                  <a:srgbClr val="FFFFFF"/>
-                </a:solidFill>
-              </a14:hiddenFill>
-            </a:ext>
-          </a:extLst>
-        </p:spPr>
-      </p:pic>
-      <p:pic>
-        <p:nvPicPr>
-          <p:cNvPr id="6" name="Kép 5"/>
-          <p:cNvPicPr>
-            <a:picLocks noChangeAspect="1"/>
-          </p:cNvPicPr>
-          <p:nvPr/>
-        </p:nvPicPr>
-        <p:blipFill>
-          <a:blip r:embed="rId4"/>
-          <a:stretch>
-            <a:fillRect/>
-          </a:stretch>
-        </p:blipFill>
-        <p:spPr>
-          <a:xfrm>
-            <a:off x="3816767" y="4081914"/>
-            <a:ext cx="4029075" cy="1704975"/>
-          </a:xfrm>
-          <a:prstGeom prst="rect">
-            <a:avLst/>
-          </a:prstGeom>
-        </p:spPr>
-      </p:pic>
-      <p:sp>
-        <p:nvSpPr>
-          <p:cNvPr id="7" name="Szövegdoboz 6"/>
-          <p:cNvSpPr txBox="1"/>
-          <p:nvPr/>
-        </p:nvSpPr>
-        <p:spPr>
-          <a:xfrm>
-            <a:off x="5245162" y="5936808"/>
-            <a:ext cx="1425390" cy="215444"/>
-          </a:xfrm>
-          <a:prstGeom prst="rect">
-            <a:avLst/>
-          </a:prstGeom>
-          <a:noFill/>
-        </p:spPr>
-        <p:txBody>
-          <a:bodyPr wrap="none" rtlCol="0">
-            <a:spAutoFit/>
-          </a:bodyPr>
-          <a:lstStyle/>
-          <a:p>
-            <a:r>
-              <a:rPr lang="hu-HU" sz="800" dirty="0"/>
-              <a:t>https://tinyurl.com/328t8hu9</a:t>
-            </a:r>
-          </a:p>
-        </p:txBody>
-      </p:sp>
-      <p:sp>
-        <p:nvSpPr>
-          <p:cNvPr id="8" name="Szövegdoboz 7"/>
-          <p:cNvSpPr txBox="1"/>
-          <p:nvPr/>
-        </p:nvSpPr>
-        <p:spPr>
-          <a:xfrm>
-            <a:off x="5506680" y="1007329"/>
-            <a:ext cx="1382110" cy="215444"/>
-          </a:xfrm>
-          <a:prstGeom prst="rect">
-            <a:avLst/>
-          </a:prstGeom>
-          <a:noFill/>
-        </p:spPr>
-        <p:txBody>
-          <a:bodyPr wrap="none" rtlCol="0">
-            <a:spAutoFit/>
-          </a:bodyPr>
-          <a:lstStyle/>
-          <a:p>
-            <a:r>
-              <a:rPr lang="hu-HU" sz="800" dirty="0"/>
-              <a:t>https://tinyurl.com/yckve8kj</a:t>
-            </a:r>
-          </a:p>
-        </p:txBody>
-      </p:sp>
-      <p:pic>
-        <p:nvPicPr>
-          <p:cNvPr id="9" name="Kép 8"/>
-          <p:cNvPicPr>
-            <a:picLocks noChangeAspect="1"/>
-          </p:cNvPicPr>
-          <p:nvPr/>
-        </p:nvPicPr>
-        <p:blipFill>
-          <a:blip r:embed="rId5"/>
-          <a:stretch>
-            <a:fillRect/>
-          </a:stretch>
-        </p:blipFill>
-        <p:spPr>
-          <a:xfrm>
-            <a:off x="7818120" y="2228694"/>
-            <a:ext cx="2616241" cy="2034854"/>
-          </a:xfrm>
-          <a:prstGeom prst="rect">
-            <a:avLst/>
-          </a:prstGeom>
-        </p:spPr>
-      </p:pic>
-      <p:sp>
-        <p:nvSpPr>
-          <p:cNvPr id="10" name="Szövegdoboz 9"/>
-          <p:cNvSpPr txBox="1"/>
-          <p:nvPr/>
-        </p:nvSpPr>
-        <p:spPr>
-          <a:xfrm>
-            <a:off x="10489054" y="3030677"/>
-            <a:ext cx="1418978" cy="215444"/>
-          </a:xfrm>
-          <a:prstGeom prst="rect">
-            <a:avLst/>
-          </a:prstGeom>
-          <a:noFill/>
-        </p:spPr>
-        <p:txBody>
-          <a:bodyPr wrap="none" rtlCol="0">
-            <a:spAutoFit/>
-          </a:bodyPr>
-          <a:lstStyle/>
-          <a:p>
-            <a:r>
-              <a:rPr lang="hu-HU" sz="800" dirty="0"/>
-              <a:t>https://tinyurl.com/2p8zr6up</a:t>
-            </a:r>
-          </a:p>
-        </p:txBody>
-      </p:sp>
     </p:spTree>
     <p:extLst>
       <p:ext uri="{BB962C8B-B14F-4D97-AF65-F5344CB8AC3E}">
@@ -6280,13 +5512,10 @@
           </a:bodyPr>
           <a:lstStyle/>
           <a:p>
-            <a:r>
-              <a:rPr lang="hu-HU" sz="4300" dirty="0">
-                <a:latin typeface="Times New Roman" panose="02020603050405020304" pitchFamily="18" charset="0"/>
-                <a:cs typeface="Times New Roman" panose="02020603050405020304" pitchFamily="18" charset="0"/>
-              </a:rPr>
-              <a:t>Adatátviteli közegek</a:t>
-            </a:r>
+            <a:endParaRPr lang="hu-HU" sz="4300" dirty="0">
+              <a:latin typeface="Times New Roman" panose="02020603050405020304" pitchFamily="18" charset="0"/>
+              <a:cs typeface="Times New Roman" panose="02020603050405020304" pitchFamily="18" charset="0"/>
+            </a:endParaRPr>
           </a:p>
         </p:txBody>
       </p:sp>
@@ -6312,158 +5541,13 @@
           </a:bodyPr>
           <a:lstStyle/>
           <a:p>
-            <a:pPr marL="0" indent="0">
-              <a:buNone/>
-            </a:pPr>
-            <a:r>
-              <a:rPr lang="hu-HU" sz="2400" b="1" dirty="0">
-                <a:latin typeface="Times New Roman" panose="02020603050405020304" pitchFamily="18" charset="0"/>
-                <a:cs typeface="Times New Roman" panose="02020603050405020304" pitchFamily="18" charset="0"/>
-              </a:rPr>
-              <a:t>Vezetékes:</a:t>
-            </a:r>
-          </a:p>
-          <a:p>
-            <a:r>
-              <a:rPr lang="hu-HU" sz="2400" dirty="0">
-                <a:latin typeface="Times New Roman" panose="02020603050405020304" pitchFamily="18" charset="0"/>
-                <a:cs typeface="Times New Roman" panose="02020603050405020304" pitchFamily="18" charset="0"/>
-              </a:rPr>
-              <a:t>Koaxiális kábel</a:t>
-            </a:r>
-          </a:p>
-          <a:p>
-            <a:r>
-              <a:rPr lang="hu-HU" sz="2400" dirty="0">
-                <a:latin typeface="Times New Roman" panose="02020603050405020304" pitchFamily="18" charset="0"/>
-                <a:cs typeface="Times New Roman" panose="02020603050405020304" pitchFamily="18" charset="0"/>
-              </a:rPr>
-              <a:t>Optikai kábel</a:t>
-            </a:r>
-          </a:p>
-          <a:p>
-            <a:pPr marL="0" indent="0">
-              <a:buNone/>
-            </a:pPr>
             <a:endParaRPr lang="hu-HU" sz="2400" dirty="0">
               <a:latin typeface="Times New Roman" panose="02020603050405020304" pitchFamily="18" charset="0"/>
               <a:cs typeface="Times New Roman" panose="02020603050405020304" pitchFamily="18" charset="0"/>
             </a:endParaRPr>
           </a:p>
-          <a:p>
-            <a:pPr marL="0" indent="0">
-              <a:buNone/>
-            </a:pPr>
-            <a:r>
-              <a:rPr lang="hu-HU" sz="2400" b="1" dirty="0">
-                <a:latin typeface="Times New Roman" panose="02020603050405020304" pitchFamily="18" charset="0"/>
-                <a:cs typeface="Times New Roman" panose="02020603050405020304" pitchFamily="18" charset="0"/>
-              </a:rPr>
-              <a:t>Vezeték nélküli:</a:t>
-            </a:r>
-          </a:p>
-          <a:p>
-            <a:r>
-              <a:rPr lang="hu-HU" sz="2400" dirty="0">
-                <a:latin typeface="Times New Roman" panose="02020603050405020304" pitchFamily="18" charset="0"/>
-                <a:cs typeface="Times New Roman" panose="02020603050405020304" pitchFamily="18" charset="0"/>
-              </a:rPr>
-              <a:t>Rádiófrekvenciás</a:t>
-            </a:r>
-          </a:p>
-          <a:p>
-            <a:r>
-              <a:rPr lang="hu-HU" sz="2400" dirty="0">
-                <a:latin typeface="Times New Roman" panose="02020603050405020304" pitchFamily="18" charset="0"/>
-                <a:cs typeface="Times New Roman" panose="02020603050405020304" pitchFamily="18" charset="0"/>
-              </a:rPr>
-              <a:t>Műholdas</a:t>
-            </a:r>
-          </a:p>
-          <a:p>
-            <a:endParaRPr lang="hu-HU" sz="2400" dirty="0">
-              <a:latin typeface="Times New Roman" panose="02020603050405020304" pitchFamily="18" charset="0"/>
-              <a:cs typeface="Times New Roman" panose="02020603050405020304" pitchFamily="18" charset="0"/>
-            </a:endParaRPr>
-          </a:p>
-          <a:p>
-            <a:endParaRPr lang="hu-HU" sz="2400" dirty="0">
-              <a:latin typeface="Times New Roman" panose="02020603050405020304" pitchFamily="18" charset="0"/>
-              <a:cs typeface="Times New Roman" panose="02020603050405020304" pitchFamily="18" charset="0"/>
-            </a:endParaRPr>
-          </a:p>
-        </p:txBody>
-      </p:sp>
-      <p:sp>
-        <p:nvSpPr>
-          <p:cNvPr id="4" name="Szövegdoboz 3"/>
-          <p:cNvSpPr txBox="1"/>
-          <p:nvPr/>
-        </p:nvSpPr>
-        <p:spPr>
-          <a:xfrm>
-            <a:off x="8407400" y="6070600"/>
-            <a:ext cx="1407758" cy="215444"/>
-          </a:xfrm>
-          <a:prstGeom prst="rect">
-            <a:avLst/>
-          </a:prstGeom>
-          <a:noFill/>
-        </p:spPr>
-        <p:txBody>
-          <a:bodyPr wrap="none" rtlCol="0">
-            <a:spAutoFit/>
-          </a:bodyPr>
-          <a:lstStyle/>
-          <a:p>
-            <a:r>
-              <a:rPr lang="hu-HU" sz="800" dirty="0"/>
-              <a:t>https://tinyurl.com/rz85a358</a:t>
-            </a:r>
-          </a:p>
-        </p:txBody>
-      </p:sp>
-      <p:pic>
-        <p:nvPicPr>
-          <p:cNvPr id="1026" name="Picture 2" descr="https://www.kabelfutar.hu/images/stories/virtuemart/product/huzalpancel.png"/>
-          <p:cNvPicPr>
-            <a:picLocks noChangeAspect="1" noChangeArrowheads="1"/>
-          </p:cNvPicPr>
-          <p:nvPr/>
-        </p:nvPicPr>
-        <p:blipFill>
-          <a:blip r:embed="rId3">
-            <a:extLst>
-              <a:ext uri="{28A0092B-C50C-407E-A947-70E740481C1C}">
-                <a14:useLocalDpi xmlns:a14="http://schemas.microsoft.com/office/drawing/2010/main" val="0"/>
-              </a:ext>
-            </a:extLst>
-          </a:blip>
-          <a:srcRect/>
-          <a:stretch>
-            <a:fillRect/>
-          </a:stretch>
-        </p:blipFill>
-        <p:spPr bwMode="auto">
-          <a:xfrm>
-            <a:off x="3784600" y="1737359"/>
-            <a:ext cx="7628889" cy="3660184"/>
-          </a:xfrm>
-          <a:prstGeom prst="rect">
-            <a:avLst/>
-          </a:prstGeom>
-          <a:noFill/>
-          <a:extLst>
-            <a:ext uri="{909E8E84-426E-40DD-AFC4-6F175D3DCCD1}">
-              <a14:hiddenFill xmlns:a14="http://schemas.microsoft.com/office/drawing/2010/main">
-                <a:solidFill>
-                  <a:srgbClr val="FFFFFF"/>
-                </a:solidFill>
-              </a14:hiddenFill>
-            </a:ext>
-          </a:extLst>
-        </p:spPr>
-      </p:pic>
+        </p:txBody>
+      </p:sp>
     </p:spTree>
     <p:extLst>
       <p:ext uri="{BB962C8B-B14F-4D97-AF65-F5344CB8AC3E}">
@@ -6770,14 +5854,6 @@
 </file>
 
 <file path=customXml/item2.xml><?xml version="1.0" encoding="utf-8"?>
-<p:properties xmlns:p="http://schemas.microsoft.com/office/2006/metadata/properties" xmlns:xsi="http://www.w3.org/2001/XMLSchema-instance" xmlns:pc="http://schemas.microsoft.com/office/infopath/2007/PartnerControls">
-  <documentManagement>
-    <ReferenceId xmlns="cda7f449-9791-4026-adf0-6249e0f1a277" xsi:nil="true"/>
-  </documentManagement>
-</p:properties>
-</file>
-
-<file path=customXml/item3.xml><?xml version="1.0" encoding="utf-8"?>
 <ct:contentTypeSchema xmlns:ct="http://schemas.microsoft.com/office/2006/metadata/contentType" xmlns:ma="http://schemas.microsoft.com/office/2006/metadata/properties/metaAttributes" ct:_="" ma:_="" ma:contentTypeName="Dokumentum" ma:contentTypeID="0x010100CD77C0BABE2EC74395F8CE7BF47B96A4" ma:contentTypeVersion="3" ma:contentTypeDescription="Új dokumentum létrehozása." ma:contentTypeScope="" ma:versionID="223336d302af066c8bce88bcd733e1b3">
   <xsd:schema xmlns:xsd="http://www.w3.org/2001/XMLSchema" xmlns:xs="http://www.w3.org/2001/XMLSchema" xmlns:p="http://schemas.microsoft.com/office/2006/metadata/properties" xmlns:ns2="cda7f449-9791-4026-adf0-6249e0f1a277" targetNamespace="http://schemas.microsoft.com/office/2006/metadata/properties" ma:root="true" ma:fieldsID="0df44673f79e6bec3f9c853bca4d137d" ns2:_="">
     <xsd:import namespace="cda7f449-9791-4026-adf0-6249e0f1a277"/>
@@ -6915,6 +5991,14 @@
 </ct:contentTypeSchema>
 </file>
 
+<file path=customXml/item3.xml><?xml version="1.0" encoding="utf-8"?>
+<p:properties xmlns:p="http://schemas.microsoft.com/office/2006/metadata/properties" xmlns:xsi="http://www.w3.org/2001/XMLSchema-instance" xmlns:pc="http://schemas.microsoft.com/office/infopath/2007/PartnerControls">
+  <documentManagement>
+    <ReferenceId xmlns="cda7f449-9791-4026-adf0-6249e0f1a277" xsi:nil="true"/>
+  </documentManagement>
+</p:properties>
+</file>
+
 <file path=customXml/itemProps1.xml><?xml version="1.0" encoding="utf-8"?>
 <ds:datastoreItem xmlns:ds="http://schemas.openxmlformats.org/officeDocument/2006/customXml" ds:itemID="{B114293F-6EE4-4834-97C1-1E9AD42354D9}">
   <ds:schemaRefs>
@@ -6924,16 +6008,6 @@
 </file>
 
 <file path=customXml/itemProps2.xml><?xml version="1.0" encoding="utf-8"?>
-<ds:datastoreItem xmlns:ds="http://schemas.openxmlformats.org/officeDocument/2006/customXml" ds:itemID="{B47C1B41-847B-4982-A61B-2DE97E148F4F}">
-  <ds:schemaRefs>
-    <ds:schemaRef ds:uri="http://schemas.microsoft.com/office/2006/metadata/properties"/>
-    <ds:schemaRef ds:uri="http://schemas.microsoft.com/office/infopath/2007/PartnerControls"/>
-    <ds:schemaRef ds:uri="cda7f449-9791-4026-adf0-6249e0f1a277"/>
-  </ds:schemaRefs>
-</ds:datastoreItem>
-</file>
-
-<file path=customXml/itemProps3.xml><?xml version="1.0" encoding="utf-8"?>
 <ds:datastoreItem xmlns:ds="http://schemas.openxmlformats.org/officeDocument/2006/customXml" ds:itemID="{E3819425-6C3A-4E76-BE76-D4FC8AB59E43}">
   <ds:schemaRefs>
     <ds:schemaRef ds:uri="http://schemas.microsoft.com/office/2006/metadata/contentType"/>
@@ -6949,4 +6023,14 @@
     <ds:schemaRef ds:uri="http://schemas.microsoft.com/internal/obd"/>
   </ds:schemaRefs>
 </ds:datastoreItem>
+</file>
+
+<file path=customXml/itemProps3.xml><?xml version="1.0" encoding="utf-8"?>
+<ds:datastoreItem xmlns:ds="http://schemas.openxmlformats.org/officeDocument/2006/customXml" ds:itemID="{B47C1B41-847B-4982-A61B-2DE97E148F4F}">
+  <ds:schemaRefs>
+    <ds:schemaRef ds:uri="http://schemas.microsoft.com/office/2006/metadata/properties"/>
+    <ds:schemaRef ds:uri="http://schemas.microsoft.com/office/infopath/2007/PartnerControls"/>
+    <ds:schemaRef ds:uri="cda7f449-9791-4026-adf0-6249e0f1a277"/>
+  </ds:schemaRefs>
+</ds:datastoreItem>
 </file>
--- a/Beadandó VJ.pptx
+++ b/Beadandó VJ.pptx
@@ -2,18 +2,18 @@
 <file path=ppt/presentation.xml><?xml version="1.0" encoding="utf-8"?>
 <p:presentation xmlns:a="http://schemas.openxmlformats.org/drawingml/2006/main" xmlns:r="http://schemas.openxmlformats.org/officeDocument/2006/relationships" xmlns:p="http://schemas.openxmlformats.org/presentationml/2006/main" saveSubsetFonts="1">
   <p:sldMasterIdLst>
-    <p:sldMasterId id="2147484127" r:id="rId4"/>
+    <p:sldMasterId id="2147484187" r:id="rId4"/>
   </p:sldMasterIdLst>
   <p:sldIdLst>
     <p:sldId id="256" r:id="rId5"/>
     <p:sldId id="257" r:id="rId6"/>
-    <p:sldId id="259" r:id="rId7"/>
-    <p:sldId id="258" r:id="rId8"/>
-    <p:sldId id="260" r:id="rId9"/>
-    <p:sldId id="267" r:id="rId10"/>
-    <p:sldId id="266" r:id="rId11"/>
-    <p:sldId id="268" r:id="rId12"/>
-    <p:sldId id="265" r:id="rId13"/>
+    <p:sldId id="258" r:id="rId7"/>
+    <p:sldId id="259" r:id="rId8"/>
+    <p:sldId id="266" r:id="rId9"/>
+    <p:sldId id="269" r:id="rId10"/>
+    <p:sldId id="268" r:id="rId11"/>
+    <p:sldId id="260" r:id="rId12"/>
+    <p:sldId id="267" r:id="rId13"/>
     <p:sldId id="264" r:id="rId14"/>
     <p:sldId id="263" r:id="rId15"/>
   </p:sldIdLst>
@@ -264,7 +264,7 @@
           </a:lstStyle>
           <a:p>
             <a:r>
-              <a:rPr lang="hu-HU"/>
+              <a:rPr lang="hu-HU" smtClean="0"/>
               <a:t>Mintacím szerkesztése</a:t>
             </a:r>
             <a:endParaRPr lang="en-US" dirty="0"/>
@@ -336,7 +336,7 @@
           </a:lstStyle>
           <a:p>
             <a:r>
-              <a:rPr lang="hu-HU"/>
+              <a:rPr lang="hu-HU" smtClean="0"/>
               <a:t>Kattintson ide az alcím mintájának szerkesztéséhez</a:t>
             </a:r>
             <a:endParaRPr lang="en-US" dirty="0"/>
@@ -360,7 +360,7 @@
           <a:p>
             <a:fld id="{8F5A1913-C1B8-42A7-81A1-2FE1D24E3BD3}" type="datetimeFigureOut">
               <a:rPr lang="hu-HU" smtClean="0"/>
-              <a:t>2022.09.15.</a:t>
+              <a:t>2022.09.19.</a:t>
             </a:fld>
             <a:endParaRPr lang="hu-HU"/>
           </a:p>
@@ -449,7 +449,7 @@
     </p:spTree>
     <p:extLst>
       <p:ext uri="{BB962C8B-B14F-4D97-AF65-F5344CB8AC3E}">
-        <p14:creationId xmlns:p14="http://schemas.microsoft.com/office/powerpoint/2010/main" val="477503147"/>
+        <p14:creationId xmlns:p14="http://schemas.microsoft.com/office/powerpoint/2010/main" val="1613368685"/>
       </p:ext>
     </p:extLst>
   </p:cSld>
@@ -492,7 +492,7 @@
           <a:lstStyle/>
           <a:p>
             <a:r>
-              <a:rPr lang="hu-HU"/>
+              <a:rPr lang="hu-HU" smtClean="0"/>
               <a:t>Mintacím szerkesztése</a:t>
             </a:r>
             <a:endParaRPr lang="en-US" dirty="0"/>
@@ -516,35 +516,35 @@
           <a:p>
             <a:pPr lvl="0"/>
             <a:r>
-              <a:rPr lang="hu-HU"/>
+              <a:rPr lang="hu-HU" smtClean="0"/>
               <a:t>Mintaszöveg szerkesztése</a:t>
             </a:r>
           </a:p>
           <a:p>
             <a:pPr lvl="1"/>
             <a:r>
-              <a:rPr lang="hu-HU"/>
+              <a:rPr lang="hu-HU" smtClean="0"/>
               <a:t>Második szint</a:t>
             </a:r>
           </a:p>
           <a:p>
             <a:pPr lvl="2"/>
             <a:r>
-              <a:rPr lang="hu-HU"/>
+              <a:rPr lang="hu-HU" smtClean="0"/>
               <a:t>Harmadik szint</a:t>
             </a:r>
           </a:p>
           <a:p>
             <a:pPr lvl="3"/>
             <a:r>
-              <a:rPr lang="hu-HU"/>
+              <a:rPr lang="hu-HU" smtClean="0"/>
               <a:t>Negyedik szint</a:t>
             </a:r>
           </a:p>
           <a:p>
             <a:pPr lvl="4"/>
             <a:r>
-              <a:rPr lang="hu-HU"/>
+              <a:rPr lang="hu-HU" smtClean="0"/>
               <a:t>Ötödik szint</a:t>
             </a:r>
             <a:endParaRPr lang="en-US" dirty="0"/>
@@ -568,7 +568,7 @@
           <a:p>
             <a:fld id="{8F5A1913-C1B8-42A7-81A1-2FE1D24E3BD3}" type="datetimeFigureOut">
               <a:rPr lang="hu-HU" smtClean="0"/>
-              <a:t>2022.09.15.</a:t>
+              <a:t>2022.09.19.</a:t>
             </a:fld>
             <a:endParaRPr lang="hu-HU"/>
           </a:p>
@@ -619,7 +619,7 @@
     </p:spTree>
     <p:extLst>
       <p:ext uri="{BB962C8B-B14F-4D97-AF65-F5344CB8AC3E}">
-        <p14:creationId xmlns:p14="http://schemas.microsoft.com/office/powerpoint/2010/main" val="6538864"/>
+        <p14:creationId xmlns:p14="http://schemas.microsoft.com/office/powerpoint/2010/main" val="1462502236"/>
       </p:ext>
     </p:extLst>
   </p:cSld>
@@ -743,7 +743,7 @@
           <a:lstStyle/>
           <a:p>
             <a:r>
-              <a:rPr lang="hu-HU"/>
+              <a:rPr lang="hu-HU" smtClean="0"/>
               <a:t>Mintacím szerkesztése</a:t>
             </a:r>
             <a:endParaRPr lang="en-US" dirty="0"/>
@@ -772,35 +772,35 @@
           <a:p>
             <a:pPr lvl="0"/>
             <a:r>
-              <a:rPr lang="hu-HU"/>
+              <a:rPr lang="hu-HU" smtClean="0"/>
               <a:t>Mintaszöveg szerkesztése</a:t>
             </a:r>
           </a:p>
           <a:p>
             <a:pPr lvl="1"/>
             <a:r>
-              <a:rPr lang="hu-HU"/>
+              <a:rPr lang="hu-HU" smtClean="0"/>
               <a:t>Második szint</a:t>
             </a:r>
           </a:p>
           <a:p>
             <a:pPr lvl="2"/>
             <a:r>
-              <a:rPr lang="hu-HU"/>
+              <a:rPr lang="hu-HU" smtClean="0"/>
               <a:t>Harmadik szint</a:t>
             </a:r>
           </a:p>
           <a:p>
             <a:pPr lvl="3"/>
             <a:r>
-              <a:rPr lang="hu-HU"/>
+              <a:rPr lang="hu-HU" smtClean="0"/>
               <a:t>Negyedik szint</a:t>
             </a:r>
           </a:p>
           <a:p>
             <a:pPr lvl="4"/>
             <a:r>
-              <a:rPr lang="hu-HU"/>
+              <a:rPr lang="hu-HU" smtClean="0"/>
               <a:t>Ötödik szint</a:t>
             </a:r>
             <a:endParaRPr lang="en-US" dirty="0"/>
@@ -824,7 +824,7 @@
           <a:p>
             <a:fld id="{8F5A1913-C1B8-42A7-81A1-2FE1D24E3BD3}" type="datetimeFigureOut">
               <a:rPr lang="hu-HU" smtClean="0"/>
-              <a:t>2022.09.15.</a:t>
+              <a:t>2022.09.19.</a:t>
             </a:fld>
             <a:endParaRPr lang="hu-HU"/>
           </a:p>
@@ -875,7 +875,7 @@
     </p:spTree>
     <p:extLst>
       <p:ext uri="{BB962C8B-B14F-4D97-AF65-F5344CB8AC3E}">
-        <p14:creationId xmlns:p14="http://schemas.microsoft.com/office/powerpoint/2010/main" val="752473862"/>
+        <p14:creationId xmlns:p14="http://schemas.microsoft.com/office/powerpoint/2010/main" val="1840586414"/>
       </p:ext>
     </p:extLst>
   </p:cSld>
@@ -922,7 +922,7 @@
           </a:lstStyle>
           <a:p>
             <a:r>
-              <a:rPr lang="hu-HU"/>
+              <a:rPr lang="hu-HU" smtClean="0"/>
               <a:t>Mintacím szerkesztése</a:t>
             </a:r>
             <a:endParaRPr lang="en-US" dirty="0"/>
@@ -946,35 +946,35 @@
           <a:p>
             <a:pPr lvl="0"/>
             <a:r>
-              <a:rPr lang="hu-HU"/>
+              <a:rPr lang="hu-HU" smtClean="0"/>
               <a:t>Mintaszöveg szerkesztése</a:t>
             </a:r>
           </a:p>
           <a:p>
             <a:pPr lvl="1"/>
             <a:r>
-              <a:rPr lang="hu-HU"/>
+              <a:rPr lang="hu-HU" smtClean="0"/>
               <a:t>Második szint</a:t>
             </a:r>
           </a:p>
           <a:p>
             <a:pPr lvl="2"/>
             <a:r>
-              <a:rPr lang="hu-HU"/>
+              <a:rPr lang="hu-HU" smtClean="0"/>
               <a:t>Harmadik szint</a:t>
             </a:r>
           </a:p>
           <a:p>
             <a:pPr lvl="3"/>
             <a:r>
-              <a:rPr lang="hu-HU"/>
+              <a:rPr lang="hu-HU" smtClean="0"/>
               <a:t>Negyedik szint</a:t>
             </a:r>
           </a:p>
           <a:p>
             <a:pPr lvl="4"/>
             <a:r>
-              <a:rPr lang="hu-HU"/>
+              <a:rPr lang="hu-HU" smtClean="0"/>
               <a:t>Ötödik szint</a:t>
             </a:r>
             <a:endParaRPr lang="en-US" dirty="0"/>
@@ -998,7 +998,7 @@
           <a:p>
             <a:fld id="{8F5A1913-C1B8-42A7-81A1-2FE1D24E3BD3}" type="datetimeFigureOut">
               <a:rPr lang="hu-HU" smtClean="0"/>
-              <a:t>2022.09.15.</a:t>
+              <a:t>2022.09.19.</a:t>
             </a:fld>
             <a:endParaRPr lang="hu-HU"/>
           </a:p>
@@ -1049,7 +1049,7 @@
     </p:spTree>
     <p:extLst>
       <p:ext uri="{BB962C8B-B14F-4D97-AF65-F5344CB8AC3E}">
-        <p14:creationId xmlns:p14="http://schemas.microsoft.com/office/powerpoint/2010/main" val="2722133418"/>
+        <p14:creationId xmlns:p14="http://schemas.microsoft.com/office/powerpoint/2010/main" val="2122507320"/>
       </p:ext>
     </p:extLst>
   </p:cSld>
@@ -1197,7 +1197,7 @@
           </a:lstStyle>
           <a:p>
             <a:r>
-              <a:rPr lang="hu-HU"/>
+              <a:rPr lang="hu-HU" smtClean="0"/>
               <a:t>Mintacím szerkesztése</a:t>
             </a:r>
             <a:endParaRPr lang="en-US" dirty="0"/>
@@ -1318,7 +1318,7 @@
           <a:p>
             <a:pPr lvl="0"/>
             <a:r>
-              <a:rPr lang="hu-HU"/>
+              <a:rPr lang="hu-HU" smtClean="0"/>
               <a:t>Mintaszöveg szerkesztése</a:t>
             </a:r>
           </a:p>
@@ -1341,7 +1341,7 @@
           <a:p>
             <a:fld id="{8F5A1913-C1B8-42A7-81A1-2FE1D24E3BD3}" type="datetimeFigureOut">
               <a:rPr lang="hu-HU" smtClean="0"/>
-              <a:t>2022.09.15.</a:t>
+              <a:t>2022.09.19.</a:t>
             </a:fld>
             <a:endParaRPr lang="hu-HU"/>
           </a:p>
@@ -1430,7 +1430,7 @@
     </p:spTree>
     <p:extLst>
       <p:ext uri="{BB962C8B-B14F-4D97-AF65-F5344CB8AC3E}">
-        <p14:creationId xmlns:p14="http://schemas.microsoft.com/office/powerpoint/2010/main" val="3894605585"/>
+        <p14:creationId xmlns:p14="http://schemas.microsoft.com/office/powerpoint/2010/main" val="3981230593"/>
       </p:ext>
     </p:extLst>
   </p:cSld>
@@ -1478,7 +1478,7 @@
           <a:lstStyle/>
           <a:p>
             <a:r>
-              <a:rPr lang="hu-HU"/>
+              <a:rPr lang="hu-HU" smtClean="0"/>
               <a:t>Mintacím szerkesztése</a:t>
             </a:r>
             <a:endParaRPr lang="en-US" dirty="0"/>
@@ -1507,35 +1507,35 @@
           <a:p>
             <a:pPr lvl="0"/>
             <a:r>
-              <a:rPr lang="hu-HU"/>
+              <a:rPr lang="hu-HU" smtClean="0"/>
               <a:t>Mintaszöveg szerkesztése</a:t>
             </a:r>
           </a:p>
           <a:p>
             <a:pPr lvl="1"/>
             <a:r>
-              <a:rPr lang="hu-HU"/>
+              <a:rPr lang="hu-HU" smtClean="0"/>
               <a:t>Második szint</a:t>
             </a:r>
           </a:p>
           <a:p>
             <a:pPr lvl="2"/>
             <a:r>
-              <a:rPr lang="hu-HU"/>
+              <a:rPr lang="hu-HU" smtClean="0"/>
               <a:t>Harmadik szint</a:t>
             </a:r>
           </a:p>
           <a:p>
             <a:pPr lvl="3"/>
             <a:r>
-              <a:rPr lang="hu-HU"/>
+              <a:rPr lang="hu-HU" smtClean="0"/>
               <a:t>Negyedik szint</a:t>
             </a:r>
           </a:p>
           <a:p>
             <a:pPr lvl="4"/>
             <a:r>
-              <a:rPr lang="hu-HU"/>
+              <a:rPr lang="hu-HU" smtClean="0"/>
               <a:t>Ötödik szint</a:t>
             </a:r>
             <a:endParaRPr lang="en-US" dirty="0"/>
@@ -1564,35 +1564,35 @@
           <a:p>
             <a:pPr lvl="0"/>
             <a:r>
-              <a:rPr lang="hu-HU"/>
+              <a:rPr lang="hu-HU" smtClean="0"/>
               <a:t>Mintaszöveg szerkesztése</a:t>
             </a:r>
           </a:p>
           <a:p>
             <a:pPr lvl="1"/>
             <a:r>
-              <a:rPr lang="hu-HU"/>
+              <a:rPr lang="hu-HU" smtClean="0"/>
               <a:t>Második szint</a:t>
             </a:r>
           </a:p>
           <a:p>
             <a:pPr lvl="2"/>
             <a:r>
-              <a:rPr lang="hu-HU"/>
+              <a:rPr lang="hu-HU" smtClean="0"/>
               <a:t>Harmadik szint</a:t>
             </a:r>
           </a:p>
           <a:p>
             <a:pPr lvl="3"/>
             <a:r>
-              <a:rPr lang="hu-HU"/>
+              <a:rPr lang="hu-HU" smtClean="0"/>
               <a:t>Negyedik szint</a:t>
             </a:r>
           </a:p>
           <a:p>
             <a:pPr lvl="4"/>
             <a:r>
-              <a:rPr lang="hu-HU"/>
+              <a:rPr lang="hu-HU" smtClean="0"/>
               <a:t>Ötödik szint</a:t>
             </a:r>
             <a:endParaRPr lang="en-US" dirty="0"/>
@@ -1616,7 +1616,7 @@
           <a:p>
             <a:fld id="{8F5A1913-C1B8-42A7-81A1-2FE1D24E3BD3}" type="datetimeFigureOut">
               <a:rPr lang="hu-HU" smtClean="0"/>
-              <a:t>2022.09.15.</a:t>
+              <a:t>2022.09.19.</a:t>
             </a:fld>
             <a:endParaRPr lang="hu-HU"/>
           </a:p>
@@ -1667,7 +1667,7 @@
     </p:spTree>
     <p:extLst>
       <p:ext uri="{BB962C8B-B14F-4D97-AF65-F5344CB8AC3E}">
-        <p14:creationId xmlns:p14="http://schemas.microsoft.com/office/powerpoint/2010/main" val="2435732132"/>
+        <p14:creationId xmlns:p14="http://schemas.microsoft.com/office/powerpoint/2010/main" val="4153742586"/>
       </p:ext>
     </p:extLst>
   </p:cSld>
@@ -1715,7 +1715,7 @@
           <a:lstStyle/>
           <a:p>
             <a:r>
-              <a:rPr lang="hu-HU"/>
+              <a:rPr lang="hu-HU" smtClean="0"/>
               <a:t>Mintacím szerkesztése</a:t>
             </a:r>
             <a:endParaRPr lang="en-US" dirty="0"/>
@@ -1787,7 +1787,7 @@
           <a:p>
             <a:pPr lvl="0"/>
             <a:r>
-              <a:rPr lang="hu-HU"/>
+              <a:rPr lang="hu-HU" smtClean="0"/>
               <a:t>Mintaszöveg szerkesztése</a:t>
             </a:r>
           </a:p>
@@ -1815,35 +1815,35 @@
           <a:p>
             <a:pPr lvl="0"/>
             <a:r>
-              <a:rPr lang="hu-HU"/>
+              <a:rPr lang="hu-HU" smtClean="0"/>
               <a:t>Mintaszöveg szerkesztése</a:t>
             </a:r>
           </a:p>
           <a:p>
             <a:pPr lvl="1"/>
             <a:r>
-              <a:rPr lang="hu-HU"/>
+              <a:rPr lang="hu-HU" smtClean="0"/>
               <a:t>Második szint</a:t>
             </a:r>
           </a:p>
           <a:p>
             <a:pPr lvl="2"/>
             <a:r>
-              <a:rPr lang="hu-HU"/>
+              <a:rPr lang="hu-HU" smtClean="0"/>
               <a:t>Harmadik szint</a:t>
             </a:r>
           </a:p>
           <a:p>
             <a:pPr lvl="3"/>
             <a:r>
-              <a:rPr lang="hu-HU"/>
+              <a:rPr lang="hu-HU" smtClean="0"/>
               <a:t>Negyedik szint</a:t>
             </a:r>
           </a:p>
           <a:p>
             <a:pPr lvl="4"/>
             <a:r>
-              <a:rPr lang="hu-HU"/>
+              <a:rPr lang="hu-HU" smtClean="0"/>
               <a:t>Ötödik szint</a:t>
             </a:r>
             <a:endParaRPr lang="en-US" dirty="0"/>
@@ -1915,7 +1915,7 @@
           <a:p>
             <a:pPr lvl="0"/>
             <a:r>
-              <a:rPr lang="hu-HU"/>
+              <a:rPr lang="hu-HU" smtClean="0"/>
               <a:t>Mintaszöveg szerkesztése</a:t>
             </a:r>
           </a:p>
@@ -1943,35 +1943,35 @@
           <a:p>
             <a:pPr lvl="0"/>
             <a:r>
-              <a:rPr lang="hu-HU"/>
+              <a:rPr lang="hu-HU" smtClean="0"/>
               <a:t>Mintaszöveg szerkesztése</a:t>
             </a:r>
           </a:p>
           <a:p>
             <a:pPr lvl="1"/>
             <a:r>
-              <a:rPr lang="hu-HU"/>
+              <a:rPr lang="hu-HU" smtClean="0"/>
               <a:t>Második szint</a:t>
             </a:r>
           </a:p>
           <a:p>
             <a:pPr lvl="2"/>
             <a:r>
-              <a:rPr lang="hu-HU"/>
+              <a:rPr lang="hu-HU" smtClean="0"/>
               <a:t>Harmadik szint</a:t>
             </a:r>
           </a:p>
           <a:p>
             <a:pPr lvl="3"/>
             <a:r>
-              <a:rPr lang="hu-HU"/>
+              <a:rPr lang="hu-HU" smtClean="0"/>
               <a:t>Negyedik szint</a:t>
             </a:r>
           </a:p>
           <a:p>
             <a:pPr lvl="4"/>
             <a:r>
-              <a:rPr lang="hu-HU"/>
+              <a:rPr lang="hu-HU" smtClean="0"/>
               <a:t>Ötödik szint</a:t>
             </a:r>
             <a:endParaRPr lang="en-US" dirty="0"/>
@@ -1995,7 +1995,7 @@
           <a:p>
             <a:fld id="{8F5A1913-C1B8-42A7-81A1-2FE1D24E3BD3}" type="datetimeFigureOut">
               <a:rPr lang="hu-HU" smtClean="0"/>
-              <a:t>2022.09.15.</a:t>
+              <a:t>2022.09.19.</a:t>
             </a:fld>
             <a:endParaRPr lang="hu-HU"/>
           </a:p>
@@ -2046,7 +2046,7 @@
     </p:spTree>
     <p:extLst>
       <p:ext uri="{BB962C8B-B14F-4D97-AF65-F5344CB8AC3E}">
-        <p14:creationId xmlns:p14="http://schemas.microsoft.com/office/powerpoint/2010/main" val="2477008085"/>
+        <p14:creationId xmlns:p14="http://schemas.microsoft.com/office/powerpoint/2010/main" val="4005302490"/>
       </p:ext>
     </p:extLst>
   </p:cSld>
@@ -2089,7 +2089,7 @@
           <a:lstStyle/>
           <a:p>
             <a:r>
-              <a:rPr lang="hu-HU"/>
+              <a:rPr lang="hu-HU" smtClean="0"/>
               <a:t>Mintacím szerkesztése</a:t>
             </a:r>
             <a:endParaRPr lang="en-US" dirty="0"/>
@@ -2113,7 +2113,7 @@
           <a:p>
             <a:fld id="{8F5A1913-C1B8-42A7-81A1-2FE1D24E3BD3}" type="datetimeFigureOut">
               <a:rPr lang="hu-HU" smtClean="0"/>
-              <a:t>2022.09.15.</a:t>
+              <a:t>2022.09.19.</a:t>
             </a:fld>
             <a:endParaRPr lang="hu-HU"/>
           </a:p>
@@ -2164,7 +2164,7 @@
     </p:spTree>
     <p:extLst>
       <p:ext uri="{BB962C8B-B14F-4D97-AF65-F5344CB8AC3E}">
-        <p14:creationId xmlns:p14="http://schemas.microsoft.com/office/powerpoint/2010/main" val="2185010750"/>
+        <p14:creationId xmlns:p14="http://schemas.microsoft.com/office/powerpoint/2010/main" val="3100887637"/>
       </p:ext>
     </p:extLst>
   </p:cSld>
@@ -2284,7 +2284,7 @@
           <a:p>
             <a:fld id="{8F5A1913-C1B8-42A7-81A1-2FE1D24E3BD3}" type="datetimeFigureOut">
               <a:rPr lang="hu-HU" smtClean="0"/>
-              <a:t>2022.09.15.</a:t>
+              <a:t>2022.09.19.</a:t>
             </a:fld>
             <a:endParaRPr lang="hu-HU"/>
           </a:p>
@@ -2343,7 +2343,7 @@
     </p:spTree>
     <p:extLst>
       <p:ext uri="{BB962C8B-B14F-4D97-AF65-F5344CB8AC3E}">
-        <p14:creationId xmlns:p14="http://schemas.microsoft.com/office/powerpoint/2010/main" val="2019355833"/>
+        <p14:creationId xmlns:p14="http://schemas.microsoft.com/office/powerpoint/2010/main" val="4078997968"/>
       </p:ext>
     </p:extLst>
   </p:cSld>
@@ -2477,7 +2477,7 @@
           </a:lstStyle>
           <a:p>
             <a:r>
-              <a:rPr lang="hu-HU"/>
+              <a:rPr lang="hu-HU" smtClean="0"/>
               <a:t>Mintacím szerkesztése</a:t>
             </a:r>
             <a:endParaRPr lang="en-US" dirty="0"/>
@@ -2506,35 +2506,35 @@
           <a:p>
             <a:pPr lvl="0"/>
             <a:r>
-              <a:rPr lang="hu-HU"/>
+              <a:rPr lang="hu-HU" smtClean="0"/>
               <a:t>Mintaszöveg szerkesztése</a:t>
             </a:r>
           </a:p>
           <a:p>
             <a:pPr lvl="1"/>
             <a:r>
-              <a:rPr lang="hu-HU"/>
+              <a:rPr lang="hu-HU" smtClean="0"/>
               <a:t>Második szint</a:t>
             </a:r>
           </a:p>
           <a:p>
             <a:pPr lvl="2"/>
             <a:r>
-              <a:rPr lang="hu-HU"/>
+              <a:rPr lang="hu-HU" smtClean="0"/>
               <a:t>Harmadik szint</a:t>
             </a:r>
           </a:p>
           <a:p>
             <a:pPr lvl="3"/>
             <a:r>
-              <a:rPr lang="hu-HU"/>
+              <a:rPr lang="hu-HU" smtClean="0"/>
               <a:t>Negyedik szint</a:t>
             </a:r>
           </a:p>
           <a:p>
             <a:pPr lvl="4"/>
             <a:r>
-              <a:rPr lang="hu-HU"/>
+              <a:rPr lang="hu-HU" smtClean="0"/>
               <a:t>Ötödik szint</a:t>
             </a:r>
             <a:endParaRPr lang="en-US" dirty="0"/>
@@ -2606,7 +2606,7 @@
           <a:p>
             <a:pPr lvl="0"/>
             <a:r>
-              <a:rPr lang="hu-HU"/>
+              <a:rPr lang="hu-HU" smtClean="0"/>
               <a:t>Mintaszöveg szerkesztése</a:t>
             </a:r>
           </a:p>
@@ -2638,7 +2638,7 @@
           <a:p>
             <a:fld id="{8F5A1913-C1B8-42A7-81A1-2FE1D24E3BD3}" type="datetimeFigureOut">
               <a:rPr lang="hu-HU" smtClean="0"/>
-              <a:t>2022.09.15.</a:t>
+              <a:t>2022.09.19.</a:t>
             </a:fld>
             <a:endParaRPr lang="hu-HU"/>
           </a:p>
@@ -2710,7 +2710,7 @@
     </p:spTree>
     <p:extLst>
       <p:ext uri="{BB962C8B-B14F-4D97-AF65-F5344CB8AC3E}">
-        <p14:creationId xmlns:p14="http://schemas.microsoft.com/office/powerpoint/2010/main" val="3665435154"/>
+        <p14:creationId xmlns:p14="http://schemas.microsoft.com/office/powerpoint/2010/main" val="3241715841"/>
       </p:ext>
     </p:extLst>
   </p:cSld>
@@ -2844,7 +2844,7 @@
           </a:lstStyle>
           <a:p>
             <a:r>
-              <a:rPr lang="hu-HU"/>
+              <a:rPr lang="hu-HU" smtClean="0"/>
               <a:t>Mintacím szerkesztése</a:t>
             </a:r>
             <a:endParaRPr lang="en-US" dirty="0"/>
@@ -2919,7 +2919,7 @@
           </a:lstStyle>
           <a:p>
             <a:r>
-              <a:rPr lang="hu-HU"/>
+              <a:rPr lang="hu-HU" smtClean="0"/>
               <a:t>Kép beszúrásához kattintson az ikonra</a:t>
             </a:r>
             <a:endParaRPr lang="en-US" dirty="0"/>
@@ -2997,7 +2997,7 @@
           <a:p>
             <a:pPr lvl="0"/>
             <a:r>
-              <a:rPr lang="hu-HU"/>
+              <a:rPr lang="hu-HU" smtClean="0"/>
               <a:t>Mintaszöveg szerkesztése</a:t>
             </a:r>
           </a:p>
@@ -3020,7 +3020,7 @@
           <a:p>
             <a:fld id="{8F5A1913-C1B8-42A7-81A1-2FE1D24E3BD3}" type="datetimeFigureOut">
               <a:rPr lang="hu-HU" smtClean="0"/>
-              <a:t>2022.09.15.</a:t>
+              <a:t>2022.09.19.</a:t>
             </a:fld>
             <a:endParaRPr lang="hu-HU"/>
           </a:p>
@@ -3071,7 +3071,7 @@
     </p:spTree>
     <p:extLst>
       <p:ext uri="{BB962C8B-B14F-4D97-AF65-F5344CB8AC3E}">
-        <p14:creationId xmlns:p14="http://schemas.microsoft.com/office/powerpoint/2010/main" val="1991596673"/>
+        <p14:creationId xmlns:p14="http://schemas.microsoft.com/office/powerpoint/2010/main" val="201766085"/>
       </p:ext>
     </p:extLst>
   </p:cSld>
@@ -3205,7 +3205,7 @@
           <a:lstStyle/>
           <a:p>
             <a:r>
-              <a:rPr lang="hu-HU"/>
+              <a:rPr lang="hu-HU" smtClean="0"/>
               <a:t>Mintacím szerkesztése</a:t>
             </a:r>
             <a:endParaRPr lang="en-US" dirty="0"/>
@@ -3239,35 +3239,35 @@
           <a:p>
             <a:pPr lvl="0"/>
             <a:r>
-              <a:rPr lang="hu-HU"/>
+              <a:rPr lang="hu-HU" smtClean="0"/>
               <a:t>Mintaszöveg szerkesztése</a:t>
             </a:r>
           </a:p>
           <a:p>
             <a:pPr lvl="1"/>
             <a:r>
-              <a:rPr lang="hu-HU"/>
+              <a:rPr lang="hu-HU" smtClean="0"/>
               <a:t>Második szint</a:t>
             </a:r>
           </a:p>
           <a:p>
             <a:pPr lvl="2"/>
             <a:r>
-              <a:rPr lang="hu-HU"/>
+              <a:rPr lang="hu-HU" smtClean="0"/>
               <a:t>Harmadik szint</a:t>
             </a:r>
           </a:p>
           <a:p>
             <a:pPr lvl="3"/>
             <a:r>
-              <a:rPr lang="hu-HU"/>
+              <a:rPr lang="hu-HU" smtClean="0"/>
               <a:t>Negyedik szint</a:t>
             </a:r>
           </a:p>
           <a:p>
             <a:pPr lvl="4"/>
             <a:r>
-              <a:rPr lang="hu-HU"/>
+              <a:rPr lang="hu-HU" smtClean="0"/>
               <a:t>Ötödik szint</a:t>
             </a:r>
             <a:endParaRPr lang="en-US" dirty="0"/>
@@ -3307,7 +3307,7 @@
           <a:p>
             <a:fld id="{8F5A1913-C1B8-42A7-81A1-2FE1D24E3BD3}" type="datetimeFigureOut">
               <a:rPr lang="hu-HU" smtClean="0"/>
-              <a:t>2022.09.15.</a:t>
+              <a:t>2022.09.19.</a:t>
             </a:fld>
             <a:endParaRPr lang="hu-HU"/>
           </a:p>
@@ -3428,23 +3428,23 @@
     </p:spTree>
     <p:extLst>
       <p:ext uri="{BB962C8B-B14F-4D97-AF65-F5344CB8AC3E}">
-        <p14:creationId xmlns:p14="http://schemas.microsoft.com/office/powerpoint/2010/main" val="4040506662"/>
+        <p14:creationId xmlns:p14="http://schemas.microsoft.com/office/powerpoint/2010/main" val="2754629093"/>
       </p:ext>
     </p:extLst>
   </p:cSld>
   <p:clrMap bg1="lt1" tx1="dk1" bg2="lt2" tx2="dk2" accent1="accent1" accent2="accent2" accent3="accent3" accent4="accent4" accent5="accent5" accent6="accent6" hlink="hlink" folHlink="folHlink"/>
   <p:sldLayoutIdLst>
-    <p:sldLayoutId id="2147484128" r:id="rId1"/>
-    <p:sldLayoutId id="2147484129" r:id="rId2"/>
-    <p:sldLayoutId id="2147484130" r:id="rId3"/>
-    <p:sldLayoutId id="2147484131" r:id="rId4"/>
-    <p:sldLayoutId id="2147484132" r:id="rId5"/>
-    <p:sldLayoutId id="2147484133" r:id="rId6"/>
-    <p:sldLayoutId id="2147484134" r:id="rId7"/>
-    <p:sldLayoutId id="2147484135" r:id="rId8"/>
-    <p:sldLayoutId id="2147484136" r:id="rId9"/>
-    <p:sldLayoutId id="2147484137" r:id="rId10"/>
-    <p:sldLayoutId id="2147484138" r:id="rId11"/>
+    <p:sldLayoutId id="2147484188" r:id="rId1"/>
+    <p:sldLayoutId id="2147484189" r:id="rId2"/>
+    <p:sldLayoutId id="2147484190" r:id="rId3"/>
+    <p:sldLayoutId id="2147484191" r:id="rId4"/>
+    <p:sldLayoutId id="2147484192" r:id="rId5"/>
+    <p:sldLayoutId id="2147484193" r:id="rId6"/>
+    <p:sldLayoutId id="2147484194" r:id="rId7"/>
+    <p:sldLayoutId id="2147484195" r:id="rId8"/>
+    <p:sldLayoutId id="2147484196" r:id="rId9"/>
+    <p:sldLayoutId id="2147484197" r:id="rId10"/>
+    <p:sldLayoutId id="2147484198" r:id="rId11"/>
   </p:sldLayoutIdLst>
   <p:txStyles>
     <p:titleStyle>
@@ -3940,6 +3940,13 @@
   <p:clrMapOvr>
     <a:masterClrMapping/>
   </p:clrMapOvr>
+  <p:timing>
+    <p:tnLst>
+      <p:par>
+        <p:cTn id="1" dur="indefinite" restart="never" nodeType="tmRoot"/>
+      </p:par>
+    </p:tnLst>
+  </p:timing>
 </p:sld>
 </file>
 
@@ -4026,6 +4033,13 @@
   <p:clrMapOvr>
     <a:masterClrMapping/>
   </p:clrMapOvr>
+  <p:timing>
+    <p:tnLst>
+      <p:par>
+        <p:cTn id="1" dur="indefinite" restart="never" nodeType="tmRoot"/>
+      </p:par>
+    </p:tnLst>
+  </p:timing>
 </p:sld>
 </file>
 
@@ -4093,7 +4107,9 @@
           </a:xfrm>
         </p:spPr>
         <p:txBody>
-          <a:bodyPr/>
+          <a:bodyPr>
+            <a:normAutofit lnSpcReduction="10000"/>
+          </a:bodyPr>
           <a:lstStyle/>
           <a:p>
             <a:pPr marL="0" indent="0">
@@ -4136,6 +4152,219 @@
             <a:pPr marL="0" indent="0">
               <a:buNone/>
             </a:pPr>
+            <a:r>
+              <a:rPr lang="hu-HU" dirty="0">
+                <a:solidFill>
+                  <a:schemeClr val="tx1">
+                    <a:lumMod val="95000"/>
+                    <a:lumOff val="5000"/>
+                  </a:schemeClr>
+                </a:solidFill>
+                <a:hlinkClick r:id="rId3"/>
+              </a:rPr>
+              <a:t>https://</a:t>
+            </a:r>
+            <a:r>
+              <a:rPr lang="hu-HU" dirty="0" smtClean="0">
+                <a:solidFill>
+                  <a:schemeClr val="tx1">
+                    <a:lumMod val="95000"/>
+                    <a:lumOff val="5000"/>
+                  </a:schemeClr>
+                </a:solidFill>
+                <a:hlinkClick r:id="rId3"/>
+              </a:rPr>
+              <a:t>tinyurl.com/4zzu967y</a:t>
+            </a:r>
+            <a:endParaRPr lang="hu-HU" dirty="0" smtClean="0">
+              <a:solidFill>
+                <a:schemeClr val="tx1">
+                  <a:lumMod val="95000"/>
+                  <a:lumOff val="5000"/>
+                </a:schemeClr>
+              </a:solidFill>
+            </a:endParaRPr>
+          </a:p>
+          <a:p>
+            <a:pPr marL="0" indent="0">
+              <a:buNone/>
+            </a:pPr>
+            <a:r>
+              <a:rPr lang="hu-HU" dirty="0">
+                <a:solidFill>
+                  <a:schemeClr val="tx1">
+                    <a:lumMod val="95000"/>
+                    <a:lumOff val="5000"/>
+                  </a:schemeClr>
+                </a:solidFill>
+                <a:hlinkClick r:id="rId4"/>
+              </a:rPr>
+              <a:t>https://</a:t>
+            </a:r>
+            <a:r>
+              <a:rPr lang="hu-HU" dirty="0" smtClean="0">
+                <a:solidFill>
+                  <a:schemeClr val="tx1">
+                    <a:lumMod val="95000"/>
+                    <a:lumOff val="5000"/>
+                  </a:schemeClr>
+                </a:solidFill>
+                <a:hlinkClick r:id="rId4"/>
+              </a:rPr>
+              <a:t>tinyurl.com/2p84pabh</a:t>
+            </a:r>
+            <a:endParaRPr lang="hu-HU" dirty="0" smtClean="0">
+              <a:solidFill>
+                <a:schemeClr val="tx1">
+                  <a:lumMod val="95000"/>
+                  <a:lumOff val="5000"/>
+                </a:schemeClr>
+              </a:solidFill>
+            </a:endParaRPr>
+          </a:p>
+          <a:p>
+            <a:pPr marL="0" indent="0">
+              <a:buNone/>
+            </a:pPr>
+            <a:r>
+              <a:rPr lang="hu-HU" dirty="0">
+                <a:solidFill>
+                  <a:schemeClr val="tx1">
+                    <a:lumMod val="95000"/>
+                    <a:lumOff val="5000"/>
+                  </a:schemeClr>
+                </a:solidFill>
+                <a:hlinkClick r:id="rId5"/>
+              </a:rPr>
+              <a:t>https://</a:t>
+            </a:r>
+            <a:r>
+              <a:rPr lang="hu-HU" dirty="0" smtClean="0">
+                <a:solidFill>
+                  <a:schemeClr val="tx1">
+                    <a:lumMod val="95000"/>
+                    <a:lumOff val="5000"/>
+                  </a:schemeClr>
+                </a:solidFill>
+                <a:hlinkClick r:id="rId5"/>
+              </a:rPr>
+              <a:t>tinyurl.com/3mvb7t98</a:t>
+            </a:r>
+            <a:endParaRPr lang="hu-HU" dirty="0" smtClean="0">
+              <a:solidFill>
+                <a:schemeClr val="tx1">
+                  <a:lumMod val="95000"/>
+                  <a:lumOff val="5000"/>
+                </a:schemeClr>
+              </a:solidFill>
+            </a:endParaRPr>
+          </a:p>
+          <a:p>
+            <a:pPr marL="0" indent="0">
+              <a:buNone/>
+            </a:pPr>
+            <a:r>
+              <a:rPr lang="hu-HU" dirty="0">
+                <a:solidFill>
+                  <a:schemeClr val="tx1">
+                    <a:lumMod val="95000"/>
+                    <a:lumOff val="5000"/>
+                  </a:schemeClr>
+                </a:solidFill>
+                <a:hlinkClick r:id="rId6"/>
+              </a:rPr>
+              <a:t>https://</a:t>
+            </a:r>
+            <a:r>
+              <a:rPr lang="hu-HU" dirty="0" smtClean="0">
+                <a:solidFill>
+                  <a:schemeClr val="tx1">
+                    <a:lumMod val="95000"/>
+                    <a:lumOff val="5000"/>
+                  </a:schemeClr>
+                </a:solidFill>
+                <a:hlinkClick r:id="rId6"/>
+              </a:rPr>
+              <a:t>tinyurl.com/ys6x6v2t</a:t>
+            </a:r>
+            <a:endParaRPr lang="hu-HU" dirty="0" smtClean="0">
+              <a:solidFill>
+                <a:schemeClr val="tx1">
+                  <a:lumMod val="95000"/>
+                  <a:lumOff val="5000"/>
+                </a:schemeClr>
+              </a:solidFill>
+            </a:endParaRPr>
+          </a:p>
+          <a:p>
+            <a:pPr marL="0" indent="0">
+              <a:buNone/>
+            </a:pPr>
+            <a:endParaRPr lang="hu-HU" dirty="0" smtClean="0">
+              <a:solidFill>
+                <a:schemeClr val="tx1">
+                  <a:lumMod val="95000"/>
+                  <a:lumOff val="5000"/>
+                </a:schemeClr>
+              </a:solidFill>
+            </a:endParaRPr>
+          </a:p>
+          <a:p>
+            <a:pPr marL="0" indent="0">
+              <a:buNone/>
+            </a:pPr>
+            <a:endParaRPr lang="hu-HU" dirty="0" smtClean="0">
+              <a:solidFill>
+                <a:schemeClr val="tx1">
+                  <a:lumMod val="95000"/>
+                  <a:lumOff val="5000"/>
+                </a:schemeClr>
+              </a:solidFill>
+            </a:endParaRPr>
+          </a:p>
+          <a:p>
+            <a:pPr marL="0" indent="0">
+              <a:buNone/>
+            </a:pPr>
+            <a:endParaRPr lang="hu-HU" dirty="0" smtClean="0">
+              <a:solidFill>
+                <a:schemeClr val="tx1">
+                  <a:lumMod val="95000"/>
+                  <a:lumOff val="5000"/>
+                </a:schemeClr>
+              </a:solidFill>
+            </a:endParaRPr>
+          </a:p>
+          <a:p>
+            <a:pPr marL="0" indent="0">
+              <a:buNone/>
+            </a:pPr>
+            <a:endParaRPr lang="hu-HU" dirty="0">
+              <a:solidFill>
+                <a:schemeClr val="tx1">
+                  <a:lumMod val="95000"/>
+                  <a:lumOff val="5000"/>
+                </a:schemeClr>
+              </a:solidFill>
+            </a:endParaRPr>
+          </a:p>
+          <a:p>
+            <a:pPr marL="0" indent="0">
+              <a:buNone/>
+            </a:pPr>
+            <a:endParaRPr lang="hu-HU" dirty="0" smtClean="0">
+              <a:solidFill>
+                <a:schemeClr val="tx1">
+                  <a:lumMod val="95000"/>
+                  <a:lumOff val="5000"/>
+                </a:schemeClr>
+              </a:solidFill>
+            </a:endParaRPr>
+          </a:p>
+          <a:p>
+            <a:pPr marL="0" indent="0">
+              <a:buNone/>
+            </a:pPr>
             <a:endParaRPr lang="hu-HU" dirty="0">
               <a:solidFill>
                 <a:schemeClr val="tx1">
@@ -4156,7 +4385,7 @@
           <p:nvPr/>
         </p:nvPicPr>
         <p:blipFill>
-          <a:blip r:embed="rId3"/>
+          <a:blip r:embed="rId7"/>
           <a:stretch>
             <a:fillRect/>
           </a:stretch>
@@ -4181,6 +4410,13 @@
   <p:clrMapOvr>
     <a:masterClrMapping/>
   </p:clrMapOvr>
+  <p:timing>
+    <p:tnLst>
+      <p:par>
+        <p:cTn id="1" dur="indefinite" restart="never" nodeType="tmRoot"/>
+      </p:par>
+    </p:tnLst>
+  </p:timing>
 </p:sld>
 </file>
 
@@ -4225,7 +4461,7 @@
         </p:blipFill>
         <p:spPr>
           <a:xfrm>
-            <a:off x="812800" y="1719986"/>
+            <a:off x="945163" y="1656190"/>
             <a:ext cx="10773611" cy="131848"/>
           </a:xfrm>
           <a:prstGeom prst="rect">
@@ -4335,6 +4571,30 @@
           </a:p>
         </p:txBody>
       </p:sp>
+      <p:pic>
+        <p:nvPicPr>
+          <p:cNvPr id="4" name="Kép 3"/>
+          <p:cNvPicPr>
+            <a:picLocks noChangeAspect="1"/>
+          </p:cNvPicPr>
+          <p:nvPr/>
+        </p:nvPicPr>
+        <p:blipFill>
+          <a:blip r:embed="rId3"/>
+          <a:stretch>
+            <a:fillRect/>
+          </a:stretch>
+        </p:blipFill>
+        <p:spPr>
+          <a:xfrm>
+            <a:off x="5029201" y="968243"/>
+            <a:ext cx="5806039" cy="4931718"/>
+          </a:xfrm>
+          <a:prstGeom prst="rect">
+            <a:avLst/>
+          </a:prstGeom>
+        </p:spPr>
+      </p:pic>
     </p:spTree>
     <p:extLst>
       <p:ext uri="{BB962C8B-B14F-4D97-AF65-F5344CB8AC3E}">
@@ -4345,10 +4605,200 @@
   <p:clrMapOvr>
     <a:masterClrMapping/>
   </p:clrMapOvr>
+  <p:timing>
+    <p:tnLst>
+      <p:par>
+        <p:cTn id="1" dur="indefinite" restart="never" nodeType="tmRoot"/>
+      </p:par>
+    </p:tnLst>
+  </p:timing>
 </p:sld>
 </file>
 
 <file path=ppt/slides/slide3.xml><?xml version="1.0" encoding="utf-8"?>
+<p:sld xmlns:a="http://schemas.openxmlformats.org/drawingml/2006/main" xmlns:r="http://schemas.openxmlformats.org/officeDocument/2006/relationships" xmlns:p="http://schemas.openxmlformats.org/presentationml/2006/main">
+  <p:cSld>
+    <p:spTree>
+      <p:nvGrpSpPr>
+        <p:cNvPr id="1" name=""/>
+        <p:cNvGrpSpPr/>
+        <p:nvPr/>
+      </p:nvGrpSpPr>
+      <p:grpSpPr>
+        <a:xfrm>
+          <a:off x="0" y="0"/>
+          <a:ext cx="0" cy="0"/>
+          <a:chOff x="0" y="0"/>
+          <a:chExt cx="0" cy="0"/>
+        </a:xfrm>
+      </p:grpSpPr>
+      <p:pic>
+        <p:nvPicPr>
+          <p:cNvPr id="6" name="Kép 5"/>
+          <p:cNvPicPr>
+            <a:picLocks noChangeAspect="1"/>
+          </p:cNvPicPr>
+          <p:nvPr/>
+        </p:nvPicPr>
+        <p:blipFill>
+          <a:blip r:embed="rId2"/>
+          <a:stretch>
+            <a:fillRect/>
+          </a:stretch>
+        </p:blipFill>
+        <p:spPr>
+          <a:xfrm>
+            <a:off x="1097278" y="1668953"/>
+            <a:ext cx="10380847" cy="137626"/>
+          </a:xfrm>
+          <a:prstGeom prst="rect">
+            <a:avLst/>
+          </a:prstGeom>
+        </p:spPr>
+      </p:pic>
+      <p:sp>
+        <p:nvSpPr>
+          <p:cNvPr id="2" name="Cím 1"/>
+          <p:cNvSpPr>
+            <a:spLocks noGrp="1"/>
+          </p:cNvSpPr>
+          <p:nvPr>
+            <p:ph type="title"/>
+          </p:nvPr>
+        </p:nvSpPr>
+        <p:spPr>
+          <a:xfrm>
+            <a:off x="585275" y="752398"/>
+            <a:ext cx="4414520" cy="813754"/>
+          </a:xfrm>
+        </p:spPr>
+        <p:txBody>
+          <a:bodyPr>
+            <a:normAutofit/>
+          </a:bodyPr>
+          <a:lstStyle/>
+          <a:p>
+            <a:r>
+              <a:rPr lang="hu-HU" dirty="0" smtClean="0">
+                <a:latin typeface="Times New Roman" panose="02020603050405020304" pitchFamily="18" charset="0"/>
+                <a:cs typeface="Times New Roman" panose="02020603050405020304" pitchFamily="18" charset="0"/>
+              </a:rPr>
+              <a:t>Kernel feladatai</a:t>
+            </a:r>
+            <a:endParaRPr lang="hu-HU" dirty="0">
+              <a:latin typeface="Times New Roman" panose="02020603050405020304" pitchFamily="18" charset="0"/>
+              <a:cs typeface="Times New Roman" panose="02020603050405020304" pitchFamily="18" charset="0"/>
+            </a:endParaRPr>
+          </a:p>
+        </p:txBody>
+      </p:sp>
+      <p:sp>
+        <p:nvSpPr>
+          <p:cNvPr id="3" name="Tartalom helye 2"/>
+          <p:cNvSpPr>
+            <a:spLocks noGrp="1"/>
+          </p:cNvSpPr>
+          <p:nvPr>
+            <p:ph idx="1"/>
+          </p:nvPr>
+        </p:nvSpPr>
+        <p:spPr>
+          <a:xfrm>
+            <a:off x="585275" y="1909380"/>
+            <a:ext cx="3878441" cy="3757494"/>
+          </a:xfrm>
+        </p:spPr>
+        <p:txBody>
+          <a:bodyPr>
+            <a:normAutofit/>
+          </a:bodyPr>
+          <a:lstStyle/>
+          <a:p>
+            <a:pPr marL="0" indent="0">
+              <a:buNone/>
+            </a:pPr>
+            <a:r>
+              <a:rPr lang="hu-HU" sz="2400" dirty="0" smtClean="0">
+                <a:latin typeface="Times New Roman" panose="02020603050405020304" pitchFamily="18" charset="0"/>
+                <a:cs typeface="Times New Roman" panose="02020603050405020304" pitchFamily="18" charset="0"/>
+              </a:rPr>
+              <a:t>Eszközök kezelése</a:t>
+            </a:r>
+          </a:p>
+          <a:p>
+            <a:pPr marL="0" indent="0">
+              <a:buNone/>
+            </a:pPr>
+            <a:endParaRPr lang="hu-HU" sz="2400" dirty="0" smtClean="0">
+              <a:latin typeface="Times New Roman" panose="02020603050405020304" pitchFamily="18" charset="0"/>
+              <a:cs typeface="Times New Roman" panose="02020603050405020304" pitchFamily="18" charset="0"/>
+            </a:endParaRPr>
+          </a:p>
+          <a:p>
+            <a:pPr marL="0" indent="0">
+              <a:buNone/>
+            </a:pPr>
+            <a:r>
+              <a:rPr lang="hu-HU" sz="2400" dirty="0" smtClean="0">
+                <a:latin typeface="Times New Roman" panose="02020603050405020304" pitchFamily="18" charset="0"/>
+                <a:cs typeface="Times New Roman" panose="02020603050405020304" pitchFamily="18" charset="0"/>
+              </a:rPr>
+              <a:t>Programok futásának kezelése</a:t>
+            </a:r>
+          </a:p>
+          <a:p>
+            <a:pPr marL="0" indent="0">
+              <a:buNone/>
+            </a:pPr>
+            <a:endParaRPr lang="hu-HU" sz="2400" dirty="0" smtClean="0">
+              <a:latin typeface="Times New Roman" panose="02020603050405020304" pitchFamily="18" charset="0"/>
+              <a:cs typeface="Times New Roman" panose="02020603050405020304" pitchFamily="18" charset="0"/>
+            </a:endParaRPr>
+          </a:p>
+          <a:p>
+            <a:pPr marL="0" indent="0">
+              <a:buNone/>
+            </a:pPr>
+            <a:r>
+              <a:rPr lang="hu-HU" sz="2400" dirty="0" smtClean="0">
+                <a:latin typeface="Times New Roman" panose="02020603050405020304" pitchFamily="18" charset="0"/>
+                <a:cs typeface="Times New Roman" panose="02020603050405020304" pitchFamily="18" charset="0"/>
+              </a:rPr>
+              <a:t>Háttértárolók kezelése</a:t>
+            </a:r>
+          </a:p>
+          <a:p>
+            <a:pPr marL="0" indent="0">
+              <a:buNone/>
+            </a:pPr>
+            <a:endParaRPr lang="hu-HU" sz="2400" dirty="0">
+              <a:latin typeface="Times New Roman" panose="02020603050405020304" pitchFamily="18" charset="0"/>
+              <a:cs typeface="Times New Roman" panose="02020603050405020304" pitchFamily="18" charset="0"/>
+            </a:endParaRPr>
+          </a:p>
+        </p:txBody>
+      </p:sp>
+    </p:spTree>
+    <p:extLst>
+      <p:ext uri="{BB962C8B-B14F-4D97-AF65-F5344CB8AC3E}">
+        <p14:creationId xmlns:p14="http://schemas.microsoft.com/office/powerpoint/2010/main" val="2154744984"/>
+      </p:ext>
+    </p:extLst>
+  </p:cSld>
+  <p:clrMapOvr>
+    <a:masterClrMapping/>
+  </p:clrMapOvr>
+  <p:timing>
+    <p:tnLst>
+      <p:par>
+        <p:cTn id="1" dur="indefinite" restart="never" nodeType="tmRoot"/>
+      </p:par>
+    </p:tnLst>
+  </p:timing>
+</p:sld>
+</file>
+
+<file path=ppt/slides/slide4.xml><?xml version="1.0" encoding="utf-8"?>
 <p:sld xmlns:a="http://schemas.openxmlformats.org/drawingml/2006/main" xmlns:r="http://schemas.openxmlformats.org/officeDocument/2006/relationships" xmlns:p="http://schemas.openxmlformats.org/presentationml/2006/main">
   <p:cSld>
     <p:spTree>
@@ -4553,10 +5003,17 @@
   <p:clrMapOvr>
     <a:masterClrMapping/>
   </p:clrMapOvr>
+  <p:timing>
+    <p:tnLst>
+      <p:par>
+        <p:cTn id="1" dur="indefinite" restart="never" nodeType="tmRoot"/>
+      </p:par>
+    </p:tnLst>
+  </p:timing>
 </p:sld>
 </file>
 
-<file path=ppt/slides/slide4.xml><?xml version="1.0" encoding="utf-8"?>
+<file path=ppt/slides/slide5.xml><?xml version="1.0" encoding="utf-8"?>
 <p:sld xmlns:a="http://schemas.openxmlformats.org/drawingml/2006/main" xmlns:r="http://schemas.openxmlformats.org/officeDocument/2006/relationships" xmlns:p="http://schemas.openxmlformats.org/presentationml/2006/main">
   <p:cSld>
     <p:spTree>
@@ -4575,7 +5032,7 @@
       </p:grpSpPr>
       <p:pic>
         <p:nvPicPr>
-          <p:cNvPr id="6" name="Kép 5"/>
+          <p:cNvPr id="5" name="Kép 4"/>
           <p:cNvPicPr>
             <a:picLocks noChangeAspect="1"/>
           </p:cNvPicPr>
@@ -4589,8 +5046,8 @@
         </p:blipFill>
         <p:spPr>
           <a:xfrm>
-            <a:off x="1097278" y="1668953"/>
-            <a:ext cx="10380847" cy="137626"/>
+            <a:off x="903118" y="1521337"/>
+            <a:ext cx="10661359" cy="314961"/>
           </a:xfrm>
           <a:prstGeom prst="rect">
             <a:avLst/>
@@ -4609,13 +5066,13 @@
         </p:nvSpPr>
         <p:spPr>
           <a:xfrm>
-            <a:off x="585275" y="752398"/>
-            <a:ext cx="4414520" cy="813754"/>
+            <a:off x="460756" y="419100"/>
+            <a:ext cx="5050028" cy="715587"/>
           </a:xfrm>
         </p:spPr>
         <p:txBody>
           <a:bodyPr>
-            <a:normAutofit/>
+            <a:noAutofit/>
           </a:bodyPr>
           <a:lstStyle/>
           <a:p>
@@ -4624,9 +5081,16 @@
                 <a:latin typeface="Times New Roman" panose="02020603050405020304" pitchFamily="18" charset="0"/>
                 <a:cs typeface="Times New Roman" panose="02020603050405020304" pitchFamily="18" charset="0"/>
               </a:rPr>
-              <a:t>Kernel feladatai</a:t>
-            </a:r>
-            <a:endParaRPr lang="hu-HU" dirty="0">
+              <a:t>Monolitikus</a:t>
+            </a:r>
+            <a:r>
+              <a:rPr lang="hu-HU" sz="4400" dirty="0" smtClean="0">
+                <a:latin typeface="Times New Roman" panose="02020603050405020304" pitchFamily="18" charset="0"/>
+                <a:cs typeface="Times New Roman" panose="02020603050405020304" pitchFamily="18" charset="0"/>
+              </a:rPr>
+              <a:t> kernel</a:t>
+            </a:r>
+            <a:endParaRPr lang="hu-HU" sz="4300" dirty="0">
               <a:latin typeface="Times New Roman" panose="02020603050405020304" pitchFamily="18" charset="0"/>
               <a:cs typeface="Times New Roman" panose="02020603050405020304" pitchFamily="18" charset="0"/>
             </a:endParaRPr>
@@ -4645,73 +5109,40 @@
         </p:nvSpPr>
         <p:spPr>
           <a:xfrm>
-            <a:off x="585275" y="1909380"/>
-            <a:ext cx="3878441" cy="3757494"/>
+            <a:off x="819216" y="2222949"/>
+            <a:ext cx="4209984" cy="1881218"/>
           </a:xfrm>
         </p:spPr>
         <p:txBody>
           <a:bodyPr>
-            <a:normAutofit/>
+            <a:noAutofit/>
           </a:bodyPr>
           <a:lstStyle/>
           <a:p>
-            <a:pPr marL="0" indent="0">
-              <a:buNone/>
-            </a:pPr>
             <a:r>
               <a:rPr lang="hu-HU" sz="2400" dirty="0" smtClean="0">
                 <a:latin typeface="Times New Roman" panose="02020603050405020304" pitchFamily="18" charset="0"/>
                 <a:cs typeface="Times New Roman" panose="02020603050405020304" pitchFamily="18" charset="0"/>
               </a:rPr>
-              <a:t>Eszközök kezelése</a:t>
-            </a:r>
-          </a:p>
-          <a:p>
-            <a:pPr marL="0" indent="0">
-              <a:buNone/>
-            </a:pPr>
+              <a:t>operációsrendszer-architektúra</a:t>
+            </a:r>
+          </a:p>
+          <a:p>
             <a:endParaRPr lang="hu-HU" sz="2400" dirty="0" smtClean="0">
               <a:latin typeface="Times New Roman" panose="02020603050405020304" pitchFamily="18" charset="0"/>
               <a:cs typeface="Times New Roman" panose="02020603050405020304" pitchFamily="18" charset="0"/>
             </a:endParaRPr>
           </a:p>
           <a:p>
-            <a:pPr marL="0" indent="0">
-              <a:buNone/>
-            </a:pPr>
             <a:r>
               <a:rPr lang="hu-HU" sz="2400" dirty="0" smtClean="0">
                 <a:latin typeface="Times New Roman" panose="02020603050405020304" pitchFamily="18" charset="0"/>
                 <a:cs typeface="Times New Roman" panose="02020603050405020304" pitchFamily="18" charset="0"/>
               </a:rPr>
-              <a:t>Programok futásának kezelése</a:t>
-            </a:r>
-          </a:p>
-          <a:p>
-            <a:pPr marL="0" indent="0">
-              <a:buNone/>
-            </a:pPr>
-            <a:endParaRPr lang="hu-HU" sz="2400" dirty="0" smtClean="0">
-              <a:latin typeface="Times New Roman" panose="02020603050405020304" pitchFamily="18" charset="0"/>
-              <a:cs typeface="Times New Roman" panose="02020603050405020304" pitchFamily="18" charset="0"/>
-            </a:endParaRPr>
-          </a:p>
-          <a:p>
-            <a:pPr marL="0" indent="0">
-              <a:buNone/>
-            </a:pPr>
-            <a:r>
-              <a:rPr lang="hu-HU" sz="2400" dirty="0" smtClean="0">
-                <a:latin typeface="Times New Roman" panose="02020603050405020304" pitchFamily="18" charset="0"/>
-                <a:cs typeface="Times New Roman" panose="02020603050405020304" pitchFamily="18" charset="0"/>
-              </a:rPr>
-              <a:t>Háttértárolók kezelése</a:t>
-            </a:r>
-          </a:p>
-          <a:p>
-            <a:pPr marL="0" indent="0">
-              <a:buNone/>
-            </a:pPr>
+              <a:t>Eltérés a többi kernelhez képest</a:t>
+            </a:r>
+          </a:p>
+          <a:p>
             <a:endParaRPr lang="hu-HU" sz="2400" dirty="0">
               <a:latin typeface="Times New Roman" panose="02020603050405020304" pitchFamily="18" charset="0"/>
               <a:cs typeface="Times New Roman" panose="02020603050405020304" pitchFamily="18" charset="0"/>
@@ -4719,20 +5150,560 @@
           </a:p>
         </p:txBody>
       </p:sp>
+      <p:pic>
+        <p:nvPicPr>
+          <p:cNvPr id="1026" name="Picture 2" descr="https://upload.wikimedia.org/wikipedia/commons/thumb/e/ec/Kernel-microkernel.svg/220px-Kernel-microkernel.svg.png"/>
+          <p:cNvPicPr>
+            <a:picLocks noChangeAspect="1" noChangeArrowheads="1"/>
+          </p:cNvPicPr>
+          <p:nvPr/>
+        </p:nvPicPr>
+        <p:blipFill>
+          <a:blip r:embed="rId3">
+            <a:extLst>
+              <a:ext uri="{28A0092B-C50C-407E-A947-70E740481C1C}">
+                <a14:useLocalDpi xmlns:a14="http://schemas.microsoft.com/office/drawing/2010/main" val="0"/>
+              </a:ext>
+            </a:extLst>
+          </a:blip>
+          <a:srcRect/>
+          <a:stretch>
+            <a:fillRect/>
+          </a:stretch>
+        </p:blipFill>
+        <p:spPr bwMode="auto">
+          <a:xfrm>
+            <a:off x="5879804" y="1050507"/>
+            <a:ext cx="5387679" cy="4040762"/>
+          </a:xfrm>
+          <a:prstGeom prst="rect">
+            <a:avLst/>
+          </a:prstGeom>
+          <a:noFill/>
+          <a:extLst>
+            <a:ext uri="{909E8E84-426E-40DD-AFC4-6F175D3DCCD1}">
+              <a14:hiddenFill xmlns:a14="http://schemas.microsoft.com/office/drawing/2010/main">
+                <a:solidFill>
+                  <a:srgbClr val="FFFFFF"/>
+                </a:solidFill>
+              </a14:hiddenFill>
+            </a:ext>
+          </a:extLst>
+        </p:spPr>
+      </p:pic>
+      <p:sp>
+        <p:nvSpPr>
+          <p:cNvPr id="6" name="Szövegdoboz 5"/>
+          <p:cNvSpPr txBox="1"/>
+          <p:nvPr/>
+        </p:nvSpPr>
+        <p:spPr>
+          <a:xfrm>
+            <a:off x="7166344" y="5401340"/>
+            <a:ext cx="1468672" cy="215444"/>
+          </a:xfrm>
+          <a:prstGeom prst="rect">
+            <a:avLst/>
+          </a:prstGeom>
+          <a:noFill/>
+        </p:spPr>
+        <p:txBody>
+          <a:bodyPr wrap="none" rtlCol="0">
+            <a:spAutoFit/>
+          </a:bodyPr>
+          <a:lstStyle/>
+          <a:p>
+            <a:r>
+              <a:rPr lang="hu-HU" sz="800" dirty="0"/>
+              <a:t>https://tinyurl.com/2p9dd39w</a:t>
+            </a:r>
+          </a:p>
+        </p:txBody>
+      </p:sp>
     </p:spTree>
     <p:extLst>
       <p:ext uri="{BB962C8B-B14F-4D97-AF65-F5344CB8AC3E}">
-        <p14:creationId xmlns:p14="http://schemas.microsoft.com/office/powerpoint/2010/main" val="2154744984"/>
+        <p14:creationId xmlns:p14="http://schemas.microsoft.com/office/powerpoint/2010/main" val="3838305485"/>
       </p:ext>
     </p:extLst>
   </p:cSld>
   <p:clrMapOvr>
     <a:masterClrMapping/>
   </p:clrMapOvr>
+  <p:timing>
+    <p:tnLst>
+      <p:par>
+        <p:cTn id="1" dur="indefinite" restart="never" nodeType="tmRoot"/>
+      </p:par>
+    </p:tnLst>
+  </p:timing>
 </p:sld>
 </file>
 
-<file path=ppt/slides/slide5.xml><?xml version="1.0" encoding="utf-8"?>
+<file path=ppt/slides/slide6.xml><?xml version="1.0" encoding="utf-8"?>
+<p:sld xmlns:a="http://schemas.openxmlformats.org/drawingml/2006/main" xmlns:r="http://schemas.openxmlformats.org/officeDocument/2006/relationships" xmlns:p="http://schemas.openxmlformats.org/presentationml/2006/main">
+  <p:cSld>
+    <p:spTree>
+      <p:nvGrpSpPr>
+        <p:cNvPr id="1" name=""/>
+        <p:cNvGrpSpPr/>
+        <p:nvPr/>
+      </p:nvGrpSpPr>
+      <p:grpSpPr>
+        <a:xfrm>
+          <a:off x="0" y="0"/>
+          <a:ext cx="0" cy="0"/>
+          <a:chOff x="0" y="0"/>
+          <a:chExt cx="0" cy="0"/>
+        </a:xfrm>
+      </p:grpSpPr>
+      <p:sp>
+        <p:nvSpPr>
+          <p:cNvPr id="2" name="Cím 1"/>
+          <p:cNvSpPr>
+            <a:spLocks noGrp="1"/>
+          </p:cNvSpPr>
+          <p:nvPr>
+            <p:ph type="title"/>
+          </p:nvPr>
+        </p:nvSpPr>
+        <p:spPr>
+          <a:xfrm>
+            <a:off x="1097280" y="286603"/>
+            <a:ext cx="3910655" cy="1450757"/>
+          </a:xfrm>
+        </p:spPr>
+        <p:txBody>
+          <a:bodyPr>
+            <a:normAutofit/>
+          </a:bodyPr>
+          <a:lstStyle/>
+          <a:p>
+            <a:r>
+              <a:rPr lang="hu-HU" dirty="0" err="1" smtClean="0">
+                <a:latin typeface="Times New Roman" panose="02020603050405020304" pitchFamily="18" charset="0"/>
+                <a:ea typeface="Tahoma" panose="020B0604030504040204" pitchFamily="34" charset="0"/>
+                <a:cs typeface="Times New Roman" panose="02020603050405020304" pitchFamily="18" charset="0"/>
+              </a:rPr>
+              <a:t>Mikrokernel</a:t>
+            </a:r>
+            <a:r>
+              <a:rPr lang="hu-HU" dirty="0">
+                <a:latin typeface="Times New Roman" panose="02020603050405020304" pitchFamily="18" charset="0"/>
+                <a:ea typeface="Tahoma" panose="020B0604030504040204" pitchFamily="34" charset="0"/>
+                <a:cs typeface="Times New Roman" panose="02020603050405020304" pitchFamily="18" charset="0"/>
+              </a:rPr>
+              <a:t/>
+            </a:r>
+            <a:br>
+              <a:rPr lang="hu-HU" dirty="0">
+                <a:latin typeface="Times New Roman" panose="02020603050405020304" pitchFamily="18" charset="0"/>
+                <a:ea typeface="Tahoma" panose="020B0604030504040204" pitchFamily="34" charset="0"/>
+                <a:cs typeface="Times New Roman" panose="02020603050405020304" pitchFamily="18" charset="0"/>
+              </a:rPr>
+            </a:br>
+            <a:endParaRPr lang="hu-HU" dirty="0">
+              <a:latin typeface="Times New Roman" panose="02020603050405020304" pitchFamily="18" charset="0"/>
+              <a:ea typeface="Tahoma" panose="020B0604030504040204" pitchFamily="34" charset="0"/>
+              <a:cs typeface="Times New Roman" panose="02020603050405020304" pitchFamily="18" charset="0"/>
+            </a:endParaRPr>
+          </a:p>
+        </p:txBody>
+      </p:sp>
+      <p:sp>
+        <p:nvSpPr>
+          <p:cNvPr id="3" name="Tartalom helye 2"/>
+          <p:cNvSpPr>
+            <a:spLocks noGrp="1"/>
+          </p:cNvSpPr>
+          <p:nvPr>
+            <p:ph idx="1"/>
+          </p:nvPr>
+        </p:nvSpPr>
+        <p:spPr>
+          <a:xfrm>
+            <a:off x="761690" y="1895830"/>
+            <a:ext cx="4246245" cy="3107266"/>
+          </a:xfrm>
+        </p:spPr>
+        <p:txBody>
+          <a:bodyPr>
+            <a:normAutofit/>
+          </a:bodyPr>
+          <a:lstStyle/>
+          <a:p>
+            <a:r>
+              <a:rPr lang="hu-HU" sz="2400" dirty="0" smtClean="0">
+                <a:latin typeface="Times New Roman" panose="02020603050405020304" pitchFamily="18" charset="0"/>
+                <a:cs typeface="Times New Roman" panose="02020603050405020304" pitchFamily="18" charset="0"/>
+              </a:rPr>
+              <a:t>operációsrendszer-architektúra</a:t>
+            </a:r>
+          </a:p>
+          <a:p>
+            <a:endParaRPr lang="hu-HU" sz="2400" dirty="0" smtClean="0">
+              <a:latin typeface="Times New Roman" panose="02020603050405020304" pitchFamily="18" charset="0"/>
+              <a:cs typeface="Times New Roman" panose="02020603050405020304" pitchFamily="18" charset="0"/>
+            </a:endParaRPr>
+          </a:p>
+          <a:p>
+            <a:r>
+              <a:rPr lang="hu-HU" sz="2400" dirty="0" smtClean="0">
+                <a:latin typeface="Times New Roman" panose="02020603050405020304" pitchFamily="18" charset="0"/>
+                <a:cs typeface="Times New Roman" panose="02020603050405020304" pitchFamily="18" charset="0"/>
+              </a:rPr>
+              <a:t>nélkülözhetetlen</a:t>
+            </a:r>
+            <a:endParaRPr lang="hu-HU" sz="2400" dirty="0">
+              <a:latin typeface="Times New Roman" panose="02020603050405020304" pitchFamily="18" charset="0"/>
+              <a:cs typeface="Times New Roman" panose="02020603050405020304" pitchFamily="18" charset="0"/>
+            </a:endParaRPr>
+          </a:p>
+          <a:p>
+            <a:endParaRPr lang="hu-HU" sz="2400" dirty="0">
+              <a:latin typeface="Times New Roman" panose="02020603050405020304" pitchFamily="18" charset="0"/>
+              <a:cs typeface="Times New Roman" panose="02020603050405020304" pitchFamily="18" charset="0"/>
+            </a:endParaRPr>
+          </a:p>
+          <a:p>
+            <a:endParaRPr lang="hu-HU" sz="2400" dirty="0"/>
+          </a:p>
+        </p:txBody>
+      </p:sp>
+      <p:pic>
+        <p:nvPicPr>
+          <p:cNvPr id="4" name="Kép 3"/>
+          <p:cNvPicPr>
+            <a:picLocks noChangeAspect="1"/>
+          </p:cNvPicPr>
+          <p:nvPr/>
+        </p:nvPicPr>
+        <p:blipFill>
+          <a:blip r:embed="rId2"/>
+          <a:stretch>
+            <a:fillRect/>
+          </a:stretch>
+        </p:blipFill>
+        <p:spPr>
+          <a:xfrm>
+            <a:off x="1097280" y="1578889"/>
+            <a:ext cx="10164763" cy="316941"/>
+          </a:xfrm>
+          <a:prstGeom prst="rect">
+            <a:avLst/>
+          </a:prstGeom>
+        </p:spPr>
+      </p:pic>
+      <p:pic>
+        <p:nvPicPr>
+          <p:cNvPr id="6" name="Picture 2" descr="https://upload.wikimedia.org/wikipedia/commons/thumb/e/ec/Kernel-microkernel.svg/220px-Kernel-microkernel.svg.png"/>
+          <p:cNvPicPr>
+            <a:picLocks noChangeAspect="1" noChangeArrowheads="1"/>
+          </p:cNvPicPr>
+          <p:nvPr/>
+        </p:nvPicPr>
+        <p:blipFill>
+          <a:blip r:embed="rId3">
+            <a:extLst>
+              <a:ext uri="{28A0092B-C50C-407E-A947-70E740481C1C}">
+                <a14:useLocalDpi xmlns:a14="http://schemas.microsoft.com/office/drawing/2010/main" val="0"/>
+              </a:ext>
+            </a:extLst>
+          </a:blip>
+          <a:srcRect/>
+          <a:stretch>
+            <a:fillRect/>
+          </a:stretch>
+        </p:blipFill>
+        <p:spPr bwMode="auto">
+          <a:xfrm>
+            <a:off x="5768001" y="1011981"/>
+            <a:ext cx="5387679" cy="4040762"/>
+          </a:xfrm>
+          <a:prstGeom prst="rect">
+            <a:avLst/>
+          </a:prstGeom>
+          <a:noFill/>
+          <a:extLst>
+            <a:ext uri="{909E8E84-426E-40DD-AFC4-6F175D3DCCD1}">
+              <a14:hiddenFill xmlns:a14="http://schemas.microsoft.com/office/drawing/2010/main">
+                <a:solidFill>
+                  <a:srgbClr val="FFFFFF"/>
+                </a:solidFill>
+              </a14:hiddenFill>
+            </a:ext>
+          </a:extLst>
+        </p:spPr>
+      </p:pic>
+      <p:sp>
+        <p:nvSpPr>
+          <p:cNvPr id="5" name="Szövegdoboz 4"/>
+          <p:cNvSpPr txBox="1"/>
+          <p:nvPr/>
+        </p:nvSpPr>
+        <p:spPr>
+          <a:xfrm>
+            <a:off x="6741042" y="5688419"/>
+            <a:ext cx="1468672" cy="215444"/>
+          </a:xfrm>
+          <a:prstGeom prst="rect">
+            <a:avLst/>
+          </a:prstGeom>
+          <a:noFill/>
+        </p:spPr>
+        <p:txBody>
+          <a:bodyPr wrap="none" rtlCol="0">
+            <a:spAutoFit/>
+          </a:bodyPr>
+          <a:lstStyle/>
+          <a:p>
+            <a:r>
+              <a:rPr lang="hu-HU" sz="800" dirty="0"/>
+              <a:t>https://tinyurl.com/2p9dd39w</a:t>
+            </a:r>
+          </a:p>
+        </p:txBody>
+      </p:sp>
+    </p:spTree>
+    <p:extLst>
+      <p:ext uri="{BB962C8B-B14F-4D97-AF65-F5344CB8AC3E}">
+        <p14:creationId xmlns:p14="http://schemas.microsoft.com/office/powerpoint/2010/main" val="300749020"/>
+      </p:ext>
+    </p:extLst>
+  </p:cSld>
+  <p:clrMapOvr>
+    <a:masterClrMapping/>
+  </p:clrMapOvr>
+  <p:timing>
+    <p:tnLst>
+      <p:par>
+        <p:cTn id="1" dur="indefinite" restart="never" nodeType="tmRoot"/>
+      </p:par>
+    </p:tnLst>
+  </p:timing>
+</p:sld>
+</file>
+
+<file path=ppt/slides/slide7.xml><?xml version="1.0" encoding="utf-8"?>
+<p:sld xmlns:a="http://schemas.openxmlformats.org/drawingml/2006/main" xmlns:r="http://schemas.openxmlformats.org/officeDocument/2006/relationships" xmlns:p="http://schemas.openxmlformats.org/presentationml/2006/main">
+  <p:cSld>
+    <p:spTree>
+      <p:nvGrpSpPr>
+        <p:cNvPr id="1" name=""/>
+        <p:cNvGrpSpPr/>
+        <p:nvPr/>
+      </p:nvGrpSpPr>
+      <p:grpSpPr>
+        <a:xfrm>
+          <a:off x="0" y="0"/>
+          <a:ext cx="0" cy="0"/>
+          <a:chOff x="0" y="0"/>
+          <a:chExt cx="0" cy="0"/>
+        </a:xfrm>
+      </p:grpSpPr>
+      <p:sp>
+        <p:nvSpPr>
+          <p:cNvPr id="2" name="Cím 1"/>
+          <p:cNvSpPr>
+            <a:spLocks noGrp="1"/>
+          </p:cNvSpPr>
+          <p:nvPr>
+            <p:ph type="title"/>
+          </p:nvPr>
+        </p:nvSpPr>
+        <p:spPr>
+          <a:xfrm>
+            <a:off x="276727" y="541421"/>
+            <a:ext cx="4803006" cy="907181"/>
+          </a:xfrm>
+        </p:spPr>
+        <p:txBody>
+          <a:bodyPr>
+            <a:normAutofit/>
+          </a:bodyPr>
+          <a:lstStyle/>
+          <a:p>
+            <a:pPr algn="ctr"/>
+            <a:r>
+              <a:rPr lang="hu-HU" dirty="0">
+                <a:latin typeface="Times New Roman" panose="02020603050405020304" pitchFamily="18" charset="0"/>
+                <a:cs typeface="Times New Roman" panose="02020603050405020304" pitchFamily="18" charset="0"/>
+              </a:rPr>
+              <a:t>H</a:t>
+            </a:r>
+            <a:r>
+              <a:rPr lang="hu-HU" dirty="0" smtClean="0">
+                <a:latin typeface="Times New Roman" panose="02020603050405020304" pitchFamily="18" charset="0"/>
+                <a:cs typeface="Times New Roman" panose="02020603050405020304" pitchFamily="18" charset="0"/>
+              </a:rPr>
+              <a:t>ibrid kernel</a:t>
+            </a:r>
+            <a:endParaRPr lang="hu-HU" dirty="0">
+              <a:latin typeface="Times New Roman" panose="02020603050405020304" pitchFamily="18" charset="0"/>
+              <a:cs typeface="Times New Roman" panose="02020603050405020304" pitchFamily="18" charset="0"/>
+            </a:endParaRPr>
+          </a:p>
+        </p:txBody>
+      </p:sp>
+      <p:sp>
+        <p:nvSpPr>
+          <p:cNvPr id="3" name="Tartalom helye 2"/>
+          <p:cNvSpPr>
+            <a:spLocks noGrp="1"/>
+          </p:cNvSpPr>
+          <p:nvPr>
+            <p:ph idx="1"/>
+          </p:nvPr>
+        </p:nvSpPr>
+        <p:spPr>
+          <a:xfrm>
+            <a:off x="544388" y="2018353"/>
+            <a:ext cx="4187102" cy="1840352"/>
+          </a:xfrm>
+        </p:spPr>
+        <p:txBody>
+          <a:bodyPr>
+            <a:normAutofit/>
+          </a:bodyPr>
+          <a:lstStyle/>
+          <a:p>
+            <a:r>
+              <a:rPr lang="hu-HU" sz="2400" dirty="0" smtClean="0">
+                <a:latin typeface="Times New Roman" panose="02020603050405020304" pitchFamily="18" charset="0"/>
+                <a:cs typeface="Times New Roman" panose="02020603050405020304" pitchFamily="18" charset="0"/>
+              </a:rPr>
+              <a:t>operációsrendszer-architektúra</a:t>
+            </a:r>
+          </a:p>
+          <a:p>
+            <a:endParaRPr lang="hu-HU" sz="2400" dirty="0">
+              <a:latin typeface="Times New Roman" panose="02020603050405020304" pitchFamily="18" charset="0"/>
+              <a:cs typeface="Times New Roman" panose="02020603050405020304" pitchFamily="18" charset="0"/>
+            </a:endParaRPr>
+          </a:p>
+          <a:p>
+            <a:endParaRPr lang="hu-HU" sz="2400" dirty="0">
+              <a:latin typeface="Times New Roman" panose="02020603050405020304" pitchFamily="18" charset="0"/>
+              <a:cs typeface="Times New Roman" panose="02020603050405020304" pitchFamily="18" charset="0"/>
+            </a:endParaRPr>
+          </a:p>
+        </p:txBody>
+      </p:sp>
+      <p:pic>
+        <p:nvPicPr>
+          <p:cNvPr id="4" name="Kép 3"/>
+          <p:cNvPicPr>
+            <a:picLocks noChangeAspect="1"/>
+          </p:cNvPicPr>
+          <p:nvPr/>
+        </p:nvPicPr>
+        <p:blipFill>
+          <a:blip r:embed="rId2"/>
+          <a:stretch>
+            <a:fillRect/>
+          </a:stretch>
+        </p:blipFill>
+        <p:spPr>
+          <a:xfrm>
+            <a:off x="1097280" y="1530773"/>
+            <a:ext cx="10101263" cy="314961"/>
+          </a:xfrm>
+          <a:prstGeom prst="rect">
+            <a:avLst/>
+          </a:prstGeom>
+        </p:spPr>
+      </p:pic>
+      <p:pic>
+        <p:nvPicPr>
+          <p:cNvPr id="9" name="Picture 2" descr="https://upload.wikimedia.org/wikipedia/commons/thumb/e/ec/Kernel-microkernel.svg/220px-Kernel-microkernel.svg.png"/>
+          <p:cNvPicPr>
+            <a:picLocks noChangeAspect="1" noChangeArrowheads="1"/>
+          </p:cNvPicPr>
+          <p:nvPr/>
+        </p:nvPicPr>
+        <p:blipFill>
+          <a:blip r:embed="rId3">
+            <a:extLst>
+              <a:ext uri="{28A0092B-C50C-407E-A947-70E740481C1C}">
+                <a14:useLocalDpi xmlns:a14="http://schemas.microsoft.com/office/drawing/2010/main" val="0"/>
+              </a:ext>
+            </a:extLst>
+          </a:blip>
+          <a:srcRect/>
+          <a:stretch>
+            <a:fillRect/>
+          </a:stretch>
+        </p:blipFill>
+        <p:spPr bwMode="auto">
+          <a:xfrm>
+            <a:off x="5879804" y="1050507"/>
+            <a:ext cx="5387679" cy="4040762"/>
+          </a:xfrm>
+          <a:prstGeom prst="rect">
+            <a:avLst/>
+          </a:prstGeom>
+          <a:noFill/>
+          <a:extLst>
+            <a:ext uri="{909E8E84-426E-40DD-AFC4-6F175D3DCCD1}">
+              <a14:hiddenFill xmlns:a14="http://schemas.microsoft.com/office/drawing/2010/main">
+                <a:solidFill>
+                  <a:srgbClr val="FFFFFF"/>
+                </a:solidFill>
+              </a14:hiddenFill>
+            </a:ext>
+          </a:extLst>
+        </p:spPr>
+      </p:pic>
+      <p:sp>
+        <p:nvSpPr>
+          <p:cNvPr id="7" name="Szövegdoboz 6"/>
+          <p:cNvSpPr txBox="1"/>
+          <p:nvPr/>
+        </p:nvSpPr>
+        <p:spPr>
+          <a:xfrm>
+            <a:off x="7581014" y="5571535"/>
+            <a:ext cx="1468672" cy="215444"/>
+          </a:xfrm>
+          <a:prstGeom prst="rect">
+            <a:avLst/>
+          </a:prstGeom>
+          <a:noFill/>
+        </p:spPr>
+        <p:txBody>
+          <a:bodyPr wrap="none" rtlCol="0">
+            <a:spAutoFit/>
+          </a:bodyPr>
+          <a:lstStyle/>
+          <a:p>
+            <a:r>
+              <a:rPr lang="hu-HU" sz="800" dirty="0"/>
+              <a:t>https://tinyurl.com/2p9dd39w</a:t>
+            </a:r>
+          </a:p>
+        </p:txBody>
+      </p:sp>
+    </p:spTree>
+    <p:extLst>
+      <p:ext uri="{BB962C8B-B14F-4D97-AF65-F5344CB8AC3E}">
+        <p14:creationId xmlns:p14="http://schemas.microsoft.com/office/powerpoint/2010/main" val="1502694442"/>
+      </p:ext>
+    </p:extLst>
+  </p:cSld>
+  <p:clrMapOvr>
+    <a:masterClrMapping/>
+  </p:clrMapOvr>
+  <p:timing>
+    <p:tnLst>
+      <p:par>
+        <p:cTn id="1" dur="indefinite" restart="never" nodeType="tmRoot"/>
+      </p:par>
+    </p:tnLst>
+  </p:timing>
+</p:sld>
+</file>
+
+<file path=ppt/slides/slide8.xml><?xml version="1.0" encoding="utf-8"?>
 <p:sld xmlns:a="http://schemas.openxmlformats.org/drawingml/2006/main" xmlns:r="http://schemas.openxmlformats.org/officeDocument/2006/relationships" xmlns:p="http://schemas.openxmlformats.org/presentationml/2006/main">
   <p:cSld>
     <p:spTree>
@@ -4785,7 +5756,7 @@
         </p:nvSpPr>
         <p:spPr>
           <a:xfrm>
-            <a:off x="603985" y="664411"/>
+            <a:off x="2081911" y="436139"/>
             <a:ext cx="6626994" cy="672095"/>
           </a:xfrm>
         </p:spPr>
@@ -4821,7 +5792,7 @@
         </p:nvSpPr>
         <p:spPr>
           <a:xfrm>
-            <a:off x="261650" y="1637295"/>
+            <a:off x="3462050" y="1328951"/>
             <a:ext cx="5946646" cy="4583031"/>
           </a:xfrm>
         </p:spPr>
@@ -4993,459 +5964,13 @@
   <p:clrMapOvr>
     <a:masterClrMapping/>
   </p:clrMapOvr>
-</p:sld>
-</file>
-
-<file path=ppt/slides/slide6.xml><?xml version="1.0" encoding="utf-8"?>
-<p:sld xmlns:a="http://schemas.openxmlformats.org/drawingml/2006/main" xmlns:r="http://schemas.openxmlformats.org/officeDocument/2006/relationships" xmlns:p="http://schemas.openxmlformats.org/presentationml/2006/main">
-  <p:cSld>
-    <p:spTree>
-      <p:nvGrpSpPr>
-        <p:cNvPr id="1" name=""/>
-        <p:cNvGrpSpPr/>
-        <p:nvPr/>
-      </p:nvGrpSpPr>
-      <p:grpSpPr>
-        <a:xfrm>
-          <a:off x="0" y="0"/>
-          <a:ext cx="0" cy="0"/>
-          <a:chOff x="0" y="0"/>
-          <a:chExt cx="0" cy="0"/>
-        </a:xfrm>
-      </p:grpSpPr>
-      <p:sp>
-        <p:nvSpPr>
-          <p:cNvPr id="2" name="Cím 1"/>
-          <p:cNvSpPr>
-            <a:spLocks noGrp="1"/>
-          </p:cNvSpPr>
-          <p:nvPr>
-            <p:ph type="title"/>
-          </p:nvPr>
-        </p:nvSpPr>
-        <p:spPr>
-          <a:xfrm>
-            <a:off x="2598821" y="186538"/>
-            <a:ext cx="6749716" cy="1765718"/>
-          </a:xfrm>
-        </p:spPr>
-        <p:txBody>
-          <a:bodyPr>
-            <a:normAutofit fontScale="90000"/>
-          </a:bodyPr>
-          <a:lstStyle/>
-          <a:p>
-            <a:r>
-              <a:rPr lang="hu-HU" dirty="0">
-                <a:latin typeface="Times New Roman" panose="02020603050405020304" pitchFamily="18" charset="0"/>
-                <a:cs typeface="Times New Roman" panose="02020603050405020304" pitchFamily="18" charset="0"/>
-              </a:rPr>
-              <a:t>Operációs rendszer változatok</a:t>
-            </a:r>
-            <a:br>
-              <a:rPr lang="hu-HU" dirty="0">
-                <a:latin typeface="Times New Roman" panose="02020603050405020304" pitchFamily="18" charset="0"/>
-                <a:cs typeface="Times New Roman" panose="02020603050405020304" pitchFamily="18" charset="0"/>
-              </a:rPr>
-            </a:br>
-            <a:endParaRPr lang="hu-HU" sz="4300" dirty="0">
-              <a:latin typeface="Times New Roman" panose="02020603050405020304" pitchFamily="18" charset="0"/>
-              <a:cs typeface="Times New Roman" panose="02020603050405020304" pitchFamily="18" charset="0"/>
-            </a:endParaRPr>
-          </a:p>
-        </p:txBody>
-      </p:sp>
-      <p:sp>
-        <p:nvSpPr>
-          <p:cNvPr id="3" name="Tartalom helye 2"/>
-          <p:cNvSpPr>
-            <a:spLocks noGrp="1"/>
-          </p:cNvSpPr>
-          <p:nvPr>
-            <p:ph idx="1"/>
-          </p:nvPr>
-        </p:nvSpPr>
-        <p:spPr>
-          <a:xfrm>
-            <a:off x="854242" y="1867035"/>
-            <a:ext cx="2995863" cy="1850723"/>
-          </a:xfrm>
-        </p:spPr>
-        <p:txBody>
-          <a:bodyPr>
-            <a:normAutofit/>
-          </a:bodyPr>
-          <a:lstStyle/>
-          <a:p>
-            <a:r>
-              <a:rPr lang="hu-HU" sz="2400" dirty="0">
-                <a:latin typeface="Times New Roman" panose="02020603050405020304" pitchFamily="18" charset="0"/>
-                <a:cs typeface="Times New Roman" panose="02020603050405020304" pitchFamily="18" charset="0"/>
-              </a:rPr>
-              <a:t>Microsoft Windows</a:t>
-            </a:r>
-          </a:p>
-          <a:p>
-            <a:r>
-              <a:rPr lang="hu-HU" sz="2400" dirty="0">
-                <a:latin typeface="Times New Roman" panose="02020603050405020304" pitchFamily="18" charset="0"/>
-                <a:cs typeface="Times New Roman" panose="02020603050405020304" pitchFamily="18" charset="0"/>
-              </a:rPr>
-              <a:t>Linux</a:t>
-            </a:r>
-          </a:p>
-          <a:p>
-            <a:r>
-              <a:rPr lang="hu-HU" sz="2400" dirty="0">
-                <a:latin typeface="Times New Roman" panose="02020603050405020304" pitchFamily="18" charset="0"/>
-                <a:cs typeface="Times New Roman" panose="02020603050405020304" pitchFamily="18" charset="0"/>
-              </a:rPr>
-              <a:t>Mac OS </a:t>
-            </a:r>
-            <a:r>
-              <a:rPr lang="hu-HU" sz="2400" dirty="0" smtClean="0">
-                <a:latin typeface="Times New Roman" panose="02020603050405020304" pitchFamily="18" charset="0"/>
-                <a:cs typeface="Times New Roman" panose="02020603050405020304" pitchFamily="18" charset="0"/>
-              </a:rPr>
-              <a:t>X</a:t>
-            </a:r>
-            <a:endParaRPr lang="hu-HU" sz="2400" dirty="0">
-              <a:latin typeface="Times New Roman" panose="02020603050405020304" pitchFamily="18" charset="0"/>
-              <a:cs typeface="Times New Roman" panose="02020603050405020304" pitchFamily="18" charset="0"/>
-            </a:endParaRPr>
-          </a:p>
-        </p:txBody>
-      </p:sp>
-      <p:pic>
-        <p:nvPicPr>
-          <p:cNvPr id="4" name="Kép 3"/>
-          <p:cNvPicPr>
-            <a:picLocks noChangeAspect="1"/>
-          </p:cNvPicPr>
-          <p:nvPr/>
-        </p:nvPicPr>
-        <p:blipFill>
-          <a:blip r:embed="rId2"/>
-          <a:stretch>
-            <a:fillRect/>
-          </a:stretch>
-        </p:blipFill>
-        <p:spPr>
-          <a:xfrm>
-            <a:off x="1073217" y="1552075"/>
-            <a:ext cx="10513193" cy="314961"/>
-          </a:xfrm>
-          <a:prstGeom prst="rect">
-            <a:avLst/>
-          </a:prstGeom>
-        </p:spPr>
-      </p:pic>
-      <p:sp>
-        <p:nvSpPr>
-          <p:cNvPr id="6" name="Szövegdoboz 5"/>
-          <p:cNvSpPr txBox="1"/>
-          <p:nvPr/>
-        </p:nvSpPr>
-        <p:spPr>
-          <a:xfrm>
-            <a:off x="7146758" y="1905270"/>
-            <a:ext cx="3705726" cy="1569660"/>
-          </a:xfrm>
-          <a:prstGeom prst="rect">
-            <a:avLst/>
-          </a:prstGeom>
-          <a:noFill/>
-        </p:spPr>
-        <p:txBody>
-          <a:bodyPr wrap="square" rtlCol="0">
-            <a:spAutoFit/>
-          </a:bodyPr>
-          <a:lstStyle/>
-          <a:p>
-            <a:r>
-              <a:rPr lang="hu-HU" sz="2400" dirty="0" err="1">
-                <a:latin typeface="Times New Roman" panose="02020603050405020304" pitchFamily="18" charset="0"/>
-                <a:cs typeface="Times New Roman" panose="02020603050405020304" pitchFamily="18" charset="0"/>
-              </a:rPr>
-              <a:t>Android</a:t>
-            </a:r>
-            <a:endParaRPr lang="hu-HU" sz="2400" dirty="0">
-              <a:latin typeface="Times New Roman" panose="02020603050405020304" pitchFamily="18" charset="0"/>
-              <a:cs typeface="Times New Roman" panose="02020603050405020304" pitchFamily="18" charset="0"/>
-            </a:endParaRPr>
-          </a:p>
-          <a:p>
-            <a:r>
-              <a:rPr lang="hu-HU" sz="2400" dirty="0">
-                <a:latin typeface="Times New Roman" panose="02020603050405020304" pitchFamily="18" charset="0"/>
-                <a:cs typeface="Times New Roman" panose="02020603050405020304" pitchFamily="18" charset="0"/>
-              </a:rPr>
-              <a:t>IOS</a:t>
-            </a:r>
-          </a:p>
-          <a:p>
-            <a:r>
-              <a:rPr lang="hu-HU" sz="2400" dirty="0">
-                <a:latin typeface="Times New Roman" panose="02020603050405020304" pitchFamily="18" charset="0"/>
-                <a:cs typeface="Times New Roman" panose="02020603050405020304" pitchFamily="18" charset="0"/>
-              </a:rPr>
-              <a:t>Windows </a:t>
-            </a:r>
-            <a:r>
-              <a:rPr lang="hu-HU" sz="2400" dirty="0" err="1">
-                <a:latin typeface="Times New Roman" panose="02020603050405020304" pitchFamily="18" charset="0"/>
-                <a:cs typeface="Times New Roman" panose="02020603050405020304" pitchFamily="18" charset="0"/>
-              </a:rPr>
-              <a:t>Phone</a:t>
-            </a:r>
-            <a:endParaRPr lang="hu-HU" sz="2400" dirty="0">
-              <a:latin typeface="Times New Roman" panose="02020603050405020304" pitchFamily="18" charset="0"/>
-              <a:cs typeface="Times New Roman" panose="02020603050405020304" pitchFamily="18" charset="0"/>
-            </a:endParaRPr>
-          </a:p>
-          <a:p>
-            <a:endParaRPr lang="hu-HU" sz="2400" dirty="0">
-              <a:latin typeface="Times New Roman" panose="02020603050405020304" pitchFamily="18" charset="0"/>
-              <a:cs typeface="Times New Roman" panose="02020603050405020304" pitchFamily="18" charset="0"/>
-            </a:endParaRPr>
-          </a:p>
-        </p:txBody>
-      </p:sp>
-    </p:spTree>
-    <p:extLst>
-      <p:ext uri="{BB962C8B-B14F-4D97-AF65-F5344CB8AC3E}">
-        <p14:creationId xmlns:p14="http://schemas.microsoft.com/office/powerpoint/2010/main" val="1350070956"/>
-      </p:ext>
-    </p:extLst>
-  </p:cSld>
-  <p:clrMapOvr>
-    <a:masterClrMapping/>
-  </p:clrMapOvr>
-</p:sld>
-</file>
-
-<file path=ppt/slides/slide7.xml><?xml version="1.0" encoding="utf-8"?>
-<p:sld xmlns:a="http://schemas.openxmlformats.org/drawingml/2006/main" xmlns:r="http://schemas.openxmlformats.org/officeDocument/2006/relationships" xmlns:p="http://schemas.openxmlformats.org/presentationml/2006/main">
-  <p:cSld>
-    <p:spTree>
-      <p:nvGrpSpPr>
-        <p:cNvPr id="1" name=""/>
-        <p:cNvGrpSpPr/>
-        <p:nvPr/>
-      </p:nvGrpSpPr>
-      <p:grpSpPr>
-        <a:xfrm>
-          <a:off x="0" y="0"/>
-          <a:ext cx="0" cy="0"/>
-          <a:chOff x="0" y="0"/>
-          <a:chExt cx="0" cy="0"/>
-        </a:xfrm>
-      </p:grpSpPr>
-      <p:pic>
-        <p:nvPicPr>
-          <p:cNvPr id="5" name="Kép 4"/>
-          <p:cNvPicPr>
-            <a:picLocks noChangeAspect="1"/>
-          </p:cNvPicPr>
-          <p:nvPr/>
-        </p:nvPicPr>
-        <p:blipFill>
-          <a:blip r:embed="rId2"/>
-          <a:stretch>
-            <a:fillRect/>
-          </a:stretch>
-        </p:blipFill>
-        <p:spPr>
-          <a:xfrm>
-            <a:off x="1033336" y="1521337"/>
-            <a:ext cx="10661359" cy="314961"/>
-          </a:xfrm>
-          <a:prstGeom prst="rect">
-            <a:avLst/>
-          </a:prstGeom>
-        </p:spPr>
-      </p:pic>
-      <p:sp>
-        <p:nvSpPr>
-          <p:cNvPr id="2" name="Cím 1"/>
-          <p:cNvSpPr>
-            <a:spLocks noGrp="1"/>
-          </p:cNvSpPr>
-          <p:nvPr>
-            <p:ph type="title"/>
-          </p:nvPr>
-        </p:nvSpPr>
-        <p:spPr>
-          <a:xfrm>
-            <a:off x="460756" y="419100"/>
-            <a:ext cx="5050028" cy="715587"/>
-          </a:xfrm>
-        </p:spPr>
-        <p:txBody>
-          <a:bodyPr>
-            <a:noAutofit/>
-          </a:bodyPr>
-          <a:lstStyle/>
-          <a:p>
-            <a:endParaRPr lang="hu-HU" sz="4300" dirty="0">
-              <a:latin typeface="Times New Roman" panose="02020603050405020304" pitchFamily="18" charset="0"/>
-              <a:cs typeface="Times New Roman" panose="02020603050405020304" pitchFamily="18" charset="0"/>
-            </a:endParaRPr>
-          </a:p>
-        </p:txBody>
-      </p:sp>
-      <p:sp>
-        <p:nvSpPr>
-          <p:cNvPr id="3" name="Tartalom helye 2"/>
-          <p:cNvSpPr>
-            <a:spLocks noGrp="1"/>
-          </p:cNvSpPr>
-          <p:nvPr>
-            <p:ph idx="1"/>
-          </p:nvPr>
-        </p:nvSpPr>
-        <p:spPr>
-          <a:xfrm>
-            <a:off x="819216" y="2222948"/>
-            <a:ext cx="4161857" cy="3529932"/>
-          </a:xfrm>
-        </p:spPr>
-        <p:txBody>
-          <a:bodyPr>
-            <a:normAutofit/>
-          </a:bodyPr>
-          <a:lstStyle/>
-          <a:p>
-            <a:endParaRPr lang="hu-HU" sz="2400" dirty="0">
-              <a:latin typeface="Times New Roman" panose="02020603050405020304" pitchFamily="18" charset="0"/>
-              <a:cs typeface="Times New Roman" panose="02020603050405020304" pitchFamily="18" charset="0"/>
-            </a:endParaRPr>
-          </a:p>
-        </p:txBody>
-      </p:sp>
-    </p:spTree>
-    <p:extLst>
-      <p:ext uri="{BB962C8B-B14F-4D97-AF65-F5344CB8AC3E}">
-        <p14:creationId xmlns:p14="http://schemas.microsoft.com/office/powerpoint/2010/main" val="3838305485"/>
-      </p:ext>
-    </p:extLst>
-  </p:cSld>
-  <p:clrMapOvr>
-    <a:masterClrMapping/>
-  </p:clrMapOvr>
-</p:sld>
-</file>
-
-<file path=ppt/slides/slide8.xml><?xml version="1.0" encoding="utf-8"?>
-<p:sld xmlns:a="http://schemas.openxmlformats.org/drawingml/2006/main" xmlns:r="http://schemas.openxmlformats.org/officeDocument/2006/relationships" xmlns:p="http://schemas.openxmlformats.org/presentationml/2006/main">
-  <p:cSld>
-    <p:spTree>
-      <p:nvGrpSpPr>
-        <p:cNvPr id="1" name=""/>
-        <p:cNvGrpSpPr/>
-        <p:nvPr/>
-      </p:nvGrpSpPr>
-      <p:grpSpPr>
-        <a:xfrm>
-          <a:off x="0" y="0"/>
-          <a:ext cx="0" cy="0"/>
-          <a:chOff x="0" y="0"/>
-          <a:chExt cx="0" cy="0"/>
-        </a:xfrm>
-      </p:grpSpPr>
-      <p:sp>
-        <p:nvSpPr>
-          <p:cNvPr id="2" name="Cím 1"/>
-          <p:cNvSpPr>
-            <a:spLocks noGrp="1"/>
-          </p:cNvSpPr>
-          <p:nvPr>
-            <p:ph type="title"/>
-          </p:nvPr>
-        </p:nvSpPr>
-        <p:spPr>
-          <a:xfrm>
-            <a:off x="276727" y="541421"/>
-            <a:ext cx="4803006" cy="907181"/>
-          </a:xfrm>
-        </p:spPr>
-        <p:txBody>
-          <a:bodyPr>
-            <a:normAutofit/>
-          </a:bodyPr>
-          <a:lstStyle/>
-          <a:p>
-            <a:pPr algn="ctr"/>
-            <a:endParaRPr lang="hu-HU" sz="4300" dirty="0">
-              <a:latin typeface="Times New Roman" panose="02020603050405020304" pitchFamily="18" charset="0"/>
-              <a:cs typeface="Times New Roman" panose="02020603050405020304" pitchFamily="18" charset="0"/>
-            </a:endParaRPr>
-          </a:p>
-        </p:txBody>
-      </p:sp>
-      <p:sp>
-        <p:nvSpPr>
-          <p:cNvPr id="3" name="Tartalom helye 2"/>
-          <p:cNvSpPr>
-            <a:spLocks noGrp="1"/>
-          </p:cNvSpPr>
-          <p:nvPr>
-            <p:ph idx="1"/>
-          </p:nvPr>
-        </p:nvSpPr>
-        <p:spPr>
-          <a:xfrm>
-            <a:off x="1097280" y="1845734"/>
-            <a:ext cx="3366436" cy="3688792"/>
-          </a:xfrm>
-        </p:spPr>
-        <p:txBody>
-          <a:bodyPr>
-            <a:normAutofit/>
-          </a:bodyPr>
-          <a:lstStyle/>
-          <a:p>
-            <a:endParaRPr lang="hu-HU" sz="2400" dirty="0">
-              <a:latin typeface="Times New Roman" panose="02020603050405020304" pitchFamily="18" charset="0"/>
-              <a:cs typeface="Times New Roman" panose="02020603050405020304" pitchFamily="18" charset="0"/>
-            </a:endParaRPr>
-          </a:p>
-        </p:txBody>
-      </p:sp>
-      <p:pic>
-        <p:nvPicPr>
-          <p:cNvPr id="4" name="Kép 3"/>
-          <p:cNvPicPr>
-            <a:picLocks noChangeAspect="1"/>
-          </p:cNvPicPr>
-          <p:nvPr/>
-        </p:nvPicPr>
-        <p:blipFill>
-          <a:blip r:embed="rId2"/>
-          <a:stretch>
-            <a:fillRect/>
-          </a:stretch>
-        </p:blipFill>
-        <p:spPr>
-          <a:xfrm>
-            <a:off x="1097280" y="1530773"/>
-            <a:ext cx="10101263" cy="314961"/>
-          </a:xfrm>
-          <a:prstGeom prst="rect">
-            <a:avLst/>
-          </a:prstGeom>
-        </p:spPr>
-      </p:pic>
-    </p:spTree>
-    <p:extLst>
-      <p:ext uri="{BB962C8B-B14F-4D97-AF65-F5344CB8AC3E}">
-        <p14:creationId xmlns:p14="http://schemas.microsoft.com/office/powerpoint/2010/main" val="1502694442"/>
-      </p:ext>
-    </p:extLst>
-  </p:cSld>
-  <p:clrMapOvr>
-    <a:masterClrMapping/>
-  </p:clrMapOvr>
+  <p:timing>
+    <p:tnLst>
+      <p:par>
+        <p:cTn id="1" dur="indefinite" restart="never" nodeType="tmRoot"/>
+      </p:par>
+    </p:tnLst>
+  </p:timing>
 </p:sld>
 </file>
 
@@ -5466,9 +5991,112 @@
           <a:chExt cx="0" cy="0"/>
         </a:xfrm>
       </p:grpSpPr>
+      <p:sp>
+        <p:nvSpPr>
+          <p:cNvPr id="2" name="Cím 1"/>
+          <p:cNvSpPr>
+            <a:spLocks noGrp="1"/>
+          </p:cNvSpPr>
+          <p:nvPr>
+            <p:ph type="title"/>
+          </p:nvPr>
+        </p:nvSpPr>
+        <p:spPr>
+          <a:xfrm>
+            <a:off x="2598821" y="186538"/>
+            <a:ext cx="6749716" cy="1765718"/>
+          </a:xfrm>
+        </p:spPr>
+        <p:txBody>
+          <a:bodyPr>
+            <a:normAutofit fontScale="90000"/>
+          </a:bodyPr>
+          <a:lstStyle/>
+          <a:p>
+            <a:r>
+              <a:rPr lang="hu-HU" dirty="0">
+                <a:latin typeface="Times New Roman" panose="02020603050405020304" pitchFamily="18" charset="0"/>
+                <a:cs typeface="Times New Roman" panose="02020603050405020304" pitchFamily="18" charset="0"/>
+              </a:rPr>
+              <a:t>Operációs rendszer változatok</a:t>
+            </a:r>
+            <a:br>
+              <a:rPr lang="hu-HU" dirty="0">
+                <a:latin typeface="Times New Roman" panose="02020603050405020304" pitchFamily="18" charset="0"/>
+                <a:cs typeface="Times New Roman" panose="02020603050405020304" pitchFamily="18" charset="0"/>
+              </a:rPr>
+            </a:br>
+            <a:endParaRPr lang="hu-HU" sz="4300" dirty="0">
+              <a:latin typeface="Times New Roman" panose="02020603050405020304" pitchFamily="18" charset="0"/>
+              <a:cs typeface="Times New Roman" panose="02020603050405020304" pitchFamily="18" charset="0"/>
+            </a:endParaRPr>
+          </a:p>
+        </p:txBody>
+      </p:sp>
+      <p:sp>
+        <p:nvSpPr>
+          <p:cNvPr id="3" name="Tartalom helye 2"/>
+          <p:cNvSpPr>
+            <a:spLocks noGrp="1"/>
+          </p:cNvSpPr>
+          <p:nvPr>
+            <p:ph idx="1"/>
+          </p:nvPr>
+        </p:nvSpPr>
+        <p:spPr>
+          <a:xfrm>
+            <a:off x="854242" y="1867035"/>
+            <a:ext cx="2995863" cy="1850723"/>
+          </a:xfrm>
+        </p:spPr>
+        <p:txBody>
+          <a:bodyPr>
+            <a:normAutofit/>
+          </a:bodyPr>
+          <a:lstStyle/>
+          <a:p>
+            <a:r>
+              <a:rPr lang="hu-HU" sz="2400" dirty="0">
+                <a:latin typeface="Times New Roman" panose="02020603050405020304" pitchFamily="18" charset="0"/>
+                <a:cs typeface="Times New Roman" panose="02020603050405020304" pitchFamily="18" charset="0"/>
+              </a:rPr>
+              <a:t>Microsoft Windows</a:t>
+            </a:r>
+          </a:p>
+          <a:p>
+            <a:r>
+              <a:rPr lang="hu-HU" sz="2400" dirty="0">
+                <a:latin typeface="Times New Roman" panose="02020603050405020304" pitchFamily="18" charset="0"/>
+                <a:cs typeface="Times New Roman" panose="02020603050405020304" pitchFamily="18" charset="0"/>
+              </a:rPr>
+              <a:t>Linux</a:t>
+            </a:r>
+          </a:p>
+          <a:p>
+            <a:r>
+              <a:rPr lang="hu-HU" sz="2400" dirty="0">
+                <a:latin typeface="Times New Roman" panose="02020603050405020304" pitchFamily="18" charset="0"/>
+                <a:cs typeface="Times New Roman" panose="02020603050405020304" pitchFamily="18" charset="0"/>
+              </a:rPr>
+              <a:t>Mac OS </a:t>
+            </a:r>
+            <a:r>
+              <a:rPr lang="hu-HU" sz="2400" dirty="0" smtClean="0">
+                <a:latin typeface="Times New Roman" panose="02020603050405020304" pitchFamily="18" charset="0"/>
+                <a:cs typeface="Times New Roman" panose="02020603050405020304" pitchFamily="18" charset="0"/>
+              </a:rPr>
+              <a:t>X</a:t>
+            </a:r>
+            <a:endParaRPr lang="hu-HU" sz="2400" dirty="0">
+              <a:latin typeface="Times New Roman" panose="02020603050405020304" pitchFamily="18" charset="0"/>
+              <a:cs typeface="Times New Roman" panose="02020603050405020304" pitchFamily="18" charset="0"/>
+            </a:endParaRPr>
+          </a:p>
+        </p:txBody>
+      </p:sp>
       <p:pic>
         <p:nvPicPr>
-          <p:cNvPr id="5" name="Kép 4"/>
+          <p:cNvPr id="4" name="Kép 3"/>
           <p:cNvPicPr>
             <a:picLocks noChangeAspect="1"/>
           </p:cNvPicPr>
@@ -5482,8 +6110,8 @@
         </p:blipFill>
         <p:spPr>
           <a:xfrm>
-            <a:off x="1182686" y="1578889"/>
-            <a:ext cx="10164763" cy="316941"/>
+            <a:off x="1073217" y="1552075"/>
+            <a:ext cx="10513193" cy="314961"/>
           </a:xfrm>
           <a:prstGeom prst="rect">
             <a:avLst/>
@@ -5492,72 +6120,203 @@
       </p:pic>
       <p:sp>
         <p:nvSpPr>
-          <p:cNvPr id="2" name="Cím 1"/>
-          <p:cNvSpPr>
-            <a:spLocks noGrp="1"/>
-          </p:cNvSpPr>
-          <p:nvPr>
-            <p:ph type="title"/>
-          </p:nvPr>
-        </p:nvSpPr>
-        <p:spPr>
-          <a:xfrm>
-            <a:off x="1182686" y="709585"/>
-            <a:ext cx="4839716" cy="709433"/>
-          </a:xfrm>
-        </p:spPr>
-        <p:txBody>
-          <a:bodyPr>
-            <a:normAutofit/>
+          <p:cNvPr id="6" name="Szövegdoboz 5"/>
+          <p:cNvSpPr txBox="1"/>
+          <p:nvPr/>
+        </p:nvSpPr>
+        <p:spPr>
+          <a:xfrm>
+            <a:off x="7157390" y="2007566"/>
+            <a:ext cx="3705726" cy="1569660"/>
+          </a:xfrm>
+          <a:prstGeom prst="rect">
+            <a:avLst/>
+          </a:prstGeom>
+          <a:noFill/>
+        </p:spPr>
+        <p:txBody>
+          <a:bodyPr wrap="square" rtlCol="0">
+            <a:spAutoFit/>
           </a:bodyPr>
           <a:lstStyle/>
           <a:p>
-            <a:endParaRPr lang="hu-HU" sz="4300" dirty="0">
-              <a:latin typeface="Times New Roman" panose="02020603050405020304" pitchFamily="18" charset="0"/>
-              <a:cs typeface="Times New Roman" panose="02020603050405020304" pitchFamily="18" charset="0"/>
-            </a:endParaRPr>
-          </a:p>
-        </p:txBody>
-      </p:sp>
-      <p:sp>
-        <p:nvSpPr>
-          <p:cNvPr id="3" name="Tartalom helye 2"/>
-          <p:cNvSpPr>
-            <a:spLocks noGrp="1"/>
-          </p:cNvSpPr>
-          <p:nvPr>
-            <p:ph idx="1"/>
-          </p:nvPr>
-        </p:nvSpPr>
-        <p:spPr>
-          <a:xfrm>
-            <a:off x="825500" y="2093136"/>
-            <a:ext cx="2959100" cy="3673475"/>
-          </a:xfrm>
-        </p:spPr>
-        <p:txBody>
-          <a:bodyPr>
-            <a:normAutofit/>
-          </a:bodyPr>
-          <a:lstStyle/>
-          <a:p>
+            <a:r>
+              <a:rPr lang="hu-HU" sz="2400" dirty="0" err="1">
+                <a:latin typeface="Times New Roman" panose="02020603050405020304" pitchFamily="18" charset="0"/>
+                <a:cs typeface="Times New Roman" panose="02020603050405020304" pitchFamily="18" charset="0"/>
+              </a:rPr>
+              <a:t>Android</a:t>
+            </a:r>
             <a:endParaRPr lang="hu-HU" sz="2400" dirty="0">
               <a:latin typeface="Times New Roman" panose="02020603050405020304" pitchFamily="18" charset="0"/>
               <a:cs typeface="Times New Roman" panose="02020603050405020304" pitchFamily="18" charset="0"/>
             </a:endParaRPr>
           </a:p>
+          <a:p>
+            <a:r>
+              <a:rPr lang="hu-HU" sz="2400" dirty="0">
+                <a:latin typeface="Times New Roman" panose="02020603050405020304" pitchFamily="18" charset="0"/>
+                <a:cs typeface="Times New Roman" panose="02020603050405020304" pitchFamily="18" charset="0"/>
+              </a:rPr>
+              <a:t>IOS</a:t>
+            </a:r>
+          </a:p>
+          <a:p>
+            <a:r>
+              <a:rPr lang="hu-HU" sz="2400" dirty="0">
+                <a:latin typeface="Times New Roman" panose="02020603050405020304" pitchFamily="18" charset="0"/>
+                <a:cs typeface="Times New Roman" panose="02020603050405020304" pitchFamily="18" charset="0"/>
+              </a:rPr>
+              <a:t>Windows </a:t>
+            </a:r>
+            <a:r>
+              <a:rPr lang="hu-HU" sz="2400" dirty="0" err="1">
+                <a:latin typeface="Times New Roman" panose="02020603050405020304" pitchFamily="18" charset="0"/>
+                <a:cs typeface="Times New Roman" panose="02020603050405020304" pitchFamily="18" charset="0"/>
+              </a:rPr>
+              <a:t>Phone</a:t>
+            </a:r>
+            <a:endParaRPr lang="hu-HU" sz="2400" dirty="0">
+              <a:latin typeface="Times New Roman" panose="02020603050405020304" pitchFamily="18" charset="0"/>
+              <a:cs typeface="Times New Roman" panose="02020603050405020304" pitchFamily="18" charset="0"/>
+            </a:endParaRPr>
+          </a:p>
+          <a:p>
+            <a:endParaRPr lang="hu-HU" sz="2400" dirty="0">
+              <a:latin typeface="Times New Roman" panose="02020603050405020304" pitchFamily="18" charset="0"/>
+              <a:cs typeface="Times New Roman" panose="02020603050405020304" pitchFamily="18" charset="0"/>
+            </a:endParaRPr>
+          </a:p>
+        </p:txBody>
+      </p:sp>
+      <p:pic>
+        <p:nvPicPr>
+          <p:cNvPr id="5122" name="Picture 2" descr="Home | Windows Blog"/>
+          <p:cNvPicPr>
+            <a:picLocks noChangeAspect="1" noChangeArrowheads="1"/>
+          </p:cNvPicPr>
+          <p:nvPr/>
+        </p:nvPicPr>
+        <p:blipFill>
+          <a:blip r:embed="rId3" cstate="print">
+            <a:extLst>
+              <a:ext uri="{28A0092B-C50C-407E-A947-70E740481C1C}">
+                <a14:useLocalDpi xmlns:a14="http://schemas.microsoft.com/office/drawing/2010/main" val="0"/>
+              </a:ext>
+            </a:extLst>
+          </a:blip>
+          <a:srcRect/>
+          <a:stretch>
+            <a:fillRect/>
+          </a:stretch>
+        </p:blipFill>
+        <p:spPr bwMode="auto">
+          <a:xfrm>
+            <a:off x="2911933" y="2796363"/>
+            <a:ext cx="3566735" cy="1872536"/>
+          </a:xfrm>
+          <a:prstGeom prst="rect">
+            <a:avLst/>
+          </a:prstGeom>
+          <a:noFill/>
+          <a:extLst>
+            <a:ext uri="{909E8E84-426E-40DD-AFC4-6F175D3DCCD1}">
+              <a14:hiddenFill xmlns:a14="http://schemas.microsoft.com/office/drawing/2010/main">
+                <a:solidFill>
+                  <a:srgbClr val="FFFFFF"/>
+                </a:solidFill>
+              </a14:hiddenFill>
+            </a:ext>
+          </a:extLst>
+        </p:spPr>
+      </p:pic>
+      <p:pic>
+        <p:nvPicPr>
+          <p:cNvPr id="5124" name="Picture 4" descr="Android | The platform pushing what's possible"/>
+          <p:cNvPicPr>
+            <a:picLocks noChangeAspect="1" noChangeArrowheads="1"/>
+          </p:cNvPicPr>
+          <p:nvPr/>
+        </p:nvPicPr>
+        <p:blipFill>
+          <a:blip r:embed="rId4">
+            <a:extLst>
+              <a:ext uri="{28A0092B-C50C-407E-A947-70E740481C1C}">
+                <a14:useLocalDpi xmlns:a14="http://schemas.microsoft.com/office/drawing/2010/main" val="0"/>
+              </a:ext>
+            </a:extLst>
+          </a:blip>
+          <a:srcRect/>
+          <a:stretch>
+            <a:fillRect/>
+          </a:stretch>
+        </p:blipFill>
+        <p:spPr bwMode="auto">
+          <a:xfrm>
+            <a:off x="7978799" y="3317793"/>
+            <a:ext cx="3437490" cy="1806026"/>
+          </a:xfrm>
+          <a:prstGeom prst="rect">
+            <a:avLst/>
+          </a:prstGeom>
+          <a:noFill/>
+          <a:extLst>
+            <a:ext uri="{909E8E84-426E-40DD-AFC4-6F175D3DCCD1}">
+              <a14:hiddenFill xmlns:a14="http://schemas.microsoft.com/office/drawing/2010/main">
+                <a:solidFill>
+                  <a:srgbClr val="FFFFFF"/>
+                </a:solidFill>
+              </a14:hiddenFill>
+            </a:ext>
+          </a:extLst>
+        </p:spPr>
+      </p:pic>
+      <p:sp>
+        <p:nvSpPr>
+          <p:cNvPr id="5" name="Szövegdoboz 4"/>
+          <p:cNvSpPr txBox="1"/>
+          <p:nvPr/>
+        </p:nvSpPr>
+        <p:spPr>
+          <a:xfrm>
+            <a:off x="3646967" y="5513006"/>
+            <a:ext cx="1422184" cy="215444"/>
+          </a:xfrm>
+          <a:prstGeom prst="rect">
+            <a:avLst/>
+          </a:prstGeom>
+          <a:noFill/>
+        </p:spPr>
+        <p:txBody>
+          <a:bodyPr wrap="none" rtlCol="0">
+            <a:spAutoFit/>
+          </a:bodyPr>
+          <a:lstStyle/>
+          <a:p>
+            <a:r>
+              <a:rPr lang="hu-HU" sz="800" dirty="0"/>
+              <a:t>https://tinyurl.com/2aw7xj4a</a:t>
+            </a:r>
+          </a:p>
         </p:txBody>
       </p:sp>
     </p:spTree>
     <p:extLst>
       <p:ext uri="{BB962C8B-B14F-4D97-AF65-F5344CB8AC3E}">
-        <p14:creationId xmlns:p14="http://schemas.microsoft.com/office/powerpoint/2010/main" val="1474880856"/>
+        <p14:creationId xmlns:p14="http://schemas.microsoft.com/office/powerpoint/2010/main" val="1350070956"/>
       </p:ext>
     </p:extLst>
   </p:cSld>
   <p:clrMapOvr>
     <a:masterClrMapping/>
   </p:clrMapOvr>
+  <p:timing>
+    <p:tnLst>
+      <p:par>
+        <p:cTn id="1" dur="indefinite" restart="never" nodeType="tmRoot"/>
+      </p:par>
+    </p:tnLst>
+  </p:timing>
 </p:sld>
 </file>
 
@@ -5845,15 +6604,6 @@
 </file>
 
 <file path=customXml/item1.xml><?xml version="1.0" encoding="utf-8"?>
-<?mso-contentType ?>
-<FormTemplates xmlns="http://schemas.microsoft.com/sharepoint/v3/contenttype/forms">
-  <Display>DocumentLibraryForm</Display>
-  <Edit>DocumentLibraryForm</Edit>
-  <New>DocumentLibraryForm</New>
-</FormTemplates>
-</file>
-
-<file path=customXml/item2.xml><?xml version="1.0" encoding="utf-8"?>
 <ct:contentTypeSchema xmlns:ct="http://schemas.microsoft.com/office/2006/metadata/contentType" xmlns:ma="http://schemas.microsoft.com/office/2006/metadata/properties/metaAttributes" ct:_="" ma:_="" ma:contentTypeName="Dokumentum" ma:contentTypeID="0x010100CD77C0BABE2EC74395F8CE7BF47B96A4" ma:contentTypeVersion="3" ma:contentTypeDescription="Új dokumentum létrehozása." ma:contentTypeScope="" ma:versionID="223336d302af066c8bce88bcd733e1b3">
   <xsd:schema xmlns:xsd="http://www.w3.org/2001/XMLSchema" xmlns:xs="http://www.w3.org/2001/XMLSchema" xmlns:p="http://schemas.microsoft.com/office/2006/metadata/properties" xmlns:ns2="cda7f449-9791-4026-adf0-6249e0f1a277" targetNamespace="http://schemas.microsoft.com/office/2006/metadata/properties" ma:root="true" ma:fieldsID="0df44673f79e6bec3f9c853bca4d137d" ns2:_="">
     <xsd:import namespace="cda7f449-9791-4026-adf0-6249e0f1a277"/>
@@ -5991,6 +6741,15 @@
 </ct:contentTypeSchema>
 </file>
 
+<file path=customXml/item2.xml><?xml version="1.0" encoding="utf-8"?>
+<?mso-contentType ?>
+<FormTemplates xmlns="http://schemas.microsoft.com/sharepoint/v3/contenttype/forms">
+  <Display>DocumentLibraryForm</Display>
+  <Edit>DocumentLibraryForm</Edit>
+  <New>DocumentLibraryForm</New>
+</FormTemplates>
+</file>
+
 <file path=customXml/item3.xml><?xml version="1.0" encoding="utf-8"?>
 <p:properties xmlns:p="http://schemas.microsoft.com/office/2006/metadata/properties" xmlns:xsi="http://www.w3.org/2001/XMLSchema-instance" xmlns:pc="http://schemas.microsoft.com/office/infopath/2007/PartnerControls">
   <documentManagement>
@@ -6000,14 +6759,6 @@
 </file>
 
 <file path=customXml/itemProps1.xml><?xml version="1.0" encoding="utf-8"?>
-<ds:datastoreItem xmlns:ds="http://schemas.openxmlformats.org/officeDocument/2006/customXml" ds:itemID="{B114293F-6EE4-4834-97C1-1E9AD42354D9}">
-  <ds:schemaRefs>
-    <ds:schemaRef ds:uri="http://schemas.microsoft.com/sharepoint/v3/contenttype/forms"/>
-  </ds:schemaRefs>
-</ds:datastoreItem>
-</file>
-
-<file path=customXml/itemProps2.xml><?xml version="1.0" encoding="utf-8"?>
 <ds:datastoreItem xmlns:ds="http://schemas.openxmlformats.org/officeDocument/2006/customXml" ds:itemID="{E3819425-6C3A-4E76-BE76-D4FC8AB59E43}">
   <ds:schemaRefs>
     <ds:schemaRef ds:uri="http://schemas.microsoft.com/office/2006/metadata/contentType"/>
@@ -6025,6 +6776,14 @@
 </ds:datastoreItem>
 </file>
 
+<file path=customXml/itemProps2.xml><?xml version="1.0" encoding="utf-8"?>
+<ds:datastoreItem xmlns:ds="http://schemas.openxmlformats.org/officeDocument/2006/customXml" ds:itemID="{B114293F-6EE4-4834-97C1-1E9AD42354D9}">
+  <ds:schemaRefs>
+    <ds:schemaRef ds:uri="http://schemas.microsoft.com/sharepoint/v3/contenttype/forms"/>
+  </ds:schemaRefs>
+</ds:datastoreItem>
+</file>
+
 <file path=customXml/itemProps3.xml><?xml version="1.0" encoding="utf-8"?>
 <ds:datastoreItem xmlns:ds="http://schemas.openxmlformats.org/officeDocument/2006/customXml" ds:itemID="{B47C1B41-847B-4982-A61B-2DE97E148F4F}">
   <ds:schemaRefs>
